--- a/slides/Introduction to Kubernetes.pptx
+++ b/slides/Introduction to Kubernetes.pptx
@@ -109,22 +109,27 @@
       </a:defRPr>
     </a:lvl9pPr>
   </p:defaultTextStyle>
+  <p:extLst>
+    <p:ext uri="{EFAFB233-063F-42B5-8137-9DF3F51BA10A}">
+      <p15:sldGuideLst xmlns:p15="http://schemas.microsoft.com/office/powerpoint/2012/main"/>
+    </p:ext>
+  </p:extLst>
 </p:presentation>
 </file>
 
 <file path=ppt/diagrams/colors1.xml><?xml version="1.0" encoding="utf-8"?>
-<dgm:colorsDef xmlns:dgm="http://schemas.openxmlformats.org/drawingml/2006/diagram" xmlns:a="http://schemas.openxmlformats.org/drawingml/2006/main" uniqueId="urn:microsoft.com/office/officeart/2018/5/colors/Iconchunking_neutralicon_accent0_3">
+<dgm:colorsDef xmlns:dgm="http://schemas.openxmlformats.org/drawingml/2006/diagram" xmlns:a="http://schemas.openxmlformats.org/drawingml/2006/main" uniqueId="urn:microsoft.com/office/officeart/2005/8/colors/accent1_2">
   <dgm:title val=""/>
   <dgm:desc val=""/>
   <dgm:catLst>
-    <dgm:cat type="mainScheme" pri="10300"/>
+    <dgm:cat type="accent1" pri="11200"/>
   </dgm:catLst>
   <dgm:styleLbl name="node0">
     <dgm:fillClrLst meth="repeat">
-      <a:schemeClr val="dk2"/>
+      <a:schemeClr val="accent1"/>
     </dgm:fillClrLst>
     <dgm:linClrLst meth="repeat">
-      <a:schemeClr val="lt2"/>
+      <a:schemeClr val="lt1"/>
     </dgm:linClrLst>
     <dgm:effectClrLst/>
     <dgm:txLinClrLst/>
@@ -133,10 +138,10 @@
   </dgm:styleLbl>
   <dgm:styleLbl name="alignNode1">
     <dgm:fillClrLst meth="repeat">
-      <a:schemeClr val="dk2"/>
+      <a:schemeClr val="accent1"/>
     </dgm:fillClrLst>
     <dgm:linClrLst meth="repeat">
-      <a:schemeClr val="dk2"/>
+      <a:schemeClr val="accent1"/>
     </dgm:linClrLst>
     <dgm:effectClrLst/>
     <dgm:txLinClrLst/>
@@ -145,142 +150,134 @@
   </dgm:styleLbl>
   <dgm:styleLbl name="node1">
     <dgm:fillClrLst meth="repeat">
-      <a:schemeClr val="bg1"/>
+      <a:schemeClr val="accent1"/>
     </dgm:fillClrLst>
     <dgm:linClrLst meth="repeat">
-      <a:schemeClr val="lt2">
-        <a:alpha val="0"/>
-      </a:schemeClr>
-    </dgm:linClrLst>
-    <dgm:effectClrLst/>
-    <dgm:txLinClrLst/>
-    <dgm:txFillClrLst meth="repeat">
-      <a:schemeClr val="dk1"/>
-    </dgm:txFillClrLst>
-    <dgm:txEffectClrLst/>
-  </dgm:styleLbl>
-  <dgm:styleLbl name="lnNode1">
-    <dgm:fillClrLst meth="repeat">
-      <a:schemeClr val="dk2"/>
-    </dgm:fillClrLst>
-    <dgm:linClrLst meth="repeat">
-      <a:schemeClr val="lt2"/>
+      <a:schemeClr val="lt1"/>
     </dgm:linClrLst>
     <dgm:effectClrLst/>
     <dgm:txLinClrLst/>
     <dgm:txFillClrLst/>
     <dgm:txEffectClrLst/>
   </dgm:styleLbl>
-  <dgm:styleLbl name="vennNode1">
+  <dgm:styleLbl name="lnNode1">
     <dgm:fillClrLst meth="repeat">
-      <a:schemeClr val="dk2">
-        <a:alpha val="50000"/>
-      </a:schemeClr>
+      <a:schemeClr val="accent1"/>
     </dgm:fillClrLst>
     <dgm:linClrLst meth="repeat">
-      <a:schemeClr val="lt2"/>
+      <a:schemeClr val="lt1"/>
     </dgm:linClrLst>
     <dgm:effectClrLst/>
     <dgm:txLinClrLst/>
     <dgm:txFillClrLst/>
     <dgm:txEffectClrLst/>
   </dgm:styleLbl>
-  <dgm:styleLbl name="node2">
+  <dgm:styleLbl name="vennNode1">
     <dgm:fillClrLst meth="repeat">
-      <a:schemeClr val="dk2"/>
+      <a:schemeClr val="accent1">
+        <a:alpha val="50000"/>
+      </a:schemeClr>
     </dgm:fillClrLst>
     <dgm:linClrLst meth="repeat">
-      <a:schemeClr val="lt2"/>
+      <a:schemeClr val="lt1"/>
     </dgm:linClrLst>
     <dgm:effectClrLst/>
     <dgm:txLinClrLst/>
     <dgm:txFillClrLst/>
     <dgm:txEffectClrLst/>
   </dgm:styleLbl>
-  <dgm:styleLbl name="node3">
+  <dgm:styleLbl name="node2">
     <dgm:fillClrLst meth="repeat">
-      <a:schemeClr val="dk2"/>
+      <a:schemeClr val="accent1"/>
     </dgm:fillClrLst>
     <dgm:linClrLst meth="repeat">
-      <a:schemeClr val="lt2"/>
+      <a:schemeClr val="lt1"/>
     </dgm:linClrLst>
     <dgm:effectClrLst/>
     <dgm:txLinClrLst/>
     <dgm:txFillClrLst/>
     <dgm:txEffectClrLst/>
   </dgm:styleLbl>
-  <dgm:styleLbl name="node4">
+  <dgm:styleLbl name="node3">
     <dgm:fillClrLst meth="repeat">
-      <a:schemeClr val="dk2"/>
+      <a:schemeClr val="accent1"/>
     </dgm:fillClrLst>
     <dgm:linClrLst meth="repeat">
-      <a:schemeClr val="lt2"/>
+      <a:schemeClr val="lt1"/>
     </dgm:linClrLst>
     <dgm:effectClrLst/>
     <dgm:txLinClrLst/>
     <dgm:txFillClrLst/>
     <dgm:txEffectClrLst/>
   </dgm:styleLbl>
+  <dgm:styleLbl name="node4">
+    <dgm:fillClrLst meth="repeat">
+      <a:schemeClr val="accent1"/>
+    </dgm:fillClrLst>
+    <dgm:linClrLst meth="repeat">
+      <a:schemeClr val="lt1"/>
+    </dgm:linClrLst>
+    <dgm:effectClrLst/>
+    <dgm:txLinClrLst/>
+    <dgm:txFillClrLst/>
+    <dgm:txEffectClrLst/>
+  </dgm:styleLbl>
   <dgm:styleLbl name="fgImgPlace1">
     <dgm:fillClrLst meth="repeat">
-      <a:schemeClr val="dk2">
+      <a:schemeClr val="accent1">
         <a:tint val="50000"/>
       </a:schemeClr>
     </dgm:fillClrLst>
     <dgm:linClrLst meth="repeat">
-      <a:schemeClr val="lt2"/>
+      <a:schemeClr val="lt1"/>
     </dgm:linClrLst>
     <dgm:effectClrLst/>
     <dgm:txLinClrLst/>
     <dgm:txFillClrLst meth="repeat">
-      <a:schemeClr val="lt2"/>
+      <a:schemeClr val="lt1"/>
     </dgm:txFillClrLst>
     <dgm:txEffectClrLst/>
   </dgm:styleLbl>
   <dgm:styleLbl name="alignImgPlace1">
     <dgm:fillClrLst meth="repeat">
-      <a:schemeClr val="dk2">
+      <a:schemeClr val="accent1">
         <a:tint val="50000"/>
       </a:schemeClr>
     </dgm:fillClrLst>
     <dgm:linClrLst meth="repeat">
-      <a:schemeClr val="dk2">
-        <a:shade val="80000"/>
-      </a:schemeClr>
+      <a:schemeClr val="lt1"/>
     </dgm:linClrLst>
     <dgm:effectClrLst/>
     <dgm:txLinClrLst/>
     <dgm:txFillClrLst meth="repeat">
-      <a:schemeClr val="lt2"/>
+      <a:schemeClr val="lt1"/>
     </dgm:txFillClrLst>
     <dgm:txEffectClrLst/>
   </dgm:styleLbl>
   <dgm:styleLbl name="bgImgPlace1">
     <dgm:fillClrLst meth="repeat">
-      <a:schemeClr val="dk2">
+      <a:schemeClr val="accent1">
         <a:tint val="50000"/>
       </a:schemeClr>
     </dgm:fillClrLst>
     <dgm:linClrLst meth="repeat">
-      <a:schemeClr val="dk2">
-        <a:shade val="80000"/>
-      </a:schemeClr>
+      <a:schemeClr val="lt1"/>
     </dgm:linClrLst>
     <dgm:effectClrLst/>
     <dgm:txLinClrLst/>
     <dgm:txFillClrLst meth="repeat">
-      <a:schemeClr val="lt2"/>
+      <a:schemeClr val="lt1"/>
     </dgm:txFillClrLst>
     <dgm:txEffectClrLst/>
   </dgm:styleLbl>
   <dgm:styleLbl name="sibTrans2D1">
     <dgm:fillClrLst meth="repeat">
-      <a:schemeClr val="dk2">
+      <a:schemeClr val="accent1">
         <a:tint val="60000"/>
       </a:schemeClr>
     </dgm:fillClrLst>
     <dgm:linClrLst meth="repeat">
-      <a:schemeClr val="dk2">
+      <a:schemeClr val="accent1">
         <a:tint val="60000"/>
       </a:schemeClr>
     </dgm:linClrLst>
@@ -291,12 +288,12 @@
   </dgm:styleLbl>
   <dgm:styleLbl name="fgSibTrans2D1">
     <dgm:fillClrLst meth="repeat">
-      <a:schemeClr val="dk2">
+      <a:schemeClr val="accent1">
         <a:tint val="60000"/>
       </a:schemeClr>
     </dgm:fillClrLst>
     <dgm:linClrLst meth="repeat">
-      <a:schemeClr val="dk2">
+      <a:schemeClr val="accent1">
         <a:tint val="60000"/>
       </a:schemeClr>
     </dgm:linClrLst>
@@ -307,12 +304,12 @@
   </dgm:styleLbl>
   <dgm:styleLbl name="bgSibTrans2D1">
     <dgm:fillClrLst meth="repeat">
-      <a:schemeClr val="dk2">
+      <a:schemeClr val="accent1">
         <a:tint val="60000"/>
       </a:schemeClr>
     </dgm:fillClrLst>
     <dgm:linClrLst meth="repeat">
-      <a:schemeClr val="dk2">
+      <a:schemeClr val="accent1">
         <a:tint val="60000"/>
       </a:schemeClr>
     </dgm:linClrLst>
@@ -323,40 +320,40 @@
   </dgm:styleLbl>
   <dgm:styleLbl name="sibTrans1D1">
     <dgm:fillClrLst meth="repeat">
-      <a:schemeClr val="dk2"/>
+      <a:schemeClr val="accent1"/>
     </dgm:fillClrLst>
     <dgm:linClrLst meth="repeat">
-      <a:schemeClr val="dk2"/>
+      <a:schemeClr val="accent1"/>
     </dgm:linClrLst>
     <dgm:effectClrLst/>
     <dgm:txLinClrLst/>
     <dgm:txFillClrLst meth="repeat">
-      <a:schemeClr val="lt2"/>
+      <a:schemeClr val="tx1"/>
     </dgm:txFillClrLst>
     <dgm:txEffectClrLst/>
   </dgm:styleLbl>
   <dgm:styleLbl name="callout">
     <dgm:fillClrLst meth="repeat">
-      <a:schemeClr val="dk2"/>
+      <a:schemeClr val="accent1"/>
     </dgm:fillClrLst>
     <dgm:linClrLst meth="repeat">
-      <a:schemeClr val="dk2">
+      <a:schemeClr val="accent1">
         <a:tint val="50000"/>
       </a:schemeClr>
     </dgm:linClrLst>
     <dgm:effectClrLst/>
     <dgm:txLinClrLst/>
     <dgm:txFillClrLst meth="repeat">
-      <a:schemeClr val="lt2"/>
+      <a:schemeClr val="tx1"/>
     </dgm:txFillClrLst>
     <dgm:txEffectClrLst/>
   </dgm:styleLbl>
   <dgm:styleLbl name="asst0">
     <dgm:fillClrLst meth="repeat">
-      <a:schemeClr val="dk2"/>
+      <a:schemeClr val="accent1"/>
     </dgm:fillClrLst>
     <dgm:linClrLst meth="repeat">
-      <a:schemeClr val="lt2"/>
+      <a:schemeClr val="lt1"/>
     </dgm:linClrLst>
     <dgm:effectClrLst/>
     <dgm:txLinClrLst/>
@@ -365,10 +362,10 @@
   </dgm:styleLbl>
   <dgm:styleLbl name="asst1">
     <dgm:fillClrLst meth="repeat">
-      <a:schemeClr val="dk2"/>
+      <a:schemeClr val="accent1"/>
     </dgm:fillClrLst>
     <dgm:linClrLst meth="repeat">
-      <a:schemeClr val="lt2"/>
+      <a:schemeClr val="lt1"/>
     </dgm:linClrLst>
     <dgm:effectClrLst/>
     <dgm:txLinClrLst/>
@@ -377,10 +374,10 @@
   </dgm:styleLbl>
   <dgm:styleLbl name="asst2">
     <dgm:fillClrLst meth="repeat">
-      <a:schemeClr val="dk2"/>
+      <a:schemeClr val="accent1"/>
     </dgm:fillClrLst>
     <dgm:linClrLst meth="repeat">
-      <a:schemeClr val="lt2"/>
+      <a:schemeClr val="lt1"/>
     </dgm:linClrLst>
     <dgm:effectClrLst/>
     <dgm:txLinClrLst/>
@@ -389,10 +386,10 @@
   </dgm:styleLbl>
   <dgm:styleLbl name="asst3">
     <dgm:fillClrLst meth="repeat">
-      <a:schemeClr val="dk2"/>
+      <a:schemeClr val="accent1"/>
     </dgm:fillClrLst>
     <dgm:linClrLst meth="repeat">
-      <a:schemeClr val="lt2"/>
+      <a:schemeClr val="lt1"/>
     </dgm:linClrLst>
     <dgm:effectClrLst/>
     <dgm:txLinClrLst/>
@@ -401,10 +398,10 @@
   </dgm:styleLbl>
   <dgm:styleLbl name="asst4">
     <dgm:fillClrLst meth="repeat">
-      <a:schemeClr val="dk2"/>
+      <a:schemeClr val="accent1"/>
     </dgm:fillClrLst>
     <dgm:linClrLst meth="repeat">
-      <a:schemeClr val="lt2"/>
+      <a:schemeClr val="lt1"/>
     </dgm:linClrLst>
     <dgm:effectClrLst/>
     <dgm:txLinClrLst/>
@@ -413,70 +410,70 @@
   </dgm:styleLbl>
   <dgm:styleLbl name="parChTrans2D1">
     <dgm:fillClrLst meth="repeat">
-      <a:schemeClr val="dk2">
+      <a:schemeClr val="accent1">
         <a:tint val="60000"/>
       </a:schemeClr>
     </dgm:fillClrLst>
     <dgm:linClrLst meth="repeat">
-      <a:schemeClr val="dk2">
+      <a:schemeClr val="accent1">
         <a:tint val="60000"/>
       </a:schemeClr>
     </dgm:linClrLst>
     <dgm:effectClrLst/>
     <dgm:txLinClrLst/>
     <dgm:txFillClrLst meth="repeat">
-      <a:schemeClr val="lt2"/>
+      <a:schemeClr val="lt1"/>
     </dgm:txFillClrLst>
     <dgm:txEffectClrLst/>
   </dgm:styleLbl>
   <dgm:styleLbl name="parChTrans2D2">
     <dgm:fillClrLst meth="repeat">
-      <a:schemeClr val="dk2"/>
+      <a:schemeClr val="accent1"/>
     </dgm:fillClrLst>
     <dgm:linClrLst meth="repeat">
-      <a:schemeClr val="dk2"/>
+      <a:schemeClr val="accent1"/>
     </dgm:linClrLst>
     <dgm:effectClrLst/>
     <dgm:txLinClrLst/>
     <dgm:txFillClrLst meth="repeat">
-      <a:schemeClr val="lt2"/>
+      <a:schemeClr val="lt1"/>
     </dgm:txFillClrLst>
     <dgm:txEffectClrLst/>
   </dgm:styleLbl>
   <dgm:styleLbl name="parChTrans2D3">
     <dgm:fillClrLst meth="repeat">
-      <a:schemeClr val="dk2"/>
+      <a:schemeClr val="accent1"/>
     </dgm:fillClrLst>
     <dgm:linClrLst meth="repeat">
-      <a:schemeClr val="dk2"/>
+      <a:schemeClr val="accent1"/>
     </dgm:linClrLst>
     <dgm:effectClrLst/>
     <dgm:txLinClrLst/>
     <dgm:txFillClrLst meth="repeat">
-      <a:schemeClr val="lt2"/>
+      <a:schemeClr val="lt1"/>
     </dgm:txFillClrLst>
     <dgm:txEffectClrLst/>
   </dgm:styleLbl>
   <dgm:styleLbl name="parChTrans2D4">
     <dgm:fillClrLst meth="repeat">
-      <a:schemeClr val="dk2"/>
+      <a:schemeClr val="accent1"/>
     </dgm:fillClrLst>
     <dgm:linClrLst meth="repeat">
-      <a:schemeClr val="dk2"/>
+      <a:schemeClr val="accent1"/>
     </dgm:linClrLst>
     <dgm:effectClrLst/>
     <dgm:txLinClrLst/>
     <dgm:txFillClrLst meth="repeat">
-      <a:schemeClr val="lt2"/>
+      <a:schemeClr val="lt1"/>
     </dgm:txFillClrLst>
     <dgm:txEffectClrLst/>
   </dgm:styleLbl>
   <dgm:styleLbl name="parChTrans1D1">
     <dgm:fillClrLst meth="repeat">
-      <a:schemeClr val="dk2"/>
+      <a:schemeClr val="accent1"/>
     </dgm:fillClrLst>
     <dgm:linClrLst meth="repeat">
-      <a:schemeClr val="dk2">
+      <a:schemeClr val="accent1">
         <a:shade val="60000"/>
       </a:schemeClr>
     </dgm:linClrLst>
@@ -489,10 +486,10 @@
   </dgm:styleLbl>
   <dgm:styleLbl name="parChTrans1D2">
     <dgm:fillClrLst meth="repeat">
-      <a:schemeClr val="dk2"/>
+      <a:schemeClr val="accent1"/>
     </dgm:fillClrLst>
     <dgm:linClrLst meth="repeat">
-      <a:schemeClr val="dk2">
+      <a:schemeClr val="accent1">
         <a:shade val="60000"/>
       </a:schemeClr>
     </dgm:linClrLst>
@@ -505,10 +502,10 @@
   </dgm:styleLbl>
   <dgm:styleLbl name="parChTrans1D3">
     <dgm:fillClrLst meth="repeat">
-      <a:schemeClr val="dk2"/>
+      <a:schemeClr val="accent1"/>
     </dgm:fillClrLst>
     <dgm:linClrLst meth="repeat">
-      <a:schemeClr val="dk2">
+      <a:schemeClr val="accent1">
         <a:shade val="80000"/>
       </a:schemeClr>
     </dgm:linClrLst>
@@ -521,10 +518,10 @@
   </dgm:styleLbl>
   <dgm:styleLbl name="parChTrans1D4">
     <dgm:fillClrLst meth="repeat">
-      <a:schemeClr val="dk2"/>
+      <a:schemeClr val="accent1"/>
     </dgm:fillClrLst>
     <dgm:linClrLst meth="repeat">
-      <a:schemeClr val="dk2">
+      <a:schemeClr val="accent1">
         <a:shade val="80000"/>
       </a:schemeClr>
     </dgm:linClrLst>
@@ -537,12 +534,12 @@
   </dgm:styleLbl>
   <dgm:styleLbl name="fgAcc1">
     <dgm:fillClrLst meth="repeat">
-      <a:schemeClr val="lt2">
+      <a:schemeClr val="lt1">
         <a:alpha val="90000"/>
       </a:schemeClr>
     </dgm:fillClrLst>
     <dgm:linClrLst meth="repeat">
-      <a:schemeClr val="dk2"/>
+      <a:schemeClr val="accent1"/>
     </dgm:linClrLst>
     <dgm:effectClrLst/>
     <dgm:txLinClrLst/>
@@ -553,12 +550,12 @@
   </dgm:styleLbl>
   <dgm:styleLbl name="conFgAcc1">
     <dgm:fillClrLst meth="repeat">
-      <a:schemeClr val="lt2">
+      <a:schemeClr val="lt1">
         <a:alpha val="90000"/>
       </a:schemeClr>
     </dgm:fillClrLst>
     <dgm:linClrLst meth="repeat">
-      <a:schemeClr val="dk2"/>
+      <a:schemeClr val="accent1"/>
     </dgm:linClrLst>
     <dgm:effectClrLst/>
     <dgm:txLinClrLst/>
@@ -569,12 +566,12 @@
   </dgm:styleLbl>
   <dgm:styleLbl name="alignAcc1">
     <dgm:fillClrLst meth="repeat">
-      <a:schemeClr val="lt2">
+      <a:schemeClr val="lt1">
         <a:alpha val="90000"/>
       </a:schemeClr>
     </dgm:fillClrLst>
     <dgm:linClrLst meth="repeat">
-      <a:schemeClr val="dk2"/>
+      <a:schemeClr val="accent1"/>
     </dgm:linClrLst>
     <dgm:effectClrLst/>
     <dgm:txLinClrLst/>
@@ -585,12 +582,12 @@
   </dgm:styleLbl>
   <dgm:styleLbl name="trAlignAcc1">
     <dgm:fillClrLst meth="repeat">
-      <a:schemeClr val="lt2">
+      <a:schemeClr val="lt1">
         <a:alpha val="40000"/>
       </a:schemeClr>
     </dgm:fillClrLst>
     <dgm:linClrLst meth="repeat">
-      <a:schemeClr val="dk2"/>
+      <a:schemeClr val="accent1"/>
     </dgm:linClrLst>
     <dgm:effectClrLst/>
     <dgm:txLinClrLst/>
@@ -601,12 +598,12 @@
   </dgm:styleLbl>
   <dgm:styleLbl name="bgAcc1">
     <dgm:fillClrLst meth="repeat">
-      <a:schemeClr val="lt2">
+      <a:schemeClr val="lt1">
         <a:alpha val="90000"/>
       </a:schemeClr>
     </dgm:fillClrLst>
     <dgm:linClrLst meth="repeat">
-      <a:schemeClr val="dk2"/>
+      <a:schemeClr val="accent1"/>
     </dgm:linClrLst>
     <dgm:effectClrLst/>
     <dgm:txLinClrLst/>
@@ -617,10 +614,10 @@
   </dgm:styleLbl>
   <dgm:styleLbl name="solidFgAcc1">
     <dgm:fillClrLst meth="repeat">
-      <a:schemeClr val="lt2"/>
+      <a:schemeClr val="lt1"/>
     </dgm:fillClrLst>
     <dgm:linClrLst meth="repeat">
-      <a:schemeClr val="dk2"/>
+      <a:schemeClr val="accent1"/>
     </dgm:linClrLst>
     <dgm:effectClrLst/>
     <dgm:txLinClrLst/>
@@ -631,10 +628,10 @@
   </dgm:styleLbl>
   <dgm:styleLbl name="solidAlignAcc1">
     <dgm:fillClrLst meth="repeat">
-      <a:schemeClr val="lt2"/>
+      <a:schemeClr val="lt1"/>
     </dgm:fillClrLst>
     <dgm:linClrLst meth="repeat">
-      <a:schemeClr val="dk2"/>
+      <a:schemeClr val="accent1"/>
     </dgm:linClrLst>
     <dgm:effectClrLst/>
     <dgm:txLinClrLst/>
@@ -645,10 +642,10 @@
   </dgm:styleLbl>
   <dgm:styleLbl name="solidBgAcc1">
     <dgm:fillClrLst meth="repeat">
-      <a:schemeClr val="lt2"/>
+      <a:schemeClr val="lt1"/>
     </dgm:fillClrLst>
     <dgm:linClrLst meth="repeat">
-      <a:schemeClr val="dk2"/>
+      <a:schemeClr val="accent1"/>
     </dgm:linClrLst>
     <dgm:effectClrLst/>
     <dgm:txLinClrLst/>
@@ -659,13 +656,13 @@
   </dgm:styleLbl>
   <dgm:styleLbl name="fgAccFollowNode1">
     <dgm:fillClrLst meth="repeat">
-      <a:schemeClr val="dk2">
+      <a:schemeClr val="accent1">
         <a:alpha val="90000"/>
         <a:tint val="40000"/>
       </a:schemeClr>
     </dgm:fillClrLst>
     <dgm:linClrLst meth="repeat">
-      <a:schemeClr val="dk2">
+      <a:schemeClr val="accent1">
         <a:alpha val="90000"/>
         <a:tint val="40000"/>
       </a:schemeClr>
@@ -679,13 +676,13 @@
   </dgm:styleLbl>
   <dgm:styleLbl name="alignAccFollowNode1">
     <dgm:fillClrLst meth="repeat">
-      <a:schemeClr val="dk2">
+      <a:schemeClr val="accent1">
         <a:alpha val="90000"/>
         <a:tint val="40000"/>
       </a:schemeClr>
     </dgm:fillClrLst>
     <dgm:linClrLst meth="repeat">
-      <a:schemeClr val="dk2">
+      <a:schemeClr val="accent1">
         <a:alpha val="90000"/>
         <a:tint val="40000"/>
       </a:schemeClr>
@@ -699,13 +696,13 @@
   </dgm:styleLbl>
   <dgm:styleLbl name="bgAccFollowNode1">
     <dgm:fillClrLst meth="repeat">
-      <a:schemeClr val="dk2">
+      <a:schemeClr val="accent1">
         <a:alpha val="90000"/>
         <a:tint val="40000"/>
       </a:schemeClr>
     </dgm:fillClrLst>
     <dgm:linClrLst meth="repeat">
-      <a:schemeClr val="dk2">
+      <a:schemeClr val="accent1">
         <a:alpha val="90000"/>
         <a:tint val="40000"/>
       </a:schemeClr>
@@ -719,12 +716,12 @@
   </dgm:styleLbl>
   <dgm:styleLbl name="fgAcc0">
     <dgm:fillClrLst meth="repeat">
-      <a:schemeClr val="lt2">
+      <a:schemeClr val="lt1">
         <a:alpha val="90000"/>
       </a:schemeClr>
     </dgm:fillClrLst>
     <dgm:linClrLst meth="repeat">
-      <a:schemeClr val="dk2"/>
+      <a:schemeClr val="accent1"/>
     </dgm:linClrLst>
     <dgm:effectClrLst/>
     <dgm:txLinClrLst/>
@@ -735,12 +732,12 @@
   </dgm:styleLbl>
   <dgm:styleLbl name="fgAcc2">
     <dgm:fillClrLst meth="repeat">
-      <a:schemeClr val="lt2">
+      <a:schemeClr val="lt1">
         <a:alpha val="90000"/>
       </a:schemeClr>
     </dgm:fillClrLst>
     <dgm:linClrLst meth="repeat">
-      <a:schemeClr val="dk2"/>
+      <a:schemeClr val="accent1"/>
     </dgm:linClrLst>
     <dgm:effectClrLst/>
     <dgm:txLinClrLst/>
@@ -751,12 +748,12 @@
   </dgm:styleLbl>
   <dgm:styleLbl name="fgAcc3">
     <dgm:fillClrLst meth="repeat">
-      <a:schemeClr val="lt2">
+      <a:schemeClr val="lt1">
         <a:alpha val="90000"/>
       </a:schemeClr>
     </dgm:fillClrLst>
     <dgm:linClrLst meth="repeat">
-      <a:schemeClr val="dk2"/>
+      <a:schemeClr val="accent1"/>
     </dgm:linClrLst>
     <dgm:effectClrLst/>
     <dgm:txLinClrLst/>
@@ -767,12 +764,12 @@
   </dgm:styleLbl>
   <dgm:styleLbl name="fgAcc4">
     <dgm:fillClrLst meth="repeat">
-      <a:schemeClr val="lt2">
+      <a:schemeClr val="lt1">
         <a:alpha val="90000"/>
       </a:schemeClr>
     </dgm:fillClrLst>
     <dgm:linClrLst meth="repeat">
-      <a:schemeClr val="dk2"/>
+      <a:schemeClr val="accent1"/>
     </dgm:linClrLst>
     <dgm:effectClrLst/>
     <dgm:txLinClrLst/>
@@ -783,26 +780,28 @@
   </dgm:styleLbl>
   <dgm:styleLbl name="bgShp">
     <dgm:fillClrLst meth="repeat">
-      <a:schemeClr val="dk2"/>
+      <a:schemeClr val="accent1">
+        <a:tint val="40000"/>
+      </a:schemeClr>
     </dgm:fillClrLst>
     <dgm:linClrLst meth="repeat">
-      <a:schemeClr val="lt2">
-        <a:alpha val="0"/>
-      </a:schemeClr>
+      <a:schemeClr val="accent1"/>
     </dgm:linClrLst>
     <dgm:effectClrLst/>
     <dgm:txLinClrLst/>
-    <dgm:txFillClrLst/>
+    <dgm:txFillClrLst meth="repeat">
+      <a:schemeClr val="dk1"/>
+    </dgm:txFillClrLst>
     <dgm:txEffectClrLst/>
   </dgm:styleLbl>
   <dgm:styleLbl name="dkBgShp">
     <dgm:fillClrLst meth="repeat">
-      <a:schemeClr val="dk2">
+      <a:schemeClr val="accent1">
         <a:shade val="80000"/>
       </a:schemeClr>
     </dgm:fillClrLst>
     <dgm:linClrLst meth="repeat">
-      <a:schemeClr val="dk2"/>
+      <a:schemeClr val="accent1"/>
     </dgm:linClrLst>
     <dgm:effectClrLst/>
     <dgm:txLinClrLst/>
@@ -813,13 +812,13 @@
   </dgm:styleLbl>
   <dgm:styleLbl name="trBgShp">
     <dgm:fillClrLst meth="repeat">
-      <a:schemeClr val="dk2">
+      <a:schemeClr val="accent1">
         <a:tint val="50000"/>
         <a:alpha val="40000"/>
       </a:schemeClr>
     </dgm:fillClrLst>
     <dgm:linClrLst meth="repeat">
-      <a:schemeClr val="dk2"/>
+      <a:schemeClr val="accent1"/>
     </dgm:linClrLst>
     <dgm:effectClrLst/>
     <dgm:txLinClrLst/>
@@ -830,12 +829,12 @@
   </dgm:styleLbl>
   <dgm:styleLbl name="fgShp">
     <dgm:fillClrLst meth="repeat">
-      <a:schemeClr val="dk2">
+      <a:schemeClr val="accent1">
         <a:tint val="60000"/>
       </a:schemeClr>
     </dgm:fillClrLst>
     <dgm:linClrLst meth="repeat">
-      <a:schemeClr val="lt2"/>
+      <a:schemeClr val="lt1"/>
     </dgm:linClrLst>
     <dgm:effectClrLst/>
     <dgm:txLinClrLst/>
@@ -846,7 +845,7 @@
   </dgm:styleLbl>
   <dgm:styleLbl name="revTx">
     <dgm:fillClrLst meth="repeat">
-      <a:schemeClr val="lt2">
+      <a:schemeClr val="lt1">
         <a:alpha val="0"/>
       </a:schemeClr>
     </dgm:fillClrLst>
@@ -1617,35 +1616,25 @@
 <file path=ppt/diagrams/data1.xml><?xml version="1.0" encoding="utf-8"?>
 <dgm:dataModel xmlns:dgm="http://schemas.openxmlformats.org/drawingml/2006/diagram" xmlns:a="http://schemas.openxmlformats.org/drawingml/2006/main">
   <dgm:ptLst>
-    <dgm:pt modelId="{3DBF0EE8-367C-4375-94B1-9E9CB3871683}" type="doc">
-      <dgm:prSet loTypeId="urn:microsoft.com/office/officeart/2018/5/layout/IconCircleLabelList" loCatId="icon" qsTypeId="urn:microsoft.com/office/officeart/2005/8/quickstyle/simple1" qsCatId="simple" csTypeId="urn:microsoft.com/office/officeart/2018/5/colors/Iconchunking_neutralicon_accent0_3" csCatId="mainScheme" phldr="1"/>
+    <dgm:pt modelId="{9B71EC56-4720-44B7-84C9-0F922D83D3A9}" type="doc">
+      <dgm:prSet loTypeId="urn:microsoft.com/office/officeart/2005/8/layout/process1" loCatId="process" qsTypeId="urn:microsoft.com/office/officeart/2005/8/quickstyle/simple1" qsCatId="simple" csTypeId="urn:microsoft.com/office/officeart/2005/8/colors/accent1_2" csCatId="accent1" phldr="1"/>
+      <dgm:spPr/>
+    </dgm:pt>
+    <dgm:pt modelId="{D100BB1C-1708-4941-8DD3-231B1E8CEF5E}">
+      <dgm:prSet phldrT="[Text]"/>
       <dgm:spPr/>
       <dgm:t>
         <a:bodyPr/>
         <a:lstStyle/>
         <a:p>
-          <a:endParaRPr lang="en-US"/>
-        </a:p>
-      </dgm:t>
-    </dgm:pt>
-    <dgm:pt modelId="{7E27C5D4-997E-48B8-8A21-FBA69EF79580}">
-      <dgm:prSet/>
-      <dgm:spPr/>
-      <dgm:t>
-        <a:bodyPr/>
-        <a:lstStyle/>
-        <a:p>
-          <a:pPr>
-            <a:defRPr cap="all"/>
-          </a:pPr>
           <a:r>
-            <a:rPr lang="en-US"/>
-            <a:t>Definition</a:t>
+            <a:rPr lang="en-US" dirty="0"/>
+            <a:t>Build images</a:t>
           </a:r>
         </a:p>
       </dgm:t>
     </dgm:pt>
-    <dgm:pt modelId="{CF758B0D-FB8E-4F0D-A029-AF35D631D381}" type="parTrans" cxnId="{10A16ED5-4882-4C4C-94D0-BFD1654342B6}">
+    <dgm:pt modelId="{E7245061-0E5D-4D61-AA35-6CC075B05E7F}" type="parTrans" cxnId="{5E88F0D3-0D57-4C65-92F2-C974D7920273}">
       <dgm:prSet/>
       <dgm:spPr/>
       <dgm:t>
@@ -1656,7 +1645,7 @@
         </a:p>
       </dgm:t>
     </dgm:pt>
-    <dgm:pt modelId="{4CD02FEF-057A-4F87-8D81-3129894D4216}" type="sibTrans" cxnId="{10A16ED5-4882-4C4C-94D0-BFD1654342B6}">
+    <dgm:pt modelId="{C091EBF1-01D8-4E1B-BF1C-97C4160A71D0}" type="sibTrans" cxnId="{5E88F0D3-0D57-4C65-92F2-C974D7920273}">
       <dgm:prSet/>
       <dgm:spPr/>
       <dgm:t>
@@ -1667,24 +1656,21 @@
         </a:p>
       </dgm:t>
     </dgm:pt>
-    <dgm:pt modelId="{09AA3FA5-C356-4764-B956-E9614976BF0C}">
-      <dgm:prSet/>
+    <dgm:pt modelId="{0E3E498B-FEE3-417B-8EB9-8B8318661D3D}">
+      <dgm:prSet phldrT="[Text]"/>
       <dgm:spPr/>
       <dgm:t>
         <a:bodyPr/>
         <a:lstStyle/>
         <a:p>
-          <a:pPr>
-            <a:defRPr cap="all"/>
-          </a:pPr>
           <a:r>
-            <a:rPr lang="en-US"/>
-            <a:t>And typical container graph</a:t>
+            <a:rPr lang="en-US" dirty="0"/>
+            <a:t>Push into image repo</a:t>
           </a:r>
         </a:p>
       </dgm:t>
     </dgm:pt>
-    <dgm:pt modelId="{3D553AD9-0650-42DC-9DCC-37CA9136F27B}" type="parTrans" cxnId="{D3AE1FAD-B5E6-494F-BF4C-3912D619EE4C}">
+    <dgm:pt modelId="{62D166E0-827B-4715-9ECD-91E35BA07FEA}" type="parTrans" cxnId="{BFF6F4D9-422C-42F0-BCBD-449D45BA38C1}">
       <dgm:prSet/>
       <dgm:spPr/>
       <dgm:t>
@@ -1695,7 +1681,7 @@
         </a:p>
       </dgm:t>
     </dgm:pt>
-    <dgm:pt modelId="{F2CD4CFE-0D07-4A9D-BFCC-ABF1CB815509}" type="sibTrans" cxnId="{D3AE1FAD-B5E6-494F-BF4C-3912D619EE4C}">
+    <dgm:pt modelId="{819B96B5-B64F-4E8C-9BCE-3B20B3D16F4A}" type="sibTrans" cxnId="{BFF6F4D9-422C-42F0-BCBD-449D45BA38C1}">
       <dgm:prSet/>
       <dgm:spPr/>
       <dgm:t>
@@ -1706,8 +1692,44 @@
         </a:p>
       </dgm:t>
     </dgm:pt>
-    <dgm:pt modelId="{8C625353-C93D-4FB6-8958-C405FCB2BA44}" type="pres">
-      <dgm:prSet presAssocID="{3DBF0EE8-367C-4375-94B1-9E9CB3871683}" presName="root" presStyleCnt="0">
+    <dgm:pt modelId="{4A4F6799-61C6-4141-A60C-22C72F0F7DE8}">
+      <dgm:prSet phldrT="[Text]"/>
+      <dgm:spPr/>
+      <dgm:t>
+        <a:bodyPr/>
+        <a:lstStyle/>
+        <a:p>
+          <a:r>
+            <a:rPr lang="en-US" dirty="0"/>
+            <a:t>Run container (from repo)</a:t>
+          </a:r>
+        </a:p>
+      </dgm:t>
+    </dgm:pt>
+    <dgm:pt modelId="{EF1BEDBE-EDDC-4E76-B35A-8B2D6D10FA2A}" type="parTrans" cxnId="{741B1E4E-FC42-40AA-8C42-37F005EB35D5}">
+      <dgm:prSet/>
+      <dgm:spPr/>
+      <dgm:t>
+        <a:bodyPr/>
+        <a:lstStyle/>
+        <a:p>
+          <a:endParaRPr lang="en-US"/>
+        </a:p>
+      </dgm:t>
+    </dgm:pt>
+    <dgm:pt modelId="{D9724287-B48F-4577-BD94-1D85C550DEDF}" type="sibTrans" cxnId="{741B1E4E-FC42-40AA-8C42-37F005EB35D5}">
+      <dgm:prSet/>
+      <dgm:spPr/>
+      <dgm:t>
+        <a:bodyPr/>
+        <a:lstStyle/>
+        <a:p>
+          <a:endParaRPr lang="en-US"/>
+        </a:p>
+      </dgm:t>
+    </dgm:pt>
+    <dgm:pt modelId="{C33B6F79-85DD-4CA4-8F16-787E387F2041}" type="pres">
+      <dgm:prSet presAssocID="{9B71EC56-4720-44B7-84C9-0F922D83D3A9}" presName="Name0" presStyleCnt="0">
         <dgm:presLayoutVars>
           <dgm:dir/>
           <dgm:resizeHandles val="exact"/>
@@ -1715,126 +1737,66 @@
       </dgm:prSet>
       <dgm:spPr/>
     </dgm:pt>
-    <dgm:pt modelId="{00501AB9-2939-45C6-B38E-841C863428F7}" type="pres">
-      <dgm:prSet presAssocID="{7E27C5D4-997E-48B8-8A21-FBA69EF79580}" presName="compNode" presStyleCnt="0"/>
-      <dgm:spPr/>
-    </dgm:pt>
-    <dgm:pt modelId="{A1562DF9-93BE-4AA0-BF14-491481E45A19}" type="pres">
-      <dgm:prSet presAssocID="{7E27C5D4-997E-48B8-8A21-FBA69EF79580}" presName="iconBgRect" presStyleLbl="bgShp" presStyleIdx="0" presStyleCnt="2"/>
-      <dgm:spPr/>
-    </dgm:pt>
-    <dgm:pt modelId="{525AB746-E3A4-471D-8659-021BFD6CC789}" type="pres">
-      <dgm:prSet presAssocID="{7E27C5D4-997E-48B8-8A21-FBA69EF79580}" presName="iconRect" presStyleLbl="node1" presStyleIdx="0" presStyleCnt="2"/>
-      <dgm:spPr>
-        <a:blipFill>
-          <a:blip xmlns:r="http://schemas.openxmlformats.org/officeDocument/2006/relationships" r:embed="rId1">
-            <a:extLst>
-              <a:ext uri="{28A0092B-C50C-407E-A947-70E740481C1C}">
-                <a14:useLocalDpi xmlns:a14="http://schemas.microsoft.com/office/drawing/2010/main" val="0"/>
-              </a:ext>
-              <a:ext uri="{96DAC541-7B7A-43D3-8B79-37D633B846F1}">
-                <asvg:svgBlip xmlns:asvg="http://schemas.microsoft.com/office/drawing/2016/SVG/main" r:embed="rId2"/>
-              </a:ext>
-            </a:extLst>
-          </a:blip>
-          <a:stretch>
-            <a:fillRect/>
-          </a:stretch>
-        </a:blipFill>
-        <a:ln>
-          <a:noFill/>
-        </a:ln>
-      </dgm:spPr>
-      <dgm:extLst>
-        <a:ext uri="{E40237B7-FDA0-4F09-8148-C483321AD2D9}">
-          <dgm14:cNvPr xmlns:dgm14="http://schemas.microsoft.com/office/drawing/2010/diagram" id="0" name="" descr="Document"/>
-        </a:ext>
-      </dgm:extLst>
-    </dgm:pt>
-    <dgm:pt modelId="{BFB9F6AF-B933-4495-88F7-DF55756399D4}" type="pres">
-      <dgm:prSet presAssocID="{7E27C5D4-997E-48B8-8A21-FBA69EF79580}" presName="spaceRect" presStyleCnt="0"/>
-      <dgm:spPr/>
-    </dgm:pt>
-    <dgm:pt modelId="{BE63C3EB-8901-4D3D-A300-F00723B34811}" type="pres">
-      <dgm:prSet presAssocID="{7E27C5D4-997E-48B8-8A21-FBA69EF79580}" presName="textRect" presStyleLbl="revTx" presStyleIdx="0" presStyleCnt="2">
+    <dgm:pt modelId="{E7407B6D-0C27-4BFC-8C6F-8F149FB2F343}" type="pres">
+      <dgm:prSet presAssocID="{D100BB1C-1708-4941-8DD3-231B1E8CEF5E}" presName="node" presStyleLbl="node1" presStyleIdx="0" presStyleCnt="3">
         <dgm:presLayoutVars>
-          <dgm:chMax val="1"/>
-          <dgm:chPref val="1"/>
+          <dgm:bulletEnabled val="1"/>
         </dgm:presLayoutVars>
       </dgm:prSet>
       <dgm:spPr/>
     </dgm:pt>
-    <dgm:pt modelId="{6AF119B0-4193-4AA2-8370-D08A53ED3AF8}" type="pres">
-      <dgm:prSet presAssocID="{4CD02FEF-057A-4F87-8D81-3129894D4216}" presName="sibTrans" presStyleCnt="0"/>
+    <dgm:pt modelId="{5B4F5853-CCD7-4D55-9E07-BBFD7236041C}" type="pres">
+      <dgm:prSet presAssocID="{C091EBF1-01D8-4E1B-BF1C-97C4160A71D0}" presName="sibTrans" presStyleLbl="sibTrans2D1" presStyleIdx="0" presStyleCnt="2"/>
       <dgm:spPr/>
     </dgm:pt>
-    <dgm:pt modelId="{7C75E5EA-CB0F-4F7B-BDD6-000E9FF218C1}" type="pres">
-      <dgm:prSet presAssocID="{09AA3FA5-C356-4764-B956-E9614976BF0C}" presName="compNode" presStyleCnt="0"/>
+    <dgm:pt modelId="{CD7256EF-C463-4FC6-AA7D-FA65A8918F7B}" type="pres">
+      <dgm:prSet presAssocID="{C091EBF1-01D8-4E1B-BF1C-97C4160A71D0}" presName="connectorText" presStyleLbl="sibTrans2D1" presStyleIdx="0" presStyleCnt="2"/>
       <dgm:spPr/>
     </dgm:pt>
-    <dgm:pt modelId="{4E446C59-C515-4433-8415-3FAEBA7E36DC}" type="pres">
-      <dgm:prSet presAssocID="{09AA3FA5-C356-4764-B956-E9614976BF0C}" presName="iconBgRect" presStyleLbl="bgShp" presStyleIdx="1" presStyleCnt="2"/>
+    <dgm:pt modelId="{C6872888-E6B8-4D6A-8070-ACE2392B7A29}" type="pres">
+      <dgm:prSet presAssocID="{0E3E498B-FEE3-417B-8EB9-8B8318661D3D}" presName="node" presStyleLbl="node1" presStyleIdx="1" presStyleCnt="3">
+        <dgm:presLayoutVars>
+          <dgm:bulletEnabled val="1"/>
+        </dgm:presLayoutVars>
+      </dgm:prSet>
       <dgm:spPr/>
     </dgm:pt>
-    <dgm:pt modelId="{473B53C3-1516-445D-A167-614AA14A9952}" type="pres">
-      <dgm:prSet presAssocID="{09AA3FA5-C356-4764-B956-E9614976BF0C}" presName="iconRect" presStyleLbl="node1" presStyleIdx="1" presStyleCnt="2"/>
-      <dgm:spPr>
-        <a:blipFill>
-          <a:blip xmlns:r="http://schemas.openxmlformats.org/officeDocument/2006/relationships" r:embed="rId3">
-            <a:extLst>
-              <a:ext uri="{28A0092B-C50C-407E-A947-70E740481C1C}">
-                <a14:useLocalDpi xmlns:a14="http://schemas.microsoft.com/office/drawing/2010/main" val="0"/>
-              </a:ext>
-              <a:ext uri="{96DAC541-7B7A-43D3-8B79-37D633B846F1}">
-                <asvg:svgBlip xmlns:asvg="http://schemas.microsoft.com/office/drawing/2016/SVG/main" r:embed="rId4"/>
-              </a:ext>
-            </a:extLst>
-          </a:blip>
-          <a:stretch>
-            <a:fillRect/>
-          </a:stretch>
-        </a:blipFill>
-        <a:ln>
-          <a:noFill/>
-        </a:ln>
-      </dgm:spPr>
-      <dgm:extLst>
-        <a:ext uri="{E40237B7-FDA0-4F09-8148-C483321AD2D9}">
-          <dgm14:cNvPr xmlns:dgm14="http://schemas.microsoft.com/office/drawing/2010/diagram" id="0" name="" descr="Database"/>
-        </a:ext>
-      </dgm:extLst>
-    </dgm:pt>
-    <dgm:pt modelId="{301E0D65-7791-455E-86F0-19DEC9BF52E0}" type="pres">
-      <dgm:prSet presAssocID="{09AA3FA5-C356-4764-B956-E9614976BF0C}" presName="spaceRect" presStyleCnt="0"/>
+    <dgm:pt modelId="{BBAEDD4C-FD49-473D-B1D9-15F54151F655}" type="pres">
+      <dgm:prSet presAssocID="{819B96B5-B64F-4E8C-9BCE-3B20B3D16F4A}" presName="sibTrans" presStyleLbl="sibTrans2D1" presStyleIdx="1" presStyleCnt="2"/>
       <dgm:spPr/>
     </dgm:pt>
-    <dgm:pt modelId="{F8D0CD33-A2A1-4281-B3DA-9C5612F53309}" type="pres">
-      <dgm:prSet presAssocID="{09AA3FA5-C356-4764-B956-E9614976BF0C}" presName="textRect" presStyleLbl="revTx" presStyleIdx="1" presStyleCnt="2">
+    <dgm:pt modelId="{E409753E-D856-4FF7-A8A7-08C9FB1A05A2}" type="pres">
+      <dgm:prSet presAssocID="{819B96B5-B64F-4E8C-9BCE-3B20B3D16F4A}" presName="connectorText" presStyleLbl="sibTrans2D1" presStyleIdx="1" presStyleCnt="2"/>
+      <dgm:spPr/>
+    </dgm:pt>
+    <dgm:pt modelId="{55A7AD11-494B-4C2A-BF26-C2747E28F90E}" type="pres">
+      <dgm:prSet presAssocID="{4A4F6799-61C6-4141-A60C-22C72F0F7DE8}" presName="node" presStyleLbl="node1" presStyleIdx="2" presStyleCnt="3">
         <dgm:presLayoutVars>
-          <dgm:chMax val="1"/>
-          <dgm:chPref val="1"/>
+          <dgm:bulletEnabled val="1"/>
         </dgm:presLayoutVars>
       </dgm:prSet>
       <dgm:spPr/>
     </dgm:pt>
   </dgm:ptLst>
   <dgm:cxnLst>
-    <dgm:cxn modelId="{21BD5468-3121-4B19-8A55-8B53D421C8E4}" type="presOf" srcId="{3DBF0EE8-367C-4375-94B1-9E9CB3871683}" destId="{8C625353-C93D-4FB6-8958-C405FCB2BA44}" srcOrd="0" destOrd="0" presId="urn:microsoft.com/office/officeart/2018/5/layout/IconCircleLabelList"/>
-    <dgm:cxn modelId="{D671874A-D2DF-43F9-A0C9-ECEC2732B5CC}" type="presOf" srcId="{09AA3FA5-C356-4764-B956-E9614976BF0C}" destId="{F8D0CD33-A2A1-4281-B3DA-9C5612F53309}" srcOrd="0" destOrd="0" presId="urn:microsoft.com/office/officeart/2018/5/layout/IconCircleLabelList"/>
-    <dgm:cxn modelId="{4876774C-CC3D-4A15-9710-AAAAE9E9C988}" type="presOf" srcId="{7E27C5D4-997E-48B8-8A21-FBA69EF79580}" destId="{BE63C3EB-8901-4D3D-A300-F00723B34811}" srcOrd="0" destOrd="0" presId="urn:microsoft.com/office/officeart/2018/5/layout/IconCircleLabelList"/>
-    <dgm:cxn modelId="{D3AE1FAD-B5E6-494F-BF4C-3912D619EE4C}" srcId="{3DBF0EE8-367C-4375-94B1-9E9CB3871683}" destId="{09AA3FA5-C356-4764-B956-E9614976BF0C}" srcOrd="1" destOrd="0" parTransId="{3D553AD9-0650-42DC-9DCC-37CA9136F27B}" sibTransId="{F2CD4CFE-0D07-4A9D-BFCC-ABF1CB815509}"/>
-    <dgm:cxn modelId="{10A16ED5-4882-4C4C-94D0-BFD1654342B6}" srcId="{3DBF0EE8-367C-4375-94B1-9E9CB3871683}" destId="{7E27C5D4-997E-48B8-8A21-FBA69EF79580}" srcOrd="0" destOrd="0" parTransId="{CF758B0D-FB8E-4F0D-A029-AF35D631D381}" sibTransId="{4CD02FEF-057A-4F87-8D81-3129894D4216}"/>
-    <dgm:cxn modelId="{DB4A0FE6-7F1C-4BED-8DBD-C79D92B7BC73}" type="presParOf" srcId="{8C625353-C93D-4FB6-8958-C405FCB2BA44}" destId="{00501AB9-2939-45C6-B38E-841C863428F7}" srcOrd="0" destOrd="0" presId="urn:microsoft.com/office/officeart/2018/5/layout/IconCircleLabelList"/>
-    <dgm:cxn modelId="{1A92F397-0D12-4067-88EF-35ADC7FF7880}" type="presParOf" srcId="{00501AB9-2939-45C6-B38E-841C863428F7}" destId="{A1562DF9-93BE-4AA0-BF14-491481E45A19}" srcOrd="0" destOrd="0" presId="urn:microsoft.com/office/officeart/2018/5/layout/IconCircleLabelList"/>
-    <dgm:cxn modelId="{CC10C625-4761-491E-B650-4A336E1ACA7E}" type="presParOf" srcId="{00501AB9-2939-45C6-B38E-841C863428F7}" destId="{525AB746-E3A4-471D-8659-021BFD6CC789}" srcOrd="1" destOrd="0" presId="urn:microsoft.com/office/officeart/2018/5/layout/IconCircleLabelList"/>
-    <dgm:cxn modelId="{0511A847-A680-4E28-B3DE-81BFAA3250E2}" type="presParOf" srcId="{00501AB9-2939-45C6-B38E-841C863428F7}" destId="{BFB9F6AF-B933-4495-88F7-DF55756399D4}" srcOrd="2" destOrd="0" presId="urn:microsoft.com/office/officeart/2018/5/layout/IconCircleLabelList"/>
-    <dgm:cxn modelId="{92FE39DC-2EF1-461F-9417-BA3AF59D8226}" type="presParOf" srcId="{00501AB9-2939-45C6-B38E-841C863428F7}" destId="{BE63C3EB-8901-4D3D-A300-F00723B34811}" srcOrd="3" destOrd="0" presId="urn:microsoft.com/office/officeart/2018/5/layout/IconCircleLabelList"/>
-    <dgm:cxn modelId="{F142B3A4-9126-49EA-9476-5497B72C4BFF}" type="presParOf" srcId="{8C625353-C93D-4FB6-8958-C405FCB2BA44}" destId="{6AF119B0-4193-4AA2-8370-D08A53ED3AF8}" srcOrd="1" destOrd="0" presId="urn:microsoft.com/office/officeart/2018/5/layout/IconCircleLabelList"/>
-    <dgm:cxn modelId="{BA316E85-6D15-466F-9402-C399201A43FE}" type="presParOf" srcId="{8C625353-C93D-4FB6-8958-C405FCB2BA44}" destId="{7C75E5EA-CB0F-4F7B-BDD6-000E9FF218C1}" srcOrd="2" destOrd="0" presId="urn:microsoft.com/office/officeart/2018/5/layout/IconCircleLabelList"/>
-    <dgm:cxn modelId="{B1A98062-F2EB-4D30-8256-38F07C359BCA}" type="presParOf" srcId="{7C75E5EA-CB0F-4F7B-BDD6-000E9FF218C1}" destId="{4E446C59-C515-4433-8415-3FAEBA7E36DC}" srcOrd="0" destOrd="0" presId="urn:microsoft.com/office/officeart/2018/5/layout/IconCircleLabelList"/>
-    <dgm:cxn modelId="{91EEAF7E-B182-4650-A56E-5496CFD08E9B}" type="presParOf" srcId="{7C75E5EA-CB0F-4F7B-BDD6-000E9FF218C1}" destId="{473B53C3-1516-445D-A167-614AA14A9952}" srcOrd="1" destOrd="0" presId="urn:microsoft.com/office/officeart/2018/5/layout/IconCircleLabelList"/>
-    <dgm:cxn modelId="{31602F18-E83F-47D9-ACA9-05DA7A715116}" type="presParOf" srcId="{7C75E5EA-CB0F-4F7B-BDD6-000E9FF218C1}" destId="{301E0D65-7791-455E-86F0-19DEC9BF52E0}" srcOrd="2" destOrd="0" presId="urn:microsoft.com/office/officeart/2018/5/layout/IconCircleLabelList"/>
-    <dgm:cxn modelId="{5EB37812-18C0-4999-9247-9C038AF6C156}" type="presParOf" srcId="{7C75E5EA-CB0F-4F7B-BDD6-000E9FF218C1}" destId="{F8D0CD33-A2A1-4281-B3DA-9C5612F53309}" srcOrd="3" destOrd="0" presId="urn:microsoft.com/office/officeart/2018/5/layout/IconCircleLabelList"/>
+    <dgm:cxn modelId="{8676993D-BCE1-495C-AC10-DBFFF6B89626}" type="presOf" srcId="{0E3E498B-FEE3-417B-8EB9-8B8318661D3D}" destId="{C6872888-E6B8-4D6A-8070-ACE2392B7A29}" srcOrd="0" destOrd="0" presId="urn:microsoft.com/office/officeart/2005/8/layout/process1"/>
+    <dgm:cxn modelId="{B1DE715F-BDBC-430B-B72E-0C74DDF8A195}" type="presOf" srcId="{C091EBF1-01D8-4E1B-BF1C-97C4160A71D0}" destId="{CD7256EF-C463-4FC6-AA7D-FA65A8918F7B}" srcOrd="1" destOrd="0" presId="urn:microsoft.com/office/officeart/2005/8/layout/process1"/>
+    <dgm:cxn modelId="{1607C646-452F-4AA8-9516-CC5E80A11F03}" type="presOf" srcId="{819B96B5-B64F-4E8C-9BCE-3B20B3D16F4A}" destId="{BBAEDD4C-FD49-473D-B1D9-15F54151F655}" srcOrd="0" destOrd="0" presId="urn:microsoft.com/office/officeart/2005/8/layout/process1"/>
+    <dgm:cxn modelId="{83179D48-FA08-41D7-A5DB-8685ADBB26E7}" type="presOf" srcId="{4A4F6799-61C6-4141-A60C-22C72F0F7DE8}" destId="{55A7AD11-494B-4C2A-BF26-C2747E28F90E}" srcOrd="0" destOrd="0" presId="urn:microsoft.com/office/officeart/2005/8/layout/process1"/>
+    <dgm:cxn modelId="{741B1E4E-FC42-40AA-8C42-37F005EB35D5}" srcId="{9B71EC56-4720-44B7-84C9-0F922D83D3A9}" destId="{4A4F6799-61C6-4141-A60C-22C72F0F7DE8}" srcOrd="2" destOrd="0" parTransId="{EF1BEDBE-EDDC-4E76-B35A-8B2D6D10FA2A}" sibTransId="{D9724287-B48F-4577-BD94-1D85C550DEDF}"/>
+    <dgm:cxn modelId="{D7FBEA92-6494-428C-8688-14F59885260A}" type="presOf" srcId="{819B96B5-B64F-4E8C-9BCE-3B20B3D16F4A}" destId="{E409753E-D856-4FF7-A8A7-08C9FB1A05A2}" srcOrd="1" destOrd="0" presId="urn:microsoft.com/office/officeart/2005/8/layout/process1"/>
+    <dgm:cxn modelId="{FEDE2CC1-5271-4184-83D5-9D36BEA01AF5}" type="presOf" srcId="{C091EBF1-01D8-4E1B-BF1C-97C4160A71D0}" destId="{5B4F5853-CCD7-4D55-9E07-BBFD7236041C}" srcOrd="0" destOrd="0" presId="urn:microsoft.com/office/officeart/2005/8/layout/process1"/>
+    <dgm:cxn modelId="{87915ECA-D4E2-45A3-8BA6-C2165AE882E2}" type="presOf" srcId="{D100BB1C-1708-4941-8DD3-231B1E8CEF5E}" destId="{E7407B6D-0C27-4BFC-8C6F-8F149FB2F343}" srcOrd="0" destOrd="0" presId="urn:microsoft.com/office/officeart/2005/8/layout/process1"/>
+    <dgm:cxn modelId="{5E88F0D3-0D57-4C65-92F2-C974D7920273}" srcId="{9B71EC56-4720-44B7-84C9-0F922D83D3A9}" destId="{D100BB1C-1708-4941-8DD3-231B1E8CEF5E}" srcOrd="0" destOrd="0" parTransId="{E7245061-0E5D-4D61-AA35-6CC075B05E7F}" sibTransId="{C091EBF1-01D8-4E1B-BF1C-97C4160A71D0}"/>
+    <dgm:cxn modelId="{BFF6F4D9-422C-42F0-BCBD-449D45BA38C1}" srcId="{9B71EC56-4720-44B7-84C9-0F922D83D3A9}" destId="{0E3E498B-FEE3-417B-8EB9-8B8318661D3D}" srcOrd="1" destOrd="0" parTransId="{62D166E0-827B-4715-9ECD-91E35BA07FEA}" sibTransId="{819B96B5-B64F-4E8C-9BCE-3B20B3D16F4A}"/>
+    <dgm:cxn modelId="{9A7267F8-947F-4E19-8687-F3E986B2E28B}" type="presOf" srcId="{9B71EC56-4720-44B7-84C9-0F922D83D3A9}" destId="{C33B6F79-85DD-4CA4-8F16-787E387F2041}" srcOrd="0" destOrd="0" presId="urn:microsoft.com/office/officeart/2005/8/layout/process1"/>
+    <dgm:cxn modelId="{FC379963-1A06-4B20-976E-169E7D37BEEE}" type="presParOf" srcId="{C33B6F79-85DD-4CA4-8F16-787E387F2041}" destId="{E7407B6D-0C27-4BFC-8C6F-8F149FB2F343}" srcOrd="0" destOrd="0" presId="urn:microsoft.com/office/officeart/2005/8/layout/process1"/>
+    <dgm:cxn modelId="{58B516A2-FAA9-4F8C-8899-DE79073B83E3}" type="presParOf" srcId="{C33B6F79-85DD-4CA4-8F16-787E387F2041}" destId="{5B4F5853-CCD7-4D55-9E07-BBFD7236041C}" srcOrd="1" destOrd="0" presId="urn:microsoft.com/office/officeart/2005/8/layout/process1"/>
+    <dgm:cxn modelId="{3EFA952D-E92F-4D1A-8CAB-3DF5E35ABFD4}" type="presParOf" srcId="{5B4F5853-CCD7-4D55-9E07-BBFD7236041C}" destId="{CD7256EF-C463-4FC6-AA7D-FA65A8918F7B}" srcOrd="0" destOrd="0" presId="urn:microsoft.com/office/officeart/2005/8/layout/process1"/>
+    <dgm:cxn modelId="{4DB4E3BE-BE27-4EDB-8ACE-7FC61C2BC492}" type="presParOf" srcId="{C33B6F79-85DD-4CA4-8F16-787E387F2041}" destId="{C6872888-E6B8-4D6A-8070-ACE2392B7A29}" srcOrd="2" destOrd="0" presId="urn:microsoft.com/office/officeart/2005/8/layout/process1"/>
+    <dgm:cxn modelId="{C796F859-68DD-4100-9581-79A9C7D1E712}" type="presParOf" srcId="{C33B6F79-85DD-4CA4-8F16-787E387F2041}" destId="{BBAEDD4C-FD49-473D-B1D9-15F54151F655}" srcOrd="3" destOrd="0" presId="urn:microsoft.com/office/officeart/2005/8/layout/process1"/>
+    <dgm:cxn modelId="{8003FABB-B19A-497F-9235-692C02FD6062}" type="presParOf" srcId="{BBAEDD4C-FD49-473D-B1D9-15F54151F655}" destId="{E409753E-D856-4FF7-A8A7-08C9FB1A05A2}" srcOrd="0" destOrd="0" presId="urn:microsoft.com/office/officeart/2005/8/layout/process1"/>
+    <dgm:cxn modelId="{3F269588-5F7B-46E6-A905-2ADF22189890}" type="presParOf" srcId="{C33B6F79-85DD-4CA4-8F16-787E387F2041}" destId="{55A7AD11-494B-4C2A-BF26-C2747E28F90E}" srcOrd="4" destOrd="0" presId="urn:microsoft.com/office/officeart/2005/8/layout/process1"/>
   </dgm:cxnLst>
   <dgm:bg/>
   <dgm:whole/>
@@ -1860,42 +1822,6 @@
         </a:p>
       </dgm:t>
     </dgm:pt>
-    <dgm:pt modelId="{68C590ED-EA9B-4025-B11A-C755EB376C5D}">
-      <dgm:prSet/>
-      <dgm:spPr/>
-      <dgm:t>
-        <a:bodyPr/>
-        <a:lstStyle/>
-        <a:p>
-          <a:r>
-            <a:rPr lang="en-US"/>
-            <a:t>Mention other container frameworks</a:t>
-          </a:r>
-        </a:p>
-      </dgm:t>
-    </dgm:pt>
-    <dgm:pt modelId="{793CB5FC-C113-44C1-97FC-112511F9FA41}" type="parTrans" cxnId="{5794366B-B3EE-40A8-811B-75DAAFAD1A57}">
-      <dgm:prSet/>
-      <dgm:spPr/>
-      <dgm:t>
-        <a:bodyPr/>
-        <a:lstStyle/>
-        <a:p>
-          <a:endParaRPr lang="en-US"/>
-        </a:p>
-      </dgm:t>
-    </dgm:pt>
-    <dgm:pt modelId="{381600DA-BB78-4F21-A278-49F70F8F4168}" type="sibTrans" cxnId="{5794366B-B3EE-40A8-811B-75DAAFAD1A57}">
-      <dgm:prSet/>
-      <dgm:spPr/>
-      <dgm:t>
-        <a:bodyPr/>
-        <a:lstStyle/>
-        <a:p>
-          <a:endParaRPr lang="en-US"/>
-        </a:p>
-      </dgm:t>
-    </dgm:pt>
     <dgm:pt modelId="{6A79F510-7C02-477D-A075-4D56E1613AF5}">
       <dgm:prSet/>
       <dgm:spPr/>
@@ -1903,9 +1829,21 @@
         <a:bodyPr/>
         <a:lstStyle/>
         <a:p>
+          <a:pPr algn="l">
+            <a:lnSpc>
+              <a:spcPct val="100000"/>
+            </a:lnSpc>
+          </a:pPr>
           <a:r>
-            <a:rPr lang="en-US"/>
-            <a:t>Mention OCI and runtime</a:t>
+            <a:rPr lang="en-US" dirty="0"/>
+            <a:t>- Docker supports OCI Standard</a:t>
+          </a:r>
+          <a:br>
+            <a:rPr lang="en-US" dirty="0"/>
+          </a:br>
+          <a:r>
+            <a:rPr lang="en-US" dirty="0"/>
+            <a:t>- Kubernetes uses different container runtime</a:t>
           </a:r>
         </a:p>
       </dgm:t>
@@ -1939,8 +1877,13 @@
         <a:bodyPr/>
         <a:lstStyle/>
         <a:p>
+          <a:pPr>
+            <a:lnSpc>
+              <a:spcPct val="100000"/>
+            </a:lnSpc>
+          </a:pPr>
           <a:r>
-            <a:rPr lang="en-US"/>
+            <a:rPr lang="en-US" dirty="0"/>
             <a:t>Demo</a:t>
           </a:r>
         </a:p>
@@ -1977,12 +1920,12 @@
       </dgm:prSet>
       <dgm:spPr/>
     </dgm:pt>
-    <dgm:pt modelId="{E4AE234D-4D93-480D-A83A-2887707FDBAA}" type="pres">
-      <dgm:prSet presAssocID="{68C590ED-EA9B-4025-B11A-C755EB376C5D}" presName="compNode" presStyleCnt="0"/>
+    <dgm:pt modelId="{BF055F4A-ED1A-4FD3-BA99-10C84E15A5C9}" type="pres">
+      <dgm:prSet presAssocID="{6A79F510-7C02-477D-A075-4D56E1613AF5}" presName="compNode" presStyleCnt="0"/>
       <dgm:spPr/>
     </dgm:pt>
-    <dgm:pt modelId="{46F2F489-8BD1-405E-9EB6-8CE452E961DB}" type="pres">
-      <dgm:prSet presAssocID="{68C590ED-EA9B-4025-B11A-C755EB376C5D}" presName="iconRect" presStyleLbl="node1" presStyleIdx="0" presStyleCnt="3"/>
+    <dgm:pt modelId="{BF8245C2-5E2D-4DBB-849F-53E6FC7B8D1B}" type="pres">
+      <dgm:prSet presAssocID="{6A79F510-7C02-477D-A075-4D56E1613AF5}" presName="iconRect" presStyleLbl="node1" presStyleIdx="0" presStyleCnt="2"/>
       <dgm:spPr>
         <a:blipFill>
           <a:blip xmlns:r="http://schemas.openxmlformats.org/officeDocument/2006/relationships" r:embed="rId1">
@@ -1992,55 +1935,6 @@
               </a:ext>
               <a:ext uri="{96DAC541-7B7A-43D3-8B79-37D633B846F1}">
                 <asvg:svgBlip xmlns:asvg="http://schemas.microsoft.com/office/drawing/2016/SVG/main" r:embed="rId2"/>
-              </a:ext>
-            </a:extLst>
-          </a:blip>
-          <a:stretch>
-            <a:fillRect/>
-          </a:stretch>
-        </a:blipFill>
-        <a:ln>
-          <a:noFill/>
-        </a:ln>
-      </dgm:spPr>
-      <dgm:extLst>
-        <a:ext uri="{E40237B7-FDA0-4F09-8148-C483321AD2D9}">
-          <dgm14:cNvPr xmlns:dgm14="http://schemas.microsoft.com/office/drawing/2010/diagram" id="0" name="" descr="Checkmark"/>
-        </a:ext>
-      </dgm:extLst>
-    </dgm:pt>
-    <dgm:pt modelId="{97B37845-14F5-4AE0-AB9C-A2F864E9479F}" type="pres">
-      <dgm:prSet presAssocID="{68C590ED-EA9B-4025-B11A-C755EB376C5D}" presName="spaceRect" presStyleCnt="0"/>
-      <dgm:spPr/>
-    </dgm:pt>
-    <dgm:pt modelId="{7DD44BCB-362E-4F49-84C2-B0C7BEE2C17D}" type="pres">
-      <dgm:prSet presAssocID="{68C590ED-EA9B-4025-B11A-C755EB376C5D}" presName="textRect" presStyleLbl="revTx" presStyleIdx="0" presStyleCnt="3">
-        <dgm:presLayoutVars>
-          <dgm:chMax val="1"/>
-          <dgm:chPref val="1"/>
-        </dgm:presLayoutVars>
-      </dgm:prSet>
-      <dgm:spPr/>
-    </dgm:pt>
-    <dgm:pt modelId="{E8CBAA49-5947-4829-9F45-F29D4B09AEFC}" type="pres">
-      <dgm:prSet presAssocID="{381600DA-BB78-4F21-A278-49F70F8F4168}" presName="sibTrans" presStyleCnt="0"/>
-      <dgm:spPr/>
-    </dgm:pt>
-    <dgm:pt modelId="{BF055F4A-ED1A-4FD3-BA99-10C84E15A5C9}" type="pres">
-      <dgm:prSet presAssocID="{6A79F510-7C02-477D-A075-4D56E1613AF5}" presName="compNode" presStyleCnt="0"/>
-      <dgm:spPr/>
-    </dgm:pt>
-    <dgm:pt modelId="{BF8245C2-5E2D-4DBB-849F-53E6FC7B8D1B}" type="pres">
-      <dgm:prSet presAssocID="{6A79F510-7C02-477D-A075-4D56E1613AF5}" presName="iconRect" presStyleLbl="node1" presStyleIdx="1" presStyleCnt="3"/>
-      <dgm:spPr>
-        <a:blipFill>
-          <a:blip xmlns:r="http://schemas.openxmlformats.org/officeDocument/2006/relationships" r:embed="rId3">
-            <a:extLst>
-              <a:ext uri="{28A0092B-C50C-407E-A947-70E740481C1C}">
-                <a14:useLocalDpi xmlns:a14="http://schemas.microsoft.com/office/drawing/2010/main" val="0"/>
-              </a:ext>
-              <a:ext uri="{96DAC541-7B7A-43D3-8B79-37D633B846F1}">
-                <asvg:svgBlip xmlns:asvg="http://schemas.microsoft.com/office/drawing/2016/SVG/main" r:embed="rId4"/>
               </a:ext>
             </a:extLst>
           </a:blip>
@@ -2063,7 +1957,7 @@
       <dgm:spPr/>
     </dgm:pt>
     <dgm:pt modelId="{7A7E39BC-A6AB-4E76-AD61-A98D22695260}" type="pres">
-      <dgm:prSet presAssocID="{6A79F510-7C02-477D-A075-4D56E1613AF5}" presName="textRect" presStyleLbl="revTx" presStyleIdx="1" presStyleCnt="3">
+      <dgm:prSet presAssocID="{6A79F510-7C02-477D-A075-4D56E1613AF5}" presName="textRect" presStyleLbl="revTx" presStyleIdx="0" presStyleCnt="2" custScaleX="113867" custScaleY="210415">
         <dgm:presLayoutVars>
           <dgm:chMax val="1"/>
           <dgm:chPref val="1"/>
@@ -2080,16 +1974,16 @@
       <dgm:spPr/>
     </dgm:pt>
     <dgm:pt modelId="{CBFD29D4-A2B4-4C25-B7E6-7B5D0F69D3EF}" type="pres">
-      <dgm:prSet presAssocID="{0557F73D-417C-40C9-97D3-91BD96C9B0CD}" presName="iconRect" presStyleLbl="node1" presStyleIdx="2" presStyleCnt="3"/>
+      <dgm:prSet presAssocID="{0557F73D-417C-40C9-97D3-91BD96C9B0CD}" presName="iconRect" presStyleLbl="node1" presStyleIdx="1" presStyleCnt="2"/>
       <dgm:spPr>
         <a:blipFill>
-          <a:blip xmlns:r="http://schemas.openxmlformats.org/officeDocument/2006/relationships" r:embed="rId5">
+          <a:blip xmlns:r="http://schemas.openxmlformats.org/officeDocument/2006/relationships" r:embed="rId3">
             <a:extLst>
               <a:ext uri="{28A0092B-C50C-407E-A947-70E740481C1C}">
                 <a14:useLocalDpi xmlns:a14="http://schemas.microsoft.com/office/drawing/2010/main" val="0"/>
               </a:ext>
               <a:ext uri="{96DAC541-7B7A-43D3-8B79-37D633B846F1}">
-                <asvg:svgBlip xmlns:asvg="http://schemas.microsoft.com/office/drawing/2016/SVG/main" r:embed="rId6"/>
+                <asvg:svgBlip xmlns:asvg="http://schemas.microsoft.com/office/drawing/2016/SVG/main" r:embed="rId4"/>
               </a:ext>
             </a:extLst>
           </a:blip>
@@ -2112,7 +2006,7 @@
       <dgm:spPr/>
     </dgm:pt>
     <dgm:pt modelId="{8D849BA0-BC4B-4D3B-A81E-49F030CA18B9}" type="pres">
-      <dgm:prSet presAssocID="{0557F73D-417C-40C9-97D3-91BD96C9B0CD}" presName="textRect" presStyleLbl="revTx" presStyleIdx="2" presStyleCnt="3">
+      <dgm:prSet presAssocID="{0557F73D-417C-40C9-97D3-91BD96C9B0CD}" presName="textRect" presStyleLbl="revTx" presStyleIdx="1" presStyleCnt="2">
         <dgm:presLayoutVars>
           <dgm:chMax val="1"/>
           <dgm:chPref val="1"/>
@@ -2122,24 +2016,17 @@
     </dgm:pt>
   </dgm:ptLst>
   <dgm:cxnLst>
-    <dgm:cxn modelId="{7BF96927-FEBC-4011-B7A7-9E268D75AA48}" type="presOf" srcId="{68C590ED-EA9B-4025-B11A-C755EB376C5D}" destId="{7DD44BCB-362E-4F49-84C2-B0C7BEE2C17D}" srcOrd="0" destOrd="0" presId="urn:microsoft.com/office/officeart/2018/2/layout/IconLabelList"/>
     <dgm:cxn modelId="{CB6B7669-BFE2-41E9-855C-5FB164FEBE17}" type="presOf" srcId="{39EB3BFA-6EC9-4BCE-A661-08D1928E098D}" destId="{CFA1BE30-752B-4ED1-9682-5F0DE36D6D9C}" srcOrd="0" destOrd="0" presId="urn:microsoft.com/office/officeart/2018/2/layout/IconLabelList"/>
-    <dgm:cxn modelId="{5794366B-B3EE-40A8-811B-75DAAFAD1A57}" srcId="{39EB3BFA-6EC9-4BCE-A661-08D1928E098D}" destId="{68C590ED-EA9B-4025-B11A-C755EB376C5D}" srcOrd="0" destOrd="0" parTransId="{793CB5FC-C113-44C1-97FC-112511F9FA41}" sibTransId="{381600DA-BB78-4F21-A278-49F70F8F4168}"/>
-    <dgm:cxn modelId="{62FA8E82-7CE8-44E6-8B99-29A3594B6FBB}" srcId="{39EB3BFA-6EC9-4BCE-A661-08D1928E098D}" destId="{6A79F510-7C02-477D-A075-4D56E1613AF5}" srcOrd="1" destOrd="0" parTransId="{2FBD3AC1-9AF8-4A6A-856A-727985B076CF}" sibTransId="{7A8F92AA-67A1-422A-8EE7-133BDED9B748}"/>
+    <dgm:cxn modelId="{62FA8E82-7CE8-44E6-8B99-29A3594B6FBB}" srcId="{39EB3BFA-6EC9-4BCE-A661-08D1928E098D}" destId="{6A79F510-7C02-477D-A075-4D56E1613AF5}" srcOrd="0" destOrd="0" parTransId="{2FBD3AC1-9AF8-4A6A-856A-727985B076CF}" sibTransId="{7A8F92AA-67A1-422A-8EE7-133BDED9B748}"/>
     <dgm:cxn modelId="{B00C6885-3EB9-497E-985F-B6CCFC3D7C95}" type="presOf" srcId="{0557F73D-417C-40C9-97D3-91BD96C9B0CD}" destId="{8D849BA0-BC4B-4D3B-A81E-49F030CA18B9}" srcOrd="0" destOrd="0" presId="urn:microsoft.com/office/officeart/2018/2/layout/IconLabelList"/>
-    <dgm:cxn modelId="{00F10BCB-E96A-46F9-B72F-B7CC19188428}" srcId="{39EB3BFA-6EC9-4BCE-A661-08D1928E098D}" destId="{0557F73D-417C-40C9-97D3-91BD96C9B0CD}" srcOrd="2" destOrd="0" parTransId="{93FE0FD3-799F-4EB9-A0DA-961464109F59}" sibTransId="{BA13F336-25E5-4E32-BC0E-26E74B24957D}"/>
+    <dgm:cxn modelId="{00F10BCB-E96A-46F9-B72F-B7CC19188428}" srcId="{39EB3BFA-6EC9-4BCE-A661-08D1928E098D}" destId="{0557F73D-417C-40C9-97D3-91BD96C9B0CD}" srcOrd="1" destOrd="0" parTransId="{93FE0FD3-799F-4EB9-A0DA-961464109F59}" sibTransId="{BA13F336-25E5-4E32-BC0E-26E74B24957D}"/>
     <dgm:cxn modelId="{F9692DCF-A5AC-469F-9EC0-0091F0FA8DD6}" type="presOf" srcId="{6A79F510-7C02-477D-A075-4D56E1613AF5}" destId="{7A7E39BC-A6AB-4E76-AD61-A98D22695260}" srcOrd="0" destOrd="0" presId="urn:microsoft.com/office/officeart/2018/2/layout/IconLabelList"/>
-    <dgm:cxn modelId="{2FD3DE66-82D4-4993-947A-379F24030C4D}" type="presParOf" srcId="{CFA1BE30-752B-4ED1-9682-5F0DE36D6D9C}" destId="{E4AE234D-4D93-480D-A83A-2887707FDBAA}" srcOrd="0" destOrd="0" presId="urn:microsoft.com/office/officeart/2018/2/layout/IconLabelList"/>
-    <dgm:cxn modelId="{DD9E4AC2-6584-4380-90DA-7A991A00044D}" type="presParOf" srcId="{E4AE234D-4D93-480D-A83A-2887707FDBAA}" destId="{46F2F489-8BD1-405E-9EB6-8CE452E961DB}" srcOrd="0" destOrd="0" presId="urn:microsoft.com/office/officeart/2018/2/layout/IconLabelList"/>
-    <dgm:cxn modelId="{C7BE1728-D427-4BA3-A102-3F4AD0AC1419}" type="presParOf" srcId="{E4AE234D-4D93-480D-A83A-2887707FDBAA}" destId="{97B37845-14F5-4AE0-AB9C-A2F864E9479F}" srcOrd="1" destOrd="0" presId="urn:microsoft.com/office/officeart/2018/2/layout/IconLabelList"/>
-    <dgm:cxn modelId="{C683A071-B729-4EF6-95CB-9E0B38A3B831}" type="presParOf" srcId="{E4AE234D-4D93-480D-A83A-2887707FDBAA}" destId="{7DD44BCB-362E-4F49-84C2-B0C7BEE2C17D}" srcOrd="2" destOrd="0" presId="urn:microsoft.com/office/officeart/2018/2/layout/IconLabelList"/>
-    <dgm:cxn modelId="{5D5E86C5-7039-4262-83D8-AD5333EA6D05}" type="presParOf" srcId="{CFA1BE30-752B-4ED1-9682-5F0DE36D6D9C}" destId="{E8CBAA49-5947-4829-9F45-F29D4B09AEFC}" srcOrd="1" destOrd="0" presId="urn:microsoft.com/office/officeart/2018/2/layout/IconLabelList"/>
-    <dgm:cxn modelId="{8EF3A90B-B216-490E-9A8B-B69098285D67}" type="presParOf" srcId="{CFA1BE30-752B-4ED1-9682-5F0DE36D6D9C}" destId="{BF055F4A-ED1A-4FD3-BA99-10C84E15A5C9}" srcOrd="2" destOrd="0" presId="urn:microsoft.com/office/officeart/2018/2/layout/IconLabelList"/>
+    <dgm:cxn modelId="{8EF3A90B-B216-490E-9A8B-B69098285D67}" type="presParOf" srcId="{CFA1BE30-752B-4ED1-9682-5F0DE36D6D9C}" destId="{BF055F4A-ED1A-4FD3-BA99-10C84E15A5C9}" srcOrd="0" destOrd="0" presId="urn:microsoft.com/office/officeart/2018/2/layout/IconLabelList"/>
     <dgm:cxn modelId="{40FD146A-19A8-4C2F-BDD4-AC3402919C75}" type="presParOf" srcId="{BF055F4A-ED1A-4FD3-BA99-10C84E15A5C9}" destId="{BF8245C2-5E2D-4DBB-849F-53E6FC7B8D1B}" srcOrd="0" destOrd="0" presId="urn:microsoft.com/office/officeart/2018/2/layout/IconLabelList"/>
     <dgm:cxn modelId="{0168E05D-32B4-45C3-9AFF-F1F30BF2906A}" type="presParOf" srcId="{BF055F4A-ED1A-4FD3-BA99-10C84E15A5C9}" destId="{F9AF1796-0164-474B-9FED-136A4CCB5493}" srcOrd="1" destOrd="0" presId="urn:microsoft.com/office/officeart/2018/2/layout/IconLabelList"/>
     <dgm:cxn modelId="{B2411BFF-1D3A-4062-802C-54996C74AB31}" type="presParOf" srcId="{BF055F4A-ED1A-4FD3-BA99-10C84E15A5C9}" destId="{7A7E39BC-A6AB-4E76-AD61-A98D22695260}" srcOrd="2" destOrd="0" presId="urn:microsoft.com/office/officeart/2018/2/layout/IconLabelList"/>
-    <dgm:cxn modelId="{EE9B1C88-24C2-460D-B1AB-8C730527546B}" type="presParOf" srcId="{CFA1BE30-752B-4ED1-9682-5F0DE36D6D9C}" destId="{4CC7176F-B681-4819-A32D-FF7B4C093A11}" srcOrd="3" destOrd="0" presId="urn:microsoft.com/office/officeart/2018/2/layout/IconLabelList"/>
-    <dgm:cxn modelId="{A297DDCC-09E0-4F7D-A9A2-A68F1B10F048}" type="presParOf" srcId="{CFA1BE30-752B-4ED1-9682-5F0DE36D6D9C}" destId="{890CA4DB-A3E0-4A17-860F-4061CFE2CB65}" srcOrd="4" destOrd="0" presId="urn:microsoft.com/office/officeart/2018/2/layout/IconLabelList"/>
+    <dgm:cxn modelId="{EE9B1C88-24C2-460D-B1AB-8C730527546B}" type="presParOf" srcId="{CFA1BE30-752B-4ED1-9682-5F0DE36D6D9C}" destId="{4CC7176F-B681-4819-A32D-FF7B4C093A11}" srcOrd="1" destOrd="0" presId="urn:microsoft.com/office/officeart/2018/2/layout/IconLabelList"/>
+    <dgm:cxn modelId="{A297DDCC-09E0-4F7D-A9A2-A68F1B10F048}" type="presParOf" srcId="{CFA1BE30-752B-4ED1-9682-5F0DE36D6D9C}" destId="{890CA4DB-A3E0-4A17-860F-4061CFE2CB65}" srcOrd="2" destOrd="0" presId="urn:microsoft.com/office/officeart/2018/2/layout/IconLabelList"/>
     <dgm:cxn modelId="{E04C6416-2396-4FAF-93B1-A3FBD05703B2}" type="presParOf" srcId="{890CA4DB-A3E0-4A17-860F-4061CFE2CB65}" destId="{CBFD29D4-A2B4-4C25-B7E6-7B5D0F69D3EF}" srcOrd="0" destOrd="0" presId="urn:microsoft.com/office/officeart/2018/2/layout/IconLabelList"/>
     <dgm:cxn modelId="{97D0BF19-346F-4B94-AF56-54B2C9FA7F56}" type="presParOf" srcId="{890CA4DB-A3E0-4A17-860F-4061CFE2CB65}" destId="{EEDEFEB5-E185-4FC0-B9DB-C764F1FE5302}" srcOrd="1" destOrd="0" presId="urn:microsoft.com/office/officeart/2018/2/layout/IconLabelList"/>
     <dgm:cxn modelId="{AB565F33-9E74-4A3D-97A3-AE22730A535F}" type="presParOf" srcId="{890CA4DB-A3E0-4A17-860F-4061CFE2CB65}" destId="{8D849BA0-BC4B-4D3B-A81E-49F030CA18B9}" srcOrd="2" destOrd="0" presId="urn:microsoft.com/office/officeart/2018/2/layout/IconLabelList"/>
@@ -2162,21 +2049,105 @@
       <dsp:cNvGrpSpPr/>
     </dsp:nvGrpSpPr>
     <dsp:grpSpPr/>
-    <dsp:sp modelId="{A1562DF9-93BE-4AA0-BF14-491481E45A19}">
+    <dsp:sp modelId="{E7407B6D-0C27-4BFC-8C6F-8F149FB2F343}">
       <dsp:nvSpPr>
         <dsp:cNvPr id="0" name=""/>
         <dsp:cNvSpPr/>
       </dsp:nvSpPr>
       <dsp:spPr>
         <a:xfrm>
-          <a:off x="2250914" y="296402"/>
-          <a:ext cx="2196000" cy="2196000"/>
+          <a:off x="9242" y="1346949"/>
+          <a:ext cx="2762398" cy="1657439"/>
         </a:xfrm>
-        <a:prstGeom prst="ellipse">
-          <a:avLst/>
+        <a:prstGeom prst="roundRect">
+          <a:avLst>
+            <a:gd name="adj" fmla="val 10000"/>
+          </a:avLst>
         </a:prstGeom>
         <a:solidFill>
-          <a:schemeClr val="dk2">
+          <a:schemeClr val="accent1">
+            <a:hueOff val="0"/>
+            <a:satOff val="0"/>
+            <a:lumOff val="0"/>
+            <a:alphaOff val="0"/>
+          </a:schemeClr>
+        </a:solidFill>
+        <a:ln w="12700" cap="flat" cmpd="sng" algn="ctr">
+          <a:solidFill>
+            <a:schemeClr val="lt1">
+              <a:hueOff val="0"/>
+              <a:satOff val="0"/>
+              <a:lumOff val="0"/>
+              <a:alphaOff val="0"/>
+            </a:schemeClr>
+          </a:solidFill>
+          <a:prstDash val="solid"/>
+          <a:miter lim="800000"/>
+        </a:ln>
+        <a:effectLst/>
+      </dsp:spPr>
+      <dsp:style>
+        <a:lnRef idx="2">
+          <a:scrgbClr r="0" g="0" b="0"/>
+        </a:lnRef>
+        <a:fillRef idx="1">
+          <a:scrgbClr r="0" g="0" b="0"/>
+        </a:fillRef>
+        <a:effectRef idx="0">
+          <a:scrgbClr r="0" g="0" b="0"/>
+        </a:effectRef>
+        <a:fontRef idx="minor">
+          <a:schemeClr val="lt1"/>
+        </a:fontRef>
+      </dsp:style>
+      <dsp:txBody>
+        <a:bodyPr spcFirstLastPara="0" vert="horz" wrap="square" lIns="125730" tIns="125730" rIns="125730" bIns="125730" numCol="1" spcCol="1270" anchor="ctr" anchorCtr="0">
+          <a:noAutofit/>
+        </a:bodyPr>
+        <a:lstStyle/>
+        <a:p>
+          <a:pPr marL="0" lvl="0" indent="0" algn="ctr" defTabSz="1466850">
+            <a:lnSpc>
+              <a:spcPct val="90000"/>
+            </a:lnSpc>
+            <a:spcBef>
+              <a:spcPct val="0"/>
+            </a:spcBef>
+            <a:spcAft>
+              <a:spcPct val="35000"/>
+            </a:spcAft>
+            <a:buNone/>
+          </a:pPr>
+          <a:r>
+            <a:rPr lang="en-US" sz="3300" kern="1200" dirty="0"/>
+            <a:t>Build images</a:t>
+          </a:r>
+        </a:p>
+      </dsp:txBody>
+      <dsp:txXfrm>
+        <a:off x="57787" y="1395494"/>
+        <a:ext cx="2665308" cy="1560349"/>
+      </dsp:txXfrm>
+    </dsp:sp>
+    <dsp:sp modelId="{5B4F5853-CCD7-4D55-9E07-BBFD7236041C}">
+      <dsp:nvSpPr>
+        <dsp:cNvPr id="0" name=""/>
+        <dsp:cNvSpPr/>
+      </dsp:nvSpPr>
+      <dsp:spPr>
+        <a:xfrm>
+          <a:off x="3047880" y="1833131"/>
+          <a:ext cx="585628" cy="685074"/>
+        </a:xfrm>
+        <a:prstGeom prst="rightArrow">
+          <a:avLst>
+            <a:gd name="adj1" fmla="val 60000"/>
+            <a:gd name="adj2" fmla="val 50000"/>
+          </a:avLst>
+        </a:prstGeom>
+        <a:solidFill>
+          <a:schemeClr val="accent1">
+            <a:tint val="60000"/>
             <a:hueOff val="0"/>
             <a:satOff val="0"/>
             <a:lumOff val="0"/>
@@ -2198,39 +2169,68 @@
         <a:effectRef idx="0">
           <a:scrgbClr r="0" g="0" b="0"/>
         </a:effectRef>
-        <a:fontRef idx="minor"/>
+        <a:fontRef idx="minor">
+          <a:schemeClr val="lt1"/>
+        </a:fontRef>
       </dsp:style>
+      <dsp:txBody>
+        <a:bodyPr spcFirstLastPara="0" vert="horz" wrap="square" lIns="0" tIns="0" rIns="0" bIns="0" numCol="1" spcCol="1270" anchor="ctr" anchorCtr="0">
+          <a:noAutofit/>
+        </a:bodyPr>
+        <a:lstStyle/>
+        <a:p>
+          <a:pPr marL="0" lvl="0" indent="0" algn="ctr" defTabSz="1155700">
+            <a:lnSpc>
+              <a:spcPct val="90000"/>
+            </a:lnSpc>
+            <a:spcBef>
+              <a:spcPct val="0"/>
+            </a:spcBef>
+            <a:spcAft>
+              <a:spcPct val="35000"/>
+            </a:spcAft>
+            <a:buNone/>
+          </a:pPr>
+          <a:endParaRPr lang="en-US" sz="2600" kern="1200"/>
+        </a:p>
+      </dsp:txBody>
+      <dsp:txXfrm>
+        <a:off x="3047880" y="1970146"/>
+        <a:ext cx="409940" cy="411044"/>
+      </dsp:txXfrm>
     </dsp:sp>
-    <dsp:sp modelId="{525AB746-E3A4-471D-8659-021BFD6CC789}">
+    <dsp:sp modelId="{C6872888-E6B8-4D6A-8070-ACE2392B7A29}">
       <dsp:nvSpPr>
         <dsp:cNvPr id="0" name=""/>
         <dsp:cNvSpPr/>
       </dsp:nvSpPr>
       <dsp:spPr>
         <a:xfrm>
-          <a:off x="2718914" y="764402"/>
-          <a:ext cx="1260000" cy="1260000"/>
+          <a:off x="3876600" y="1346949"/>
+          <a:ext cx="2762398" cy="1657439"/>
         </a:xfrm>
-        <a:prstGeom prst="rect">
-          <a:avLst/>
+        <a:prstGeom prst="roundRect">
+          <a:avLst>
+            <a:gd name="adj" fmla="val 10000"/>
+          </a:avLst>
         </a:prstGeom>
-        <a:blipFill>
-          <a:blip xmlns:r="http://schemas.openxmlformats.org/officeDocument/2006/relationships" r:embed="rId1">
-            <a:extLst>
-              <a:ext uri="{28A0092B-C50C-407E-A947-70E740481C1C}">
-                <a14:useLocalDpi xmlns:a14="http://schemas.microsoft.com/office/drawing/2010/main" val="0"/>
-              </a:ext>
-              <a:ext uri="{96DAC541-7B7A-43D3-8B79-37D633B846F1}">
-                <asvg:svgBlip xmlns:asvg="http://schemas.microsoft.com/office/drawing/2016/SVG/main" r:embed="rId2"/>
-              </a:ext>
-            </a:extLst>
-          </a:blip>
-          <a:stretch>
-            <a:fillRect/>
-          </a:stretch>
-        </a:blipFill>
+        <a:solidFill>
+          <a:schemeClr val="accent1">
+            <a:hueOff val="0"/>
+            <a:satOff val="0"/>
+            <a:lumOff val="0"/>
+            <a:alphaOff val="0"/>
+          </a:schemeClr>
+        </a:solidFill>
         <a:ln w="12700" cap="flat" cmpd="sng" algn="ctr">
-          <a:noFill/>
+          <a:solidFill>
+            <a:schemeClr val="lt1">
+              <a:hueOff val="0"/>
+              <a:satOff val="0"/>
+              <a:lumOff val="0"/>
+              <a:alphaOff val="0"/>
+            </a:schemeClr>
+          </a:solidFill>
           <a:prstDash val="solid"/>
           <a:miter lim="800000"/>
         </a:ln>
@@ -2250,45 +2250,13 @@
           <a:schemeClr val="lt1"/>
         </a:fontRef>
       </dsp:style>
-    </dsp:sp>
-    <dsp:sp modelId="{BE63C3EB-8901-4D3D-A300-F00723B34811}">
-      <dsp:nvSpPr>
-        <dsp:cNvPr id="0" name=""/>
-        <dsp:cNvSpPr/>
-      </dsp:nvSpPr>
-      <dsp:spPr>
-        <a:xfrm>
-          <a:off x="1548914" y="3176402"/>
-          <a:ext cx="3600000" cy="720000"/>
-        </a:xfrm>
-        <a:prstGeom prst="rect">
-          <a:avLst/>
-        </a:prstGeom>
-        <a:noFill/>
-        <a:ln>
-          <a:noFill/>
-        </a:ln>
-        <a:effectLst/>
-      </dsp:spPr>
-      <dsp:style>
-        <a:lnRef idx="0">
-          <a:scrgbClr r="0" g="0" b="0"/>
-        </a:lnRef>
-        <a:fillRef idx="0">
-          <a:scrgbClr r="0" g="0" b="0"/>
-        </a:fillRef>
-        <a:effectRef idx="0">
-          <a:scrgbClr r="0" g="0" b="0"/>
-        </a:effectRef>
-        <a:fontRef idx="minor"/>
-      </dsp:style>
       <dsp:txBody>
-        <a:bodyPr spcFirstLastPara="0" vert="horz" wrap="square" lIns="0" tIns="0" rIns="0" bIns="0" numCol="1" spcCol="1270" anchor="t" anchorCtr="0">
+        <a:bodyPr spcFirstLastPara="0" vert="horz" wrap="square" lIns="125730" tIns="125730" rIns="125730" bIns="125730" numCol="1" spcCol="1270" anchor="ctr" anchorCtr="0">
           <a:noAutofit/>
         </a:bodyPr>
         <a:lstStyle/>
         <a:p>
-          <a:pPr marL="0" lvl="0" indent="0" algn="ctr" defTabSz="1111250">
+          <a:pPr marL="0" lvl="0" indent="0" algn="ctr" defTabSz="1466850">
             <a:lnSpc>
               <a:spcPct val="90000"/>
             </a:lnSpc>
@@ -2299,34 +2267,37 @@
               <a:spcPct val="35000"/>
             </a:spcAft>
             <a:buNone/>
-            <a:defRPr cap="all"/>
           </a:pPr>
           <a:r>
-            <a:rPr lang="en-US" sz="2500" kern="1200"/>
-            <a:t>Definition</a:t>
+            <a:rPr lang="en-US" sz="3300" kern="1200" dirty="0"/>
+            <a:t>Push into image repo</a:t>
           </a:r>
         </a:p>
       </dsp:txBody>
       <dsp:txXfrm>
-        <a:off x="1548914" y="3176402"/>
-        <a:ext cx="3600000" cy="720000"/>
+        <a:off x="3925145" y="1395494"/>
+        <a:ext cx="2665308" cy="1560349"/>
       </dsp:txXfrm>
     </dsp:sp>
-    <dsp:sp modelId="{4E446C59-C515-4433-8415-3FAEBA7E36DC}">
+    <dsp:sp modelId="{BBAEDD4C-FD49-473D-B1D9-15F54151F655}">
       <dsp:nvSpPr>
         <dsp:cNvPr id="0" name=""/>
         <dsp:cNvSpPr/>
       </dsp:nvSpPr>
       <dsp:spPr>
         <a:xfrm>
-          <a:off x="6480914" y="296402"/>
-          <a:ext cx="2196000" cy="2196000"/>
+          <a:off x="6915239" y="1833131"/>
+          <a:ext cx="585628" cy="685074"/>
         </a:xfrm>
-        <a:prstGeom prst="ellipse">
-          <a:avLst/>
+        <a:prstGeom prst="rightArrow">
+          <a:avLst>
+            <a:gd name="adj1" fmla="val 60000"/>
+            <a:gd name="adj2" fmla="val 50000"/>
+          </a:avLst>
         </a:prstGeom>
         <a:solidFill>
-          <a:schemeClr val="dk2">
+          <a:schemeClr val="accent1">
+            <a:tint val="60000"/>
             <a:hueOff val="0"/>
             <a:satOff val="0"/>
             <a:lumOff val="0"/>
@@ -2348,39 +2319,68 @@
         <a:effectRef idx="0">
           <a:scrgbClr r="0" g="0" b="0"/>
         </a:effectRef>
-        <a:fontRef idx="minor"/>
+        <a:fontRef idx="minor">
+          <a:schemeClr val="lt1"/>
+        </a:fontRef>
       </dsp:style>
+      <dsp:txBody>
+        <a:bodyPr spcFirstLastPara="0" vert="horz" wrap="square" lIns="0" tIns="0" rIns="0" bIns="0" numCol="1" spcCol="1270" anchor="ctr" anchorCtr="0">
+          <a:noAutofit/>
+        </a:bodyPr>
+        <a:lstStyle/>
+        <a:p>
+          <a:pPr marL="0" lvl="0" indent="0" algn="ctr" defTabSz="1155700">
+            <a:lnSpc>
+              <a:spcPct val="90000"/>
+            </a:lnSpc>
+            <a:spcBef>
+              <a:spcPct val="0"/>
+            </a:spcBef>
+            <a:spcAft>
+              <a:spcPct val="35000"/>
+            </a:spcAft>
+            <a:buNone/>
+          </a:pPr>
+          <a:endParaRPr lang="en-US" sz="2600" kern="1200"/>
+        </a:p>
+      </dsp:txBody>
+      <dsp:txXfrm>
+        <a:off x="6915239" y="1970146"/>
+        <a:ext cx="409940" cy="411044"/>
+      </dsp:txXfrm>
     </dsp:sp>
-    <dsp:sp modelId="{473B53C3-1516-445D-A167-614AA14A9952}">
+    <dsp:sp modelId="{55A7AD11-494B-4C2A-BF26-C2747E28F90E}">
       <dsp:nvSpPr>
         <dsp:cNvPr id="0" name=""/>
         <dsp:cNvSpPr/>
       </dsp:nvSpPr>
       <dsp:spPr>
         <a:xfrm>
-          <a:off x="6948914" y="764402"/>
-          <a:ext cx="1260000" cy="1260000"/>
+          <a:off x="7743958" y="1346949"/>
+          <a:ext cx="2762398" cy="1657439"/>
         </a:xfrm>
-        <a:prstGeom prst="rect">
-          <a:avLst/>
+        <a:prstGeom prst="roundRect">
+          <a:avLst>
+            <a:gd name="adj" fmla="val 10000"/>
+          </a:avLst>
         </a:prstGeom>
-        <a:blipFill>
-          <a:blip xmlns:r="http://schemas.openxmlformats.org/officeDocument/2006/relationships" r:embed="rId3">
-            <a:extLst>
-              <a:ext uri="{28A0092B-C50C-407E-A947-70E740481C1C}">
-                <a14:useLocalDpi xmlns:a14="http://schemas.microsoft.com/office/drawing/2010/main" val="0"/>
-              </a:ext>
-              <a:ext uri="{96DAC541-7B7A-43D3-8B79-37D633B846F1}">
-                <asvg:svgBlip xmlns:asvg="http://schemas.microsoft.com/office/drawing/2016/SVG/main" r:embed="rId4"/>
-              </a:ext>
-            </a:extLst>
-          </a:blip>
-          <a:stretch>
-            <a:fillRect/>
-          </a:stretch>
-        </a:blipFill>
+        <a:solidFill>
+          <a:schemeClr val="accent1">
+            <a:hueOff val="0"/>
+            <a:satOff val="0"/>
+            <a:lumOff val="0"/>
+            <a:alphaOff val="0"/>
+          </a:schemeClr>
+        </a:solidFill>
         <a:ln w="12700" cap="flat" cmpd="sng" algn="ctr">
-          <a:noFill/>
+          <a:solidFill>
+            <a:schemeClr val="lt1">
+              <a:hueOff val="0"/>
+              <a:satOff val="0"/>
+              <a:lumOff val="0"/>
+              <a:alphaOff val="0"/>
+            </a:schemeClr>
+          </a:solidFill>
           <a:prstDash val="solid"/>
           <a:miter lim="800000"/>
         </a:ln>
@@ -2400,45 +2400,13 @@
           <a:schemeClr val="lt1"/>
         </a:fontRef>
       </dsp:style>
-    </dsp:sp>
-    <dsp:sp modelId="{F8D0CD33-A2A1-4281-B3DA-9C5612F53309}">
-      <dsp:nvSpPr>
-        <dsp:cNvPr id="0" name=""/>
-        <dsp:cNvSpPr/>
-      </dsp:nvSpPr>
-      <dsp:spPr>
-        <a:xfrm>
-          <a:off x="5778914" y="3176402"/>
-          <a:ext cx="3600000" cy="720000"/>
-        </a:xfrm>
-        <a:prstGeom prst="rect">
-          <a:avLst/>
-        </a:prstGeom>
-        <a:noFill/>
-        <a:ln>
-          <a:noFill/>
-        </a:ln>
-        <a:effectLst/>
-      </dsp:spPr>
-      <dsp:style>
-        <a:lnRef idx="0">
-          <a:scrgbClr r="0" g="0" b="0"/>
-        </a:lnRef>
-        <a:fillRef idx="0">
-          <a:scrgbClr r="0" g="0" b="0"/>
-        </a:fillRef>
-        <a:effectRef idx="0">
-          <a:scrgbClr r="0" g="0" b="0"/>
-        </a:effectRef>
-        <a:fontRef idx="minor"/>
-      </dsp:style>
       <dsp:txBody>
-        <a:bodyPr spcFirstLastPara="0" vert="horz" wrap="square" lIns="0" tIns="0" rIns="0" bIns="0" numCol="1" spcCol="1270" anchor="t" anchorCtr="0">
+        <a:bodyPr spcFirstLastPara="0" vert="horz" wrap="square" lIns="125730" tIns="125730" rIns="125730" bIns="125730" numCol="1" spcCol="1270" anchor="ctr" anchorCtr="0">
           <a:noAutofit/>
         </a:bodyPr>
         <a:lstStyle/>
         <a:p>
-          <a:pPr marL="0" lvl="0" indent="0" algn="ctr" defTabSz="1111250">
+          <a:pPr marL="0" lvl="0" indent="0" algn="ctr" defTabSz="1466850">
             <a:lnSpc>
               <a:spcPct val="90000"/>
             </a:lnSpc>
@@ -2449,17 +2417,16 @@
               <a:spcPct val="35000"/>
             </a:spcAft>
             <a:buNone/>
-            <a:defRPr cap="all"/>
           </a:pPr>
           <a:r>
-            <a:rPr lang="en-US" sz="2500" kern="1200"/>
-            <a:t>And typical container graph</a:t>
+            <a:rPr lang="en-US" sz="3300" kern="1200" dirty="0"/>
+            <a:t>Run container (from repo)</a:t>
           </a:r>
         </a:p>
       </dsp:txBody>
       <dsp:txXfrm>
-        <a:off x="5778914" y="3176402"/>
-        <a:ext cx="3600000" cy="720000"/>
+        <a:off x="7792503" y="1395494"/>
+        <a:ext cx="2665308" cy="1560349"/>
       </dsp:txXfrm>
     </dsp:sp>
   </dsp:spTree>
@@ -2474,15 +2441,15 @@
       <dsp:cNvGrpSpPr/>
     </dsp:nvGrpSpPr>
     <dsp:grpSpPr/>
-    <dsp:sp modelId="{46F2F489-8BD1-405E-9EB6-8CE452E961DB}">
+    <dsp:sp modelId="{BF8245C2-5E2D-4DBB-849F-53E6FC7B8D1B}">
       <dsp:nvSpPr>
         <dsp:cNvPr id="0" name=""/>
         <dsp:cNvSpPr/>
       </dsp:nvSpPr>
       <dsp:spPr>
         <a:xfrm>
-          <a:off x="947201" y="818755"/>
-          <a:ext cx="1451800" cy="1451800"/>
+          <a:off x="1953914" y="330547"/>
+          <a:ext cx="1944000" cy="1944000"/>
         </a:xfrm>
         <a:prstGeom prst="rect">
           <a:avLst/>
@@ -2495,116 +2462,6 @@
               </a:ext>
               <a:ext uri="{96DAC541-7B7A-43D3-8B79-37D633B846F1}">
                 <asvg:svgBlip xmlns:asvg="http://schemas.microsoft.com/office/drawing/2016/SVG/main" r:embed="rId2"/>
-              </a:ext>
-            </a:extLst>
-          </a:blip>
-          <a:stretch>
-            <a:fillRect/>
-          </a:stretch>
-        </a:blipFill>
-        <a:ln w="12700" cap="flat" cmpd="sng" algn="ctr">
-          <a:noFill/>
-          <a:prstDash val="solid"/>
-          <a:miter lim="800000"/>
-        </a:ln>
-        <a:effectLst/>
-      </dsp:spPr>
-      <dsp:style>
-        <a:lnRef idx="2">
-          <a:scrgbClr r="0" g="0" b="0"/>
-        </a:lnRef>
-        <a:fillRef idx="1">
-          <a:scrgbClr r="0" g="0" b="0"/>
-        </a:fillRef>
-        <a:effectRef idx="0">
-          <a:scrgbClr r="0" g="0" b="0"/>
-        </a:effectRef>
-        <a:fontRef idx="minor">
-          <a:schemeClr val="lt1"/>
-        </a:fontRef>
-      </dsp:style>
-    </dsp:sp>
-    <dsp:sp modelId="{7DD44BCB-362E-4F49-84C2-B0C7BEE2C17D}">
-      <dsp:nvSpPr>
-        <dsp:cNvPr id="0" name=""/>
-        <dsp:cNvSpPr/>
-      </dsp:nvSpPr>
-      <dsp:spPr>
-        <a:xfrm>
-          <a:off x="59990" y="2654049"/>
-          <a:ext cx="3226223" cy="720000"/>
-        </a:xfrm>
-        <a:prstGeom prst="rect">
-          <a:avLst/>
-        </a:prstGeom>
-        <a:noFill/>
-        <a:ln>
-          <a:noFill/>
-        </a:ln>
-        <a:effectLst/>
-      </dsp:spPr>
-      <dsp:style>
-        <a:lnRef idx="0">
-          <a:scrgbClr r="0" g="0" b="0"/>
-        </a:lnRef>
-        <a:fillRef idx="0">
-          <a:scrgbClr r="0" g="0" b="0"/>
-        </a:fillRef>
-        <a:effectRef idx="0">
-          <a:scrgbClr r="0" g="0" b="0"/>
-        </a:effectRef>
-        <a:fontRef idx="minor"/>
-      </dsp:style>
-      <dsp:txBody>
-        <a:bodyPr spcFirstLastPara="0" vert="horz" wrap="square" lIns="0" tIns="0" rIns="0" bIns="0" numCol="1" spcCol="1270" anchor="t" anchorCtr="0">
-          <a:noAutofit/>
-        </a:bodyPr>
-        <a:lstStyle/>
-        <a:p>
-          <a:pPr marL="0" lvl="0" indent="0" algn="ctr" defTabSz="1111250">
-            <a:lnSpc>
-              <a:spcPct val="90000"/>
-            </a:lnSpc>
-            <a:spcBef>
-              <a:spcPct val="0"/>
-            </a:spcBef>
-            <a:spcAft>
-              <a:spcPct val="35000"/>
-            </a:spcAft>
-            <a:buNone/>
-          </a:pPr>
-          <a:r>
-            <a:rPr lang="en-US" sz="2500" kern="1200"/>
-            <a:t>Mention other container frameworks</a:t>
-          </a:r>
-        </a:p>
-      </dsp:txBody>
-      <dsp:txXfrm>
-        <a:off x="59990" y="2654049"/>
-        <a:ext cx="3226223" cy="720000"/>
-      </dsp:txXfrm>
-    </dsp:sp>
-    <dsp:sp modelId="{BF8245C2-5E2D-4DBB-849F-53E6FC7B8D1B}">
-      <dsp:nvSpPr>
-        <dsp:cNvPr id="0" name=""/>
-        <dsp:cNvSpPr/>
-      </dsp:nvSpPr>
-      <dsp:spPr>
-        <a:xfrm>
-          <a:off x="4738014" y="818755"/>
-          <a:ext cx="1451800" cy="1451800"/>
-        </a:xfrm>
-        <a:prstGeom prst="rect">
-          <a:avLst/>
-        </a:prstGeom>
-        <a:blipFill>
-          <a:blip xmlns:r="http://schemas.openxmlformats.org/officeDocument/2006/relationships" r:embed="rId3">
-            <a:extLst>
-              <a:ext uri="{28A0092B-C50C-407E-A947-70E740481C1C}">
-                <a14:useLocalDpi xmlns:a14="http://schemas.microsoft.com/office/drawing/2010/main" val="0"/>
-              </a:ext>
-              <a:ext uri="{96DAC541-7B7A-43D3-8B79-37D633B846F1}">
-                <asvg:svgBlip xmlns:asvg="http://schemas.microsoft.com/office/drawing/2016/SVG/main" r:embed="rId4"/>
               </a:ext>
             </a:extLst>
           </a:blip>
@@ -2641,8 +2498,8 @@
       </dsp:nvSpPr>
       <dsp:spPr>
         <a:xfrm>
-          <a:off x="3850802" y="2654049"/>
-          <a:ext cx="3226223" cy="720000"/>
+          <a:off x="466387" y="2347269"/>
+          <a:ext cx="4919054" cy="1514988"/>
         </a:xfrm>
         <a:prstGeom prst="rect">
           <a:avLst/>
@@ -2671,9 +2528,9 @@
         </a:bodyPr>
         <a:lstStyle/>
         <a:p>
-          <a:pPr marL="0" lvl="0" indent="0" algn="ctr" defTabSz="1111250">
+          <a:pPr marL="0" lvl="0" indent="0" algn="l" defTabSz="1244600">
             <a:lnSpc>
-              <a:spcPct val="90000"/>
+              <a:spcPct val="100000"/>
             </a:lnSpc>
             <a:spcBef>
               <a:spcPct val="0"/>
@@ -2684,14 +2541,21 @@
             <a:buNone/>
           </a:pPr>
           <a:r>
-            <a:rPr lang="en-US" sz="2500" kern="1200"/>
-            <a:t>Mention OCI and runtime</a:t>
+            <a:rPr lang="en-US" sz="2800" kern="1200" dirty="0"/>
+            <a:t>- Docker supports OCI Standard</a:t>
+          </a:r>
+          <a:br>
+            <a:rPr lang="en-US" sz="2800" kern="1200" dirty="0"/>
+          </a:br>
+          <a:r>
+            <a:rPr lang="en-US" sz="2800" kern="1200" dirty="0"/>
+            <a:t>- Kubernetes uses different container runtime</a:t>
           </a:r>
         </a:p>
       </dsp:txBody>
       <dsp:txXfrm>
-        <a:off x="3850802" y="2654049"/>
-        <a:ext cx="3226223" cy="720000"/>
+        <a:off x="466387" y="2347269"/>
+        <a:ext cx="4919054" cy="1514988"/>
       </dsp:txXfrm>
     </dsp:sp>
     <dsp:sp modelId="{CBFD29D4-A2B4-4C25-B7E6-7B5D0F69D3EF}">
@@ -2701,20 +2565,20 @@
       </dsp:nvSpPr>
       <dsp:spPr>
         <a:xfrm>
-          <a:off x="8528826" y="818755"/>
-          <a:ext cx="1451800" cy="1451800"/>
+          <a:off x="7329441" y="529294"/>
+          <a:ext cx="1944000" cy="1944000"/>
         </a:xfrm>
         <a:prstGeom prst="rect">
           <a:avLst/>
         </a:prstGeom>
         <a:blipFill>
-          <a:blip xmlns:r="http://schemas.openxmlformats.org/officeDocument/2006/relationships" r:embed="rId5">
+          <a:blip xmlns:r="http://schemas.openxmlformats.org/officeDocument/2006/relationships" r:embed="rId3">
             <a:extLst>
               <a:ext uri="{28A0092B-C50C-407E-A947-70E740481C1C}">
                 <a14:useLocalDpi xmlns:a14="http://schemas.microsoft.com/office/drawing/2010/main" val="0"/>
               </a:ext>
               <a:ext uri="{96DAC541-7B7A-43D3-8B79-37D633B846F1}">
-                <asvg:svgBlip xmlns:asvg="http://schemas.microsoft.com/office/drawing/2016/SVG/main" r:embed="rId6"/>
+                <asvg:svgBlip xmlns:asvg="http://schemas.microsoft.com/office/drawing/2016/SVG/main" r:embed="rId4"/>
               </a:ext>
             </a:extLst>
           </a:blip>
@@ -2751,8 +2615,8 @@
       </dsp:nvSpPr>
       <dsp:spPr>
         <a:xfrm>
-          <a:off x="7641615" y="2654049"/>
-          <a:ext cx="3226223" cy="720000"/>
+          <a:off x="6141441" y="2943510"/>
+          <a:ext cx="4320000" cy="720000"/>
         </a:xfrm>
         <a:prstGeom prst="rect">
           <a:avLst/>
@@ -2781,9 +2645,9 @@
         </a:bodyPr>
         <a:lstStyle/>
         <a:p>
-          <a:pPr marL="0" lvl="0" indent="0" algn="ctr" defTabSz="1111250">
+          <a:pPr marL="0" lvl="0" indent="0" algn="ctr" defTabSz="1244600">
             <a:lnSpc>
-              <a:spcPct val="90000"/>
+              <a:spcPct val="100000"/>
             </a:lnSpc>
             <a:spcBef>
               <a:spcPct val="0"/>
@@ -2794,14 +2658,14 @@
             <a:buNone/>
           </a:pPr>
           <a:r>
-            <a:rPr lang="en-US" sz="2500" kern="1200"/>
+            <a:rPr lang="en-US" sz="2800" kern="1200" dirty="0"/>
             <a:t>Demo</a:t>
           </a:r>
         </a:p>
       </dsp:txBody>
       <dsp:txXfrm>
-        <a:off x="7641615" y="2654049"/>
-        <a:ext cx="3226223" cy="720000"/>
+        <a:off x="6141441" y="2943510"/>
+        <a:ext cx="4320000" cy="720000"/>
       </dsp:txXfrm>
     </dsp:sp>
   </dsp:spTree>
@@ -2809,11 +2673,12 @@
 </file>
 
 <file path=ppt/diagrams/layout1.xml><?xml version="1.0" encoding="utf-8"?>
-<dgm:layoutDef xmlns:dgm="http://schemas.openxmlformats.org/drawingml/2006/diagram" xmlns:a="http://schemas.openxmlformats.org/drawingml/2006/main" uniqueId="urn:microsoft.com/office/officeart/2018/5/layout/IconCircleLabelList">
-  <dgm:title val="Icon Circle Label List"/>
-  <dgm:desc val="Use to show non-sequential or grouped chunks of information accompanied by a related visuals. Works best with icons or small pictures with short text captions."/>
+<dgm:layoutDef xmlns:dgm="http://schemas.openxmlformats.org/drawingml/2006/diagram" xmlns:a="http://schemas.openxmlformats.org/drawingml/2006/main" uniqueId="urn:microsoft.com/office/officeart/2005/8/layout/process1">
+  <dgm:title val=""/>
+  <dgm:desc val=""/>
   <dgm:catLst>
-    <dgm:cat type="icon" pri="500"/>
+    <dgm:cat type="process" pri="1000"/>
+    <dgm:cat type="convert" pri="15000"/>
   </dgm:catLst>
   <dgm:sampData useDef="1">
     <dgm:dataModel>
@@ -2822,44 +2687,52 @@
       <dgm:whole/>
     </dgm:dataModel>
   </dgm:sampData>
-  <dgm:styleData useDef="1">
+  <dgm:styleData>
     <dgm:dataModel>
-      <dgm:ptLst/>
+      <dgm:ptLst>
+        <dgm:pt modelId="0" type="doc"/>
+        <dgm:pt modelId="1"/>
+        <dgm:pt modelId="2"/>
+      </dgm:ptLst>
+      <dgm:cxnLst>
+        <dgm:cxn modelId="3" srcId="0" destId="1" srcOrd="0" destOrd="0"/>
+        <dgm:cxn modelId="4" srcId="0" destId="2" srcOrd="1" destOrd="0"/>
+      </dgm:cxnLst>
       <dgm:bg/>
       <dgm:whole/>
     </dgm:dataModel>
   </dgm:styleData>
-  <dgm:clrData useDef="1">
+  <dgm:clrData>
     <dgm:dataModel>
-      <dgm:ptLst/>
+      <dgm:ptLst>
+        <dgm:pt modelId="0" type="doc"/>
+        <dgm:pt modelId="1"/>
+        <dgm:pt modelId="2"/>
+        <dgm:pt modelId="3"/>
+        <dgm:pt modelId="4"/>
+      </dgm:ptLst>
+      <dgm:cxnLst>
+        <dgm:cxn modelId="5" srcId="0" destId="1" srcOrd="0" destOrd="0"/>
+        <dgm:cxn modelId="6" srcId="0" destId="2" srcOrd="1" destOrd="0"/>
+        <dgm:cxn modelId="7" srcId="0" destId="3" srcOrd="2" destOrd="0"/>
+        <dgm:cxn modelId="8" srcId="0" destId="4" srcOrd="3" destOrd="0"/>
+      </dgm:cxnLst>
       <dgm:bg/>
       <dgm:whole/>
     </dgm:dataModel>
   </dgm:clrData>
-  <dgm:layoutNode name="root">
+  <dgm:layoutNode name="Name0">
     <dgm:varLst>
       <dgm:dir/>
       <dgm:resizeHandles val="exact"/>
     </dgm:varLst>
-    <dgm:choose name="Name0">
-      <dgm:if name="Name1" axis="self" func="var" arg="dir" op="equ" val="norm">
-        <dgm:alg type="snake">
-          <dgm:param type="grDir" val="tL"/>
-          <dgm:param type="flowDir" val="row"/>
-          <dgm:param type="contDir" val="sameDir"/>
-          <dgm:param type="off" val="ctr"/>
-          <dgm:param type="vertAlign" val="mid"/>
-          <dgm:param type="horzAlign" val="ctr"/>
-        </dgm:alg>
+    <dgm:choose name="Name1">
+      <dgm:if name="Name2" func="var" arg="dir" op="equ" val="norm">
+        <dgm:alg type="lin"/>
       </dgm:if>
-      <dgm:else name="Name2">
-        <dgm:alg type="snake">
-          <dgm:param type="grDir" val="tR"/>
-          <dgm:param type="flowDir" val="row"/>
-          <dgm:param type="contDir" val="sameDir"/>
-          <dgm:param type="off" val="ctr"/>
-          <dgm:param type="vertAlign" val="mid"/>
-          <dgm:param type="horzAlign" val="ctr"/>
+      <dgm:else name="Name3">
+        <dgm:alg type="lin">
+          <dgm:param type="linDir" val="fromR"/>
         </dgm:alg>
       </dgm:else>
     </dgm:choose>
@@ -2867,159 +2740,81 @@
       <dgm:adjLst/>
     </dgm:shape>
     <dgm:presOf/>
-    <dgm:choose name="Name3">
-      <dgm:if name="Name4" axis="ch" ptType="node" func="cnt" op="lte" val="2">
+    <dgm:constrLst>
+      <dgm:constr type="w" for="ch" ptType="node" refType="w"/>
+      <dgm:constr type="h" for="ch" ptType="node" op="equ"/>
+      <dgm:constr type="primFontSz" for="ch" ptType="node" op="equ" val="65"/>
+      <dgm:constr type="w" for="ch" ptType="sibTrans" refType="w" refFor="ch" refPtType="node" op="equ" fact="0.4"/>
+      <dgm:constr type="h" for="ch" ptType="sibTrans" op="equ"/>
+      <dgm:constr type="primFontSz" for="des" forName="connectorText" op="equ" val="55"/>
+      <dgm:constr type="primFontSz" for="des" forName="connectorText" refType="primFontSz" refFor="ch" refPtType="node" op="lte" fact="0.8"/>
+    </dgm:constrLst>
+    <dgm:ruleLst/>
+    <dgm:forEach name="nodesForEach" axis="ch" ptType="node">
+      <dgm:layoutNode name="node">
+        <dgm:varLst>
+          <dgm:bulletEnabled val="1"/>
+        </dgm:varLst>
+        <dgm:alg type="tx"/>
+        <dgm:shape xmlns:r="http://schemas.openxmlformats.org/officeDocument/2006/relationships" type="roundRect" r:blip="">
+          <dgm:adjLst>
+            <dgm:adj idx="1" val="0.1"/>
+          </dgm:adjLst>
+        </dgm:shape>
+        <dgm:presOf axis="desOrSelf" ptType="node"/>
         <dgm:constrLst>
-          <dgm:constr type="h" for="ch" forName="compNode" refType="h" fact="0.4"/>
-          <dgm:constr type="w" for="ch" forName="compNode" val="100"/>
-          <dgm:constr type="w" for="ch" forName="sibTrans" refType="w" refFor="ch" refForName="compNode" fact="0.175"/>
-          <dgm:constr type="sp" refType="w" refFor="ch" refForName="compNode" op="equ" fact="0.25"/>
-          <dgm:constr type="primFontSz" for="des" ptType="node" op="equ" val="44"/>
-          <dgm:constr type="h" for="des" forName="compNode" op="equ"/>
-          <dgm:constr type="h" for="des" forName="textRect" op="equ"/>
-        </dgm:constrLst>
-      </dgm:if>
-      <dgm:if name="Name5" axis="ch" ptType="node" func="cnt" op="lte" val="3">
-        <dgm:constrLst>
-          <dgm:constr type="h" for="ch" forName="compNode" refType="h" fact="0.4"/>
-          <dgm:constr type="w" for="ch" forName="compNode" val="100"/>
-          <dgm:constr type="w" for="ch" forName="sibTrans" refType="w" refFor="ch" refForName="compNode" fact="0.175"/>
-          <dgm:constr type="sp" refType="w" refFor="ch" refForName="compNode" op="equ" fact="0.25"/>
-          <dgm:constr type="primFontSz" for="des" ptType="node" op="equ" val="40"/>
-          <dgm:constr type="h" for="des" forName="compNode" op="equ"/>
-          <dgm:constr type="h" for="des" forName="textRect" op="equ"/>
-        </dgm:constrLst>
-      </dgm:if>
-      <dgm:if name="Name6" axis="ch" ptType="node" func="cnt" op="lte" val="4">
-        <dgm:constrLst>
-          <dgm:constr type="h" for="ch" forName="compNode" refType="h" fact="0.4"/>
-          <dgm:constr type="w" for="ch" forName="compNode" refType="w"/>
-          <dgm:constr type="w" for="ch" forName="sibTrans" refType="w" refFor="ch" refForName="compNode" fact="0.175"/>
-          <dgm:constr type="sp" refType="w" refFor="ch" refForName="compNode" op="equ" fact="0.25"/>
-          <dgm:constr type="primFontSz" for="des" ptType="node" op="equ" val="32"/>
-          <dgm:constr type="h" for="des" forName="compNode" op="equ"/>
-          <dgm:constr type="h" for="des" forName="textRect" op="equ"/>
-        </dgm:constrLst>
-      </dgm:if>
-      <dgm:else name="Name7">
-        <dgm:constrLst>
-          <dgm:constr type="h" for="ch" forName="compNode" refType="h" fact="0.4"/>
-          <dgm:constr type="w" for="ch" forName="compNode" refType="w"/>
-          <dgm:constr type="w" for="ch" forName="sibTrans" refType="w" refFor="ch" refForName="compNode" fact="0.175"/>
-          <dgm:constr type="sp" refType="w" refFor="ch" refForName="compNode" op="equ" fact="0.25"/>
-          <dgm:constr type="primFontSz" for="des" ptType="node" op="equ" val="24"/>
-          <dgm:constr type="h" for="des" forName="compNode" op="equ"/>
-          <dgm:constr type="h" for="des" forName="textRect" op="equ"/>
-        </dgm:constrLst>
-      </dgm:else>
-    </dgm:choose>
-    <dgm:ruleLst>
-      <dgm:rule type="w" for="ch" forName="compNode" val="50" fact="NaN" max="NaN"/>
-    </dgm:ruleLst>
-    <dgm:forEach name="Name8" axis="ch" ptType="node">
-      <dgm:layoutNode name="compNode">
-        <dgm:alg type="composite"/>
-        <dgm:shape xmlns:r="http://schemas.openxmlformats.org/officeDocument/2006/relationships" r:blip="">
-          <dgm:adjLst/>
-        </dgm:shape>
-        <dgm:presOf axis="self"/>
-        <dgm:constrLst>
-          <dgm:constr type="w" for="ch" forName="iconBgRect" refType="w" fact="0.61"/>
-          <dgm:constr type="h" for="ch" forName="iconBgRect" refType="w" refFor="ch" refForName="iconBgRect"/>
-          <dgm:constr type="t" for="ch" forName="iconBgRect"/>
-          <dgm:constr type="ctrX" for="ch" forName="iconBgRect" refType="w" fact="0.5"/>
-          <dgm:constr type="w" for="ch" forName="iconRect" refType="w" fact="0.35"/>
-          <dgm:constr type="h" for="ch" forName="iconRect" refType="w" refFor="ch" refForName="iconRect"/>
-          <dgm:constr type="ctrX" for="ch" forName="iconRect" refType="ctrX" refFor="ch" refForName="iconBgRect"/>
-          <dgm:constr type="ctrY" for="ch" forName="iconRect" refType="ctrY" refFor="ch" refForName="iconBgRect"/>
-          <dgm:constr type="h" for="ch" forName="spaceRect" refType="w" fact="0.19"/>
-          <dgm:constr type="w" for="ch" forName="spaceRect" refType="w"/>
-          <dgm:constr type="l" for="ch" forName="spaceRect"/>
-          <dgm:constr type="t" for="ch" forName="spaceRect" refType="b" refFor="ch" refForName="iconBgRect"/>
-          <dgm:constr type="h" for="ch" forName="textRect" val="20"/>
-          <dgm:constr type="w" for="ch" forName="textRect" refType="w"/>
-          <dgm:constr type="l" for="ch" forName="textRect"/>
-          <dgm:constr type="t" for="ch" forName="textRect" refType="b" refFor="ch" refForName="spaceRect"/>
+          <dgm:constr type="h" refType="w" fact="0.6"/>
+          <dgm:constr type="tMarg" refType="primFontSz" fact="0.3"/>
+          <dgm:constr type="bMarg" refType="primFontSz" fact="0.3"/>
+          <dgm:constr type="lMarg" refType="primFontSz" fact="0.3"/>
+          <dgm:constr type="rMarg" refType="primFontSz" fact="0.3"/>
         </dgm:constrLst>
         <dgm:ruleLst>
+          <dgm:rule type="primFontSz" val="18" fact="NaN" max="NaN"/>
+          <dgm:rule type="h" val="NaN" fact="1.5" max="NaN"/>
+          <dgm:rule type="primFontSz" val="5" fact="NaN" max="NaN"/>
           <dgm:rule type="h" val="INF" fact="NaN" max="NaN"/>
         </dgm:ruleLst>
-        <dgm:layoutNode name="iconBgRect" styleLbl="bgShp">
-          <dgm:alg type="sp"/>
-          <dgm:shape xmlns:r="http://schemas.openxmlformats.org/officeDocument/2006/relationships" type="ellipse" r:blip="">
-            <dgm:adjLst/>
-          </dgm:shape>
-          <dgm:presOf/>
-          <dgm:constrLst/>
-          <dgm:ruleLst/>
-        </dgm:layoutNode>
-        <dgm:layoutNode name="iconRect" styleLbl="node1">
-          <dgm:alg type="sp"/>
-          <dgm:shape xmlns:r="http://schemas.openxmlformats.org/officeDocument/2006/relationships" type="rect" r:blip="" blipPhldr="1">
-            <dgm:adjLst/>
-          </dgm:shape>
-          <dgm:presOf/>
-          <dgm:constrLst/>
-          <dgm:ruleLst/>
-        </dgm:layoutNode>
-        <dgm:layoutNode name="spaceRect">
-          <dgm:alg type="sp"/>
-          <dgm:shape xmlns:r="http://schemas.openxmlformats.org/officeDocument/2006/relationships" r:blip="">
-            <dgm:adjLst/>
-          </dgm:shape>
-          <dgm:presOf/>
-          <dgm:constrLst/>
-          <dgm:ruleLst/>
-        </dgm:layoutNode>
-        <dgm:layoutNode name="textRect" styleLbl="revTx">
-          <dgm:varLst>
-            <dgm:chMax val="1"/>
-            <dgm:chPref val="1"/>
-          </dgm:varLst>
-          <dgm:alg type="tx">
-            <dgm:param type="txAnchorVert" val="t"/>
+      </dgm:layoutNode>
+      <dgm:forEach name="sibTransForEach" axis="followSib" ptType="sibTrans" cnt="1">
+        <dgm:layoutNode name="sibTrans">
+          <dgm:alg type="conn">
+            <dgm:param type="begPts" val="auto"/>
+            <dgm:param type="endPts" val="auto"/>
           </dgm:alg>
-          <dgm:shape xmlns:r="http://schemas.openxmlformats.org/officeDocument/2006/relationships" type="rect" r:blip="">
-            <dgm:adjLst/>
-          </dgm:shape>
-          <dgm:presOf axis="self" ptType="node"/>
-          <dgm:constrLst>
-            <dgm:constr type="lMarg"/>
-            <dgm:constr type="rMarg"/>
-            <dgm:constr type="tMarg"/>
-            <dgm:constr type="bMarg"/>
-          </dgm:constrLst>
-          <dgm:ruleLst>
-            <dgm:rule type="primFontSz" val="11" fact="NaN" max="NaN"/>
-            <dgm:rule type="h" val="INF" fact="NaN" max="NaN"/>
-          </dgm:ruleLst>
-        </dgm:layoutNode>
-      </dgm:layoutNode>
-      <dgm:forEach name="Name9" axis="followSib" ptType="sibTrans" cnt="1">
-        <dgm:layoutNode name="sibTrans">
-          <dgm:alg type="sp"/>
-          <dgm:shape xmlns:r="http://schemas.openxmlformats.org/officeDocument/2006/relationships" r:blip="">
+          <dgm:shape xmlns:r="http://schemas.openxmlformats.org/officeDocument/2006/relationships" type="conn" r:blip="">
             <dgm:adjLst/>
           </dgm:shape>
           <dgm:presOf axis="self"/>
-          <dgm:constrLst/>
+          <dgm:constrLst>
+            <dgm:constr type="h" refType="w" fact="0.62"/>
+            <dgm:constr type="connDist"/>
+            <dgm:constr type="begPad" refType="connDist" fact="0.25"/>
+            <dgm:constr type="endPad" refType="connDist" fact="0.22"/>
+          </dgm:constrLst>
           <dgm:ruleLst/>
+          <dgm:layoutNode name="connectorText">
+            <dgm:alg type="tx">
+              <dgm:param type="autoTxRot" val="grav"/>
+            </dgm:alg>
+            <dgm:shape xmlns:r="http://schemas.openxmlformats.org/officeDocument/2006/relationships" type="conn" r:blip="" hideGeom="1">
+              <dgm:adjLst/>
+            </dgm:shape>
+            <dgm:presOf axis="self"/>
+            <dgm:constrLst>
+              <dgm:constr type="lMarg"/>
+              <dgm:constr type="rMarg"/>
+              <dgm:constr type="tMarg"/>
+              <dgm:constr type="bMarg"/>
+            </dgm:constrLst>
+            <dgm:ruleLst>
+              <dgm:rule type="primFontSz" val="5" fact="NaN" max="NaN"/>
+            </dgm:ruleLst>
+          </dgm:layoutNode>
         </dgm:layoutNode>
       </dgm:forEach>
     </dgm:forEach>
   </dgm:layoutNode>
-  <dgm:extLst>
-    <a:ext uri="{68A01E43-0DF5-4B5B-8FA6-DAF915123BFB}">
-      <dgm1612:lstStyle xmlns:dgm1612="http://schemas.microsoft.com/office/drawing/2016/12/diagram">
-        <a:lvl1pPr>
-          <a:lnSpc>
-            <a:spcPct val="100000"/>
-          </a:lnSpc>
-          <a:defRPr cap="all"/>
-        </a:lvl1pPr>
-      </dgm1612:lstStyle>
-    </a:ext>
-  </dgm:extLst>
 </dgm:layoutDef>
 </file>
 
@@ -5428,7 +5223,7 @@
           <a:p>
             <a:fld id="{969D94E0-86BF-4E12-980A-B36C99D448DF}" type="datetimeFigureOut">
               <a:rPr lang="en-US" smtClean="0"/>
-              <a:t>11/11/2021</a:t>
+              <a:t>11/15/2021</a:t>
             </a:fld>
             <a:endParaRPr lang="en-US"/>
           </a:p>
@@ -5626,7 +5421,7 @@
           <a:p>
             <a:fld id="{969D94E0-86BF-4E12-980A-B36C99D448DF}" type="datetimeFigureOut">
               <a:rPr lang="en-US" smtClean="0"/>
-              <a:t>11/11/2021</a:t>
+              <a:t>11/15/2021</a:t>
             </a:fld>
             <a:endParaRPr lang="en-US"/>
           </a:p>
@@ -5834,7 +5629,7 @@
           <a:p>
             <a:fld id="{969D94E0-86BF-4E12-980A-B36C99D448DF}" type="datetimeFigureOut">
               <a:rPr lang="en-US" smtClean="0"/>
-              <a:t>11/11/2021</a:t>
+              <a:t>11/15/2021</a:t>
             </a:fld>
             <a:endParaRPr lang="en-US"/>
           </a:p>
@@ -6032,7 +5827,7 @@
           <a:p>
             <a:fld id="{969D94E0-86BF-4E12-980A-B36C99D448DF}" type="datetimeFigureOut">
               <a:rPr lang="en-US" smtClean="0"/>
-              <a:t>11/11/2021</a:t>
+              <a:t>11/15/2021</a:t>
             </a:fld>
             <a:endParaRPr lang="en-US"/>
           </a:p>
@@ -6307,7 +6102,7 @@
           <a:p>
             <a:fld id="{969D94E0-86BF-4E12-980A-B36C99D448DF}" type="datetimeFigureOut">
               <a:rPr lang="en-US" smtClean="0"/>
-              <a:t>11/11/2021</a:t>
+              <a:t>11/15/2021</a:t>
             </a:fld>
             <a:endParaRPr lang="en-US"/>
           </a:p>
@@ -6572,7 +6367,7 @@
           <a:p>
             <a:fld id="{969D94E0-86BF-4E12-980A-B36C99D448DF}" type="datetimeFigureOut">
               <a:rPr lang="en-US" smtClean="0"/>
-              <a:t>11/11/2021</a:t>
+              <a:t>11/15/2021</a:t>
             </a:fld>
             <a:endParaRPr lang="en-US"/>
           </a:p>
@@ -6984,7 +6779,7 @@
           <a:p>
             <a:fld id="{969D94E0-86BF-4E12-980A-B36C99D448DF}" type="datetimeFigureOut">
               <a:rPr lang="en-US" smtClean="0"/>
-              <a:t>11/11/2021</a:t>
+              <a:t>11/15/2021</a:t>
             </a:fld>
             <a:endParaRPr lang="en-US"/>
           </a:p>
@@ -7125,7 +6920,7 @@
           <a:p>
             <a:fld id="{969D94E0-86BF-4E12-980A-B36C99D448DF}" type="datetimeFigureOut">
               <a:rPr lang="en-US" smtClean="0"/>
-              <a:t>11/11/2021</a:t>
+              <a:t>11/15/2021</a:t>
             </a:fld>
             <a:endParaRPr lang="en-US"/>
           </a:p>
@@ -7238,7 +7033,7 @@
           <a:p>
             <a:fld id="{969D94E0-86BF-4E12-980A-B36C99D448DF}" type="datetimeFigureOut">
               <a:rPr lang="en-US" smtClean="0"/>
-              <a:t>11/11/2021</a:t>
+              <a:t>11/15/2021</a:t>
             </a:fld>
             <a:endParaRPr lang="en-US"/>
           </a:p>
@@ -7549,7 +7344,7 @@
           <a:p>
             <a:fld id="{969D94E0-86BF-4E12-980A-B36C99D448DF}" type="datetimeFigureOut">
               <a:rPr lang="en-US" smtClean="0"/>
-              <a:t>11/11/2021</a:t>
+              <a:t>11/15/2021</a:t>
             </a:fld>
             <a:endParaRPr lang="en-US"/>
           </a:p>
@@ -7837,7 +7632,7 @@
           <a:p>
             <a:fld id="{969D94E0-86BF-4E12-980A-B36C99D448DF}" type="datetimeFigureOut">
               <a:rPr lang="en-US" smtClean="0"/>
-              <a:t>11/11/2021</a:t>
+              <a:t>11/15/2021</a:t>
             </a:fld>
             <a:endParaRPr lang="en-US"/>
           </a:p>
@@ -8078,7 +7873,7 @@
           <a:p>
             <a:fld id="{969D94E0-86BF-4E12-980A-B36C99D448DF}" type="datetimeFigureOut">
               <a:rPr lang="en-US" smtClean="0"/>
-              <a:t>11/11/2021</a:t>
+              <a:t>11/15/2021</a:t>
             </a:fld>
             <a:endParaRPr lang="en-US"/>
           </a:p>
@@ -10278,9 +10073,15 @@
           <a:lstStyle/>
           <a:p>
             <a:r>
-              <a:rPr lang="en-US" sz="2000"/>
+              <a:rPr lang="en-US" sz="2000" dirty="0"/>
               <a:t>Rina</a:t>
             </a:r>
+          </a:p>
+          <a:p>
+            <a:pPr marL="0" indent="0">
+              <a:buNone/>
+            </a:pPr>
+            <a:endParaRPr lang="en-US" sz="2000" dirty="0"/>
           </a:p>
         </p:txBody>
       </p:sp>
@@ -10663,37 +10464,623 @@
           </a:p>
         </p:txBody>
       </p:sp>
-      <p:graphicFrame>
-        <p:nvGraphicFramePr>
-          <p:cNvPr id="20" name="Content Placeholder 5">
+      <p:sp>
+        <p:nvSpPr>
+          <p:cNvPr id="10" name="Content Placeholder 9">
             <a:extLst>
               <a:ext uri="{FF2B5EF4-FFF2-40B4-BE49-F238E27FC236}">
-                <a16:creationId xmlns:a16="http://schemas.microsoft.com/office/drawing/2014/main" id="{99F550C6-FB85-49C4-B9D8-48A35D4D591E}"/>
+                <a16:creationId xmlns:a16="http://schemas.microsoft.com/office/drawing/2014/main" id="{43A0CBD7-81A1-4C2E-BD82-C0B8FB8AFDEE}"/>
               </a:ext>
             </a:extLst>
           </p:cNvPr>
-          <p:cNvGraphicFramePr>
-            <a:graphicFrameLocks noGrp="1"/>
-          </p:cNvGraphicFramePr>
+          <p:cNvSpPr>
+            <a:spLocks noGrp="1"/>
+          </p:cNvSpPr>
           <p:nvPr>
             <p:ph idx="1"/>
-            <p:extLst>
-              <p:ext uri="{D42A27DB-BD31-4B8C-83A1-F6EECF244321}">
-                <p14:modId xmlns:p14="http://schemas.microsoft.com/office/powerpoint/2010/main" val="2770994758"/>
-              </p:ext>
-            </p:extLst>
           </p:nvPr>
-        </p:nvGraphicFramePr>
-        <p:xfrm>
-          <a:off x="644056" y="2112579"/>
-          <a:ext cx="10927829" cy="4192805"/>
-        </p:xfrm>
-        <a:graphic>
-          <a:graphicData uri="http://schemas.openxmlformats.org/drawingml/2006/diagram">
-            <dgm:relIds xmlns:dgm="http://schemas.openxmlformats.org/drawingml/2006/diagram" xmlns:r="http://schemas.openxmlformats.org/officeDocument/2006/relationships" r:dm="rId2" r:lo="rId3" r:qs="rId4" r:cs="rId5"/>
-          </a:graphicData>
-        </a:graphic>
-      </p:graphicFrame>
+        </p:nvSpPr>
+        <p:spPr>
+          <a:xfrm>
+            <a:off x="838200" y="2079567"/>
+            <a:ext cx="5119255" cy="4097395"/>
+          </a:xfrm>
+        </p:spPr>
+        <p:txBody>
+          <a:bodyPr/>
+          <a:lstStyle/>
+          <a:p>
+            <a:r>
+              <a:rPr lang="en-US" dirty="0"/>
+              <a:t>Application decoupled from OS</a:t>
+            </a:r>
+            <a:br>
+              <a:rPr lang="en-US" dirty="0"/>
+            </a:br>
+            <a:endParaRPr lang="en-US" dirty="0"/>
+          </a:p>
+          <a:p>
+            <a:r>
+              <a:rPr lang="en-US" dirty="0"/>
+              <a:t>App packaged with its dependencies</a:t>
+            </a:r>
+            <a:br>
+              <a:rPr lang="en-US" dirty="0"/>
+            </a:br>
+            <a:endParaRPr lang="en-US" dirty="0"/>
+          </a:p>
+          <a:p>
+            <a:r>
+              <a:rPr lang="en-US" dirty="0"/>
+              <a:t>Requires Container Engine</a:t>
+            </a:r>
+          </a:p>
+        </p:txBody>
+      </p:sp>
+      <p:sp>
+        <p:nvSpPr>
+          <p:cNvPr id="11" name="Rectangle 10">
+            <a:extLst>
+              <a:ext uri="{FF2B5EF4-FFF2-40B4-BE49-F238E27FC236}">
+                <a16:creationId xmlns:a16="http://schemas.microsoft.com/office/drawing/2014/main" id="{63AEF477-F0FB-4811-BDD5-E6C5B339B6CC}"/>
+              </a:ext>
+            </a:extLst>
+          </p:cNvPr>
+          <p:cNvSpPr/>
+          <p:nvPr/>
+        </p:nvSpPr>
+        <p:spPr>
+          <a:xfrm>
+            <a:off x="6450676" y="5425440"/>
+            <a:ext cx="4815315" cy="624733"/>
+          </a:xfrm>
+          <a:prstGeom prst="rect">
+            <a:avLst/>
+          </a:prstGeom>
+        </p:spPr>
+        <p:style>
+          <a:lnRef idx="1">
+            <a:schemeClr val="dk1"/>
+          </a:lnRef>
+          <a:fillRef idx="3">
+            <a:schemeClr val="dk1"/>
+          </a:fillRef>
+          <a:effectRef idx="2">
+            <a:schemeClr val="dk1"/>
+          </a:effectRef>
+          <a:fontRef idx="minor">
+            <a:schemeClr val="lt1"/>
+          </a:fontRef>
+        </p:style>
+        <p:txBody>
+          <a:bodyPr rtlCol="0" anchor="ctr"/>
+          <a:lstStyle/>
+          <a:p>
+            <a:pPr algn="ctr"/>
+            <a:r>
+              <a:rPr lang="en-US" dirty="0"/>
+              <a:t>Server</a:t>
+            </a:r>
+          </a:p>
+        </p:txBody>
+      </p:sp>
+      <p:sp>
+        <p:nvSpPr>
+          <p:cNvPr id="21" name="Rectangle 20">
+            <a:extLst>
+              <a:ext uri="{FF2B5EF4-FFF2-40B4-BE49-F238E27FC236}">
+                <a16:creationId xmlns:a16="http://schemas.microsoft.com/office/drawing/2014/main" id="{2C32EEE1-3AAD-4CB6-80B1-70B0604E3BEA}"/>
+              </a:ext>
+            </a:extLst>
+          </p:cNvPr>
+          <p:cNvSpPr/>
+          <p:nvPr/>
+        </p:nvSpPr>
+        <p:spPr>
+          <a:xfrm>
+            <a:off x="6450675" y="4676117"/>
+            <a:ext cx="4837117" cy="624733"/>
+          </a:xfrm>
+          <a:prstGeom prst="rect">
+            <a:avLst/>
+          </a:prstGeom>
+        </p:spPr>
+        <p:style>
+          <a:lnRef idx="1">
+            <a:schemeClr val="dk1"/>
+          </a:lnRef>
+          <a:fillRef idx="3">
+            <a:schemeClr val="dk1"/>
+          </a:fillRef>
+          <a:effectRef idx="2">
+            <a:schemeClr val="dk1"/>
+          </a:effectRef>
+          <a:fontRef idx="minor">
+            <a:schemeClr val="lt1"/>
+          </a:fontRef>
+        </p:style>
+        <p:txBody>
+          <a:bodyPr rtlCol="0" anchor="ctr"/>
+          <a:lstStyle/>
+          <a:p>
+            <a:pPr algn="ctr"/>
+            <a:r>
+              <a:rPr lang="en-US" dirty="0"/>
+              <a:t>Host OS</a:t>
+            </a:r>
+          </a:p>
+        </p:txBody>
+      </p:sp>
+      <p:sp>
+        <p:nvSpPr>
+          <p:cNvPr id="22" name="Rectangle 21">
+            <a:extLst>
+              <a:ext uri="{FF2B5EF4-FFF2-40B4-BE49-F238E27FC236}">
+                <a16:creationId xmlns:a16="http://schemas.microsoft.com/office/drawing/2014/main" id="{BD98D09C-67EB-4F96-BC00-8E3A15CF24BE}"/>
+              </a:ext>
+            </a:extLst>
+          </p:cNvPr>
+          <p:cNvSpPr/>
+          <p:nvPr/>
+        </p:nvSpPr>
+        <p:spPr>
+          <a:xfrm>
+            <a:off x="6450675" y="3943131"/>
+            <a:ext cx="4837117" cy="624733"/>
+          </a:xfrm>
+          <a:prstGeom prst="rect">
+            <a:avLst/>
+          </a:prstGeom>
+        </p:spPr>
+        <p:style>
+          <a:lnRef idx="1">
+            <a:schemeClr val="dk1"/>
+          </a:lnRef>
+          <a:fillRef idx="3">
+            <a:schemeClr val="dk1"/>
+          </a:fillRef>
+          <a:effectRef idx="2">
+            <a:schemeClr val="dk1"/>
+          </a:effectRef>
+          <a:fontRef idx="minor">
+            <a:schemeClr val="lt1"/>
+          </a:fontRef>
+        </p:style>
+        <p:txBody>
+          <a:bodyPr rtlCol="0" anchor="ctr"/>
+          <a:lstStyle/>
+          <a:p>
+            <a:pPr algn="ctr"/>
+            <a:r>
+              <a:rPr lang="en-US" dirty="0"/>
+              <a:t>Container Engine</a:t>
+            </a:r>
+          </a:p>
+        </p:txBody>
+      </p:sp>
+      <p:sp>
+        <p:nvSpPr>
+          <p:cNvPr id="12" name="Rectangle 11">
+            <a:extLst>
+              <a:ext uri="{FF2B5EF4-FFF2-40B4-BE49-F238E27FC236}">
+                <a16:creationId xmlns:a16="http://schemas.microsoft.com/office/drawing/2014/main" id="{44F4CEE4-A16C-4E21-B63B-7F331503840D}"/>
+              </a:ext>
+            </a:extLst>
+          </p:cNvPr>
+          <p:cNvSpPr/>
+          <p:nvPr/>
+        </p:nvSpPr>
+        <p:spPr>
+          <a:xfrm>
+            <a:off x="6450675" y="2063231"/>
+            <a:ext cx="1528553" cy="1755310"/>
+          </a:xfrm>
+          <a:prstGeom prst="rect">
+            <a:avLst/>
+          </a:prstGeom>
+        </p:spPr>
+        <p:style>
+          <a:lnRef idx="1">
+            <a:schemeClr val="accent1"/>
+          </a:lnRef>
+          <a:fillRef idx="3">
+            <a:schemeClr val="accent1"/>
+          </a:fillRef>
+          <a:effectRef idx="2">
+            <a:schemeClr val="accent1"/>
+          </a:effectRef>
+          <a:fontRef idx="minor">
+            <a:schemeClr val="lt1"/>
+          </a:fontRef>
+        </p:style>
+        <p:txBody>
+          <a:bodyPr rtlCol="0" anchor="b"/>
+          <a:lstStyle/>
+          <a:p>
+            <a:pPr algn="ctr"/>
+            <a:r>
+              <a:rPr lang="en-US" dirty="0"/>
+              <a:t>Container</a:t>
+            </a:r>
+          </a:p>
+        </p:txBody>
+      </p:sp>
+      <p:sp>
+        <p:nvSpPr>
+          <p:cNvPr id="23" name="Rectangle 22">
+            <a:extLst>
+              <a:ext uri="{FF2B5EF4-FFF2-40B4-BE49-F238E27FC236}">
+                <a16:creationId xmlns:a16="http://schemas.microsoft.com/office/drawing/2014/main" id="{8EDC2F52-51D1-4DCB-98F5-799CEE318D2F}"/>
+              </a:ext>
+            </a:extLst>
+          </p:cNvPr>
+          <p:cNvSpPr/>
+          <p:nvPr/>
+        </p:nvSpPr>
+        <p:spPr>
+          <a:xfrm>
+            <a:off x="9759239" y="2079568"/>
+            <a:ext cx="1528553" cy="1755310"/>
+          </a:xfrm>
+          <a:prstGeom prst="rect">
+            <a:avLst/>
+          </a:prstGeom>
+        </p:spPr>
+        <p:style>
+          <a:lnRef idx="1">
+            <a:schemeClr val="accent1"/>
+          </a:lnRef>
+          <a:fillRef idx="3">
+            <a:schemeClr val="accent1"/>
+          </a:fillRef>
+          <a:effectRef idx="2">
+            <a:schemeClr val="accent1"/>
+          </a:effectRef>
+          <a:fontRef idx="minor">
+            <a:schemeClr val="lt1"/>
+          </a:fontRef>
+        </p:style>
+        <p:txBody>
+          <a:bodyPr rtlCol="0" anchor="b"/>
+          <a:lstStyle/>
+          <a:p>
+            <a:pPr algn="ctr"/>
+            <a:r>
+              <a:rPr lang="en-US" dirty="0"/>
+              <a:t>Container</a:t>
+            </a:r>
+          </a:p>
+        </p:txBody>
+      </p:sp>
+      <p:sp>
+        <p:nvSpPr>
+          <p:cNvPr id="24" name="Rectangle 23">
+            <a:extLst>
+              <a:ext uri="{FF2B5EF4-FFF2-40B4-BE49-F238E27FC236}">
+                <a16:creationId xmlns:a16="http://schemas.microsoft.com/office/drawing/2014/main" id="{AE427B0A-5F2C-4377-96D9-9983B3937136}"/>
+              </a:ext>
+            </a:extLst>
+          </p:cNvPr>
+          <p:cNvSpPr/>
+          <p:nvPr/>
+        </p:nvSpPr>
+        <p:spPr>
+          <a:xfrm>
+            <a:off x="8104957" y="2079568"/>
+            <a:ext cx="1528553" cy="1755310"/>
+          </a:xfrm>
+          <a:prstGeom prst="rect">
+            <a:avLst/>
+          </a:prstGeom>
+        </p:spPr>
+        <p:style>
+          <a:lnRef idx="1">
+            <a:schemeClr val="accent1"/>
+          </a:lnRef>
+          <a:fillRef idx="3">
+            <a:schemeClr val="accent1"/>
+          </a:fillRef>
+          <a:effectRef idx="2">
+            <a:schemeClr val="accent1"/>
+          </a:effectRef>
+          <a:fontRef idx="minor">
+            <a:schemeClr val="lt1"/>
+          </a:fontRef>
+        </p:style>
+        <p:txBody>
+          <a:bodyPr rtlCol="0" anchor="b"/>
+          <a:lstStyle/>
+          <a:p>
+            <a:pPr algn="ctr"/>
+            <a:r>
+              <a:rPr lang="en-US" dirty="0"/>
+              <a:t>Container</a:t>
+            </a:r>
+          </a:p>
+        </p:txBody>
+      </p:sp>
+      <p:sp>
+        <p:nvSpPr>
+          <p:cNvPr id="13" name="Rectangle 12">
+            <a:extLst>
+              <a:ext uri="{FF2B5EF4-FFF2-40B4-BE49-F238E27FC236}">
+                <a16:creationId xmlns:a16="http://schemas.microsoft.com/office/drawing/2014/main" id="{88570400-3306-45C6-BFAC-376C13311E9E}"/>
+              </a:ext>
+            </a:extLst>
+          </p:cNvPr>
+          <p:cNvSpPr/>
+          <p:nvPr/>
+        </p:nvSpPr>
+        <p:spPr>
+          <a:xfrm>
+            <a:off x="6749935" y="2258432"/>
+            <a:ext cx="1008611" cy="434892"/>
+          </a:xfrm>
+          <a:prstGeom prst="rect">
+            <a:avLst/>
+          </a:prstGeom>
+        </p:spPr>
+        <p:style>
+          <a:lnRef idx="2">
+            <a:schemeClr val="accent5"/>
+          </a:lnRef>
+          <a:fillRef idx="1">
+            <a:schemeClr val="lt1"/>
+          </a:fillRef>
+          <a:effectRef idx="0">
+            <a:schemeClr val="accent5"/>
+          </a:effectRef>
+          <a:fontRef idx="minor">
+            <a:schemeClr val="dk1"/>
+          </a:fontRef>
+        </p:style>
+        <p:txBody>
+          <a:bodyPr rtlCol="0" anchor="ctr"/>
+          <a:lstStyle/>
+          <a:p>
+            <a:pPr algn="ctr"/>
+            <a:r>
+              <a:rPr lang="en-US" dirty="0"/>
+              <a:t>App</a:t>
+            </a:r>
+          </a:p>
+        </p:txBody>
+      </p:sp>
+      <p:sp>
+        <p:nvSpPr>
+          <p:cNvPr id="25" name="Rectangle 24">
+            <a:extLst>
+              <a:ext uri="{FF2B5EF4-FFF2-40B4-BE49-F238E27FC236}">
+                <a16:creationId xmlns:a16="http://schemas.microsoft.com/office/drawing/2014/main" id="{B0F77B22-BAE9-4BDD-ABF3-69D64751FD2A}"/>
+              </a:ext>
+            </a:extLst>
+          </p:cNvPr>
+          <p:cNvSpPr/>
+          <p:nvPr/>
+        </p:nvSpPr>
+        <p:spPr>
+          <a:xfrm>
+            <a:off x="6749935" y="2879353"/>
+            <a:ext cx="1008611" cy="434892"/>
+          </a:xfrm>
+          <a:prstGeom prst="rect">
+            <a:avLst/>
+          </a:prstGeom>
+        </p:spPr>
+        <p:style>
+          <a:lnRef idx="2">
+            <a:schemeClr val="accent5"/>
+          </a:lnRef>
+          <a:fillRef idx="1">
+            <a:schemeClr val="lt1"/>
+          </a:fillRef>
+          <a:effectRef idx="0">
+            <a:schemeClr val="accent5"/>
+          </a:effectRef>
+          <a:fontRef idx="minor">
+            <a:schemeClr val="dk1"/>
+          </a:fontRef>
+        </p:style>
+        <p:txBody>
+          <a:bodyPr rtlCol="0" anchor="ctr"/>
+          <a:lstStyle/>
+          <a:p>
+            <a:pPr algn="ctr"/>
+            <a:r>
+              <a:rPr lang="en-US" dirty="0"/>
+              <a:t>Bin, Lib</a:t>
+            </a:r>
+          </a:p>
+        </p:txBody>
+      </p:sp>
+      <p:sp>
+        <p:nvSpPr>
+          <p:cNvPr id="26" name="Rectangle 25">
+            <a:extLst>
+              <a:ext uri="{FF2B5EF4-FFF2-40B4-BE49-F238E27FC236}">
+                <a16:creationId xmlns:a16="http://schemas.microsoft.com/office/drawing/2014/main" id="{7723A05E-3B70-4AD2-B2BA-53501E9C5246}"/>
+              </a:ext>
+            </a:extLst>
+          </p:cNvPr>
+          <p:cNvSpPr/>
+          <p:nvPr/>
+        </p:nvSpPr>
+        <p:spPr>
+          <a:xfrm>
+            <a:off x="8372681" y="2258432"/>
+            <a:ext cx="1008611" cy="434892"/>
+          </a:xfrm>
+          <a:prstGeom prst="rect">
+            <a:avLst/>
+          </a:prstGeom>
+        </p:spPr>
+        <p:style>
+          <a:lnRef idx="2">
+            <a:schemeClr val="accent5"/>
+          </a:lnRef>
+          <a:fillRef idx="1">
+            <a:schemeClr val="lt1"/>
+          </a:fillRef>
+          <a:effectRef idx="0">
+            <a:schemeClr val="accent5"/>
+          </a:effectRef>
+          <a:fontRef idx="minor">
+            <a:schemeClr val="dk1"/>
+          </a:fontRef>
+        </p:style>
+        <p:txBody>
+          <a:bodyPr rtlCol="0" anchor="ctr"/>
+          <a:lstStyle/>
+          <a:p>
+            <a:pPr algn="ctr"/>
+            <a:r>
+              <a:rPr lang="en-US" dirty="0"/>
+              <a:t>App</a:t>
+            </a:r>
+          </a:p>
+        </p:txBody>
+      </p:sp>
+      <p:sp>
+        <p:nvSpPr>
+          <p:cNvPr id="27" name="Rectangle 26">
+            <a:extLst>
+              <a:ext uri="{FF2B5EF4-FFF2-40B4-BE49-F238E27FC236}">
+                <a16:creationId xmlns:a16="http://schemas.microsoft.com/office/drawing/2014/main" id="{836C2DC4-4C4D-42B4-B6A4-58ECDBA11D71}"/>
+              </a:ext>
+            </a:extLst>
+          </p:cNvPr>
+          <p:cNvSpPr/>
+          <p:nvPr/>
+        </p:nvSpPr>
+        <p:spPr>
+          <a:xfrm>
+            <a:off x="8372681" y="2879353"/>
+            <a:ext cx="1008611" cy="434892"/>
+          </a:xfrm>
+          <a:prstGeom prst="rect">
+            <a:avLst/>
+          </a:prstGeom>
+        </p:spPr>
+        <p:style>
+          <a:lnRef idx="2">
+            <a:schemeClr val="accent5"/>
+          </a:lnRef>
+          <a:fillRef idx="1">
+            <a:schemeClr val="lt1"/>
+          </a:fillRef>
+          <a:effectRef idx="0">
+            <a:schemeClr val="accent5"/>
+          </a:effectRef>
+          <a:fontRef idx="minor">
+            <a:schemeClr val="dk1"/>
+          </a:fontRef>
+        </p:style>
+        <p:txBody>
+          <a:bodyPr rtlCol="0" anchor="ctr"/>
+          <a:lstStyle/>
+          <a:p>
+            <a:pPr algn="ctr"/>
+            <a:r>
+              <a:rPr lang="en-US" dirty="0"/>
+              <a:t>Bin, Lib</a:t>
+            </a:r>
+          </a:p>
+        </p:txBody>
+      </p:sp>
+      <p:sp>
+        <p:nvSpPr>
+          <p:cNvPr id="28" name="Rectangle 27">
+            <a:extLst>
+              <a:ext uri="{FF2B5EF4-FFF2-40B4-BE49-F238E27FC236}">
+                <a16:creationId xmlns:a16="http://schemas.microsoft.com/office/drawing/2014/main" id="{676108CB-C48D-4C75-8A3F-3374A2B70749}"/>
+              </a:ext>
+            </a:extLst>
+          </p:cNvPr>
+          <p:cNvSpPr/>
+          <p:nvPr/>
+        </p:nvSpPr>
+        <p:spPr>
+          <a:xfrm>
+            <a:off x="10029685" y="2258432"/>
+            <a:ext cx="1008611" cy="434892"/>
+          </a:xfrm>
+          <a:prstGeom prst="rect">
+            <a:avLst/>
+          </a:prstGeom>
+        </p:spPr>
+        <p:style>
+          <a:lnRef idx="2">
+            <a:schemeClr val="accent5"/>
+          </a:lnRef>
+          <a:fillRef idx="1">
+            <a:schemeClr val="lt1"/>
+          </a:fillRef>
+          <a:effectRef idx="0">
+            <a:schemeClr val="accent5"/>
+          </a:effectRef>
+          <a:fontRef idx="minor">
+            <a:schemeClr val="dk1"/>
+          </a:fontRef>
+        </p:style>
+        <p:txBody>
+          <a:bodyPr rtlCol="0" anchor="ctr"/>
+          <a:lstStyle/>
+          <a:p>
+            <a:pPr algn="ctr"/>
+            <a:r>
+              <a:rPr lang="en-US" dirty="0"/>
+              <a:t>App</a:t>
+            </a:r>
+          </a:p>
+        </p:txBody>
+      </p:sp>
+      <p:sp>
+        <p:nvSpPr>
+          <p:cNvPr id="29" name="Rectangle 28">
+            <a:extLst>
+              <a:ext uri="{FF2B5EF4-FFF2-40B4-BE49-F238E27FC236}">
+                <a16:creationId xmlns:a16="http://schemas.microsoft.com/office/drawing/2014/main" id="{057C75CE-F101-47B3-924C-CAD7D5905432}"/>
+              </a:ext>
+            </a:extLst>
+          </p:cNvPr>
+          <p:cNvSpPr/>
+          <p:nvPr/>
+        </p:nvSpPr>
+        <p:spPr>
+          <a:xfrm>
+            <a:off x="10029685" y="2879353"/>
+            <a:ext cx="1008611" cy="434892"/>
+          </a:xfrm>
+          <a:prstGeom prst="rect">
+            <a:avLst/>
+          </a:prstGeom>
+        </p:spPr>
+        <p:style>
+          <a:lnRef idx="2">
+            <a:schemeClr val="accent5"/>
+          </a:lnRef>
+          <a:fillRef idx="1">
+            <a:schemeClr val="lt1"/>
+          </a:fillRef>
+          <a:effectRef idx="0">
+            <a:schemeClr val="accent5"/>
+          </a:effectRef>
+          <a:fontRef idx="minor">
+            <a:schemeClr val="dk1"/>
+          </a:fontRef>
+        </p:style>
+        <p:txBody>
+          <a:bodyPr rtlCol="0" anchor="ctr"/>
+          <a:lstStyle/>
+          <a:p>
+            <a:pPr algn="ctr"/>
+            <a:r>
+              <a:rPr lang="en-US" dirty="0"/>
+              <a:t>Bin, Lib</a:t>
+            </a:r>
+          </a:p>
+        </p:txBody>
+      </p:sp>
     </p:spTree>
     <p:extLst>
       <p:ext uri="{BB962C8B-B14F-4D97-AF65-F5344CB8AC3E}">
@@ -11147,47 +11534,37 @@
           </a:p>
         </p:txBody>
       </p:sp>
-      <p:sp>
-        <p:nvSpPr>
-          <p:cNvPr id="3" name="Content Placeholder 2">
+      <p:graphicFrame>
+        <p:nvGraphicFramePr>
+          <p:cNvPr id="4" name="Content Placeholder 3">
             <a:extLst>
               <a:ext uri="{FF2B5EF4-FFF2-40B4-BE49-F238E27FC236}">
-                <a16:creationId xmlns:a16="http://schemas.microsoft.com/office/drawing/2014/main" id="{D03F7EB4-4AD0-442A-B728-056B248DA92B}"/>
+                <a16:creationId xmlns:a16="http://schemas.microsoft.com/office/drawing/2014/main" id="{0A54E8F6-1F06-4C34-8CE6-7BFD08094256}"/>
               </a:ext>
             </a:extLst>
           </p:cNvPr>
-          <p:cNvSpPr>
-            <a:spLocks noGrp="1"/>
-          </p:cNvSpPr>
+          <p:cNvGraphicFramePr>
+            <a:graphicFrameLocks noGrp="1"/>
+          </p:cNvGraphicFramePr>
           <p:nvPr>
             <p:ph idx="1"/>
+            <p:extLst>
+              <p:ext uri="{D42A27DB-BD31-4B8C-83A1-F6EECF244321}">
+                <p14:modId xmlns:p14="http://schemas.microsoft.com/office/powerpoint/2010/main" val="1040487522"/>
+              </p:ext>
+            </p:extLst>
           </p:nvPr>
-        </p:nvSpPr>
-        <p:spPr>
-          <a:xfrm>
-            <a:off x="1371599" y="2318197"/>
-            <a:ext cx="9724031" cy="3683358"/>
-          </a:xfrm>
-        </p:spPr>
-        <p:txBody>
-          <a:bodyPr anchor="ctr">
-            <a:normAutofit/>
-          </a:bodyPr>
-          <a:lstStyle/>
-          <a:p>
-            <a:r>
-              <a:rPr lang="en-US" sz="2000"/>
-              <a:t>Explain terms</a:t>
-            </a:r>
-          </a:p>
-          <a:p>
-            <a:r>
-              <a:rPr lang="en-US" sz="2000"/>
-              <a:t>Build image, container registry, run container</a:t>
-            </a:r>
-          </a:p>
-        </p:txBody>
-      </p:sp>
+        </p:nvGraphicFramePr>
+        <p:xfrm>
+          <a:off x="838200" y="1825625"/>
+          <a:ext cx="10515600" cy="4351338"/>
+        </p:xfrm>
+        <a:graphic>
+          <a:graphicData uri="http://schemas.openxmlformats.org/drawingml/2006/diagram">
+            <dgm:relIds xmlns:dgm="http://schemas.openxmlformats.org/drawingml/2006/diagram" xmlns:r="http://schemas.openxmlformats.org/officeDocument/2006/relationships" r:dm="rId2" r:lo="rId3" r:qs="rId4" r:cs="rId5"/>
+          </a:graphicData>
+        </a:graphic>
+      </p:graphicFrame>
     </p:spTree>
     <p:extLst>
       <p:ext uri="{BB962C8B-B14F-4D97-AF65-F5344CB8AC3E}">
@@ -11583,7 +11960,7 @@
             <p:ph idx="1"/>
             <p:extLst>
               <p:ext uri="{D42A27DB-BD31-4B8C-83A1-F6EECF244321}">
-                <p14:modId xmlns:p14="http://schemas.microsoft.com/office/powerpoint/2010/main" val="1684296426"/>
+                <p14:modId xmlns:p14="http://schemas.microsoft.com/office/powerpoint/2010/main" val="2648151955"/>
               </p:ext>
             </p:extLst>
           </p:nvPr>

--- a/slides/Introduction to Kubernetes.pptx
+++ b/slides/Introduction to Kubernetes.pptx
@@ -4,6 +4,9 @@
   <p:sldMasterIdLst>
     <p:sldMasterId id="2147483648" r:id="rId1"/>
   </p:sldMasterIdLst>
+  <p:notesMasterIdLst>
+    <p:notesMasterId r:id="rId8"/>
+  </p:notesMasterIdLst>
   <p:sldIdLst>
     <p:sldId id="256" r:id="rId2"/>
     <p:sldId id="258" r:id="rId3"/>
@@ -1665,7 +1668,7 @@
         <a:p>
           <a:r>
             <a:rPr lang="en-US" dirty="0"/>
-            <a:t>Push into image repo</a:t>
+            <a:t>Push into image registry</a:t>
           </a:r>
         </a:p>
       </dgm:t>
@@ -1802,7 +1805,7 @@
   <dgm:whole/>
   <dgm:extLst>
     <a:ext uri="http://schemas.microsoft.com/office/drawing/2008/diagram">
-      <dsp:dataModelExt xmlns:dsp="http://schemas.microsoft.com/office/drawing/2008/diagram" relId="rId6" minVer="http://schemas.openxmlformats.org/drawingml/2006/diagram"/>
+      <dsp:dataModelExt xmlns:dsp="http://schemas.microsoft.com/office/drawing/2008/diagram" relId="rId7" minVer="http://schemas.openxmlformats.org/drawingml/2006/diagram"/>
     </a:ext>
   </dgm:extLst>
 </dgm:dataModel>
@@ -1843,7 +1846,11 @@
           </a:br>
           <a:r>
             <a:rPr lang="en-US" dirty="0"/>
-            <a:t>- Kubernetes uses different container runtime</a:t>
+            <a:t>- Kubernetes uses different container runtime but </a:t>
+          </a:r>
+          <a:r>
+            <a:rPr lang="en-US"/>
+            <a:t>OCI images</a:t>
           </a:r>
         </a:p>
       </dgm:t>
@@ -2035,7 +2042,7 @@
   <dgm:whole/>
   <dgm:extLst>
     <a:ext uri="http://schemas.microsoft.com/office/drawing/2008/diagram">
-      <dsp:dataModelExt xmlns:dsp="http://schemas.microsoft.com/office/drawing/2008/diagram" relId="rId6" minVer="http://schemas.openxmlformats.org/drawingml/2006/diagram"/>
+      <dsp:dataModelExt xmlns:dsp="http://schemas.microsoft.com/office/drawing/2008/diagram" relId="rId7" minVer="http://schemas.openxmlformats.org/drawingml/2006/diagram"/>
     </a:ext>
   </dgm:extLst>
 </dgm:dataModel>
@@ -2270,7 +2277,7 @@
           </a:pPr>
           <a:r>
             <a:rPr lang="en-US" sz="3300" kern="1200" dirty="0"/>
-            <a:t>Push into image repo</a:t>
+            <a:t>Push into image registry</a:t>
           </a:r>
         </a:p>
       </dsp:txBody>
@@ -2528,7 +2535,7 @@
         </a:bodyPr>
         <a:lstStyle/>
         <a:p>
-          <a:pPr marL="0" lvl="0" indent="0" algn="l" defTabSz="1244600">
+          <a:pPr marL="0" lvl="0" indent="0" algn="l" defTabSz="1200150">
             <a:lnSpc>
               <a:spcPct val="100000"/>
             </a:lnSpc>
@@ -2541,15 +2548,19 @@
             <a:buNone/>
           </a:pPr>
           <a:r>
-            <a:rPr lang="en-US" sz="2800" kern="1200" dirty="0"/>
+            <a:rPr lang="en-US" sz="2700" kern="1200" dirty="0"/>
             <a:t>- Docker supports OCI Standard</a:t>
           </a:r>
           <a:br>
-            <a:rPr lang="en-US" sz="2800" kern="1200" dirty="0"/>
+            <a:rPr lang="en-US" sz="2700" kern="1200" dirty="0"/>
           </a:br>
           <a:r>
-            <a:rPr lang="en-US" sz="2800" kern="1200" dirty="0"/>
-            <a:t>- Kubernetes uses different container runtime</a:t>
+            <a:rPr lang="en-US" sz="2700" kern="1200" dirty="0"/>
+            <a:t>- Kubernetes uses different container runtime but </a:t>
+          </a:r>
+          <a:r>
+            <a:rPr lang="en-US" sz="2700" kern="1200"/>
+            <a:t>OCI images</a:t>
           </a:r>
         </a:p>
       </dsp:txBody>
@@ -2645,7 +2656,7 @@
         </a:bodyPr>
         <a:lstStyle/>
         <a:p>
-          <a:pPr marL="0" lvl="0" indent="0" algn="ctr" defTabSz="1244600">
+          <a:pPr marL="0" lvl="0" indent="0" algn="ctr" defTabSz="1200150">
             <a:lnSpc>
               <a:spcPct val="100000"/>
             </a:lnSpc>
@@ -2658,7 +2669,7 @@
             <a:buNone/>
           </a:pPr>
           <a:r>
-            <a:rPr lang="en-US" sz="2800" kern="1200" dirty="0"/>
+            <a:rPr lang="en-US" sz="2700" kern="1200" dirty="0"/>
             <a:t>Demo</a:t>
           </a:r>
         </a:p>
@@ -5076,6 +5087,527 @@
 </dgm:styleDef>
 </file>
 
+<file path=ppt/notesMasters/notesMaster1.xml><?xml version="1.0" encoding="utf-8"?>
+<p:notesMaster xmlns:a="http://schemas.openxmlformats.org/drawingml/2006/main" xmlns:r="http://schemas.openxmlformats.org/officeDocument/2006/relationships" xmlns:p="http://schemas.openxmlformats.org/presentationml/2006/main">
+  <p:cSld>
+    <p:bg>
+      <p:bgRef idx="1001">
+        <a:schemeClr val="bg1"/>
+      </p:bgRef>
+    </p:bg>
+    <p:spTree>
+      <p:nvGrpSpPr>
+        <p:cNvPr id="1" name=""/>
+        <p:cNvGrpSpPr/>
+        <p:nvPr/>
+      </p:nvGrpSpPr>
+      <p:grpSpPr>
+        <a:xfrm>
+          <a:off x="0" y="0"/>
+          <a:ext cx="0" cy="0"/>
+          <a:chOff x="0" y="0"/>
+          <a:chExt cx="0" cy="0"/>
+        </a:xfrm>
+      </p:grpSpPr>
+      <p:sp>
+        <p:nvSpPr>
+          <p:cNvPr id="2" name="Header Placeholder 1"/>
+          <p:cNvSpPr>
+            <a:spLocks noGrp="1"/>
+          </p:cNvSpPr>
+          <p:nvPr>
+            <p:ph type="hdr" sz="quarter"/>
+          </p:nvPr>
+        </p:nvSpPr>
+        <p:spPr>
+          <a:xfrm>
+            <a:off x="0" y="0"/>
+            <a:ext cx="2971800" cy="458788"/>
+          </a:xfrm>
+          <a:prstGeom prst="rect">
+            <a:avLst/>
+          </a:prstGeom>
+        </p:spPr>
+        <p:txBody>
+          <a:bodyPr vert="horz" lIns="91440" tIns="45720" rIns="91440" bIns="45720" rtlCol="0"/>
+          <a:lstStyle>
+            <a:lvl1pPr algn="l">
+              <a:defRPr sz="1200"/>
+            </a:lvl1pPr>
+          </a:lstStyle>
+          <a:p>
+            <a:endParaRPr lang="en-US"/>
+          </a:p>
+        </p:txBody>
+      </p:sp>
+      <p:sp>
+        <p:nvSpPr>
+          <p:cNvPr id="3" name="Date Placeholder 2"/>
+          <p:cNvSpPr>
+            <a:spLocks noGrp="1"/>
+          </p:cNvSpPr>
+          <p:nvPr>
+            <p:ph type="dt" idx="1"/>
+          </p:nvPr>
+        </p:nvSpPr>
+        <p:spPr>
+          <a:xfrm>
+            <a:off x="3884613" y="0"/>
+            <a:ext cx="2971800" cy="458788"/>
+          </a:xfrm>
+          <a:prstGeom prst="rect">
+            <a:avLst/>
+          </a:prstGeom>
+        </p:spPr>
+        <p:txBody>
+          <a:bodyPr vert="horz" lIns="91440" tIns="45720" rIns="91440" bIns="45720" rtlCol="0"/>
+          <a:lstStyle>
+            <a:lvl1pPr algn="r">
+              <a:defRPr sz="1200"/>
+            </a:lvl1pPr>
+          </a:lstStyle>
+          <a:p>
+            <a:fld id="{DB60EBAE-7607-4570-8B0B-5E50823A1C0F}" type="datetimeFigureOut">
+              <a:rPr lang="en-US" smtClean="0"/>
+              <a:t>11/16/2021</a:t>
+            </a:fld>
+            <a:endParaRPr lang="en-US"/>
+          </a:p>
+        </p:txBody>
+      </p:sp>
+      <p:sp>
+        <p:nvSpPr>
+          <p:cNvPr id="4" name="Slide Image Placeholder 3"/>
+          <p:cNvSpPr>
+            <a:spLocks noGrp="1" noRot="1" noChangeAspect="1"/>
+          </p:cNvSpPr>
+          <p:nvPr>
+            <p:ph type="sldImg" idx="2"/>
+          </p:nvPr>
+        </p:nvSpPr>
+        <p:spPr>
+          <a:xfrm>
+            <a:off x="685800" y="1143000"/>
+            <a:ext cx="5486400" cy="3086100"/>
+          </a:xfrm>
+          <a:prstGeom prst="rect">
+            <a:avLst/>
+          </a:prstGeom>
+          <a:noFill/>
+          <a:ln w="12700">
+            <a:solidFill>
+              <a:prstClr val="black"/>
+            </a:solidFill>
+          </a:ln>
+        </p:spPr>
+        <p:txBody>
+          <a:bodyPr vert="horz" lIns="91440" tIns="45720" rIns="91440" bIns="45720" rtlCol="0" anchor="ctr"/>
+          <a:lstStyle/>
+          <a:p>
+            <a:endParaRPr lang="en-US"/>
+          </a:p>
+        </p:txBody>
+      </p:sp>
+      <p:sp>
+        <p:nvSpPr>
+          <p:cNvPr id="5" name="Notes Placeholder 4"/>
+          <p:cNvSpPr>
+            <a:spLocks noGrp="1"/>
+          </p:cNvSpPr>
+          <p:nvPr>
+            <p:ph type="body" sz="quarter" idx="3"/>
+          </p:nvPr>
+        </p:nvSpPr>
+        <p:spPr>
+          <a:xfrm>
+            <a:off x="685800" y="4400550"/>
+            <a:ext cx="5486400" cy="3600450"/>
+          </a:xfrm>
+          <a:prstGeom prst="rect">
+            <a:avLst/>
+          </a:prstGeom>
+        </p:spPr>
+        <p:txBody>
+          <a:bodyPr vert="horz" lIns="91440" tIns="45720" rIns="91440" bIns="45720" rtlCol="0"/>
+          <a:lstStyle/>
+          <a:p>
+            <a:pPr lvl="0"/>
+            <a:r>
+              <a:rPr lang="en-US"/>
+              <a:t>Click to edit Master text styles</a:t>
+            </a:r>
+          </a:p>
+          <a:p>
+            <a:pPr lvl="1"/>
+            <a:r>
+              <a:rPr lang="en-US"/>
+              <a:t>Second level</a:t>
+            </a:r>
+          </a:p>
+          <a:p>
+            <a:pPr lvl="2"/>
+            <a:r>
+              <a:rPr lang="en-US"/>
+              <a:t>Third level</a:t>
+            </a:r>
+          </a:p>
+          <a:p>
+            <a:pPr lvl="3"/>
+            <a:r>
+              <a:rPr lang="en-US"/>
+              <a:t>Fourth level</a:t>
+            </a:r>
+          </a:p>
+          <a:p>
+            <a:pPr lvl="4"/>
+            <a:r>
+              <a:rPr lang="en-US"/>
+              <a:t>Fifth level</a:t>
+            </a:r>
+          </a:p>
+        </p:txBody>
+      </p:sp>
+      <p:sp>
+        <p:nvSpPr>
+          <p:cNvPr id="6" name="Footer Placeholder 5"/>
+          <p:cNvSpPr>
+            <a:spLocks noGrp="1"/>
+          </p:cNvSpPr>
+          <p:nvPr>
+            <p:ph type="ftr" sz="quarter" idx="4"/>
+          </p:nvPr>
+        </p:nvSpPr>
+        <p:spPr>
+          <a:xfrm>
+            <a:off x="0" y="8685213"/>
+            <a:ext cx="2971800" cy="458787"/>
+          </a:xfrm>
+          <a:prstGeom prst="rect">
+            <a:avLst/>
+          </a:prstGeom>
+        </p:spPr>
+        <p:txBody>
+          <a:bodyPr vert="horz" lIns="91440" tIns="45720" rIns="91440" bIns="45720" rtlCol="0" anchor="b"/>
+          <a:lstStyle>
+            <a:lvl1pPr algn="l">
+              <a:defRPr sz="1200"/>
+            </a:lvl1pPr>
+          </a:lstStyle>
+          <a:p>
+            <a:endParaRPr lang="en-US"/>
+          </a:p>
+        </p:txBody>
+      </p:sp>
+      <p:sp>
+        <p:nvSpPr>
+          <p:cNvPr id="7" name="Slide Number Placeholder 6"/>
+          <p:cNvSpPr>
+            <a:spLocks noGrp="1"/>
+          </p:cNvSpPr>
+          <p:nvPr>
+            <p:ph type="sldNum" sz="quarter" idx="5"/>
+          </p:nvPr>
+        </p:nvSpPr>
+        <p:spPr>
+          <a:xfrm>
+            <a:off x="3884613" y="8685213"/>
+            <a:ext cx="2971800" cy="458787"/>
+          </a:xfrm>
+          <a:prstGeom prst="rect">
+            <a:avLst/>
+          </a:prstGeom>
+        </p:spPr>
+        <p:txBody>
+          <a:bodyPr vert="horz" lIns="91440" tIns="45720" rIns="91440" bIns="45720" rtlCol="0" anchor="b"/>
+          <a:lstStyle>
+            <a:lvl1pPr algn="r">
+              <a:defRPr sz="1200"/>
+            </a:lvl1pPr>
+          </a:lstStyle>
+          <a:p>
+            <a:fld id="{73845374-B8E1-4DDE-A943-E4229E262A0E}" type="slidenum">
+              <a:rPr lang="en-US" smtClean="0"/>
+              <a:t>‹#›</a:t>
+            </a:fld>
+            <a:endParaRPr lang="en-US"/>
+          </a:p>
+        </p:txBody>
+      </p:sp>
+    </p:spTree>
+    <p:extLst>
+      <p:ext uri="{BB962C8B-B14F-4D97-AF65-F5344CB8AC3E}">
+        <p14:creationId xmlns:p14="http://schemas.microsoft.com/office/powerpoint/2010/main" val="2352665265"/>
+      </p:ext>
+    </p:extLst>
+  </p:cSld>
+  <p:clrMap bg1="lt1" tx1="dk1" bg2="lt2" tx2="dk2" accent1="accent1" accent2="accent2" accent3="accent3" accent4="accent4" accent5="accent5" accent6="accent6" hlink="hlink" folHlink="folHlink"/>
+  <p:notesStyle>
+    <a:lvl1pPr marL="0" algn="l" defTabSz="914400" rtl="0" eaLnBrk="1" latinLnBrk="0" hangingPunct="1">
+      <a:defRPr sz="1200" kern="1200">
+        <a:solidFill>
+          <a:schemeClr val="tx1"/>
+        </a:solidFill>
+        <a:latin typeface="+mn-lt"/>
+        <a:ea typeface="+mn-ea"/>
+        <a:cs typeface="+mn-cs"/>
+      </a:defRPr>
+    </a:lvl1pPr>
+    <a:lvl2pPr marL="457200" algn="l" defTabSz="914400" rtl="0" eaLnBrk="1" latinLnBrk="0" hangingPunct="1">
+      <a:defRPr sz="1200" kern="1200">
+        <a:solidFill>
+          <a:schemeClr val="tx1"/>
+        </a:solidFill>
+        <a:latin typeface="+mn-lt"/>
+        <a:ea typeface="+mn-ea"/>
+        <a:cs typeface="+mn-cs"/>
+      </a:defRPr>
+    </a:lvl2pPr>
+    <a:lvl3pPr marL="914400" algn="l" defTabSz="914400" rtl="0" eaLnBrk="1" latinLnBrk="0" hangingPunct="1">
+      <a:defRPr sz="1200" kern="1200">
+        <a:solidFill>
+          <a:schemeClr val="tx1"/>
+        </a:solidFill>
+        <a:latin typeface="+mn-lt"/>
+        <a:ea typeface="+mn-ea"/>
+        <a:cs typeface="+mn-cs"/>
+      </a:defRPr>
+    </a:lvl3pPr>
+    <a:lvl4pPr marL="1371600" algn="l" defTabSz="914400" rtl="0" eaLnBrk="1" latinLnBrk="0" hangingPunct="1">
+      <a:defRPr sz="1200" kern="1200">
+        <a:solidFill>
+          <a:schemeClr val="tx1"/>
+        </a:solidFill>
+        <a:latin typeface="+mn-lt"/>
+        <a:ea typeface="+mn-ea"/>
+        <a:cs typeface="+mn-cs"/>
+      </a:defRPr>
+    </a:lvl4pPr>
+    <a:lvl5pPr marL="1828800" algn="l" defTabSz="914400" rtl="0" eaLnBrk="1" latinLnBrk="0" hangingPunct="1">
+      <a:defRPr sz="1200" kern="1200">
+        <a:solidFill>
+          <a:schemeClr val="tx1"/>
+        </a:solidFill>
+        <a:latin typeface="+mn-lt"/>
+        <a:ea typeface="+mn-ea"/>
+        <a:cs typeface="+mn-cs"/>
+      </a:defRPr>
+    </a:lvl5pPr>
+    <a:lvl6pPr marL="2286000" algn="l" defTabSz="914400" rtl="0" eaLnBrk="1" latinLnBrk="0" hangingPunct="1">
+      <a:defRPr sz="1200" kern="1200">
+        <a:solidFill>
+          <a:schemeClr val="tx1"/>
+        </a:solidFill>
+        <a:latin typeface="+mn-lt"/>
+        <a:ea typeface="+mn-ea"/>
+        <a:cs typeface="+mn-cs"/>
+      </a:defRPr>
+    </a:lvl6pPr>
+    <a:lvl7pPr marL="2743200" algn="l" defTabSz="914400" rtl="0" eaLnBrk="1" latinLnBrk="0" hangingPunct="1">
+      <a:defRPr sz="1200" kern="1200">
+        <a:solidFill>
+          <a:schemeClr val="tx1"/>
+        </a:solidFill>
+        <a:latin typeface="+mn-lt"/>
+        <a:ea typeface="+mn-ea"/>
+        <a:cs typeface="+mn-cs"/>
+      </a:defRPr>
+    </a:lvl7pPr>
+    <a:lvl8pPr marL="3200400" algn="l" defTabSz="914400" rtl="0" eaLnBrk="1" latinLnBrk="0" hangingPunct="1">
+      <a:defRPr sz="1200" kern="1200">
+        <a:solidFill>
+          <a:schemeClr val="tx1"/>
+        </a:solidFill>
+        <a:latin typeface="+mn-lt"/>
+        <a:ea typeface="+mn-ea"/>
+        <a:cs typeface="+mn-cs"/>
+      </a:defRPr>
+    </a:lvl8pPr>
+    <a:lvl9pPr marL="3657600" algn="l" defTabSz="914400" rtl="0" eaLnBrk="1" latinLnBrk="0" hangingPunct="1">
+      <a:defRPr sz="1200" kern="1200">
+        <a:solidFill>
+          <a:schemeClr val="tx1"/>
+        </a:solidFill>
+        <a:latin typeface="+mn-lt"/>
+        <a:ea typeface="+mn-ea"/>
+        <a:cs typeface="+mn-cs"/>
+      </a:defRPr>
+    </a:lvl9pPr>
+  </p:notesStyle>
+</p:notesMaster>
+</file>
+
+<file path=ppt/notesSlides/notesSlide1.xml><?xml version="1.0" encoding="utf-8"?>
+<p:notes xmlns:a="http://schemas.openxmlformats.org/drawingml/2006/main" xmlns:r="http://schemas.openxmlformats.org/officeDocument/2006/relationships" xmlns:p="http://schemas.openxmlformats.org/presentationml/2006/main">
+  <p:cSld>
+    <p:spTree>
+      <p:nvGrpSpPr>
+        <p:cNvPr id="1" name=""/>
+        <p:cNvGrpSpPr/>
+        <p:nvPr/>
+      </p:nvGrpSpPr>
+      <p:grpSpPr>
+        <a:xfrm>
+          <a:off x="0" y="0"/>
+          <a:ext cx="0" cy="0"/>
+          <a:chOff x="0" y="0"/>
+          <a:chExt cx="0" cy="0"/>
+        </a:xfrm>
+      </p:grpSpPr>
+      <p:sp>
+        <p:nvSpPr>
+          <p:cNvPr id="2" name="Slide Image Placeholder 1"/>
+          <p:cNvSpPr>
+            <a:spLocks noGrp="1" noRot="1" noChangeAspect="1"/>
+          </p:cNvSpPr>
+          <p:nvPr>
+            <p:ph type="sldImg"/>
+          </p:nvPr>
+        </p:nvSpPr>
+        <p:spPr/>
+      </p:sp>
+      <p:sp>
+        <p:nvSpPr>
+          <p:cNvPr id="3" name="Notes Placeholder 2"/>
+          <p:cNvSpPr>
+            <a:spLocks noGrp="1"/>
+          </p:cNvSpPr>
+          <p:nvPr>
+            <p:ph type="body" idx="1"/>
+          </p:nvPr>
+        </p:nvSpPr>
+        <p:spPr/>
+        <p:txBody>
+          <a:bodyPr/>
+          <a:lstStyle/>
+          <a:p>
+            <a:r>
+              <a:rPr lang="de-AT" dirty="0"/>
+              <a:t>Another box before run container. Security and vulnerability scanning (CI/CD)</a:t>
+            </a:r>
+            <a:endParaRPr lang="en-US" dirty="0"/>
+          </a:p>
+        </p:txBody>
+      </p:sp>
+      <p:sp>
+        <p:nvSpPr>
+          <p:cNvPr id="4" name="Slide Number Placeholder 3"/>
+          <p:cNvSpPr>
+            <a:spLocks noGrp="1"/>
+          </p:cNvSpPr>
+          <p:nvPr>
+            <p:ph type="sldNum" sz="quarter" idx="5"/>
+          </p:nvPr>
+        </p:nvSpPr>
+        <p:spPr/>
+        <p:txBody>
+          <a:bodyPr/>
+          <a:lstStyle/>
+          <a:p>
+            <a:fld id="{73845374-B8E1-4DDE-A943-E4229E262A0E}" type="slidenum">
+              <a:rPr lang="en-US" smtClean="0"/>
+              <a:t>5</a:t>
+            </a:fld>
+            <a:endParaRPr lang="en-US"/>
+          </a:p>
+        </p:txBody>
+      </p:sp>
+    </p:spTree>
+    <p:extLst>
+      <p:ext uri="{BB962C8B-B14F-4D97-AF65-F5344CB8AC3E}">
+        <p14:creationId xmlns:p14="http://schemas.microsoft.com/office/powerpoint/2010/main" val="2456516375"/>
+      </p:ext>
+    </p:extLst>
+  </p:cSld>
+  <p:clrMapOvr>
+    <a:masterClrMapping/>
+  </p:clrMapOvr>
+</p:notes>
+</file>
+
+<file path=ppt/notesSlides/notesSlide2.xml><?xml version="1.0" encoding="utf-8"?>
+<p:notes xmlns:a="http://schemas.openxmlformats.org/drawingml/2006/main" xmlns:r="http://schemas.openxmlformats.org/officeDocument/2006/relationships" xmlns:p="http://schemas.openxmlformats.org/presentationml/2006/main">
+  <p:cSld>
+    <p:spTree>
+      <p:nvGrpSpPr>
+        <p:cNvPr id="1" name=""/>
+        <p:cNvGrpSpPr/>
+        <p:nvPr/>
+      </p:nvGrpSpPr>
+      <p:grpSpPr>
+        <a:xfrm>
+          <a:off x="0" y="0"/>
+          <a:ext cx="0" cy="0"/>
+          <a:chOff x="0" y="0"/>
+          <a:chExt cx="0" cy="0"/>
+        </a:xfrm>
+      </p:grpSpPr>
+      <p:sp>
+        <p:nvSpPr>
+          <p:cNvPr id="2" name="Slide Image Placeholder 1"/>
+          <p:cNvSpPr>
+            <a:spLocks noGrp="1" noRot="1" noChangeAspect="1"/>
+          </p:cNvSpPr>
+          <p:nvPr>
+            <p:ph type="sldImg"/>
+          </p:nvPr>
+        </p:nvSpPr>
+        <p:spPr/>
+      </p:sp>
+      <p:sp>
+        <p:nvSpPr>
+          <p:cNvPr id="3" name="Notes Placeholder 2"/>
+          <p:cNvSpPr>
+            <a:spLocks noGrp="1"/>
+          </p:cNvSpPr>
+          <p:nvPr>
+            <p:ph type="body" idx="1"/>
+          </p:nvPr>
+        </p:nvSpPr>
+        <p:spPr/>
+        <p:txBody>
+          <a:bodyPr/>
+          <a:lstStyle/>
+          <a:p>
+            <a:endParaRPr lang="en-US" dirty="0"/>
+          </a:p>
+        </p:txBody>
+      </p:sp>
+      <p:sp>
+        <p:nvSpPr>
+          <p:cNvPr id="4" name="Slide Number Placeholder 3"/>
+          <p:cNvSpPr>
+            <a:spLocks noGrp="1"/>
+          </p:cNvSpPr>
+          <p:nvPr>
+            <p:ph type="sldNum" sz="quarter" idx="5"/>
+          </p:nvPr>
+        </p:nvSpPr>
+        <p:spPr/>
+        <p:txBody>
+          <a:bodyPr/>
+          <a:lstStyle/>
+          <a:p>
+            <a:fld id="{73845374-B8E1-4DDE-A943-E4229E262A0E}" type="slidenum">
+              <a:rPr lang="en-US" smtClean="0"/>
+              <a:t>6</a:t>
+            </a:fld>
+            <a:endParaRPr lang="en-US"/>
+          </a:p>
+        </p:txBody>
+      </p:sp>
+    </p:spTree>
+    <p:extLst>
+      <p:ext uri="{BB962C8B-B14F-4D97-AF65-F5344CB8AC3E}">
+        <p14:creationId xmlns:p14="http://schemas.microsoft.com/office/powerpoint/2010/main" val="1564020097"/>
+      </p:ext>
+    </p:extLst>
+  </p:cSld>
+  <p:clrMapOvr>
+    <a:masterClrMapping/>
+  </p:clrMapOvr>
+</p:notes>
+</file>
+
 <file path=ppt/slideLayouts/slideLayout1.xml><?xml version="1.0" encoding="utf-8"?>
 <p:sldLayout xmlns:a="http://schemas.openxmlformats.org/drawingml/2006/main" xmlns:r="http://schemas.openxmlformats.org/officeDocument/2006/relationships" xmlns:p="http://schemas.openxmlformats.org/presentationml/2006/main" type="title" preserve="1">
   <p:cSld name="Title Slide">
@@ -5223,7 +5755,7 @@
           <a:p>
             <a:fld id="{969D94E0-86BF-4E12-980A-B36C99D448DF}" type="datetimeFigureOut">
               <a:rPr lang="en-US" smtClean="0"/>
-              <a:t>11/15/2021</a:t>
+              <a:t>11/16/2021</a:t>
             </a:fld>
             <a:endParaRPr lang="en-US"/>
           </a:p>
@@ -5421,7 +5953,7 @@
           <a:p>
             <a:fld id="{969D94E0-86BF-4E12-980A-B36C99D448DF}" type="datetimeFigureOut">
               <a:rPr lang="en-US" smtClean="0"/>
-              <a:t>11/15/2021</a:t>
+              <a:t>11/16/2021</a:t>
             </a:fld>
             <a:endParaRPr lang="en-US"/>
           </a:p>
@@ -5629,7 +6161,7 @@
           <a:p>
             <a:fld id="{969D94E0-86BF-4E12-980A-B36C99D448DF}" type="datetimeFigureOut">
               <a:rPr lang="en-US" smtClean="0"/>
-              <a:t>11/15/2021</a:t>
+              <a:t>11/16/2021</a:t>
             </a:fld>
             <a:endParaRPr lang="en-US"/>
           </a:p>
@@ -5827,7 +6359,7 @@
           <a:p>
             <a:fld id="{969D94E0-86BF-4E12-980A-B36C99D448DF}" type="datetimeFigureOut">
               <a:rPr lang="en-US" smtClean="0"/>
-              <a:t>11/15/2021</a:t>
+              <a:t>11/16/2021</a:t>
             </a:fld>
             <a:endParaRPr lang="en-US"/>
           </a:p>
@@ -6102,7 +6634,7 @@
           <a:p>
             <a:fld id="{969D94E0-86BF-4E12-980A-B36C99D448DF}" type="datetimeFigureOut">
               <a:rPr lang="en-US" smtClean="0"/>
-              <a:t>11/15/2021</a:t>
+              <a:t>11/16/2021</a:t>
             </a:fld>
             <a:endParaRPr lang="en-US"/>
           </a:p>
@@ -6367,7 +6899,7 @@
           <a:p>
             <a:fld id="{969D94E0-86BF-4E12-980A-B36C99D448DF}" type="datetimeFigureOut">
               <a:rPr lang="en-US" smtClean="0"/>
-              <a:t>11/15/2021</a:t>
+              <a:t>11/16/2021</a:t>
             </a:fld>
             <a:endParaRPr lang="en-US"/>
           </a:p>
@@ -6779,7 +7311,7 @@
           <a:p>
             <a:fld id="{969D94E0-86BF-4E12-980A-B36C99D448DF}" type="datetimeFigureOut">
               <a:rPr lang="en-US" smtClean="0"/>
-              <a:t>11/15/2021</a:t>
+              <a:t>11/16/2021</a:t>
             </a:fld>
             <a:endParaRPr lang="en-US"/>
           </a:p>
@@ -6920,7 +7452,7 @@
           <a:p>
             <a:fld id="{969D94E0-86BF-4E12-980A-B36C99D448DF}" type="datetimeFigureOut">
               <a:rPr lang="en-US" smtClean="0"/>
-              <a:t>11/15/2021</a:t>
+              <a:t>11/16/2021</a:t>
             </a:fld>
             <a:endParaRPr lang="en-US"/>
           </a:p>
@@ -7033,7 +7565,7 @@
           <a:p>
             <a:fld id="{969D94E0-86BF-4E12-980A-B36C99D448DF}" type="datetimeFigureOut">
               <a:rPr lang="en-US" smtClean="0"/>
-              <a:t>11/15/2021</a:t>
+              <a:t>11/16/2021</a:t>
             </a:fld>
             <a:endParaRPr lang="en-US"/>
           </a:p>
@@ -7344,7 +7876,7 @@
           <a:p>
             <a:fld id="{969D94E0-86BF-4E12-980A-B36C99D448DF}" type="datetimeFigureOut">
               <a:rPr lang="en-US" smtClean="0"/>
-              <a:t>11/15/2021</a:t>
+              <a:t>11/16/2021</a:t>
             </a:fld>
             <a:endParaRPr lang="en-US"/>
           </a:p>
@@ -7632,7 +8164,7 @@
           <a:p>
             <a:fld id="{969D94E0-86BF-4E12-980A-B36C99D448DF}" type="datetimeFigureOut">
               <a:rPr lang="en-US" smtClean="0"/>
-              <a:t>11/15/2021</a:t>
+              <a:t>11/16/2021</a:t>
             </a:fld>
             <a:endParaRPr lang="en-US"/>
           </a:p>
@@ -7873,7 +8405,7 @@
           <a:p>
             <a:fld id="{969D94E0-86BF-4E12-980A-B36C99D448DF}" type="datetimeFigureOut">
               <a:rPr lang="en-US" smtClean="0"/>
-              <a:t>11/15/2021</a:t>
+              <a:t>11/16/2021</a:t>
             </a:fld>
             <a:endParaRPr lang="en-US"/>
           </a:p>
@@ -10487,7 +11019,9 @@
           </a:xfrm>
         </p:spPr>
         <p:txBody>
-          <a:bodyPr/>
+          <a:bodyPr>
+            <a:normAutofit lnSpcReduction="10000"/>
+          </a:bodyPr>
           <a:lstStyle/>
           <a:p>
             <a:r>
@@ -10513,6 +11047,16 @@
             <a:r>
               <a:rPr lang="en-US" dirty="0"/>
               <a:t>Requires Container Engine</a:t>
+            </a:r>
+            <a:br>
+              <a:rPr lang="en-US" dirty="0"/>
+            </a:br>
+            <a:endParaRPr lang="en-US" dirty="0"/>
+          </a:p>
+          <a:p>
+            <a:r>
+              <a:rPr lang="en-US" dirty="0"/>
+              <a:t>Immutable: VM (care for it), immutable (don’t change in Prod)</a:t>
             </a:r>
           </a:p>
         </p:txBody>
@@ -11550,7 +12094,7 @@
             <p:ph idx="1"/>
             <p:extLst>
               <p:ext uri="{D42A27DB-BD31-4B8C-83A1-F6EECF244321}">
-                <p14:modId xmlns:p14="http://schemas.microsoft.com/office/powerpoint/2010/main" val="1040487522"/>
+                <p14:modId xmlns:p14="http://schemas.microsoft.com/office/powerpoint/2010/main" val="3998422145"/>
               </p:ext>
             </p:extLst>
           </p:nvPr>
@@ -11561,7 +12105,7 @@
         </p:xfrm>
         <a:graphic>
           <a:graphicData uri="http://schemas.openxmlformats.org/drawingml/2006/diagram">
-            <dgm:relIds xmlns:dgm="http://schemas.openxmlformats.org/drawingml/2006/diagram" xmlns:r="http://schemas.openxmlformats.org/officeDocument/2006/relationships" r:dm="rId2" r:lo="rId3" r:qs="rId4" r:cs="rId5"/>
+            <dgm:relIds xmlns:dgm="http://schemas.openxmlformats.org/drawingml/2006/diagram" xmlns:r="http://schemas.openxmlformats.org/officeDocument/2006/relationships" r:dm="rId3" r:lo="rId4" r:qs="rId5" r:cs="rId6"/>
           </a:graphicData>
         </a:graphic>
       </p:graphicFrame>
@@ -11960,7 +12504,7 @@
             <p:ph idx="1"/>
             <p:extLst>
               <p:ext uri="{D42A27DB-BD31-4B8C-83A1-F6EECF244321}">
-                <p14:modId xmlns:p14="http://schemas.microsoft.com/office/powerpoint/2010/main" val="2648151955"/>
+                <p14:modId xmlns:p14="http://schemas.microsoft.com/office/powerpoint/2010/main" val="894228664"/>
               </p:ext>
             </p:extLst>
           </p:nvPr>
@@ -11971,7 +12515,7 @@
         </p:xfrm>
         <a:graphic>
           <a:graphicData uri="http://schemas.openxmlformats.org/drawingml/2006/diagram">
-            <dgm:relIds xmlns:dgm="http://schemas.openxmlformats.org/drawingml/2006/diagram" xmlns:r="http://schemas.openxmlformats.org/officeDocument/2006/relationships" r:dm="rId2" r:lo="rId3" r:qs="rId4" r:cs="rId5"/>
+            <dgm:relIds xmlns:dgm="http://schemas.openxmlformats.org/drawingml/2006/diagram" xmlns:r="http://schemas.openxmlformats.org/officeDocument/2006/relationships" r:dm="rId3" r:lo="rId4" r:qs="rId5" r:cs="rId6"/>
           </a:graphicData>
         </a:graphic>
       </p:graphicFrame>
@@ -12281,4 +12825,299 @@
     </a:ext>
   </a:extLst>
 </a:theme>
+</file>
+
+<file path=ppt/theme/theme2.xml><?xml version="1.0" encoding="utf-8"?>
+<a:theme xmlns:a="http://schemas.openxmlformats.org/drawingml/2006/main" name="Office Theme">
+  <a:themeElements>
+    <a:clrScheme name="Office">
+      <a:dk1>
+        <a:sysClr val="windowText" lastClr="000000"/>
+      </a:dk1>
+      <a:lt1>
+        <a:sysClr val="window" lastClr="FFFFFF"/>
+      </a:lt1>
+      <a:dk2>
+        <a:srgbClr val="44546A"/>
+      </a:dk2>
+      <a:lt2>
+        <a:srgbClr val="E7E6E6"/>
+      </a:lt2>
+      <a:accent1>
+        <a:srgbClr val="4472C4"/>
+      </a:accent1>
+      <a:accent2>
+        <a:srgbClr val="ED7D31"/>
+      </a:accent2>
+      <a:accent3>
+        <a:srgbClr val="A5A5A5"/>
+      </a:accent3>
+      <a:accent4>
+        <a:srgbClr val="FFC000"/>
+      </a:accent4>
+      <a:accent5>
+        <a:srgbClr val="5B9BD5"/>
+      </a:accent5>
+      <a:accent6>
+        <a:srgbClr val="70AD47"/>
+      </a:accent6>
+      <a:hlink>
+        <a:srgbClr val="0563C1"/>
+      </a:hlink>
+      <a:folHlink>
+        <a:srgbClr val="954F72"/>
+      </a:folHlink>
+    </a:clrScheme>
+    <a:fontScheme name="Office">
+      <a:majorFont>
+        <a:latin typeface="Calibri Light" panose="020F0302020204030204"/>
+        <a:ea typeface=""/>
+        <a:cs typeface=""/>
+        <a:font script="Jpan" typeface="游ゴシック Light"/>
+        <a:font script="Hang" typeface="맑은 고딕"/>
+        <a:font script="Hans" typeface="等线 Light"/>
+        <a:font script="Hant" typeface="新細明體"/>
+        <a:font script="Arab" typeface="Times New Roman"/>
+        <a:font script="Hebr" typeface="Times New Roman"/>
+        <a:font script="Thai" typeface="Angsana New"/>
+        <a:font script="Ethi" typeface="Nyala"/>
+        <a:font script="Beng" typeface="Vrinda"/>
+        <a:font script="Gujr" typeface="Shruti"/>
+        <a:font script="Khmr" typeface="MoolBoran"/>
+        <a:font script="Knda" typeface="Tunga"/>
+        <a:font script="Guru" typeface="Raavi"/>
+        <a:font script="Cans" typeface="Euphemia"/>
+        <a:font script="Cher" typeface="Plantagenet Cherokee"/>
+        <a:font script="Yiii" typeface="Microsoft Yi Baiti"/>
+        <a:font script="Tibt" typeface="Microsoft Himalaya"/>
+        <a:font script="Thaa" typeface="MV Boli"/>
+        <a:font script="Deva" typeface="Mangal"/>
+        <a:font script="Telu" typeface="Gautami"/>
+        <a:font script="Taml" typeface="Latha"/>
+        <a:font script="Syrc" typeface="Estrangelo Edessa"/>
+        <a:font script="Orya" typeface="Kalinga"/>
+        <a:font script="Mlym" typeface="Kartika"/>
+        <a:font script="Laoo" typeface="DokChampa"/>
+        <a:font script="Sinh" typeface="Iskoola Pota"/>
+        <a:font script="Mong" typeface="Mongolian Baiti"/>
+        <a:font script="Viet" typeface="Times New Roman"/>
+        <a:font script="Uigh" typeface="Microsoft Uighur"/>
+        <a:font script="Geor" typeface="Sylfaen"/>
+        <a:font script="Armn" typeface="Arial"/>
+        <a:font script="Bugi" typeface="Leelawadee UI"/>
+        <a:font script="Bopo" typeface="Microsoft JhengHei"/>
+        <a:font script="Java" typeface="Javanese Text"/>
+        <a:font script="Lisu" typeface="Segoe UI"/>
+        <a:font script="Mymr" typeface="Myanmar Text"/>
+        <a:font script="Nkoo" typeface="Ebrima"/>
+        <a:font script="Olck" typeface="Nirmala UI"/>
+        <a:font script="Osma" typeface="Ebrima"/>
+        <a:font script="Phag" typeface="Phagspa"/>
+        <a:font script="Syrn" typeface="Estrangelo Edessa"/>
+        <a:font script="Syrj" typeface="Estrangelo Edessa"/>
+        <a:font script="Syre" typeface="Estrangelo Edessa"/>
+        <a:font script="Sora" typeface="Nirmala UI"/>
+        <a:font script="Tale" typeface="Microsoft Tai Le"/>
+        <a:font script="Talu" typeface="Microsoft New Tai Lue"/>
+        <a:font script="Tfng" typeface="Ebrima"/>
+      </a:majorFont>
+      <a:minorFont>
+        <a:latin typeface="Calibri" panose="020F0502020204030204"/>
+        <a:ea typeface=""/>
+        <a:cs typeface=""/>
+        <a:font script="Jpan" typeface="游ゴシック"/>
+        <a:font script="Hang" typeface="맑은 고딕"/>
+        <a:font script="Hans" typeface="等线"/>
+        <a:font script="Hant" typeface="新細明體"/>
+        <a:font script="Arab" typeface="Arial"/>
+        <a:font script="Hebr" typeface="Arial"/>
+        <a:font script="Thai" typeface="Cordia New"/>
+        <a:font script="Ethi" typeface="Nyala"/>
+        <a:font script="Beng" typeface="Vrinda"/>
+        <a:font script="Gujr" typeface="Shruti"/>
+        <a:font script="Khmr" typeface="DaunPenh"/>
+        <a:font script="Knda" typeface="Tunga"/>
+        <a:font script="Guru" typeface="Raavi"/>
+        <a:font script="Cans" typeface="Euphemia"/>
+        <a:font script="Cher" typeface="Plantagenet Cherokee"/>
+        <a:font script="Yiii" typeface="Microsoft Yi Baiti"/>
+        <a:font script="Tibt" typeface="Microsoft Himalaya"/>
+        <a:font script="Thaa" typeface="MV Boli"/>
+        <a:font script="Deva" typeface="Mangal"/>
+        <a:font script="Telu" typeface="Gautami"/>
+        <a:font script="Taml" typeface="Latha"/>
+        <a:font script="Syrc" typeface="Estrangelo Edessa"/>
+        <a:font script="Orya" typeface="Kalinga"/>
+        <a:font script="Mlym" typeface="Kartika"/>
+        <a:font script="Laoo" typeface="DokChampa"/>
+        <a:font script="Sinh" typeface="Iskoola Pota"/>
+        <a:font script="Mong" typeface="Mongolian Baiti"/>
+        <a:font script="Viet" typeface="Arial"/>
+        <a:font script="Uigh" typeface="Microsoft Uighur"/>
+        <a:font script="Geor" typeface="Sylfaen"/>
+        <a:font script="Armn" typeface="Arial"/>
+        <a:font script="Bugi" typeface="Leelawadee UI"/>
+        <a:font script="Bopo" typeface="Microsoft JhengHei"/>
+        <a:font script="Java" typeface="Javanese Text"/>
+        <a:font script="Lisu" typeface="Segoe UI"/>
+        <a:font script="Mymr" typeface="Myanmar Text"/>
+        <a:font script="Nkoo" typeface="Ebrima"/>
+        <a:font script="Olck" typeface="Nirmala UI"/>
+        <a:font script="Osma" typeface="Ebrima"/>
+        <a:font script="Phag" typeface="Phagspa"/>
+        <a:font script="Syrn" typeface="Estrangelo Edessa"/>
+        <a:font script="Syrj" typeface="Estrangelo Edessa"/>
+        <a:font script="Syre" typeface="Estrangelo Edessa"/>
+        <a:font script="Sora" typeface="Nirmala UI"/>
+        <a:font script="Tale" typeface="Microsoft Tai Le"/>
+        <a:font script="Talu" typeface="Microsoft New Tai Lue"/>
+        <a:font script="Tfng" typeface="Ebrima"/>
+      </a:minorFont>
+    </a:fontScheme>
+    <a:fmtScheme name="Office">
+      <a:fillStyleLst>
+        <a:solidFill>
+          <a:schemeClr val="phClr"/>
+        </a:solidFill>
+        <a:gradFill rotWithShape="1">
+          <a:gsLst>
+            <a:gs pos="0">
+              <a:schemeClr val="phClr">
+                <a:lumMod val="110000"/>
+                <a:satMod val="105000"/>
+                <a:tint val="67000"/>
+              </a:schemeClr>
+            </a:gs>
+            <a:gs pos="50000">
+              <a:schemeClr val="phClr">
+                <a:lumMod val="105000"/>
+                <a:satMod val="103000"/>
+                <a:tint val="73000"/>
+              </a:schemeClr>
+            </a:gs>
+            <a:gs pos="100000">
+              <a:schemeClr val="phClr">
+                <a:lumMod val="105000"/>
+                <a:satMod val="109000"/>
+                <a:tint val="81000"/>
+              </a:schemeClr>
+            </a:gs>
+          </a:gsLst>
+          <a:lin ang="5400000" scaled="0"/>
+        </a:gradFill>
+        <a:gradFill rotWithShape="1">
+          <a:gsLst>
+            <a:gs pos="0">
+              <a:schemeClr val="phClr">
+                <a:satMod val="103000"/>
+                <a:lumMod val="102000"/>
+                <a:tint val="94000"/>
+              </a:schemeClr>
+            </a:gs>
+            <a:gs pos="50000">
+              <a:schemeClr val="phClr">
+                <a:satMod val="110000"/>
+                <a:lumMod val="100000"/>
+                <a:shade val="100000"/>
+              </a:schemeClr>
+            </a:gs>
+            <a:gs pos="100000">
+              <a:schemeClr val="phClr">
+                <a:lumMod val="99000"/>
+                <a:satMod val="120000"/>
+                <a:shade val="78000"/>
+              </a:schemeClr>
+            </a:gs>
+          </a:gsLst>
+          <a:lin ang="5400000" scaled="0"/>
+        </a:gradFill>
+      </a:fillStyleLst>
+      <a:lnStyleLst>
+        <a:ln w="6350" cap="flat" cmpd="sng" algn="ctr">
+          <a:solidFill>
+            <a:schemeClr val="phClr"/>
+          </a:solidFill>
+          <a:prstDash val="solid"/>
+          <a:miter lim="800000"/>
+        </a:ln>
+        <a:ln w="12700" cap="flat" cmpd="sng" algn="ctr">
+          <a:solidFill>
+            <a:schemeClr val="phClr"/>
+          </a:solidFill>
+          <a:prstDash val="solid"/>
+          <a:miter lim="800000"/>
+        </a:ln>
+        <a:ln w="19050" cap="flat" cmpd="sng" algn="ctr">
+          <a:solidFill>
+            <a:schemeClr val="phClr"/>
+          </a:solidFill>
+          <a:prstDash val="solid"/>
+          <a:miter lim="800000"/>
+        </a:ln>
+      </a:lnStyleLst>
+      <a:effectStyleLst>
+        <a:effectStyle>
+          <a:effectLst/>
+        </a:effectStyle>
+        <a:effectStyle>
+          <a:effectLst/>
+        </a:effectStyle>
+        <a:effectStyle>
+          <a:effectLst>
+            <a:outerShdw blurRad="57150" dist="19050" dir="5400000" algn="ctr" rotWithShape="0">
+              <a:srgbClr val="000000">
+                <a:alpha val="63000"/>
+              </a:srgbClr>
+            </a:outerShdw>
+          </a:effectLst>
+        </a:effectStyle>
+      </a:effectStyleLst>
+      <a:bgFillStyleLst>
+        <a:solidFill>
+          <a:schemeClr val="phClr"/>
+        </a:solidFill>
+        <a:solidFill>
+          <a:schemeClr val="phClr">
+            <a:tint val="95000"/>
+            <a:satMod val="170000"/>
+          </a:schemeClr>
+        </a:solidFill>
+        <a:gradFill rotWithShape="1">
+          <a:gsLst>
+            <a:gs pos="0">
+              <a:schemeClr val="phClr">
+                <a:tint val="93000"/>
+                <a:satMod val="150000"/>
+                <a:shade val="98000"/>
+                <a:lumMod val="102000"/>
+              </a:schemeClr>
+            </a:gs>
+            <a:gs pos="50000">
+              <a:schemeClr val="phClr">
+                <a:tint val="98000"/>
+                <a:satMod val="130000"/>
+                <a:shade val="90000"/>
+                <a:lumMod val="103000"/>
+              </a:schemeClr>
+            </a:gs>
+            <a:gs pos="100000">
+              <a:schemeClr val="phClr">
+                <a:shade val="63000"/>
+                <a:satMod val="120000"/>
+              </a:schemeClr>
+            </a:gs>
+          </a:gsLst>
+          <a:lin ang="5400000" scaled="0"/>
+        </a:gradFill>
+      </a:bgFillStyleLst>
+    </a:fmtScheme>
+  </a:themeElements>
+  <a:objectDefaults/>
+  <a:extraClrSchemeLst/>
+  <a:extLst>
+    <a:ext uri="{05A4C25C-085E-4340-85A3-A5531E510DB2}">
+      <thm15:themeFamily xmlns:thm15="http://schemas.microsoft.com/office/thememl/2012/main" name="Office Theme" id="{62F939B6-93AF-4DB8-9C6B-D6C7DFDC589F}" vid="{4A3C46E8-61CC-4603-A589-7422A47A8E4A}"/>
+    </a:ext>
+  </a:extLst>
+</a:theme>
 </file>
--- a/slides/Introduction to Kubernetes.pptx
+++ b/slides/Introduction to Kubernetes.pptx
@@ -5,7 +5,7 @@
     <p:sldMasterId id="2147483648" r:id="rId1"/>
   </p:sldMasterIdLst>
   <p:notesMasterIdLst>
-    <p:notesMasterId r:id="rId8"/>
+    <p:notesMasterId r:id="rId10"/>
   </p:notesMasterIdLst>
   <p:sldIdLst>
     <p:sldId id="256" r:id="rId2"/>
@@ -14,6 +14,8 @@
     <p:sldId id="259" r:id="rId5"/>
     <p:sldId id="261" r:id="rId6"/>
     <p:sldId id="260" r:id="rId7"/>
+    <p:sldId id="262" r:id="rId8"/>
+    <p:sldId id="263" r:id="rId9"/>
   </p:sldIdLst>
   <p:sldSz cx="12192000" cy="6858000"/>
   <p:notesSz cx="6858000" cy="9144000"/>
@@ -868,7 +870,7 @@
 </file>
 
 <file path=ppt/diagrams/colors2.xml><?xml version="1.0" encoding="utf-8"?>
-<dgm:colorsDef xmlns:dgm="http://schemas.openxmlformats.org/drawingml/2006/diagram" xmlns:a="http://schemas.openxmlformats.org/drawingml/2006/main" uniqueId="urn:microsoft.com/office/officeart/2018/5/colors/Iconchunking_neutralbg_accent1_2">
+<dgm:colorsDef xmlns:dgm="http://schemas.openxmlformats.org/drawingml/2006/diagram" xmlns:a="http://schemas.openxmlformats.org/drawingml/2006/main" uniqueId="urn:microsoft.com/office/officeart/2005/8/colors/accent1_2">
   <dgm:title val=""/>
   <dgm:desc val=""/>
   <dgm:catLst>
@@ -903,9 +905,7 @@
       <a:schemeClr val="accent1"/>
     </dgm:fillClrLst>
     <dgm:linClrLst meth="repeat">
-      <a:schemeClr val="lt1">
-        <a:alpha val="0"/>
-      </a:schemeClr>
+      <a:schemeClr val="lt1"/>
     </dgm:linClrLst>
     <dgm:effectClrLst/>
     <dgm:txLinClrLst/>
@@ -1532,8 +1532,8 @@
   </dgm:styleLbl>
   <dgm:styleLbl name="bgShp">
     <dgm:fillClrLst meth="repeat">
-      <a:schemeClr val="bg1">
-        <a:lumMod val="95000"/>
+      <a:schemeClr val="accent1">
+        <a:tint val="40000"/>
       </a:schemeClr>
     </dgm:fillClrLst>
     <dgm:linClrLst meth="repeat">
@@ -1616,7 +1616,1143 @@
 </dgm:colorsDef>
 </file>
 
+<file path=ppt/diagrams/colors3.xml><?xml version="1.0" encoding="utf-8"?>
+<dgm:colorsDef xmlns:dgm="http://schemas.openxmlformats.org/drawingml/2006/diagram" xmlns:a="http://schemas.openxmlformats.org/drawingml/2006/main" uniqueId="urn:microsoft.com/office/officeart/2018/5/colors/Iconchunking_neutralbg_accent1_2">
+  <dgm:title val=""/>
+  <dgm:desc val=""/>
+  <dgm:catLst>
+    <dgm:cat type="accent1" pri="11200"/>
+  </dgm:catLst>
+  <dgm:styleLbl name="node0">
+    <dgm:fillClrLst meth="repeat">
+      <a:schemeClr val="accent1"/>
+    </dgm:fillClrLst>
+    <dgm:linClrLst meth="repeat">
+      <a:schemeClr val="lt1"/>
+    </dgm:linClrLst>
+    <dgm:effectClrLst/>
+    <dgm:txLinClrLst/>
+    <dgm:txFillClrLst/>
+    <dgm:txEffectClrLst/>
+  </dgm:styleLbl>
+  <dgm:styleLbl name="alignNode1">
+    <dgm:fillClrLst meth="repeat">
+      <a:schemeClr val="accent1"/>
+    </dgm:fillClrLst>
+    <dgm:linClrLst meth="repeat">
+      <a:schemeClr val="accent1"/>
+    </dgm:linClrLst>
+    <dgm:effectClrLst/>
+    <dgm:txLinClrLst/>
+    <dgm:txFillClrLst/>
+    <dgm:txEffectClrLst/>
+  </dgm:styleLbl>
+  <dgm:styleLbl name="node1">
+    <dgm:fillClrLst meth="repeat">
+      <a:schemeClr val="accent1"/>
+    </dgm:fillClrLst>
+    <dgm:linClrLst meth="repeat">
+      <a:schemeClr val="lt1">
+        <a:alpha val="0"/>
+      </a:schemeClr>
+    </dgm:linClrLst>
+    <dgm:effectClrLst/>
+    <dgm:txLinClrLst/>
+    <dgm:txFillClrLst/>
+    <dgm:txEffectClrLst/>
+  </dgm:styleLbl>
+  <dgm:styleLbl name="lnNode1">
+    <dgm:fillClrLst meth="repeat">
+      <a:schemeClr val="accent1"/>
+    </dgm:fillClrLst>
+    <dgm:linClrLst meth="repeat">
+      <a:schemeClr val="lt1"/>
+    </dgm:linClrLst>
+    <dgm:effectClrLst/>
+    <dgm:txLinClrLst/>
+    <dgm:txFillClrLst/>
+    <dgm:txEffectClrLst/>
+  </dgm:styleLbl>
+  <dgm:styleLbl name="vennNode1">
+    <dgm:fillClrLst meth="repeat">
+      <a:schemeClr val="accent1">
+        <a:alpha val="50000"/>
+      </a:schemeClr>
+    </dgm:fillClrLst>
+    <dgm:linClrLst meth="repeat">
+      <a:schemeClr val="lt1"/>
+    </dgm:linClrLst>
+    <dgm:effectClrLst/>
+    <dgm:txLinClrLst/>
+    <dgm:txFillClrLst/>
+    <dgm:txEffectClrLst/>
+  </dgm:styleLbl>
+  <dgm:styleLbl name="node2">
+    <dgm:fillClrLst meth="repeat">
+      <a:schemeClr val="accent1"/>
+    </dgm:fillClrLst>
+    <dgm:linClrLst meth="repeat">
+      <a:schemeClr val="lt1"/>
+    </dgm:linClrLst>
+    <dgm:effectClrLst/>
+    <dgm:txLinClrLst/>
+    <dgm:txFillClrLst/>
+    <dgm:txEffectClrLst/>
+  </dgm:styleLbl>
+  <dgm:styleLbl name="node3">
+    <dgm:fillClrLst meth="repeat">
+      <a:schemeClr val="accent1"/>
+    </dgm:fillClrLst>
+    <dgm:linClrLst meth="repeat">
+      <a:schemeClr val="lt1"/>
+    </dgm:linClrLst>
+    <dgm:effectClrLst/>
+    <dgm:txLinClrLst/>
+    <dgm:txFillClrLst/>
+    <dgm:txEffectClrLst/>
+  </dgm:styleLbl>
+  <dgm:styleLbl name="node4">
+    <dgm:fillClrLst meth="repeat">
+      <a:schemeClr val="accent1"/>
+    </dgm:fillClrLst>
+    <dgm:linClrLst meth="repeat">
+      <a:schemeClr val="lt1"/>
+    </dgm:linClrLst>
+    <dgm:effectClrLst/>
+    <dgm:txLinClrLst/>
+    <dgm:txFillClrLst/>
+    <dgm:txEffectClrLst/>
+  </dgm:styleLbl>
+  <dgm:styleLbl name="fgImgPlace1">
+    <dgm:fillClrLst meth="repeat">
+      <a:schemeClr val="accent1">
+        <a:tint val="50000"/>
+      </a:schemeClr>
+    </dgm:fillClrLst>
+    <dgm:linClrLst meth="repeat">
+      <a:schemeClr val="lt1"/>
+    </dgm:linClrLst>
+    <dgm:effectClrLst/>
+    <dgm:txLinClrLst/>
+    <dgm:txFillClrLst meth="repeat">
+      <a:schemeClr val="lt1"/>
+    </dgm:txFillClrLst>
+    <dgm:txEffectClrLst/>
+  </dgm:styleLbl>
+  <dgm:styleLbl name="alignImgPlace1">
+    <dgm:fillClrLst meth="repeat">
+      <a:schemeClr val="accent1">
+        <a:tint val="50000"/>
+      </a:schemeClr>
+    </dgm:fillClrLst>
+    <dgm:linClrLst meth="repeat">
+      <a:schemeClr val="lt1"/>
+    </dgm:linClrLst>
+    <dgm:effectClrLst/>
+    <dgm:txLinClrLst/>
+    <dgm:txFillClrLst meth="repeat">
+      <a:schemeClr val="lt1"/>
+    </dgm:txFillClrLst>
+    <dgm:txEffectClrLst/>
+  </dgm:styleLbl>
+  <dgm:styleLbl name="bgImgPlace1">
+    <dgm:fillClrLst meth="repeat">
+      <a:schemeClr val="accent1">
+        <a:tint val="50000"/>
+      </a:schemeClr>
+    </dgm:fillClrLst>
+    <dgm:linClrLst meth="repeat">
+      <a:schemeClr val="lt1"/>
+    </dgm:linClrLst>
+    <dgm:effectClrLst/>
+    <dgm:txLinClrLst/>
+    <dgm:txFillClrLst meth="repeat">
+      <a:schemeClr val="lt1"/>
+    </dgm:txFillClrLst>
+    <dgm:txEffectClrLst/>
+  </dgm:styleLbl>
+  <dgm:styleLbl name="sibTrans2D1">
+    <dgm:fillClrLst meth="repeat">
+      <a:schemeClr val="accent1">
+        <a:tint val="60000"/>
+      </a:schemeClr>
+    </dgm:fillClrLst>
+    <dgm:linClrLst meth="repeat">
+      <a:schemeClr val="accent1">
+        <a:tint val="60000"/>
+      </a:schemeClr>
+    </dgm:linClrLst>
+    <dgm:effectClrLst/>
+    <dgm:txLinClrLst/>
+    <dgm:txFillClrLst/>
+    <dgm:txEffectClrLst/>
+  </dgm:styleLbl>
+  <dgm:styleLbl name="fgSibTrans2D1">
+    <dgm:fillClrLst meth="repeat">
+      <a:schemeClr val="accent1">
+        <a:tint val="60000"/>
+      </a:schemeClr>
+    </dgm:fillClrLst>
+    <dgm:linClrLst meth="repeat">
+      <a:schemeClr val="accent1">
+        <a:tint val="60000"/>
+      </a:schemeClr>
+    </dgm:linClrLst>
+    <dgm:effectClrLst/>
+    <dgm:txLinClrLst/>
+    <dgm:txFillClrLst/>
+    <dgm:txEffectClrLst/>
+  </dgm:styleLbl>
+  <dgm:styleLbl name="bgSibTrans2D1">
+    <dgm:fillClrLst meth="repeat">
+      <a:schemeClr val="accent1">
+        <a:tint val="60000"/>
+      </a:schemeClr>
+    </dgm:fillClrLst>
+    <dgm:linClrLst meth="repeat">
+      <a:schemeClr val="accent1">
+        <a:tint val="60000"/>
+      </a:schemeClr>
+    </dgm:linClrLst>
+    <dgm:effectClrLst/>
+    <dgm:txLinClrLst/>
+    <dgm:txFillClrLst/>
+    <dgm:txEffectClrLst/>
+  </dgm:styleLbl>
+  <dgm:styleLbl name="sibTrans1D1">
+    <dgm:fillClrLst meth="repeat">
+      <a:schemeClr val="accent1"/>
+    </dgm:fillClrLst>
+    <dgm:linClrLst meth="repeat">
+      <a:schemeClr val="accent1"/>
+    </dgm:linClrLst>
+    <dgm:effectClrLst/>
+    <dgm:txLinClrLst/>
+    <dgm:txFillClrLst meth="repeat">
+      <a:schemeClr val="tx1"/>
+    </dgm:txFillClrLst>
+    <dgm:txEffectClrLst/>
+  </dgm:styleLbl>
+  <dgm:styleLbl name="callout">
+    <dgm:fillClrLst meth="repeat">
+      <a:schemeClr val="accent1"/>
+    </dgm:fillClrLst>
+    <dgm:linClrLst meth="repeat">
+      <a:schemeClr val="accent1">
+        <a:tint val="50000"/>
+      </a:schemeClr>
+    </dgm:linClrLst>
+    <dgm:effectClrLst/>
+    <dgm:txLinClrLst/>
+    <dgm:txFillClrLst meth="repeat">
+      <a:schemeClr val="tx1"/>
+    </dgm:txFillClrLst>
+    <dgm:txEffectClrLst/>
+  </dgm:styleLbl>
+  <dgm:styleLbl name="asst0">
+    <dgm:fillClrLst meth="repeat">
+      <a:schemeClr val="accent1"/>
+    </dgm:fillClrLst>
+    <dgm:linClrLst meth="repeat">
+      <a:schemeClr val="lt1"/>
+    </dgm:linClrLst>
+    <dgm:effectClrLst/>
+    <dgm:txLinClrLst/>
+    <dgm:txFillClrLst/>
+    <dgm:txEffectClrLst/>
+  </dgm:styleLbl>
+  <dgm:styleLbl name="asst1">
+    <dgm:fillClrLst meth="repeat">
+      <a:schemeClr val="accent1"/>
+    </dgm:fillClrLst>
+    <dgm:linClrLst meth="repeat">
+      <a:schemeClr val="lt1"/>
+    </dgm:linClrLst>
+    <dgm:effectClrLst/>
+    <dgm:txLinClrLst/>
+    <dgm:txFillClrLst/>
+    <dgm:txEffectClrLst/>
+  </dgm:styleLbl>
+  <dgm:styleLbl name="asst2">
+    <dgm:fillClrLst meth="repeat">
+      <a:schemeClr val="accent1"/>
+    </dgm:fillClrLst>
+    <dgm:linClrLst meth="repeat">
+      <a:schemeClr val="lt1"/>
+    </dgm:linClrLst>
+    <dgm:effectClrLst/>
+    <dgm:txLinClrLst/>
+    <dgm:txFillClrLst/>
+    <dgm:txEffectClrLst/>
+  </dgm:styleLbl>
+  <dgm:styleLbl name="asst3">
+    <dgm:fillClrLst meth="repeat">
+      <a:schemeClr val="accent1"/>
+    </dgm:fillClrLst>
+    <dgm:linClrLst meth="repeat">
+      <a:schemeClr val="lt1"/>
+    </dgm:linClrLst>
+    <dgm:effectClrLst/>
+    <dgm:txLinClrLst/>
+    <dgm:txFillClrLst/>
+    <dgm:txEffectClrLst/>
+  </dgm:styleLbl>
+  <dgm:styleLbl name="asst4">
+    <dgm:fillClrLst meth="repeat">
+      <a:schemeClr val="accent1"/>
+    </dgm:fillClrLst>
+    <dgm:linClrLst meth="repeat">
+      <a:schemeClr val="lt1"/>
+    </dgm:linClrLst>
+    <dgm:effectClrLst/>
+    <dgm:txLinClrLst/>
+    <dgm:txFillClrLst/>
+    <dgm:txEffectClrLst/>
+  </dgm:styleLbl>
+  <dgm:styleLbl name="parChTrans2D1">
+    <dgm:fillClrLst meth="repeat">
+      <a:schemeClr val="accent1">
+        <a:tint val="60000"/>
+      </a:schemeClr>
+    </dgm:fillClrLst>
+    <dgm:linClrLst meth="repeat">
+      <a:schemeClr val="accent1">
+        <a:tint val="60000"/>
+      </a:schemeClr>
+    </dgm:linClrLst>
+    <dgm:effectClrLst/>
+    <dgm:txLinClrLst/>
+    <dgm:txFillClrLst meth="repeat">
+      <a:schemeClr val="lt1"/>
+    </dgm:txFillClrLst>
+    <dgm:txEffectClrLst/>
+  </dgm:styleLbl>
+  <dgm:styleLbl name="parChTrans2D2">
+    <dgm:fillClrLst meth="repeat">
+      <a:schemeClr val="accent1"/>
+    </dgm:fillClrLst>
+    <dgm:linClrLst meth="repeat">
+      <a:schemeClr val="accent1"/>
+    </dgm:linClrLst>
+    <dgm:effectClrLst/>
+    <dgm:txLinClrLst/>
+    <dgm:txFillClrLst meth="repeat">
+      <a:schemeClr val="lt1"/>
+    </dgm:txFillClrLst>
+    <dgm:txEffectClrLst/>
+  </dgm:styleLbl>
+  <dgm:styleLbl name="parChTrans2D3">
+    <dgm:fillClrLst meth="repeat">
+      <a:schemeClr val="accent1"/>
+    </dgm:fillClrLst>
+    <dgm:linClrLst meth="repeat">
+      <a:schemeClr val="accent1"/>
+    </dgm:linClrLst>
+    <dgm:effectClrLst/>
+    <dgm:txLinClrLst/>
+    <dgm:txFillClrLst meth="repeat">
+      <a:schemeClr val="lt1"/>
+    </dgm:txFillClrLst>
+    <dgm:txEffectClrLst/>
+  </dgm:styleLbl>
+  <dgm:styleLbl name="parChTrans2D4">
+    <dgm:fillClrLst meth="repeat">
+      <a:schemeClr val="accent1"/>
+    </dgm:fillClrLst>
+    <dgm:linClrLst meth="repeat">
+      <a:schemeClr val="accent1"/>
+    </dgm:linClrLst>
+    <dgm:effectClrLst/>
+    <dgm:txLinClrLst/>
+    <dgm:txFillClrLst meth="repeat">
+      <a:schemeClr val="lt1"/>
+    </dgm:txFillClrLst>
+    <dgm:txEffectClrLst/>
+  </dgm:styleLbl>
+  <dgm:styleLbl name="parChTrans1D1">
+    <dgm:fillClrLst meth="repeat">
+      <a:schemeClr val="accent1"/>
+    </dgm:fillClrLst>
+    <dgm:linClrLst meth="repeat">
+      <a:schemeClr val="accent1">
+        <a:shade val="60000"/>
+      </a:schemeClr>
+    </dgm:linClrLst>
+    <dgm:effectClrLst/>
+    <dgm:txLinClrLst/>
+    <dgm:txFillClrLst meth="repeat">
+      <a:schemeClr val="tx1"/>
+    </dgm:txFillClrLst>
+    <dgm:txEffectClrLst/>
+  </dgm:styleLbl>
+  <dgm:styleLbl name="parChTrans1D2">
+    <dgm:fillClrLst meth="repeat">
+      <a:schemeClr val="accent1"/>
+    </dgm:fillClrLst>
+    <dgm:linClrLst meth="repeat">
+      <a:schemeClr val="accent1">
+        <a:shade val="60000"/>
+      </a:schemeClr>
+    </dgm:linClrLst>
+    <dgm:effectClrLst/>
+    <dgm:txLinClrLst/>
+    <dgm:txFillClrLst meth="repeat">
+      <a:schemeClr val="tx1"/>
+    </dgm:txFillClrLst>
+    <dgm:txEffectClrLst/>
+  </dgm:styleLbl>
+  <dgm:styleLbl name="parChTrans1D3">
+    <dgm:fillClrLst meth="repeat">
+      <a:schemeClr val="accent1"/>
+    </dgm:fillClrLst>
+    <dgm:linClrLst meth="repeat">
+      <a:schemeClr val="accent1">
+        <a:shade val="80000"/>
+      </a:schemeClr>
+    </dgm:linClrLst>
+    <dgm:effectClrLst/>
+    <dgm:txLinClrLst/>
+    <dgm:txFillClrLst meth="repeat">
+      <a:schemeClr val="tx1"/>
+    </dgm:txFillClrLst>
+    <dgm:txEffectClrLst/>
+  </dgm:styleLbl>
+  <dgm:styleLbl name="parChTrans1D4">
+    <dgm:fillClrLst meth="repeat">
+      <a:schemeClr val="accent1"/>
+    </dgm:fillClrLst>
+    <dgm:linClrLst meth="repeat">
+      <a:schemeClr val="accent1">
+        <a:shade val="80000"/>
+      </a:schemeClr>
+    </dgm:linClrLst>
+    <dgm:effectClrLst/>
+    <dgm:txLinClrLst/>
+    <dgm:txFillClrLst meth="repeat">
+      <a:schemeClr val="tx1"/>
+    </dgm:txFillClrLst>
+    <dgm:txEffectClrLst/>
+  </dgm:styleLbl>
+  <dgm:styleLbl name="fgAcc1">
+    <dgm:fillClrLst meth="repeat">
+      <a:schemeClr val="lt1">
+        <a:alpha val="90000"/>
+      </a:schemeClr>
+    </dgm:fillClrLst>
+    <dgm:linClrLst meth="repeat">
+      <a:schemeClr val="accent1"/>
+    </dgm:linClrLst>
+    <dgm:effectClrLst/>
+    <dgm:txLinClrLst/>
+    <dgm:txFillClrLst meth="repeat">
+      <a:schemeClr val="dk1"/>
+    </dgm:txFillClrLst>
+    <dgm:txEffectClrLst/>
+  </dgm:styleLbl>
+  <dgm:styleLbl name="conFgAcc1">
+    <dgm:fillClrLst meth="repeat">
+      <a:schemeClr val="lt1">
+        <a:alpha val="90000"/>
+      </a:schemeClr>
+    </dgm:fillClrLst>
+    <dgm:linClrLst meth="repeat">
+      <a:schemeClr val="accent1"/>
+    </dgm:linClrLst>
+    <dgm:effectClrLst/>
+    <dgm:txLinClrLst/>
+    <dgm:txFillClrLst meth="repeat">
+      <a:schemeClr val="dk1"/>
+    </dgm:txFillClrLst>
+    <dgm:txEffectClrLst/>
+  </dgm:styleLbl>
+  <dgm:styleLbl name="alignAcc1">
+    <dgm:fillClrLst meth="repeat">
+      <a:schemeClr val="lt1">
+        <a:alpha val="90000"/>
+      </a:schemeClr>
+    </dgm:fillClrLst>
+    <dgm:linClrLst meth="repeat">
+      <a:schemeClr val="accent1"/>
+    </dgm:linClrLst>
+    <dgm:effectClrLst/>
+    <dgm:txLinClrLst/>
+    <dgm:txFillClrLst meth="repeat">
+      <a:schemeClr val="dk1"/>
+    </dgm:txFillClrLst>
+    <dgm:txEffectClrLst/>
+  </dgm:styleLbl>
+  <dgm:styleLbl name="trAlignAcc1">
+    <dgm:fillClrLst meth="repeat">
+      <a:schemeClr val="lt1">
+        <a:alpha val="40000"/>
+      </a:schemeClr>
+    </dgm:fillClrLst>
+    <dgm:linClrLst meth="repeat">
+      <a:schemeClr val="accent1"/>
+    </dgm:linClrLst>
+    <dgm:effectClrLst/>
+    <dgm:txLinClrLst/>
+    <dgm:txFillClrLst meth="repeat">
+      <a:schemeClr val="dk1"/>
+    </dgm:txFillClrLst>
+    <dgm:txEffectClrLst/>
+  </dgm:styleLbl>
+  <dgm:styleLbl name="bgAcc1">
+    <dgm:fillClrLst meth="repeat">
+      <a:schemeClr val="lt1">
+        <a:alpha val="90000"/>
+      </a:schemeClr>
+    </dgm:fillClrLst>
+    <dgm:linClrLst meth="repeat">
+      <a:schemeClr val="accent1"/>
+    </dgm:linClrLst>
+    <dgm:effectClrLst/>
+    <dgm:txLinClrLst/>
+    <dgm:txFillClrLst meth="repeat">
+      <a:schemeClr val="dk1"/>
+    </dgm:txFillClrLst>
+    <dgm:txEffectClrLst/>
+  </dgm:styleLbl>
+  <dgm:styleLbl name="solidFgAcc1">
+    <dgm:fillClrLst meth="repeat">
+      <a:schemeClr val="lt1"/>
+    </dgm:fillClrLst>
+    <dgm:linClrLst meth="repeat">
+      <a:schemeClr val="accent1"/>
+    </dgm:linClrLst>
+    <dgm:effectClrLst/>
+    <dgm:txLinClrLst/>
+    <dgm:txFillClrLst meth="repeat">
+      <a:schemeClr val="dk1"/>
+    </dgm:txFillClrLst>
+    <dgm:txEffectClrLst/>
+  </dgm:styleLbl>
+  <dgm:styleLbl name="solidAlignAcc1">
+    <dgm:fillClrLst meth="repeat">
+      <a:schemeClr val="lt1"/>
+    </dgm:fillClrLst>
+    <dgm:linClrLst meth="repeat">
+      <a:schemeClr val="accent1"/>
+    </dgm:linClrLst>
+    <dgm:effectClrLst/>
+    <dgm:txLinClrLst/>
+    <dgm:txFillClrLst meth="repeat">
+      <a:schemeClr val="dk1"/>
+    </dgm:txFillClrLst>
+    <dgm:txEffectClrLst/>
+  </dgm:styleLbl>
+  <dgm:styleLbl name="solidBgAcc1">
+    <dgm:fillClrLst meth="repeat">
+      <a:schemeClr val="lt1"/>
+    </dgm:fillClrLst>
+    <dgm:linClrLst meth="repeat">
+      <a:schemeClr val="accent1"/>
+    </dgm:linClrLst>
+    <dgm:effectClrLst/>
+    <dgm:txLinClrLst/>
+    <dgm:txFillClrLst meth="repeat">
+      <a:schemeClr val="dk1"/>
+    </dgm:txFillClrLst>
+    <dgm:txEffectClrLst/>
+  </dgm:styleLbl>
+  <dgm:styleLbl name="fgAccFollowNode1">
+    <dgm:fillClrLst meth="repeat">
+      <a:schemeClr val="accent1">
+        <a:alpha val="90000"/>
+        <a:tint val="40000"/>
+      </a:schemeClr>
+    </dgm:fillClrLst>
+    <dgm:linClrLst meth="repeat">
+      <a:schemeClr val="accent1">
+        <a:alpha val="90000"/>
+        <a:tint val="40000"/>
+      </a:schemeClr>
+    </dgm:linClrLst>
+    <dgm:effectClrLst/>
+    <dgm:txLinClrLst/>
+    <dgm:txFillClrLst meth="repeat">
+      <a:schemeClr val="dk1"/>
+    </dgm:txFillClrLst>
+    <dgm:txEffectClrLst/>
+  </dgm:styleLbl>
+  <dgm:styleLbl name="alignAccFollowNode1">
+    <dgm:fillClrLst meth="repeat">
+      <a:schemeClr val="accent1">
+        <a:alpha val="90000"/>
+        <a:tint val="40000"/>
+      </a:schemeClr>
+    </dgm:fillClrLst>
+    <dgm:linClrLst meth="repeat">
+      <a:schemeClr val="accent1">
+        <a:alpha val="90000"/>
+        <a:tint val="40000"/>
+      </a:schemeClr>
+    </dgm:linClrLst>
+    <dgm:effectClrLst/>
+    <dgm:txLinClrLst/>
+    <dgm:txFillClrLst meth="repeat">
+      <a:schemeClr val="dk1"/>
+    </dgm:txFillClrLst>
+    <dgm:txEffectClrLst/>
+  </dgm:styleLbl>
+  <dgm:styleLbl name="bgAccFollowNode1">
+    <dgm:fillClrLst meth="repeat">
+      <a:schemeClr val="accent1">
+        <a:alpha val="90000"/>
+        <a:tint val="40000"/>
+      </a:schemeClr>
+    </dgm:fillClrLst>
+    <dgm:linClrLst meth="repeat">
+      <a:schemeClr val="accent1">
+        <a:alpha val="90000"/>
+        <a:tint val="40000"/>
+      </a:schemeClr>
+    </dgm:linClrLst>
+    <dgm:effectClrLst/>
+    <dgm:txLinClrLst/>
+    <dgm:txFillClrLst meth="repeat">
+      <a:schemeClr val="dk1"/>
+    </dgm:txFillClrLst>
+    <dgm:txEffectClrLst/>
+  </dgm:styleLbl>
+  <dgm:styleLbl name="fgAcc0">
+    <dgm:fillClrLst meth="repeat">
+      <a:schemeClr val="lt1">
+        <a:alpha val="90000"/>
+      </a:schemeClr>
+    </dgm:fillClrLst>
+    <dgm:linClrLst meth="repeat">
+      <a:schemeClr val="accent1"/>
+    </dgm:linClrLst>
+    <dgm:effectClrLst/>
+    <dgm:txLinClrLst/>
+    <dgm:txFillClrLst meth="repeat">
+      <a:schemeClr val="dk1"/>
+    </dgm:txFillClrLst>
+    <dgm:txEffectClrLst/>
+  </dgm:styleLbl>
+  <dgm:styleLbl name="fgAcc2">
+    <dgm:fillClrLst meth="repeat">
+      <a:schemeClr val="lt1">
+        <a:alpha val="90000"/>
+      </a:schemeClr>
+    </dgm:fillClrLst>
+    <dgm:linClrLst meth="repeat">
+      <a:schemeClr val="accent1"/>
+    </dgm:linClrLst>
+    <dgm:effectClrLst/>
+    <dgm:txLinClrLst/>
+    <dgm:txFillClrLst meth="repeat">
+      <a:schemeClr val="dk1"/>
+    </dgm:txFillClrLst>
+    <dgm:txEffectClrLst/>
+  </dgm:styleLbl>
+  <dgm:styleLbl name="fgAcc3">
+    <dgm:fillClrLst meth="repeat">
+      <a:schemeClr val="lt1">
+        <a:alpha val="90000"/>
+      </a:schemeClr>
+    </dgm:fillClrLst>
+    <dgm:linClrLst meth="repeat">
+      <a:schemeClr val="accent1"/>
+    </dgm:linClrLst>
+    <dgm:effectClrLst/>
+    <dgm:txLinClrLst/>
+    <dgm:txFillClrLst meth="repeat">
+      <a:schemeClr val="dk1"/>
+    </dgm:txFillClrLst>
+    <dgm:txEffectClrLst/>
+  </dgm:styleLbl>
+  <dgm:styleLbl name="fgAcc4">
+    <dgm:fillClrLst meth="repeat">
+      <a:schemeClr val="lt1">
+        <a:alpha val="90000"/>
+      </a:schemeClr>
+    </dgm:fillClrLst>
+    <dgm:linClrLst meth="repeat">
+      <a:schemeClr val="accent1"/>
+    </dgm:linClrLst>
+    <dgm:effectClrLst/>
+    <dgm:txLinClrLst/>
+    <dgm:txFillClrLst meth="repeat">
+      <a:schemeClr val="dk1"/>
+    </dgm:txFillClrLst>
+    <dgm:txEffectClrLst/>
+  </dgm:styleLbl>
+  <dgm:styleLbl name="bgShp">
+    <dgm:fillClrLst meth="repeat">
+      <a:schemeClr val="bg1">
+        <a:lumMod val="95000"/>
+      </a:schemeClr>
+    </dgm:fillClrLst>
+    <dgm:linClrLst meth="repeat">
+      <a:schemeClr val="accent1"/>
+    </dgm:linClrLst>
+    <dgm:effectClrLst/>
+    <dgm:txLinClrLst/>
+    <dgm:txFillClrLst meth="repeat">
+      <a:schemeClr val="dk1"/>
+    </dgm:txFillClrLst>
+    <dgm:txEffectClrLst/>
+  </dgm:styleLbl>
+  <dgm:styleLbl name="dkBgShp">
+    <dgm:fillClrLst meth="repeat">
+      <a:schemeClr val="accent1">
+        <a:shade val="80000"/>
+      </a:schemeClr>
+    </dgm:fillClrLst>
+    <dgm:linClrLst meth="repeat">
+      <a:schemeClr val="accent1"/>
+    </dgm:linClrLst>
+    <dgm:effectClrLst/>
+    <dgm:txLinClrLst/>
+    <dgm:txFillClrLst meth="repeat">
+      <a:schemeClr val="lt1"/>
+    </dgm:txFillClrLst>
+    <dgm:txEffectClrLst/>
+  </dgm:styleLbl>
+  <dgm:styleLbl name="trBgShp">
+    <dgm:fillClrLst meth="repeat">
+      <a:schemeClr val="accent1">
+        <a:tint val="50000"/>
+        <a:alpha val="40000"/>
+      </a:schemeClr>
+    </dgm:fillClrLst>
+    <dgm:linClrLst meth="repeat">
+      <a:schemeClr val="accent1"/>
+    </dgm:linClrLst>
+    <dgm:effectClrLst/>
+    <dgm:txLinClrLst/>
+    <dgm:txFillClrLst meth="repeat">
+      <a:schemeClr val="lt1"/>
+    </dgm:txFillClrLst>
+    <dgm:txEffectClrLst/>
+  </dgm:styleLbl>
+  <dgm:styleLbl name="fgShp">
+    <dgm:fillClrLst meth="repeat">
+      <a:schemeClr val="accent1">
+        <a:tint val="60000"/>
+      </a:schemeClr>
+    </dgm:fillClrLst>
+    <dgm:linClrLst meth="repeat">
+      <a:schemeClr val="lt1"/>
+    </dgm:linClrLst>
+    <dgm:effectClrLst/>
+    <dgm:txLinClrLst/>
+    <dgm:txFillClrLst meth="repeat">
+      <a:schemeClr val="dk1"/>
+    </dgm:txFillClrLst>
+    <dgm:txEffectClrLst/>
+  </dgm:styleLbl>
+  <dgm:styleLbl name="revTx">
+    <dgm:fillClrLst meth="repeat">
+      <a:schemeClr val="lt1">
+        <a:alpha val="0"/>
+      </a:schemeClr>
+    </dgm:fillClrLst>
+    <dgm:linClrLst meth="repeat">
+      <a:schemeClr val="dk1">
+        <a:alpha val="0"/>
+      </a:schemeClr>
+    </dgm:linClrLst>
+    <dgm:effectClrLst/>
+    <dgm:txLinClrLst/>
+    <dgm:txFillClrLst meth="repeat">
+      <a:schemeClr val="tx1"/>
+    </dgm:txFillClrLst>
+    <dgm:txEffectClrLst/>
+  </dgm:styleLbl>
+</dgm:colorsDef>
+</file>
+
 <file path=ppt/diagrams/data1.xml><?xml version="1.0" encoding="utf-8"?>
+<dgm:dataModel xmlns:dgm="http://schemas.openxmlformats.org/drawingml/2006/diagram" xmlns:a="http://schemas.openxmlformats.org/drawingml/2006/main">
+  <dgm:ptLst>
+    <dgm:pt modelId="{13C63381-1433-4EC4-8B80-03F4EAC72431}" type="doc">
+      <dgm:prSet loTypeId="urn:microsoft.com/office/officeart/2008/layout/LinedList" loCatId="list" qsTypeId="urn:microsoft.com/office/officeart/2005/8/quickstyle/simple1" qsCatId="simple" csTypeId="urn:microsoft.com/office/officeart/2005/8/colors/accent1_2" csCatId="accent1" phldr="1"/>
+      <dgm:spPr/>
+      <dgm:t>
+        <a:bodyPr/>
+        <a:lstStyle/>
+        <a:p>
+          <a:endParaRPr lang="en-US"/>
+        </a:p>
+      </dgm:t>
+    </dgm:pt>
+    <dgm:pt modelId="{466633F3-E20E-42CC-9B05-47E9780AE958}">
+      <dgm:prSet/>
+      <dgm:spPr/>
+      <dgm:t>
+        <a:bodyPr/>
+        <a:lstStyle/>
+        <a:p>
+          <a:r>
+            <a:rPr lang="en-US"/>
+            <a:t>Containers</a:t>
+          </a:r>
+        </a:p>
+      </dgm:t>
+    </dgm:pt>
+    <dgm:pt modelId="{DE23B90B-26E2-47AC-AD4B-03D1A24757DD}" type="parTrans" cxnId="{1B413DF9-8330-4ED0-B33D-A76FA8533F13}">
+      <dgm:prSet/>
+      <dgm:spPr/>
+      <dgm:t>
+        <a:bodyPr/>
+        <a:lstStyle/>
+        <a:p>
+          <a:endParaRPr lang="en-US"/>
+        </a:p>
+      </dgm:t>
+    </dgm:pt>
+    <dgm:pt modelId="{D9C46918-7F83-41E0-9F05-E3E857F5DA0D}" type="sibTrans" cxnId="{1B413DF9-8330-4ED0-B33D-A76FA8533F13}">
+      <dgm:prSet/>
+      <dgm:spPr/>
+      <dgm:t>
+        <a:bodyPr/>
+        <a:lstStyle/>
+        <a:p>
+          <a:endParaRPr lang="en-US"/>
+        </a:p>
+      </dgm:t>
+    </dgm:pt>
+    <dgm:pt modelId="{A3F9EB98-AD38-4742-B117-85392A9E16AF}">
+      <dgm:prSet/>
+      <dgm:spPr/>
+      <dgm:t>
+        <a:bodyPr/>
+        <a:lstStyle/>
+        <a:p>
+          <a:r>
+            <a:rPr lang="en-US" dirty="0"/>
+            <a:t>Kubernetes</a:t>
+          </a:r>
+        </a:p>
+      </dgm:t>
+    </dgm:pt>
+    <dgm:pt modelId="{939C9A3E-523D-4A21-82F9-4ACEDC030EB7}" type="parTrans" cxnId="{7882D9DF-4F7E-41A5-923D-98C4320C0D6B}">
+      <dgm:prSet/>
+      <dgm:spPr/>
+      <dgm:t>
+        <a:bodyPr/>
+        <a:lstStyle/>
+        <a:p>
+          <a:endParaRPr lang="en-US"/>
+        </a:p>
+      </dgm:t>
+    </dgm:pt>
+    <dgm:pt modelId="{05D52B85-EB7B-41A2-B66F-9EE7B79EB3C5}" type="sibTrans" cxnId="{7882D9DF-4F7E-41A5-923D-98C4320C0D6B}">
+      <dgm:prSet/>
+      <dgm:spPr/>
+      <dgm:t>
+        <a:bodyPr/>
+        <a:lstStyle/>
+        <a:p>
+          <a:endParaRPr lang="en-US"/>
+        </a:p>
+      </dgm:t>
+    </dgm:pt>
+    <dgm:pt modelId="{CB4E9085-69D1-4878-8E51-C5034294A8A5}">
+      <dgm:prSet/>
+      <dgm:spPr/>
+      <dgm:t>
+        <a:bodyPr/>
+        <a:lstStyle/>
+        <a:p>
+          <a:r>
+            <a:rPr lang="en-US" dirty="0" err="1"/>
+            <a:t>GitOps</a:t>
+          </a:r>
+          <a:endParaRPr lang="en-US" dirty="0"/>
+        </a:p>
+      </dgm:t>
+    </dgm:pt>
+    <dgm:pt modelId="{10FB275B-38FB-411D-99FB-62EB97E3874C}" type="parTrans" cxnId="{EDC6EA40-3D51-4822-896D-76FDAABFA1DD}">
+      <dgm:prSet/>
+      <dgm:spPr/>
+      <dgm:t>
+        <a:bodyPr/>
+        <a:lstStyle/>
+        <a:p>
+          <a:endParaRPr lang="en-US"/>
+        </a:p>
+      </dgm:t>
+    </dgm:pt>
+    <dgm:pt modelId="{3586A377-5CF1-4AD6-8D5A-29E8AB45507A}" type="sibTrans" cxnId="{EDC6EA40-3D51-4822-896D-76FDAABFA1DD}">
+      <dgm:prSet/>
+      <dgm:spPr/>
+      <dgm:t>
+        <a:bodyPr/>
+        <a:lstStyle/>
+        <a:p>
+          <a:endParaRPr lang="en-US"/>
+        </a:p>
+      </dgm:t>
+    </dgm:pt>
+    <dgm:pt modelId="{2C5AE68E-697D-4F06-8D3B-0FC4E698B8C5}">
+      <dgm:prSet/>
+      <dgm:spPr/>
+      <dgm:t>
+        <a:bodyPr/>
+        <a:lstStyle/>
+        <a:p>
+          <a:r>
+            <a:rPr lang="en-US"/>
+            <a:t>Service Mesh</a:t>
+          </a:r>
+        </a:p>
+      </dgm:t>
+    </dgm:pt>
+    <dgm:pt modelId="{295E17B3-9D0A-461D-8ACD-37A5340E3DE9}" type="parTrans" cxnId="{BF0DDF5D-5D46-4B06-9ADA-650EF1D894A5}">
+      <dgm:prSet/>
+      <dgm:spPr/>
+      <dgm:t>
+        <a:bodyPr/>
+        <a:lstStyle/>
+        <a:p>
+          <a:endParaRPr lang="en-US"/>
+        </a:p>
+      </dgm:t>
+    </dgm:pt>
+    <dgm:pt modelId="{D4749D17-E310-47EE-9651-79FF52E068A4}" type="sibTrans" cxnId="{BF0DDF5D-5D46-4B06-9ADA-650EF1D894A5}">
+      <dgm:prSet/>
+      <dgm:spPr/>
+      <dgm:t>
+        <a:bodyPr/>
+        <a:lstStyle/>
+        <a:p>
+          <a:endParaRPr lang="en-US"/>
+        </a:p>
+      </dgm:t>
+    </dgm:pt>
+    <dgm:pt modelId="{FBF28B97-A7BA-4B9B-A2F3-BB73E0447589}">
+      <dgm:prSet/>
+      <dgm:spPr/>
+      <dgm:t>
+        <a:bodyPr/>
+        <a:lstStyle/>
+        <a:p>
+          <a:r>
+            <a:rPr lang="en-US"/>
+            <a:t>Serverless</a:t>
+          </a:r>
+        </a:p>
+      </dgm:t>
+    </dgm:pt>
+    <dgm:pt modelId="{1742CAB0-9D16-4C3F-803D-93361DCB1BDE}" type="parTrans" cxnId="{7C79AF6B-04BE-41B4-B541-942D0A12B743}">
+      <dgm:prSet/>
+      <dgm:spPr/>
+      <dgm:t>
+        <a:bodyPr/>
+        <a:lstStyle/>
+        <a:p>
+          <a:endParaRPr lang="en-US"/>
+        </a:p>
+      </dgm:t>
+    </dgm:pt>
+    <dgm:pt modelId="{ACD12ECE-66A3-4715-B621-6779FED6CB9C}" type="sibTrans" cxnId="{7C79AF6B-04BE-41B4-B541-942D0A12B743}">
+      <dgm:prSet/>
+      <dgm:spPr/>
+      <dgm:t>
+        <a:bodyPr/>
+        <a:lstStyle/>
+        <a:p>
+          <a:endParaRPr lang="en-US"/>
+        </a:p>
+      </dgm:t>
+    </dgm:pt>
+    <dgm:pt modelId="{DF6A06F7-0547-4773-A249-78C605D21110}">
+      <dgm:prSet/>
+      <dgm:spPr/>
+      <dgm:t>
+        <a:bodyPr/>
+        <a:lstStyle/>
+        <a:p>
+          <a:r>
+            <a:rPr lang="en-US" dirty="0"/>
+            <a:t>What Next?</a:t>
+          </a:r>
+        </a:p>
+      </dgm:t>
+    </dgm:pt>
+    <dgm:pt modelId="{CA3DB9E0-88EF-4B43-855F-F79339285E16}" type="parTrans" cxnId="{49BD29BE-08F5-42C3-B45E-07C331F17CFA}">
+      <dgm:prSet/>
+      <dgm:spPr/>
+      <dgm:t>
+        <a:bodyPr/>
+        <a:lstStyle/>
+        <a:p>
+          <a:endParaRPr lang="en-US"/>
+        </a:p>
+      </dgm:t>
+    </dgm:pt>
+    <dgm:pt modelId="{CEBF0B3F-7767-4468-BF6F-ECAE00153A8F}" type="sibTrans" cxnId="{49BD29BE-08F5-42C3-B45E-07C331F17CFA}">
+      <dgm:prSet/>
+      <dgm:spPr/>
+      <dgm:t>
+        <a:bodyPr/>
+        <a:lstStyle/>
+        <a:p>
+          <a:endParaRPr lang="en-US"/>
+        </a:p>
+      </dgm:t>
+    </dgm:pt>
+    <dgm:pt modelId="{02471AD7-81C0-4E6B-8864-79900510F277}" type="pres">
+      <dgm:prSet presAssocID="{13C63381-1433-4EC4-8B80-03F4EAC72431}" presName="vert0" presStyleCnt="0">
+        <dgm:presLayoutVars>
+          <dgm:dir/>
+          <dgm:animOne val="branch"/>
+          <dgm:animLvl val="lvl"/>
+        </dgm:presLayoutVars>
+      </dgm:prSet>
+      <dgm:spPr/>
+    </dgm:pt>
+    <dgm:pt modelId="{0652333E-F6CC-4073-821B-29323D683BB8}" type="pres">
+      <dgm:prSet presAssocID="{466633F3-E20E-42CC-9B05-47E9780AE958}" presName="thickLine" presStyleLbl="alignNode1" presStyleIdx="0" presStyleCnt="6"/>
+      <dgm:spPr/>
+    </dgm:pt>
+    <dgm:pt modelId="{FCBB8049-FDCC-4546-BD0A-68F956585F73}" type="pres">
+      <dgm:prSet presAssocID="{466633F3-E20E-42CC-9B05-47E9780AE958}" presName="horz1" presStyleCnt="0"/>
+      <dgm:spPr/>
+    </dgm:pt>
+    <dgm:pt modelId="{3273E10C-86C8-41BD-B622-5B7E5BACB2E3}" type="pres">
+      <dgm:prSet presAssocID="{466633F3-E20E-42CC-9B05-47E9780AE958}" presName="tx1" presStyleLbl="revTx" presStyleIdx="0" presStyleCnt="6"/>
+      <dgm:spPr/>
+    </dgm:pt>
+    <dgm:pt modelId="{2D06B67A-8D67-4A07-98AA-C4BC3A1D7C99}" type="pres">
+      <dgm:prSet presAssocID="{466633F3-E20E-42CC-9B05-47E9780AE958}" presName="vert1" presStyleCnt="0"/>
+      <dgm:spPr/>
+    </dgm:pt>
+    <dgm:pt modelId="{779270BB-E863-46E2-A6BF-8AAC1E756C7A}" type="pres">
+      <dgm:prSet presAssocID="{A3F9EB98-AD38-4742-B117-85392A9E16AF}" presName="thickLine" presStyleLbl="alignNode1" presStyleIdx="1" presStyleCnt="6"/>
+      <dgm:spPr/>
+    </dgm:pt>
+    <dgm:pt modelId="{3707E754-0403-4127-9B71-355F7285B043}" type="pres">
+      <dgm:prSet presAssocID="{A3F9EB98-AD38-4742-B117-85392A9E16AF}" presName="horz1" presStyleCnt="0"/>
+      <dgm:spPr/>
+    </dgm:pt>
+    <dgm:pt modelId="{47D2D37E-6728-4056-B90C-BCBFF177C1E1}" type="pres">
+      <dgm:prSet presAssocID="{A3F9EB98-AD38-4742-B117-85392A9E16AF}" presName="tx1" presStyleLbl="revTx" presStyleIdx="1" presStyleCnt="6"/>
+      <dgm:spPr/>
+    </dgm:pt>
+    <dgm:pt modelId="{C11491A8-C29E-4C31-8418-EBDA77DBA973}" type="pres">
+      <dgm:prSet presAssocID="{A3F9EB98-AD38-4742-B117-85392A9E16AF}" presName="vert1" presStyleCnt="0"/>
+      <dgm:spPr/>
+    </dgm:pt>
+    <dgm:pt modelId="{6034907C-D2BC-4918-8EC5-664542E1312E}" type="pres">
+      <dgm:prSet presAssocID="{CB4E9085-69D1-4878-8E51-C5034294A8A5}" presName="thickLine" presStyleLbl="alignNode1" presStyleIdx="2" presStyleCnt="6"/>
+      <dgm:spPr/>
+    </dgm:pt>
+    <dgm:pt modelId="{11257945-7E5F-4FC7-BAF0-B2ED0F47B93A}" type="pres">
+      <dgm:prSet presAssocID="{CB4E9085-69D1-4878-8E51-C5034294A8A5}" presName="horz1" presStyleCnt="0"/>
+      <dgm:spPr/>
+    </dgm:pt>
+    <dgm:pt modelId="{D93285A6-91AA-4A8B-8659-ED1CA6CFBC31}" type="pres">
+      <dgm:prSet presAssocID="{CB4E9085-69D1-4878-8E51-C5034294A8A5}" presName="tx1" presStyleLbl="revTx" presStyleIdx="2" presStyleCnt="6"/>
+      <dgm:spPr/>
+    </dgm:pt>
+    <dgm:pt modelId="{BC2FECA7-3114-4D06-8CCB-9CA41A73DBE3}" type="pres">
+      <dgm:prSet presAssocID="{CB4E9085-69D1-4878-8E51-C5034294A8A5}" presName="vert1" presStyleCnt="0"/>
+      <dgm:spPr/>
+    </dgm:pt>
+    <dgm:pt modelId="{620CEAD9-44E7-4492-ADBF-AE1B807F2C02}" type="pres">
+      <dgm:prSet presAssocID="{2C5AE68E-697D-4F06-8D3B-0FC4E698B8C5}" presName="thickLine" presStyleLbl="alignNode1" presStyleIdx="3" presStyleCnt="6"/>
+      <dgm:spPr/>
+    </dgm:pt>
+    <dgm:pt modelId="{90A57E0C-9AAB-408C-8920-3B92DEB8B084}" type="pres">
+      <dgm:prSet presAssocID="{2C5AE68E-697D-4F06-8D3B-0FC4E698B8C5}" presName="horz1" presStyleCnt="0"/>
+      <dgm:spPr/>
+    </dgm:pt>
+    <dgm:pt modelId="{CE06ACB5-1846-4D1C-8DAB-0A2A44C1E3A3}" type="pres">
+      <dgm:prSet presAssocID="{2C5AE68E-697D-4F06-8D3B-0FC4E698B8C5}" presName="tx1" presStyleLbl="revTx" presStyleIdx="3" presStyleCnt="6"/>
+      <dgm:spPr/>
+    </dgm:pt>
+    <dgm:pt modelId="{4618209E-FFB8-4B87-B824-7A29386B09A2}" type="pres">
+      <dgm:prSet presAssocID="{2C5AE68E-697D-4F06-8D3B-0FC4E698B8C5}" presName="vert1" presStyleCnt="0"/>
+      <dgm:spPr/>
+    </dgm:pt>
+    <dgm:pt modelId="{EC342443-76DD-4566-B517-E88A896701C2}" type="pres">
+      <dgm:prSet presAssocID="{FBF28B97-A7BA-4B9B-A2F3-BB73E0447589}" presName="thickLine" presStyleLbl="alignNode1" presStyleIdx="4" presStyleCnt="6"/>
+      <dgm:spPr/>
+    </dgm:pt>
+    <dgm:pt modelId="{E89DF91E-D7DF-484D-A3D4-BA1A845BADE6}" type="pres">
+      <dgm:prSet presAssocID="{FBF28B97-A7BA-4B9B-A2F3-BB73E0447589}" presName="horz1" presStyleCnt="0"/>
+      <dgm:spPr/>
+    </dgm:pt>
+    <dgm:pt modelId="{61A4B1B8-D7B4-4B83-A68E-23487444738D}" type="pres">
+      <dgm:prSet presAssocID="{FBF28B97-A7BA-4B9B-A2F3-BB73E0447589}" presName="tx1" presStyleLbl="revTx" presStyleIdx="4" presStyleCnt="6"/>
+      <dgm:spPr/>
+    </dgm:pt>
+    <dgm:pt modelId="{45ACBFB4-2DB9-4A87-A269-A2845A90CB55}" type="pres">
+      <dgm:prSet presAssocID="{FBF28B97-A7BA-4B9B-A2F3-BB73E0447589}" presName="vert1" presStyleCnt="0"/>
+      <dgm:spPr/>
+    </dgm:pt>
+    <dgm:pt modelId="{2D6D15E9-19D6-45B7-8606-BADE06F3D126}" type="pres">
+      <dgm:prSet presAssocID="{DF6A06F7-0547-4773-A249-78C605D21110}" presName="thickLine" presStyleLbl="alignNode1" presStyleIdx="5" presStyleCnt="6"/>
+      <dgm:spPr/>
+    </dgm:pt>
+    <dgm:pt modelId="{ECB66629-29BF-4816-8B0F-FCD2AB80EED7}" type="pres">
+      <dgm:prSet presAssocID="{DF6A06F7-0547-4773-A249-78C605D21110}" presName="horz1" presStyleCnt="0"/>
+      <dgm:spPr/>
+    </dgm:pt>
+    <dgm:pt modelId="{E01DC721-F700-425A-BE60-D0A8DCC1E08A}" type="pres">
+      <dgm:prSet presAssocID="{DF6A06F7-0547-4773-A249-78C605D21110}" presName="tx1" presStyleLbl="revTx" presStyleIdx="5" presStyleCnt="6"/>
+      <dgm:spPr/>
+    </dgm:pt>
+    <dgm:pt modelId="{6F205C96-6B6E-47BE-BC16-90B1F0A7141E}" type="pres">
+      <dgm:prSet presAssocID="{DF6A06F7-0547-4773-A249-78C605D21110}" presName="vert1" presStyleCnt="0"/>
+      <dgm:spPr/>
+    </dgm:pt>
+  </dgm:ptLst>
+  <dgm:cxnLst>
+    <dgm:cxn modelId="{437BE732-ECBE-42D1-A6E2-47ABA51BA93A}" type="presOf" srcId="{13C63381-1433-4EC4-8B80-03F4EAC72431}" destId="{02471AD7-81C0-4E6B-8864-79900510F277}" srcOrd="0" destOrd="0" presId="urn:microsoft.com/office/officeart/2008/layout/LinedList"/>
+    <dgm:cxn modelId="{EDC6EA40-3D51-4822-896D-76FDAABFA1DD}" srcId="{13C63381-1433-4EC4-8B80-03F4EAC72431}" destId="{CB4E9085-69D1-4878-8E51-C5034294A8A5}" srcOrd="2" destOrd="0" parTransId="{10FB275B-38FB-411D-99FB-62EB97E3874C}" sibTransId="{3586A377-5CF1-4AD6-8D5A-29E8AB45507A}"/>
+    <dgm:cxn modelId="{BF0DDF5D-5D46-4B06-9ADA-650EF1D894A5}" srcId="{13C63381-1433-4EC4-8B80-03F4EAC72431}" destId="{2C5AE68E-697D-4F06-8D3B-0FC4E698B8C5}" srcOrd="3" destOrd="0" parTransId="{295E17B3-9D0A-461D-8ACD-37A5340E3DE9}" sibTransId="{D4749D17-E310-47EE-9651-79FF52E068A4}"/>
+    <dgm:cxn modelId="{7C79AF6B-04BE-41B4-B541-942D0A12B743}" srcId="{13C63381-1433-4EC4-8B80-03F4EAC72431}" destId="{FBF28B97-A7BA-4B9B-A2F3-BB73E0447589}" srcOrd="4" destOrd="0" parTransId="{1742CAB0-9D16-4C3F-803D-93361DCB1BDE}" sibTransId="{ACD12ECE-66A3-4715-B621-6779FED6CB9C}"/>
+    <dgm:cxn modelId="{448AE64F-121C-43AA-A8CD-099E9C367F70}" type="presOf" srcId="{FBF28B97-A7BA-4B9B-A2F3-BB73E0447589}" destId="{61A4B1B8-D7B4-4B83-A68E-23487444738D}" srcOrd="0" destOrd="0" presId="urn:microsoft.com/office/officeart/2008/layout/LinedList"/>
+    <dgm:cxn modelId="{E7B94587-5C0D-43EF-8CFF-5BEFC75ABC08}" type="presOf" srcId="{DF6A06F7-0547-4773-A249-78C605D21110}" destId="{E01DC721-F700-425A-BE60-D0A8DCC1E08A}" srcOrd="0" destOrd="0" presId="urn:microsoft.com/office/officeart/2008/layout/LinedList"/>
+    <dgm:cxn modelId="{51DB9790-ACB2-4165-B6BB-91DD5B4ECA05}" type="presOf" srcId="{A3F9EB98-AD38-4742-B117-85392A9E16AF}" destId="{47D2D37E-6728-4056-B90C-BCBFF177C1E1}" srcOrd="0" destOrd="0" presId="urn:microsoft.com/office/officeart/2008/layout/LinedList"/>
+    <dgm:cxn modelId="{CB66BE97-7B6B-46FB-A0D0-CFA490FFBFF2}" type="presOf" srcId="{CB4E9085-69D1-4878-8E51-C5034294A8A5}" destId="{D93285A6-91AA-4A8B-8659-ED1CA6CFBC31}" srcOrd="0" destOrd="0" presId="urn:microsoft.com/office/officeart/2008/layout/LinedList"/>
+    <dgm:cxn modelId="{49BD29BE-08F5-42C3-B45E-07C331F17CFA}" srcId="{13C63381-1433-4EC4-8B80-03F4EAC72431}" destId="{DF6A06F7-0547-4773-A249-78C605D21110}" srcOrd="5" destOrd="0" parTransId="{CA3DB9E0-88EF-4B43-855F-F79339285E16}" sibTransId="{CEBF0B3F-7767-4468-BF6F-ECAE00153A8F}"/>
+    <dgm:cxn modelId="{734EFBD9-260B-406B-8A00-69F02D1E5EAA}" type="presOf" srcId="{466633F3-E20E-42CC-9B05-47E9780AE958}" destId="{3273E10C-86C8-41BD-B622-5B7E5BACB2E3}" srcOrd="0" destOrd="0" presId="urn:microsoft.com/office/officeart/2008/layout/LinedList"/>
+    <dgm:cxn modelId="{7882D9DF-4F7E-41A5-923D-98C4320C0D6B}" srcId="{13C63381-1433-4EC4-8B80-03F4EAC72431}" destId="{A3F9EB98-AD38-4742-B117-85392A9E16AF}" srcOrd="1" destOrd="0" parTransId="{939C9A3E-523D-4A21-82F9-4ACEDC030EB7}" sibTransId="{05D52B85-EB7B-41A2-B66F-9EE7B79EB3C5}"/>
+    <dgm:cxn modelId="{0C9095F2-8E5C-4042-8DC5-A14B2A2CDA0B}" type="presOf" srcId="{2C5AE68E-697D-4F06-8D3B-0FC4E698B8C5}" destId="{CE06ACB5-1846-4D1C-8DAB-0A2A44C1E3A3}" srcOrd="0" destOrd="0" presId="urn:microsoft.com/office/officeart/2008/layout/LinedList"/>
+    <dgm:cxn modelId="{1B413DF9-8330-4ED0-B33D-A76FA8533F13}" srcId="{13C63381-1433-4EC4-8B80-03F4EAC72431}" destId="{466633F3-E20E-42CC-9B05-47E9780AE958}" srcOrd="0" destOrd="0" parTransId="{DE23B90B-26E2-47AC-AD4B-03D1A24757DD}" sibTransId="{D9C46918-7F83-41E0-9F05-E3E857F5DA0D}"/>
+    <dgm:cxn modelId="{66B21EED-84B9-431D-8A65-A39A135A718D}" type="presParOf" srcId="{02471AD7-81C0-4E6B-8864-79900510F277}" destId="{0652333E-F6CC-4073-821B-29323D683BB8}" srcOrd="0" destOrd="0" presId="urn:microsoft.com/office/officeart/2008/layout/LinedList"/>
+    <dgm:cxn modelId="{C98C8C37-8838-4D09-BAD3-56EE750323CC}" type="presParOf" srcId="{02471AD7-81C0-4E6B-8864-79900510F277}" destId="{FCBB8049-FDCC-4546-BD0A-68F956585F73}" srcOrd="1" destOrd="0" presId="urn:microsoft.com/office/officeart/2008/layout/LinedList"/>
+    <dgm:cxn modelId="{D3B221F7-9105-4553-8D25-46C046E7651A}" type="presParOf" srcId="{FCBB8049-FDCC-4546-BD0A-68F956585F73}" destId="{3273E10C-86C8-41BD-B622-5B7E5BACB2E3}" srcOrd="0" destOrd="0" presId="urn:microsoft.com/office/officeart/2008/layout/LinedList"/>
+    <dgm:cxn modelId="{A7C60B2A-D746-44FE-892A-5B81B5D34E7D}" type="presParOf" srcId="{FCBB8049-FDCC-4546-BD0A-68F956585F73}" destId="{2D06B67A-8D67-4A07-98AA-C4BC3A1D7C99}" srcOrd="1" destOrd="0" presId="urn:microsoft.com/office/officeart/2008/layout/LinedList"/>
+    <dgm:cxn modelId="{290242C0-A1E3-4653-B502-FE6292D55EBF}" type="presParOf" srcId="{02471AD7-81C0-4E6B-8864-79900510F277}" destId="{779270BB-E863-46E2-A6BF-8AAC1E756C7A}" srcOrd="2" destOrd="0" presId="urn:microsoft.com/office/officeart/2008/layout/LinedList"/>
+    <dgm:cxn modelId="{E8D68569-B745-4472-A34E-337F71944605}" type="presParOf" srcId="{02471AD7-81C0-4E6B-8864-79900510F277}" destId="{3707E754-0403-4127-9B71-355F7285B043}" srcOrd="3" destOrd="0" presId="urn:microsoft.com/office/officeart/2008/layout/LinedList"/>
+    <dgm:cxn modelId="{689081A7-DA0A-4C29-AD9E-FB455C3642A2}" type="presParOf" srcId="{3707E754-0403-4127-9B71-355F7285B043}" destId="{47D2D37E-6728-4056-B90C-BCBFF177C1E1}" srcOrd="0" destOrd="0" presId="urn:microsoft.com/office/officeart/2008/layout/LinedList"/>
+    <dgm:cxn modelId="{821C6DD3-FE0F-457F-A586-DC6F66EDA258}" type="presParOf" srcId="{3707E754-0403-4127-9B71-355F7285B043}" destId="{C11491A8-C29E-4C31-8418-EBDA77DBA973}" srcOrd="1" destOrd="0" presId="urn:microsoft.com/office/officeart/2008/layout/LinedList"/>
+    <dgm:cxn modelId="{FE77E348-B8FB-4330-BEE8-25EBEF563EBC}" type="presParOf" srcId="{02471AD7-81C0-4E6B-8864-79900510F277}" destId="{6034907C-D2BC-4918-8EC5-664542E1312E}" srcOrd="4" destOrd="0" presId="urn:microsoft.com/office/officeart/2008/layout/LinedList"/>
+    <dgm:cxn modelId="{0DC42474-33DF-4114-9302-837A16653AF8}" type="presParOf" srcId="{02471AD7-81C0-4E6B-8864-79900510F277}" destId="{11257945-7E5F-4FC7-BAF0-B2ED0F47B93A}" srcOrd="5" destOrd="0" presId="urn:microsoft.com/office/officeart/2008/layout/LinedList"/>
+    <dgm:cxn modelId="{F28BAFCB-516E-41D6-AAE7-4ED12910B85E}" type="presParOf" srcId="{11257945-7E5F-4FC7-BAF0-B2ED0F47B93A}" destId="{D93285A6-91AA-4A8B-8659-ED1CA6CFBC31}" srcOrd="0" destOrd="0" presId="urn:microsoft.com/office/officeart/2008/layout/LinedList"/>
+    <dgm:cxn modelId="{837CBE99-A8F1-4D82-B8F8-90ACF0DBA2A5}" type="presParOf" srcId="{11257945-7E5F-4FC7-BAF0-B2ED0F47B93A}" destId="{BC2FECA7-3114-4D06-8CCB-9CA41A73DBE3}" srcOrd="1" destOrd="0" presId="urn:microsoft.com/office/officeart/2008/layout/LinedList"/>
+    <dgm:cxn modelId="{239DEF1E-76BB-4EFA-8895-88D28FAC9DED}" type="presParOf" srcId="{02471AD7-81C0-4E6B-8864-79900510F277}" destId="{620CEAD9-44E7-4492-ADBF-AE1B807F2C02}" srcOrd="6" destOrd="0" presId="urn:microsoft.com/office/officeart/2008/layout/LinedList"/>
+    <dgm:cxn modelId="{44DF74D0-9D8F-4877-9D72-BD0F5C2E4717}" type="presParOf" srcId="{02471AD7-81C0-4E6B-8864-79900510F277}" destId="{90A57E0C-9AAB-408C-8920-3B92DEB8B084}" srcOrd="7" destOrd="0" presId="urn:microsoft.com/office/officeart/2008/layout/LinedList"/>
+    <dgm:cxn modelId="{4111DE4C-22AE-4CF2-A46F-0A3706CF7B5D}" type="presParOf" srcId="{90A57E0C-9AAB-408C-8920-3B92DEB8B084}" destId="{CE06ACB5-1846-4D1C-8DAB-0A2A44C1E3A3}" srcOrd="0" destOrd="0" presId="urn:microsoft.com/office/officeart/2008/layout/LinedList"/>
+    <dgm:cxn modelId="{FF0AD6AB-C1ED-49B9-928C-17C845478228}" type="presParOf" srcId="{90A57E0C-9AAB-408C-8920-3B92DEB8B084}" destId="{4618209E-FFB8-4B87-B824-7A29386B09A2}" srcOrd="1" destOrd="0" presId="urn:microsoft.com/office/officeart/2008/layout/LinedList"/>
+    <dgm:cxn modelId="{E44AAC22-7435-4502-B851-47D09FC4D369}" type="presParOf" srcId="{02471AD7-81C0-4E6B-8864-79900510F277}" destId="{EC342443-76DD-4566-B517-E88A896701C2}" srcOrd="8" destOrd="0" presId="urn:microsoft.com/office/officeart/2008/layout/LinedList"/>
+    <dgm:cxn modelId="{54F23B7A-2D24-498F-959C-9C86AA1C581E}" type="presParOf" srcId="{02471AD7-81C0-4E6B-8864-79900510F277}" destId="{E89DF91E-D7DF-484D-A3D4-BA1A845BADE6}" srcOrd="9" destOrd="0" presId="urn:microsoft.com/office/officeart/2008/layout/LinedList"/>
+    <dgm:cxn modelId="{DB8921C1-46DE-4A06-9410-4D08F411832E}" type="presParOf" srcId="{E89DF91E-D7DF-484D-A3D4-BA1A845BADE6}" destId="{61A4B1B8-D7B4-4B83-A68E-23487444738D}" srcOrd="0" destOrd="0" presId="urn:microsoft.com/office/officeart/2008/layout/LinedList"/>
+    <dgm:cxn modelId="{E4EF4EF1-BED9-47AD-8BFB-B49E23E61222}" type="presParOf" srcId="{E89DF91E-D7DF-484D-A3D4-BA1A845BADE6}" destId="{45ACBFB4-2DB9-4A87-A269-A2845A90CB55}" srcOrd="1" destOrd="0" presId="urn:microsoft.com/office/officeart/2008/layout/LinedList"/>
+    <dgm:cxn modelId="{4ADD5123-F93E-4E3F-B91E-6BC4D562657A}" type="presParOf" srcId="{02471AD7-81C0-4E6B-8864-79900510F277}" destId="{2D6D15E9-19D6-45B7-8606-BADE06F3D126}" srcOrd="10" destOrd="0" presId="urn:microsoft.com/office/officeart/2008/layout/LinedList"/>
+    <dgm:cxn modelId="{B9022502-5A10-4938-96F2-B9ED9D95A8E9}" type="presParOf" srcId="{02471AD7-81C0-4E6B-8864-79900510F277}" destId="{ECB66629-29BF-4816-8B0F-FCD2AB80EED7}" srcOrd="11" destOrd="0" presId="urn:microsoft.com/office/officeart/2008/layout/LinedList"/>
+    <dgm:cxn modelId="{FB3C0684-B3C7-4503-B609-EEE75338FD5C}" type="presParOf" srcId="{ECB66629-29BF-4816-8B0F-FCD2AB80EED7}" destId="{E01DC721-F700-425A-BE60-D0A8DCC1E08A}" srcOrd="0" destOrd="0" presId="urn:microsoft.com/office/officeart/2008/layout/LinedList"/>
+    <dgm:cxn modelId="{2CA396E9-4C6C-410C-A07D-47D782303089}" type="presParOf" srcId="{ECB66629-29BF-4816-8B0F-FCD2AB80EED7}" destId="{6F205C96-6B6E-47BE-BC16-90B1F0A7141E}" srcOrd="1" destOrd="0" presId="urn:microsoft.com/office/officeart/2008/layout/LinedList"/>
+  </dgm:cxnLst>
+  <dgm:bg/>
+  <dgm:whole/>
+  <dgm:extLst>
+    <a:ext uri="http://schemas.microsoft.com/office/drawing/2008/diagram">
+      <dsp:dataModelExt xmlns:dsp="http://schemas.microsoft.com/office/drawing/2008/diagram" relId="rId6" minVer="http://schemas.openxmlformats.org/drawingml/2006/diagram"/>
+    </a:ext>
+  </dgm:extLst>
+</dgm:dataModel>
+</file>
+
+<file path=ppt/diagrams/data2.xml><?xml version="1.0" encoding="utf-8"?>
 <dgm:dataModel xmlns:dgm="http://schemas.openxmlformats.org/drawingml/2006/diagram" xmlns:a="http://schemas.openxmlformats.org/drawingml/2006/main">
   <dgm:ptLst>
     <dgm:pt modelId="{9B71EC56-4720-44B7-84C9-0F922D83D3A9}" type="doc">
@@ -1704,7 +2840,7 @@
         <a:p>
           <a:r>
             <a:rPr lang="en-US" dirty="0"/>
-            <a:t>Run container (from repo)</a:t>
+            <a:t>Run container</a:t>
           </a:r>
         </a:p>
       </dgm:t>
@@ -1731,6 +2867,42 @@
         </a:p>
       </dgm:t>
     </dgm:pt>
+    <dgm:pt modelId="{A82C501E-9647-4F8C-876A-95F4C42BE0D3}">
+      <dgm:prSet/>
+      <dgm:spPr/>
+      <dgm:t>
+        <a:bodyPr/>
+        <a:lstStyle/>
+        <a:p>
+          <a:r>
+            <a:rPr lang="en-US" dirty="0"/>
+            <a:t>Security, vulnerability scanning</a:t>
+          </a:r>
+        </a:p>
+      </dgm:t>
+    </dgm:pt>
+    <dgm:pt modelId="{1AAA2FF6-3FFA-4D3C-8250-E744C65AC31A}" type="parTrans" cxnId="{B974C46D-7F4B-43F9-A081-871A43E8FA3F}">
+      <dgm:prSet/>
+      <dgm:spPr/>
+      <dgm:t>
+        <a:bodyPr/>
+        <a:lstStyle/>
+        <a:p>
+          <a:endParaRPr lang="en-US"/>
+        </a:p>
+      </dgm:t>
+    </dgm:pt>
+    <dgm:pt modelId="{3C99647E-1596-417B-B019-EA35B0DD19F2}" type="sibTrans" cxnId="{B974C46D-7F4B-43F9-A081-871A43E8FA3F}">
+      <dgm:prSet/>
+      <dgm:spPr/>
+      <dgm:t>
+        <a:bodyPr/>
+        <a:lstStyle/>
+        <a:p>
+          <a:endParaRPr lang="en-US"/>
+        </a:p>
+      </dgm:t>
+    </dgm:pt>
     <dgm:pt modelId="{C33B6F79-85DD-4CA4-8F16-787E387F2041}" type="pres">
       <dgm:prSet presAssocID="{9B71EC56-4720-44B7-84C9-0F922D83D3A9}" presName="Name0" presStyleCnt="0">
         <dgm:presLayoutVars>
@@ -1741,7 +2913,7 @@
       <dgm:spPr/>
     </dgm:pt>
     <dgm:pt modelId="{E7407B6D-0C27-4BFC-8C6F-8F149FB2F343}" type="pres">
-      <dgm:prSet presAssocID="{D100BB1C-1708-4941-8DD3-231B1E8CEF5E}" presName="node" presStyleLbl="node1" presStyleIdx="0" presStyleCnt="3">
+      <dgm:prSet presAssocID="{D100BB1C-1708-4941-8DD3-231B1E8CEF5E}" presName="node" presStyleLbl="node1" presStyleIdx="0" presStyleCnt="4">
         <dgm:presLayoutVars>
           <dgm:bulletEnabled val="1"/>
         </dgm:presLayoutVars>
@@ -1749,15 +2921,15 @@
       <dgm:spPr/>
     </dgm:pt>
     <dgm:pt modelId="{5B4F5853-CCD7-4D55-9E07-BBFD7236041C}" type="pres">
-      <dgm:prSet presAssocID="{C091EBF1-01D8-4E1B-BF1C-97C4160A71D0}" presName="sibTrans" presStyleLbl="sibTrans2D1" presStyleIdx="0" presStyleCnt="2"/>
+      <dgm:prSet presAssocID="{C091EBF1-01D8-4E1B-BF1C-97C4160A71D0}" presName="sibTrans" presStyleLbl="sibTrans2D1" presStyleIdx="0" presStyleCnt="3"/>
       <dgm:spPr/>
     </dgm:pt>
     <dgm:pt modelId="{CD7256EF-C463-4FC6-AA7D-FA65A8918F7B}" type="pres">
-      <dgm:prSet presAssocID="{C091EBF1-01D8-4E1B-BF1C-97C4160A71D0}" presName="connectorText" presStyleLbl="sibTrans2D1" presStyleIdx="0" presStyleCnt="2"/>
+      <dgm:prSet presAssocID="{C091EBF1-01D8-4E1B-BF1C-97C4160A71D0}" presName="connectorText" presStyleLbl="sibTrans2D1" presStyleIdx="0" presStyleCnt="3"/>
       <dgm:spPr/>
     </dgm:pt>
     <dgm:pt modelId="{C6872888-E6B8-4D6A-8070-ACE2392B7A29}" type="pres">
-      <dgm:prSet presAssocID="{0E3E498B-FEE3-417B-8EB9-8B8318661D3D}" presName="node" presStyleLbl="node1" presStyleIdx="1" presStyleCnt="3">
+      <dgm:prSet presAssocID="{0E3E498B-FEE3-417B-8EB9-8B8318661D3D}" presName="node" presStyleLbl="node1" presStyleIdx="1" presStyleCnt="4">
         <dgm:presLayoutVars>
           <dgm:bulletEnabled val="1"/>
         </dgm:presLayoutVars>
@@ -1765,15 +2937,31 @@
       <dgm:spPr/>
     </dgm:pt>
     <dgm:pt modelId="{BBAEDD4C-FD49-473D-B1D9-15F54151F655}" type="pres">
-      <dgm:prSet presAssocID="{819B96B5-B64F-4E8C-9BCE-3B20B3D16F4A}" presName="sibTrans" presStyleLbl="sibTrans2D1" presStyleIdx="1" presStyleCnt="2"/>
+      <dgm:prSet presAssocID="{819B96B5-B64F-4E8C-9BCE-3B20B3D16F4A}" presName="sibTrans" presStyleLbl="sibTrans2D1" presStyleIdx="1" presStyleCnt="3"/>
       <dgm:spPr/>
     </dgm:pt>
     <dgm:pt modelId="{E409753E-D856-4FF7-A8A7-08C9FB1A05A2}" type="pres">
-      <dgm:prSet presAssocID="{819B96B5-B64F-4E8C-9BCE-3B20B3D16F4A}" presName="connectorText" presStyleLbl="sibTrans2D1" presStyleIdx="1" presStyleCnt="2"/>
+      <dgm:prSet presAssocID="{819B96B5-B64F-4E8C-9BCE-3B20B3D16F4A}" presName="connectorText" presStyleLbl="sibTrans2D1" presStyleIdx="1" presStyleCnt="3"/>
+      <dgm:spPr/>
+    </dgm:pt>
+    <dgm:pt modelId="{041ACFAA-665C-4140-A908-4E855F4605B9}" type="pres">
+      <dgm:prSet presAssocID="{A82C501E-9647-4F8C-876A-95F4C42BE0D3}" presName="node" presStyleLbl="node1" presStyleIdx="2" presStyleCnt="4">
+        <dgm:presLayoutVars>
+          <dgm:bulletEnabled val="1"/>
+        </dgm:presLayoutVars>
+      </dgm:prSet>
+      <dgm:spPr/>
+    </dgm:pt>
+    <dgm:pt modelId="{AC9F5475-608F-4102-8781-47371FAB49EE}" type="pres">
+      <dgm:prSet presAssocID="{3C99647E-1596-417B-B019-EA35B0DD19F2}" presName="sibTrans" presStyleLbl="sibTrans2D1" presStyleIdx="2" presStyleCnt="3"/>
+      <dgm:spPr/>
+    </dgm:pt>
+    <dgm:pt modelId="{29A4AFDB-174F-4293-A0C2-C3C69C75495B}" type="pres">
+      <dgm:prSet presAssocID="{3C99647E-1596-417B-B019-EA35B0DD19F2}" presName="connectorText" presStyleLbl="sibTrans2D1" presStyleIdx="2" presStyleCnt="3"/>
       <dgm:spPr/>
     </dgm:pt>
     <dgm:pt modelId="{55A7AD11-494B-4C2A-BF26-C2747E28F90E}" type="pres">
-      <dgm:prSet presAssocID="{4A4F6799-61C6-4141-A60C-22C72F0F7DE8}" presName="node" presStyleLbl="node1" presStyleIdx="2" presStyleCnt="3">
+      <dgm:prSet presAssocID="{4A4F6799-61C6-4141-A60C-22C72F0F7DE8}" presName="node" presStyleLbl="node1" presStyleIdx="3" presStyleCnt="4">
         <dgm:presLayoutVars>
           <dgm:bulletEnabled val="1"/>
         </dgm:presLayoutVars>
@@ -1784,12 +2972,16 @@
   <dgm:cxnLst>
     <dgm:cxn modelId="{8676993D-BCE1-495C-AC10-DBFFF6B89626}" type="presOf" srcId="{0E3E498B-FEE3-417B-8EB9-8B8318661D3D}" destId="{C6872888-E6B8-4D6A-8070-ACE2392B7A29}" srcOrd="0" destOrd="0" presId="urn:microsoft.com/office/officeart/2005/8/layout/process1"/>
     <dgm:cxn modelId="{B1DE715F-BDBC-430B-B72E-0C74DDF8A195}" type="presOf" srcId="{C091EBF1-01D8-4E1B-BF1C-97C4160A71D0}" destId="{CD7256EF-C463-4FC6-AA7D-FA65A8918F7B}" srcOrd="1" destOrd="0" presId="urn:microsoft.com/office/officeart/2005/8/layout/process1"/>
+    <dgm:cxn modelId="{EB308643-083C-4643-BBFD-2DB212B73BB1}" type="presOf" srcId="{A82C501E-9647-4F8C-876A-95F4C42BE0D3}" destId="{041ACFAA-665C-4140-A908-4E855F4605B9}" srcOrd="0" destOrd="0" presId="urn:microsoft.com/office/officeart/2005/8/layout/process1"/>
     <dgm:cxn modelId="{1607C646-452F-4AA8-9516-CC5E80A11F03}" type="presOf" srcId="{819B96B5-B64F-4E8C-9BCE-3B20B3D16F4A}" destId="{BBAEDD4C-FD49-473D-B1D9-15F54151F655}" srcOrd="0" destOrd="0" presId="urn:microsoft.com/office/officeart/2005/8/layout/process1"/>
     <dgm:cxn modelId="{83179D48-FA08-41D7-A5DB-8685ADBB26E7}" type="presOf" srcId="{4A4F6799-61C6-4141-A60C-22C72F0F7DE8}" destId="{55A7AD11-494B-4C2A-BF26-C2747E28F90E}" srcOrd="0" destOrd="0" presId="urn:microsoft.com/office/officeart/2005/8/layout/process1"/>
-    <dgm:cxn modelId="{741B1E4E-FC42-40AA-8C42-37F005EB35D5}" srcId="{9B71EC56-4720-44B7-84C9-0F922D83D3A9}" destId="{4A4F6799-61C6-4141-A60C-22C72F0F7DE8}" srcOrd="2" destOrd="0" parTransId="{EF1BEDBE-EDDC-4E76-B35A-8B2D6D10FA2A}" sibTransId="{D9724287-B48F-4577-BD94-1D85C550DEDF}"/>
+    <dgm:cxn modelId="{B974C46D-7F4B-43F9-A081-871A43E8FA3F}" srcId="{9B71EC56-4720-44B7-84C9-0F922D83D3A9}" destId="{A82C501E-9647-4F8C-876A-95F4C42BE0D3}" srcOrd="2" destOrd="0" parTransId="{1AAA2FF6-3FFA-4D3C-8250-E744C65AC31A}" sibTransId="{3C99647E-1596-417B-B019-EA35B0DD19F2}"/>
+    <dgm:cxn modelId="{741B1E4E-FC42-40AA-8C42-37F005EB35D5}" srcId="{9B71EC56-4720-44B7-84C9-0F922D83D3A9}" destId="{4A4F6799-61C6-4141-A60C-22C72F0F7DE8}" srcOrd="3" destOrd="0" parTransId="{EF1BEDBE-EDDC-4E76-B35A-8B2D6D10FA2A}" sibTransId="{D9724287-B48F-4577-BD94-1D85C550DEDF}"/>
     <dgm:cxn modelId="{D7FBEA92-6494-428C-8688-14F59885260A}" type="presOf" srcId="{819B96B5-B64F-4E8C-9BCE-3B20B3D16F4A}" destId="{E409753E-D856-4FF7-A8A7-08C9FB1A05A2}" srcOrd="1" destOrd="0" presId="urn:microsoft.com/office/officeart/2005/8/layout/process1"/>
+    <dgm:cxn modelId="{39B4B4B7-373D-4BBA-B19F-5F1A74E22DAC}" type="presOf" srcId="{3C99647E-1596-417B-B019-EA35B0DD19F2}" destId="{29A4AFDB-174F-4293-A0C2-C3C69C75495B}" srcOrd="1" destOrd="0" presId="urn:microsoft.com/office/officeart/2005/8/layout/process1"/>
     <dgm:cxn modelId="{FEDE2CC1-5271-4184-83D5-9D36BEA01AF5}" type="presOf" srcId="{C091EBF1-01D8-4E1B-BF1C-97C4160A71D0}" destId="{5B4F5853-CCD7-4D55-9E07-BBFD7236041C}" srcOrd="0" destOrd="0" presId="urn:microsoft.com/office/officeart/2005/8/layout/process1"/>
     <dgm:cxn modelId="{87915ECA-D4E2-45A3-8BA6-C2165AE882E2}" type="presOf" srcId="{D100BB1C-1708-4941-8DD3-231B1E8CEF5E}" destId="{E7407B6D-0C27-4BFC-8C6F-8F149FB2F343}" srcOrd="0" destOrd="0" presId="urn:microsoft.com/office/officeart/2005/8/layout/process1"/>
+    <dgm:cxn modelId="{39AF27D3-A8ED-45D6-AEA9-CBC5E6A2CCDD}" type="presOf" srcId="{3C99647E-1596-417B-B019-EA35B0DD19F2}" destId="{AC9F5475-608F-4102-8781-47371FAB49EE}" srcOrd="0" destOrd="0" presId="urn:microsoft.com/office/officeart/2005/8/layout/process1"/>
     <dgm:cxn modelId="{5E88F0D3-0D57-4C65-92F2-C974D7920273}" srcId="{9B71EC56-4720-44B7-84C9-0F922D83D3A9}" destId="{D100BB1C-1708-4941-8DD3-231B1E8CEF5E}" srcOrd="0" destOrd="0" parTransId="{E7245061-0E5D-4D61-AA35-6CC075B05E7F}" sibTransId="{C091EBF1-01D8-4E1B-BF1C-97C4160A71D0}"/>
     <dgm:cxn modelId="{BFF6F4D9-422C-42F0-BCBD-449D45BA38C1}" srcId="{9B71EC56-4720-44B7-84C9-0F922D83D3A9}" destId="{0E3E498B-FEE3-417B-8EB9-8B8318661D3D}" srcOrd="1" destOrd="0" parTransId="{62D166E0-827B-4715-9ECD-91E35BA07FEA}" sibTransId="{819B96B5-B64F-4E8C-9BCE-3B20B3D16F4A}"/>
     <dgm:cxn modelId="{9A7267F8-947F-4E19-8687-F3E986B2E28B}" type="presOf" srcId="{9B71EC56-4720-44B7-84C9-0F922D83D3A9}" destId="{C33B6F79-85DD-4CA4-8F16-787E387F2041}" srcOrd="0" destOrd="0" presId="urn:microsoft.com/office/officeart/2005/8/layout/process1"/>
@@ -1799,7 +2991,10 @@
     <dgm:cxn modelId="{4DB4E3BE-BE27-4EDB-8ACE-7FC61C2BC492}" type="presParOf" srcId="{C33B6F79-85DD-4CA4-8F16-787E387F2041}" destId="{C6872888-E6B8-4D6A-8070-ACE2392B7A29}" srcOrd="2" destOrd="0" presId="urn:microsoft.com/office/officeart/2005/8/layout/process1"/>
     <dgm:cxn modelId="{C796F859-68DD-4100-9581-79A9C7D1E712}" type="presParOf" srcId="{C33B6F79-85DD-4CA4-8F16-787E387F2041}" destId="{BBAEDD4C-FD49-473D-B1D9-15F54151F655}" srcOrd="3" destOrd="0" presId="urn:microsoft.com/office/officeart/2005/8/layout/process1"/>
     <dgm:cxn modelId="{8003FABB-B19A-497F-9235-692C02FD6062}" type="presParOf" srcId="{BBAEDD4C-FD49-473D-B1D9-15F54151F655}" destId="{E409753E-D856-4FF7-A8A7-08C9FB1A05A2}" srcOrd="0" destOrd="0" presId="urn:microsoft.com/office/officeart/2005/8/layout/process1"/>
-    <dgm:cxn modelId="{3F269588-5F7B-46E6-A905-2ADF22189890}" type="presParOf" srcId="{C33B6F79-85DD-4CA4-8F16-787E387F2041}" destId="{55A7AD11-494B-4C2A-BF26-C2747E28F90E}" srcOrd="4" destOrd="0" presId="urn:microsoft.com/office/officeart/2005/8/layout/process1"/>
+    <dgm:cxn modelId="{7B4827DE-913E-4D13-8BBA-317D585F2697}" type="presParOf" srcId="{C33B6F79-85DD-4CA4-8F16-787E387F2041}" destId="{041ACFAA-665C-4140-A908-4E855F4605B9}" srcOrd="4" destOrd="0" presId="urn:microsoft.com/office/officeart/2005/8/layout/process1"/>
+    <dgm:cxn modelId="{C5C031C8-81DC-4F60-8C25-2C51BCAEC410}" type="presParOf" srcId="{C33B6F79-85DD-4CA4-8F16-787E387F2041}" destId="{AC9F5475-608F-4102-8781-47371FAB49EE}" srcOrd="5" destOrd="0" presId="urn:microsoft.com/office/officeart/2005/8/layout/process1"/>
+    <dgm:cxn modelId="{9734DD31-E414-4581-ADB3-48E8BF013539}" type="presParOf" srcId="{AC9F5475-608F-4102-8781-47371FAB49EE}" destId="{29A4AFDB-174F-4293-A0C2-C3C69C75495B}" srcOrd="0" destOrd="0" presId="urn:microsoft.com/office/officeart/2005/8/layout/process1"/>
+    <dgm:cxn modelId="{3F269588-5F7B-46E6-A905-2ADF22189890}" type="presParOf" srcId="{C33B6F79-85DD-4CA4-8F16-787E387F2041}" destId="{55A7AD11-494B-4C2A-BF26-C2747E28F90E}" srcOrd="6" destOrd="0" presId="urn:microsoft.com/office/officeart/2005/8/layout/process1"/>
   </dgm:cxnLst>
   <dgm:bg/>
   <dgm:whole/>
@@ -1811,63 +3006,11 @@
 </dgm:dataModel>
 </file>
 
-<file path=ppt/diagrams/data2.xml><?xml version="1.0" encoding="utf-8"?>
+<file path=ppt/diagrams/data3.xml><?xml version="1.0" encoding="utf-8"?>
 <dgm:dataModel xmlns:dgm="http://schemas.openxmlformats.org/drawingml/2006/diagram" xmlns:a="http://schemas.openxmlformats.org/drawingml/2006/main">
   <dgm:ptLst>
     <dgm:pt modelId="{39EB3BFA-6EC9-4BCE-A661-08D1928E098D}" type="doc">
       <dgm:prSet loTypeId="urn:microsoft.com/office/officeart/2018/2/layout/IconLabelList" loCatId="icon" qsTypeId="urn:microsoft.com/office/officeart/2005/8/quickstyle/simple1" qsCatId="simple" csTypeId="urn:microsoft.com/office/officeart/2018/5/colors/Iconchunking_neutralbg_accent1_2" csCatId="accent1" phldr="1"/>
-      <dgm:spPr/>
-      <dgm:t>
-        <a:bodyPr/>
-        <a:lstStyle/>
-        <a:p>
-          <a:endParaRPr lang="en-US"/>
-        </a:p>
-      </dgm:t>
-    </dgm:pt>
-    <dgm:pt modelId="{6A79F510-7C02-477D-A075-4D56E1613AF5}">
-      <dgm:prSet/>
-      <dgm:spPr/>
-      <dgm:t>
-        <a:bodyPr/>
-        <a:lstStyle/>
-        <a:p>
-          <a:pPr algn="l">
-            <a:lnSpc>
-              <a:spcPct val="100000"/>
-            </a:lnSpc>
-          </a:pPr>
-          <a:r>
-            <a:rPr lang="en-US" dirty="0"/>
-            <a:t>- Docker supports OCI Standard</a:t>
-          </a:r>
-          <a:br>
-            <a:rPr lang="en-US" dirty="0"/>
-          </a:br>
-          <a:r>
-            <a:rPr lang="en-US" dirty="0"/>
-            <a:t>- Kubernetes uses different container runtime but </a:t>
-          </a:r>
-          <a:r>
-            <a:rPr lang="en-US"/>
-            <a:t>OCI images</a:t>
-          </a:r>
-        </a:p>
-      </dgm:t>
-    </dgm:pt>
-    <dgm:pt modelId="{2FBD3AC1-9AF8-4A6A-856A-727985B076CF}" type="parTrans" cxnId="{62FA8E82-7CE8-44E6-8B99-29A3594B6FBB}">
-      <dgm:prSet/>
-      <dgm:spPr/>
-      <dgm:t>
-        <a:bodyPr/>
-        <a:lstStyle/>
-        <a:p>
-          <a:endParaRPr lang="en-US"/>
-        </a:p>
-      </dgm:t>
-    </dgm:pt>
-    <dgm:pt modelId="{7A8F92AA-67A1-422A-8EE7-133BDED9B748}" type="sibTrans" cxnId="{62FA8E82-7CE8-44E6-8B99-29A3594B6FBB}">
-      <dgm:prSet/>
       <dgm:spPr/>
       <dgm:t>
         <a:bodyPr/>
@@ -1927,12 +3070,12 @@
       </dgm:prSet>
       <dgm:spPr/>
     </dgm:pt>
-    <dgm:pt modelId="{BF055F4A-ED1A-4FD3-BA99-10C84E15A5C9}" type="pres">
-      <dgm:prSet presAssocID="{6A79F510-7C02-477D-A075-4D56E1613AF5}" presName="compNode" presStyleCnt="0"/>
+    <dgm:pt modelId="{890CA4DB-A3E0-4A17-860F-4061CFE2CB65}" type="pres">
+      <dgm:prSet presAssocID="{0557F73D-417C-40C9-97D3-91BD96C9B0CD}" presName="compNode" presStyleCnt="0"/>
       <dgm:spPr/>
     </dgm:pt>
-    <dgm:pt modelId="{BF8245C2-5E2D-4DBB-849F-53E6FC7B8D1B}" type="pres">
-      <dgm:prSet presAssocID="{6A79F510-7C02-477D-A075-4D56E1613AF5}" presName="iconRect" presStyleLbl="node1" presStyleIdx="0" presStyleCnt="2"/>
+    <dgm:pt modelId="{CBFD29D4-A2B4-4C25-B7E6-7B5D0F69D3EF}" type="pres">
+      <dgm:prSet presAssocID="{0557F73D-417C-40C9-97D3-91BD96C9B0CD}" presName="iconRect" presStyleLbl="node1" presStyleIdx="0" presStyleCnt="1"/>
       <dgm:spPr>
         <a:blipFill>
           <a:blip xmlns:r="http://schemas.openxmlformats.org/officeDocument/2006/relationships" r:embed="rId1">
@@ -1955,55 +3098,6 @@
       </dgm:spPr>
       <dgm:extLst>
         <a:ext uri="{E40237B7-FDA0-4F09-8148-C483321AD2D9}">
-          <dgm14:cNvPr xmlns:dgm14="http://schemas.microsoft.com/office/drawing/2010/diagram" id="0" name="" descr="Bulldozer"/>
-        </a:ext>
-      </dgm:extLst>
-    </dgm:pt>
-    <dgm:pt modelId="{F9AF1796-0164-474B-9FED-136A4CCB5493}" type="pres">
-      <dgm:prSet presAssocID="{6A79F510-7C02-477D-A075-4D56E1613AF5}" presName="spaceRect" presStyleCnt="0"/>
-      <dgm:spPr/>
-    </dgm:pt>
-    <dgm:pt modelId="{7A7E39BC-A6AB-4E76-AD61-A98D22695260}" type="pres">
-      <dgm:prSet presAssocID="{6A79F510-7C02-477D-A075-4D56E1613AF5}" presName="textRect" presStyleLbl="revTx" presStyleIdx="0" presStyleCnt="2" custScaleX="113867" custScaleY="210415">
-        <dgm:presLayoutVars>
-          <dgm:chMax val="1"/>
-          <dgm:chPref val="1"/>
-        </dgm:presLayoutVars>
-      </dgm:prSet>
-      <dgm:spPr/>
-    </dgm:pt>
-    <dgm:pt modelId="{4CC7176F-B681-4819-A32D-FF7B4C093A11}" type="pres">
-      <dgm:prSet presAssocID="{7A8F92AA-67A1-422A-8EE7-133BDED9B748}" presName="sibTrans" presStyleCnt="0"/>
-      <dgm:spPr/>
-    </dgm:pt>
-    <dgm:pt modelId="{890CA4DB-A3E0-4A17-860F-4061CFE2CB65}" type="pres">
-      <dgm:prSet presAssocID="{0557F73D-417C-40C9-97D3-91BD96C9B0CD}" presName="compNode" presStyleCnt="0"/>
-      <dgm:spPr/>
-    </dgm:pt>
-    <dgm:pt modelId="{CBFD29D4-A2B4-4C25-B7E6-7B5D0F69D3EF}" type="pres">
-      <dgm:prSet presAssocID="{0557F73D-417C-40C9-97D3-91BD96C9B0CD}" presName="iconRect" presStyleLbl="node1" presStyleIdx="1" presStyleCnt="2"/>
-      <dgm:spPr>
-        <a:blipFill>
-          <a:blip xmlns:r="http://schemas.openxmlformats.org/officeDocument/2006/relationships" r:embed="rId3">
-            <a:extLst>
-              <a:ext uri="{28A0092B-C50C-407E-A947-70E740481C1C}">
-                <a14:useLocalDpi xmlns:a14="http://schemas.microsoft.com/office/drawing/2010/main" val="0"/>
-              </a:ext>
-              <a:ext uri="{96DAC541-7B7A-43D3-8B79-37D633B846F1}">
-                <asvg:svgBlip xmlns:asvg="http://schemas.microsoft.com/office/drawing/2016/SVG/main" r:embed="rId4"/>
-              </a:ext>
-            </a:extLst>
-          </a:blip>
-          <a:stretch>
-            <a:fillRect/>
-          </a:stretch>
-        </a:blipFill>
-        <a:ln>
-          <a:noFill/>
-        </a:ln>
-      </dgm:spPr>
-      <dgm:extLst>
-        <a:ext uri="{E40237B7-FDA0-4F09-8148-C483321AD2D9}">
           <dgm14:cNvPr xmlns:dgm14="http://schemas.microsoft.com/office/drawing/2010/diagram" id="0" name="" descr="Play"/>
         </a:ext>
       </dgm:extLst>
@@ -2013,7 +3107,7 @@
       <dgm:spPr/>
     </dgm:pt>
     <dgm:pt modelId="{8D849BA0-BC4B-4D3B-A81E-49F030CA18B9}" type="pres">
-      <dgm:prSet presAssocID="{0557F73D-417C-40C9-97D3-91BD96C9B0CD}" presName="textRect" presStyleLbl="revTx" presStyleIdx="1" presStyleCnt="2">
+      <dgm:prSet presAssocID="{0557F73D-417C-40C9-97D3-91BD96C9B0CD}" presName="textRect" presStyleLbl="revTx" presStyleIdx="0" presStyleCnt="1">
         <dgm:presLayoutVars>
           <dgm:chMax val="1"/>
           <dgm:chPref val="1"/>
@@ -2024,16 +3118,9 @@
   </dgm:ptLst>
   <dgm:cxnLst>
     <dgm:cxn modelId="{CB6B7669-BFE2-41E9-855C-5FB164FEBE17}" type="presOf" srcId="{39EB3BFA-6EC9-4BCE-A661-08D1928E098D}" destId="{CFA1BE30-752B-4ED1-9682-5F0DE36D6D9C}" srcOrd="0" destOrd="0" presId="urn:microsoft.com/office/officeart/2018/2/layout/IconLabelList"/>
-    <dgm:cxn modelId="{62FA8E82-7CE8-44E6-8B99-29A3594B6FBB}" srcId="{39EB3BFA-6EC9-4BCE-A661-08D1928E098D}" destId="{6A79F510-7C02-477D-A075-4D56E1613AF5}" srcOrd="0" destOrd="0" parTransId="{2FBD3AC1-9AF8-4A6A-856A-727985B076CF}" sibTransId="{7A8F92AA-67A1-422A-8EE7-133BDED9B748}"/>
     <dgm:cxn modelId="{B00C6885-3EB9-497E-985F-B6CCFC3D7C95}" type="presOf" srcId="{0557F73D-417C-40C9-97D3-91BD96C9B0CD}" destId="{8D849BA0-BC4B-4D3B-A81E-49F030CA18B9}" srcOrd="0" destOrd="0" presId="urn:microsoft.com/office/officeart/2018/2/layout/IconLabelList"/>
-    <dgm:cxn modelId="{00F10BCB-E96A-46F9-B72F-B7CC19188428}" srcId="{39EB3BFA-6EC9-4BCE-A661-08D1928E098D}" destId="{0557F73D-417C-40C9-97D3-91BD96C9B0CD}" srcOrd="1" destOrd="0" parTransId="{93FE0FD3-799F-4EB9-A0DA-961464109F59}" sibTransId="{BA13F336-25E5-4E32-BC0E-26E74B24957D}"/>
-    <dgm:cxn modelId="{F9692DCF-A5AC-469F-9EC0-0091F0FA8DD6}" type="presOf" srcId="{6A79F510-7C02-477D-A075-4D56E1613AF5}" destId="{7A7E39BC-A6AB-4E76-AD61-A98D22695260}" srcOrd="0" destOrd="0" presId="urn:microsoft.com/office/officeart/2018/2/layout/IconLabelList"/>
-    <dgm:cxn modelId="{8EF3A90B-B216-490E-9A8B-B69098285D67}" type="presParOf" srcId="{CFA1BE30-752B-4ED1-9682-5F0DE36D6D9C}" destId="{BF055F4A-ED1A-4FD3-BA99-10C84E15A5C9}" srcOrd="0" destOrd="0" presId="urn:microsoft.com/office/officeart/2018/2/layout/IconLabelList"/>
-    <dgm:cxn modelId="{40FD146A-19A8-4C2F-BDD4-AC3402919C75}" type="presParOf" srcId="{BF055F4A-ED1A-4FD3-BA99-10C84E15A5C9}" destId="{BF8245C2-5E2D-4DBB-849F-53E6FC7B8D1B}" srcOrd="0" destOrd="0" presId="urn:microsoft.com/office/officeart/2018/2/layout/IconLabelList"/>
-    <dgm:cxn modelId="{0168E05D-32B4-45C3-9AFF-F1F30BF2906A}" type="presParOf" srcId="{BF055F4A-ED1A-4FD3-BA99-10C84E15A5C9}" destId="{F9AF1796-0164-474B-9FED-136A4CCB5493}" srcOrd="1" destOrd="0" presId="urn:microsoft.com/office/officeart/2018/2/layout/IconLabelList"/>
-    <dgm:cxn modelId="{B2411BFF-1D3A-4062-802C-54996C74AB31}" type="presParOf" srcId="{BF055F4A-ED1A-4FD3-BA99-10C84E15A5C9}" destId="{7A7E39BC-A6AB-4E76-AD61-A98D22695260}" srcOrd="2" destOrd="0" presId="urn:microsoft.com/office/officeart/2018/2/layout/IconLabelList"/>
-    <dgm:cxn modelId="{EE9B1C88-24C2-460D-B1AB-8C730527546B}" type="presParOf" srcId="{CFA1BE30-752B-4ED1-9682-5F0DE36D6D9C}" destId="{4CC7176F-B681-4819-A32D-FF7B4C093A11}" srcOrd="1" destOrd="0" presId="urn:microsoft.com/office/officeart/2018/2/layout/IconLabelList"/>
-    <dgm:cxn modelId="{A297DDCC-09E0-4F7D-A9A2-A68F1B10F048}" type="presParOf" srcId="{CFA1BE30-752B-4ED1-9682-5F0DE36D6D9C}" destId="{890CA4DB-A3E0-4A17-860F-4061CFE2CB65}" srcOrd="2" destOrd="0" presId="urn:microsoft.com/office/officeart/2018/2/layout/IconLabelList"/>
+    <dgm:cxn modelId="{00F10BCB-E96A-46F9-B72F-B7CC19188428}" srcId="{39EB3BFA-6EC9-4BCE-A661-08D1928E098D}" destId="{0557F73D-417C-40C9-97D3-91BD96C9B0CD}" srcOrd="0" destOrd="0" parTransId="{93FE0FD3-799F-4EB9-A0DA-961464109F59}" sibTransId="{BA13F336-25E5-4E32-BC0E-26E74B24957D}"/>
+    <dgm:cxn modelId="{A297DDCC-09E0-4F7D-A9A2-A68F1B10F048}" type="presParOf" srcId="{CFA1BE30-752B-4ED1-9682-5F0DE36D6D9C}" destId="{890CA4DB-A3E0-4A17-860F-4061CFE2CB65}" srcOrd="0" destOrd="0" presId="urn:microsoft.com/office/officeart/2018/2/layout/IconLabelList"/>
     <dgm:cxn modelId="{E04C6416-2396-4FAF-93B1-A3FBD05703B2}" type="presParOf" srcId="{890CA4DB-A3E0-4A17-860F-4061CFE2CB65}" destId="{CBFD29D4-A2B4-4C25-B7E6-7B5D0F69D3EF}" srcOrd="0" destOrd="0" presId="urn:microsoft.com/office/officeart/2018/2/layout/IconLabelList"/>
     <dgm:cxn modelId="{97D0BF19-346F-4B94-AF56-54B2C9FA7F56}" type="presParOf" srcId="{890CA4DB-A3E0-4A17-860F-4061CFE2CB65}" destId="{EEDEFEB5-E185-4FC0-B9DB-C764F1FE5302}" srcOrd="1" destOrd="0" presId="urn:microsoft.com/office/officeart/2018/2/layout/IconLabelList"/>
     <dgm:cxn modelId="{AB565F33-9E74-4A3D-97A3-AE22730A535F}" type="presParOf" srcId="{890CA4DB-A3E0-4A17-860F-4061CFE2CB65}" destId="{8D849BA0-BC4B-4D3B-A81E-49F030CA18B9}" srcOrd="2" destOrd="0" presId="urn:microsoft.com/office/officeart/2018/2/layout/IconLabelList"/>
@@ -2056,6 +3143,679 @@
       <dsp:cNvGrpSpPr/>
     </dsp:nvGrpSpPr>
     <dsp:grpSpPr/>
+    <dsp:sp modelId="{0652333E-F6CC-4073-821B-29323D683BB8}">
+      <dsp:nvSpPr>
+        <dsp:cNvPr id="0" name=""/>
+        <dsp:cNvSpPr/>
+      </dsp:nvSpPr>
+      <dsp:spPr>
+        <a:xfrm>
+          <a:off x="0" y="2708"/>
+          <a:ext cx="4862446" cy="0"/>
+        </a:xfrm>
+        <a:prstGeom prst="line">
+          <a:avLst/>
+        </a:prstGeom>
+        <a:solidFill>
+          <a:schemeClr val="accent1">
+            <a:hueOff val="0"/>
+            <a:satOff val="0"/>
+            <a:lumOff val="0"/>
+            <a:alphaOff val="0"/>
+          </a:schemeClr>
+        </a:solidFill>
+        <a:ln w="12700" cap="flat" cmpd="sng" algn="ctr">
+          <a:solidFill>
+            <a:schemeClr val="accent1">
+              <a:hueOff val="0"/>
+              <a:satOff val="0"/>
+              <a:lumOff val="0"/>
+              <a:alphaOff val="0"/>
+            </a:schemeClr>
+          </a:solidFill>
+          <a:prstDash val="solid"/>
+          <a:miter lim="800000"/>
+        </a:ln>
+        <a:effectLst/>
+      </dsp:spPr>
+      <dsp:style>
+        <a:lnRef idx="2">
+          <a:scrgbClr r="0" g="0" b="0"/>
+        </a:lnRef>
+        <a:fillRef idx="1">
+          <a:scrgbClr r="0" g="0" b="0"/>
+        </a:fillRef>
+        <a:effectRef idx="0">
+          <a:scrgbClr r="0" g="0" b="0"/>
+        </a:effectRef>
+        <a:fontRef idx="minor">
+          <a:schemeClr val="lt1"/>
+        </a:fontRef>
+      </dsp:style>
+    </dsp:sp>
+    <dsp:sp modelId="{3273E10C-86C8-41BD-B622-5B7E5BACB2E3}">
+      <dsp:nvSpPr>
+        <dsp:cNvPr id="0" name=""/>
+        <dsp:cNvSpPr/>
+      </dsp:nvSpPr>
+      <dsp:spPr>
+        <a:xfrm>
+          <a:off x="0" y="2708"/>
+          <a:ext cx="4862446" cy="923438"/>
+        </a:xfrm>
+        <a:prstGeom prst="rect">
+          <a:avLst/>
+        </a:prstGeom>
+        <a:noFill/>
+        <a:ln>
+          <a:noFill/>
+        </a:ln>
+        <a:effectLst/>
+      </dsp:spPr>
+      <dsp:style>
+        <a:lnRef idx="0">
+          <a:scrgbClr r="0" g="0" b="0"/>
+        </a:lnRef>
+        <a:fillRef idx="0">
+          <a:scrgbClr r="0" g="0" b="0"/>
+        </a:fillRef>
+        <a:effectRef idx="0">
+          <a:scrgbClr r="0" g="0" b="0"/>
+        </a:effectRef>
+        <a:fontRef idx="minor"/>
+      </dsp:style>
+      <dsp:txBody>
+        <a:bodyPr spcFirstLastPara="0" vert="horz" wrap="square" lIns="160020" tIns="160020" rIns="160020" bIns="160020" numCol="1" spcCol="1270" anchor="t" anchorCtr="0">
+          <a:noAutofit/>
+        </a:bodyPr>
+        <a:lstStyle/>
+        <a:p>
+          <a:pPr marL="0" lvl="0" indent="0" algn="l" defTabSz="1866900">
+            <a:lnSpc>
+              <a:spcPct val="90000"/>
+            </a:lnSpc>
+            <a:spcBef>
+              <a:spcPct val="0"/>
+            </a:spcBef>
+            <a:spcAft>
+              <a:spcPct val="35000"/>
+            </a:spcAft>
+            <a:buNone/>
+          </a:pPr>
+          <a:r>
+            <a:rPr lang="en-US" sz="4200" kern="1200"/>
+            <a:t>Containers</a:t>
+          </a:r>
+        </a:p>
+      </dsp:txBody>
+      <dsp:txXfrm>
+        <a:off x="0" y="2708"/>
+        <a:ext cx="4862446" cy="923438"/>
+      </dsp:txXfrm>
+    </dsp:sp>
+    <dsp:sp modelId="{779270BB-E863-46E2-A6BF-8AAC1E756C7A}">
+      <dsp:nvSpPr>
+        <dsp:cNvPr id="0" name=""/>
+        <dsp:cNvSpPr/>
+      </dsp:nvSpPr>
+      <dsp:spPr>
+        <a:xfrm>
+          <a:off x="0" y="926146"/>
+          <a:ext cx="4862446" cy="0"/>
+        </a:xfrm>
+        <a:prstGeom prst="line">
+          <a:avLst/>
+        </a:prstGeom>
+        <a:solidFill>
+          <a:schemeClr val="accent1">
+            <a:hueOff val="0"/>
+            <a:satOff val="0"/>
+            <a:lumOff val="0"/>
+            <a:alphaOff val="0"/>
+          </a:schemeClr>
+        </a:solidFill>
+        <a:ln w="12700" cap="flat" cmpd="sng" algn="ctr">
+          <a:solidFill>
+            <a:schemeClr val="accent1">
+              <a:hueOff val="0"/>
+              <a:satOff val="0"/>
+              <a:lumOff val="0"/>
+              <a:alphaOff val="0"/>
+            </a:schemeClr>
+          </a:solidFill>
+          <a:prstDash val="solid"/>
+          <a:miter lim="800000"/>
+        </a:ln>
+        <a:effectLst/>
+      </dsp:spPr>
+      <dsp:style>
+        <a:lnRef idx="2">
+          <a:scrgbClr r="0" g="0" b="0"/>
+        </a:lnRef>
+        <a:fillRef idx="1">
+          <a:scrgbClr r="0" g="0" b="0"/>
+        </a:fillRef>
+        <a:effectRef idx="0">
+          <a:scrgbClr r="0" g="0" b="0"/>
+        </a:effectRef>
+        <a:fontRef idx="minor">
+          <a:schemeClr val="lt1"/>
+        </a:fontRef>
+      </dsp:style>
+    </dsp:sp>
+    <dsp:sp modelId="{47D2D37E-6728-4056-B90C-BCBFF177C1E1}">
+      <dsp:nvSpPr>
+        <dsp:cNvPr id="0" name=""/>
+        <dsp:cNvSpPr/>
+      </dsp:nvSpPr>
+      <dsp:spPr>
+        <a:xfrm>
+          <a:off x="0" y="926146"/>
+          <a:ext cx="4862446" cy="923438"/>
+        </a:xfrm>
+        <a:prstGeom prst="rect">
+          <a:avLst/>
+        </a:prstGeom>
+        <a:noFill/>
+        <a:ln>
+          <a:noFill/>
+        </a:ln>
+        <a:effectLst/>
+      </dsp:spPr>
+      <dsp:style>
+        <a:lnRef idx="0">
+          <a:scrgbClr r="0" g="0" b="0"/>
+        </a:lnRef>
+        <a:fillRef idx="0">
+          <a:scrgbClr r="0" g="0" b="0"/>
+        </a:fillRef>
+        <a:effectRef idx="0">
+          <a:scrgbClr r="0" g="0" b="0"/>
+        </a:effectRef>
+        <a:fontRef idx="minor"/>
+      </dsp:style>
+      <dsp:txBody>
+        <a:bodyPr spcFirstLastPara="0" vert="horz" wrap="square" lIns="160020" tIns="160020" rIns="160020" bIns="160020" numCol="1" spcCol="1270" anchor="t" anchorCtr="0">
+          <a:noAutofit/>
+        </a:bodyPr>
+        <a:lstStyle/>
+        <a:p>
+          <a:pPr marL="0" lvl="0" indent="0" algn="l" defTabSz="1866900">
+            <a:lnSpc>
+              <a:spcPct val="90000"/>
+            </a:lnSpc>
+            <a:spcBef>
+              <a:spcPct val="0"/>
+            </a:spcBef>
+            <a:spcAft>
+              <a:spcPct val="35000"/>
+            </a:spcAft>
+            <a:buNone/>
+          </a:pPr>
+          <a:r>
+            <a:rPr lang="en-US" sz="4200" kern="1200" dirty="0"/>
+            <a:t>Kubernetes</a:t>
+          </a:r>
+        </a:p>
+      </dsp:txBody>
+      <dsp:txXfrm>
+        <a:off x="0" y="926146"/>
+        <a:ext cx="4862446" cy="923438"/>
+      </dsp:txXfrm>
+    </dsp:sp>
+    <dsp:sp modelId="{6034907C-D2BC-4918-8EC5-664542E1312E}">
+      <dsp:nvSpPr>
+        <dsp:cNvPr id="0" name=""/>
+        <dsp:cNvSpPr/>
+      </dsp:nvSpPr>
+      <dsp:spPr>
+        <a:xfrm>
+          <a:off x="0" y="1849585"/>
+          <a:ext cx="4862446" cy="0"/>
+        </a:xfrm>
+        <a:prstGeom prst="line">
+          <a:avLst/>
+        </a:prstGeom>
+        <a:solidFill>
+          <a:schemeClr val="accent1">
+            <a:hueOff val="0"/>
+            <a:satOff val="0"/>
+            <a:lumOff val="0"/>
+            <a:alphaOff val="0"/>
+          </a:schemeClr>
+        </a:solidFill>
+        <a:ln w="12700" cap="flat" cmpd="sng" algn="ctr">
+          <a:solidFill>
+            <a:schemeClr val="accent1">
+              <a:hueOff val="0"/>
+              <a:satOff val="0"/>
+              <a:lumOff val="0"/>
+              <a:alphaOff val="0"/>
+            </a:schemeClr>
+          </a:solidFill>
+          <a:prstDash val="solid"/>
+          <a:miter lim="800000"/>
+        </a:ln>
+        <a:effectLst/>
+      </dsp:spPr>
+      <dsp:style>
+        <a:lnRef idx="2">
+          <a:scrgbClr r="0" g="0" b="0"/>
+        </a:lnRef>
+        <a:fillRef idx="1">
+          <a:scrgbClr r="0" g="0" b="0"/>
+        </a:fillRef>
+        <a:effectRef idx="0">
+          <a:scrgbClr r="0" g="0" b="0"/>
+        </a:effectRef>
+        <a:fontRef idx="minor">
+          <a:schemeClr val="lt1"/>
+        </a:fontRef>
+      </dsp:style>
+    </dsp:sp>
+    <dsp:sp modelId="{D93285A6-91AA-4A8B-8659-ED1CA6CFBC31}">
+      <dsp:nvSpPr>
+        <dsp:cNvPr id="0" name=""/>
+        <dsp:cNvSpPr/>
+      </dsp:nvSpPr>
+      <dsp:spPr>
+        <a:xfrm>
+          <a:off x="0" y="1849585"/>
+          <a:ext cx="4862446" cy="923438"/>
+        </a:xfrm>
+        <a:prstGeom prst="rect">
+          <a:avLst/>
+        </a:prstGeom>
+        <a:noFill/>
+        <a:ln>
+          <a:noFill/>
+        </a:ln>
+        <a:effectLst/>
+      </dsp:spPr>
+      <dsp:style>
+        <a:lnRef idx="0">
+          <a:scrgbClr r="0" g="0" b="0"/>
+        </a:lnRef>
+        <a:fillRef idx="0">
+          <a:scrgbClr r="0" g="0" b="0"/>
+        </a:fillRef>
+        <a:effectRef idx="0">
+          <a:scrgbClr r="0" g="0" b="0"/>
+        </a:effectRef>
+        <a:fontRef idx="minor"/>
+      </dsp:style>
+      <dsp:txBody>
+        <a:bodyPr spcFirstLastPara="0" vert="horz" wrap="square" lIns="160020" tIns="160020" rIns="160020" bIns="160020" numCol="1" spcCol="1270" anchor="t" anchorCtr="0">
+          <a:noAutofit/>
+        </a:bodyPr>
+        <a:lstStyle/>
+        <a:p>
+          <a:pPr marL="0" lvl="0" indent="0" algn="l" defTabSz="1866900">
+            <a:lnSpc>
+              <a:spcPct val="90000"/>
+            </a:lnSpc>
+            <a:spcBef>
+              <a:spcPct val="0"/>
+            </a:spcBef>
+            <a:spcAft>
+              <a:spcPct val="35000"/>
+            </a:spcAft>
+            <a:buNone/>
+          </a:pPr>
+          <a:r>
+            <a:rPr lang="en-US" sz="4200" kern="1200" dirty="0" err="1"/>
+            <a:t>GitOps</a:t>
+          </a:r>
+          <a:endParaRPr lang="en-US" sz="4200" kern="1200" dirty="0"/>
+        </a:p>
+      </dsp:txBody>
+      <dsp:txXfrm>
+        <a:off x="0" y="1849585"/>
+        <a:ext cx="4862446" cy="923438"/>
+      </dsp:txXfrm>
+    </dsp:sp>
+    <dsp:sp modelId="{620CEAD9-44E7-4492-ADBF-AE1B807F2C02}">
+      <dsp:nvSpPr>
+        <dsp:cNvPr id="0" name=""/>
+        <dsp:cNvSpPr/>
+      </dsp:nvSpPr>
+      <dsp:spPr>
+        <a:xfrm>
+          <a:off x="0" y="2773023"/>
+          <a:ext cx="4862446" cy="0"/>
+        </a:xfrm>
+        <a:prstGeom prst="line">
+          <a:avLst/>
+        </a:prstGeom>
+        <a:solidFill>
+          <a:schemeClr val="accent1">
+            <a:hueOff val="0"/>
+            <a:satOff val="0"/>
+            <a:lumOff val="0"/>
+            <a:alphaOff val="0"/>
+          </a:schemeClr>
+        </a:solidFill>
+        <a:ln w="12700" cap="flat" cmpd="sng" algn="ctr">
+          <a:solidFill>
+            <a:schemeClr val="accent1">
+              <a:hueOff val="0"/>
+              <a:satOff val="0"/>
+              <a:lumOff val="0"/>
+              <a:alphaOff val="0"/>
+            </a:schemeClr>
+          </a:solidFill>
+          <a:prstDash val="solid"/>
+          <a:miter lim="800000"/>
+        </a:ln>
+        <a:effectLst/>
+      </dsp:spPr>
+      <dsp:style>
+        <a:lnRef idx="2">
+          <a:scrgbClr r="0" g="0" b="0"/>
+        </a:lnRef>
+        <a:fillRef idx="1">
+          <a:scrgbClr r="0" g="0" b="0"/>
+        </a:fillRef>
+        <a:effectRef idx="0">
+          <a:scrgbClr r="0" g="0" b="0"/>
+        </a:effectRef>
+        <a:fontRef idx="minor">
+          <a:schemeClr val="lt1"/>
+        </a:fontRef>
+      </dsp:style>
+    </dsp:sp>
+    <dsp:sp modelId="{CE06ACB5-1846-4D1C-8DAB-0A2A44C1E3A3}">
+      <dsp:nvSpPr>
+        <dsp:cNvPr id="0" name=""/>
+        <dsp:cNvSpPr/>
+      </dsp:nvSpPr>
+      <dsp:spPr>
+        <a:xfrm>
+          <a:off x="0" y="2773023"/>
+          <a:ext cx="4862446" cy="923438"/>
+        </a:xfrm>
+        <a:prstGeom prst="rect">
+          <a:avLst/>
+        </a:prstGeom>
+        <a:noFill/>
+        <a:ln>
+          <a:noFill/>
+        </a:ln>
+        <a:effectLst/>
+      </dsp:spPr>
+      <dsp:style>
+        <a:lnRef idx="0">
+          <a:scrgbClr r="0" g="0" b="0"/>
+        </a:lnRef>
+        <a:fillRef idx="0">
+          <a:scrgbClr r="0" g="0" b="0"/>
+        </a:fillRef>
+        <a:effectRef idx="0">
+          <a:scrgbClr r="0" g="0" b="0"/>
+        </a:effectRef>
+        <a:fontRef idx="minor"/>
+      </dsp:style>
+      <dsp:txBody>
+        <a:bodyPr spcFirstLastPara="0" vert="horz" wrap="square" lIns="160020" tIns="160020" rIns="160020" bIns="160020" numCol="1" spcCol="1270" anchor="t" anchorCtr="0">
+          <a:noAutofit/>
+        </a:bodyPr>
+        <a:lstStyle/>
+        <a:p>
+          <a:pPr marL="0" lvl="0" indent="0" algn="l" defTabSz="1866900">
+            <a:lnSpc>
+              <a:spcPct val="90000"/>
+            </a:lnSpc>
+            <a:spcBef>
+              <a:spcPct val="0"/>
+            </a:spcBef>
+            <a:spcAft>
+              <a:spcPct val="35000"/>
+            </a:spcAft>
+            <a:buNone/>
+          </a:pPr>
+          <a:r>
+            <a:rPr lang="en-US" sz="4200" kern="1200"/>
+            <a:t>Service Mesh</a:t>
+          </a:r>
+        </a:p>
+      </dsp:txBody>
+      <dsp:txXfrm>
+        <a:off x="0" y="2773023"/>
+        <a:ext cx="4862446" cy="923438"/>
+      </dsp:txXfrm>
+    </dsp:sp>
+    <dsp:sp modelId="{EC342443-76DD-4566-B517-E88A896701C2}">
+      <dsp:nvSpPr>
+        <dsp:cNvPr id="0" name=""/>
+        <dsp:cNvSpPr/>
+      </dsp:nvSpPr>
+      <dsp:spPr>
+        <a:xfrm>
+          <a:off x="0" y="3696461"/>
+          <a:ext cx="4862446" cy="0"/>
+        </a:xfrm>
+        <a:prstGeom prst="line">
+          <a:avLst/>
+        </a:prstGeom>
+        <a:solidFill>
+          <a:schemeClr val="accent1">
+            <a:hueOff val="0"/>
+            <a:satOff val="0"/>
+            <a:lumOff val="0"/>
+            <a:alphaOff val="0"/>
+          </a:schemeClr>
+        </a:solidFill>
+        <a:ln w="12700" cap="flat" cmpd="sng" algn="ctr">
+          <a:solidFill>
+            <a:schemeClr val="accent1">
+              <a:hueOff val="0"/>
+              <a:satOff val="0"/>
+              <a:lumOff val="0"/>
+              <a:alphaOff val="0"/>
+            </a:schemeClr>
+          </a:solidFill>
+          <a:prstDash val="solid"/>
+          <a:miter lim="800000"/>
+        </a:ln>
+        <a:effectLst/>
+      </dsp:spPr>
+      <dsp:style>
+        <a:lnRef idx="2">
+          <a:scrgbClr r="0" g="0" b="0"/>
+        </a:lnRef>
+        <a:fillRef idx="1">
+          <a:scrgbClr r="0" g="0" b="0"/>
+        </a:fillRef>
+        <a:effectRef idx="0">
+          <a:scrgbClr r="0" g="0" b="0"/>
+        </a:effectRef>
+        <a:fontRef idx="minor">
+          <a:schemeClr val="lt1"/>
+        </a:fontRef>
+      </dsp:style>
+    </dsp:sp>
+    <dsp:sp modelId="{61A4B1B8-D7B4-4B83-A68E-23487444738D}">
+      <dsp:nvSpPr>
+        <dsp:cNvPr id="0" name=""/>
+        <dsp:cNvSpPr/>
+      </dsp:nvSpPr>
+      <dsp:spPr>
+        <a:xfrm>
+          <a:off x="0" y="3696461"/>
+          <a:ext cx="4862446" cy="923438"/>
+        </a:xfrm>
+        <a:prstGeom prst="rect">
+          <a:avLst/>
+        </a:prstGeom>
+        <a:noFill/>
+        <a:ln>
+          <a:noFill/>
+        </a:ln>
+        <a:effectLst/>
+      </dsp:spPr>
+      <dsp:style>
+        <a:lnRef idx="0">
+          <a:scrgbClr r="0" g="0" b="0"/>
+        </a:lnRef>
+        <a:fillRef idx="0">
+          <a:scrgbClr r="0" g="0" b="0"/>
+        </a:fillRef>
+        <a:effectRef idx="0">
+          <a:scrgbClr r="0" g="0" b="0"/>
+        </a:effectRef>
+        <a:fontRef idx="minor"/>
+      </dsp:style>
+      <dsp:txBody>
+        <a:bodyPr spcFirstLastPara="0" vert="horz" wrap="square" lIns="160020" tIns="160020" rIns="160020" bIns="160020" numCol="1" spcCol="1270" anchor="t" anchorCtr="0">
+          <a:noAutofit/>
+        </a:bodyPr>
+        <a:lstStyle/>
+        <a:p>
+          <a:pPr marL="0" lvl="0" indent="0" algn="l" defTabSz="1866900">
+            <a:lnSpc>
+              <a:spcPct val="90000"/>
+            </a:lnSpc>
+            <a:spcBef>
+              <a:spcPct val="0"/>
+            </a:spcBef>
+            <a:spcAft>
+              <a:spcPct val="35000"/>
+            </a:spcAft>
+            <a:buNone/>
+          </a:pPr>
+          <a:r>
+            <a:rPr lang="en-US" sz="4200" kern="1200"/>
+            <a:t>Serverless</a:t>
+          </a:r>
+        </a:p>
+      </dsp:txBody>
+      <dsp:txXfrm>
+        <a:off x="0" y="3696461"/>
+        <a:ext cx="4862446" cy="923438"/>
+      </dsp:txXfrm>
+    </dsp:sp>
+    <dsp:sp modelId="{2D6D15E9-19D6-45B7-8606-BADE06F3D126}">
+      <dsp:nvSpPr>
+        <dsp:cNvPr id="0" name=""/>
+        <dsp:cNvSpPr/>
+      </dsp:nvSpPr>
+      <dsp:spPr>
+        <a:xfrm>
+          <a:off x="0" y="4619900"/>
+          <a:ext cx="4862446" cy="0"/>
+        </a:xfrm>
+        <a:prstGeom prst="line">
+          <a:avLst/>
+        </a:prstGeom>
+        <a:solidFill>
+          <a:schemeClr val="accent1">
+            <a:hueOff val="0"/>
+            <a:satOff val="0"/>
+            <a:lumOff val="0"/>
+            <a:alphaOff val="0"/>
+          </a:schemeClr>
+        </a:solidFill>
+        <a:ln w="12700" cap="flat" cmpd="sng" algn="ctr">
+          <a:solidFill>
+            <a:schemeClr val="accent1">
+              <a:hueOff val="0"/>
+              <a:satOff val="0"/>
+              <a:lumOff val="0"/>
+              <a:alphaOff val="0"/>
+            </a:schemeClr>
+          </a:solidFill>
+          <a:prstDash val="solid"/>
+          <a:miter lim="800000"/>
+        </a:ln>
+        <a:effectLst/>
+      </dsp:spPr>
+      <dsp:style>
+        <a:lnRef idx="2">
+          <a:scrgbClr r="0" g="0" b="0"/>
+        </a:lnRef>
+        <a:fillRef idx="1">
+          <a:scrgbClr r="0" g="0" b="0"/>
+        </a:fillRef>
+        <a:effectRef idx="0">
+          <a:scrgbClr r="0" g="0" b="0"/>
+        </a:effectRef>
+        <a:fontRef idx="minor">
+          <a:schemeClr val="lt1"/>
+        </a:fontRef>
+      </dsp:style>
+    </dsp:sp>
+    <dsp:sp modelId="{E01DC721-F700-425A-BE60-D0A8DCC1E08A}">
+      <dsp:nvSpPr>
+        <dsp:cNvPr id="0" name=""/>
+        <dsp:cNvSpPr/>
+      </dsp:nvSpPr>
+      <dsp:spPr>
+        <a:xfrm>
+          <a:off x="0" y="4619900"/>
+          <a:ext cx="4862446" cy="923438"/>
+        </a:xfrm>
+        <a:prstGeom prst="rect">
+          <a:avLst/>
+        </a:prstGeom>
+        <a:noFill/>
+        <a:ln>
+          <a:noFill/>
+        </a:ln>
+        <a:effectLst/>
+      </dsp:spPr>
+      <dsp:style>
+        <a:lnRef idx="0">
+          <a:scrgbClr r="0" g="0" b="0"/>
+        </a:lnRef>
+        <a:fillRef idx="0">
+          <a:scrgbClr r="0" g="0" b="0"/>
+        </a:fillRef>
+        <a:effectRef idx="0">
+          <a:scrgbClr r="0" g="0" b="0"/>
+        </a:effectRef>
+        <a:fontRef idx="minor"/>
+      </dsp:style>
+      <dsp:txBody>
+        <a:bodyPr spcFirstLastPara="0" vert="horz" wrap="square" lIns="160020" tIns="160020" rIns="160020" bIns="160020" numCol="1" spcCol="1270" anchor="t" anchorCtr="0">
+          <a:noAutofit/>
+        </a:bodyPr>
+        <a:lstStyle/>
+        <a:p>
+          <a:pPr marL="0" lvl="0" indent="0" algn="l" defTabSz="1866900">
+            <a:lnSpc>
+              <a:spcPct val="90000"/>
+            </a:lnSpc>
+            <a:spcBef>
+              <a:spcPct val="0"/>
+            </a:spcBef>
+            <a:spcAft>
+              <a:spcPct val="35000"/>
+            </a:spcAft>
+            <a:buNone/>
+          </a:pPr>
+          <a:r>
+            <a:rPr lang="en-US" sz="4200" kern="1200" dirty="0"/>
+            <a:t>What Next?</a:t>
+          </a:r>
+        </a:p>
+      </dsp:txBody>
+      <dsp:txXfrm>
+        <a:off x="0" y="4619900"/>
+        <a:ext cx="4862446" cy="923438"/>
+      </dsp:txXfrm>
+    </dsp:sp>
+  </dsp:spTree>
+</dsp:drawing>
+</file>
+
+<file path=ppt/diagrams/drawing2.xml><?xml version="1.0" encoding="utf-8"?>
+<dsp:drawing xmlns:dgm="http://schemas.openxmlformats.org/drawingml/2006/diagram" xmlns:dsp="http://schemas.microsoft.com/office/drawing/2008/diagram" xmlns:a="http://schemas.openxmlformats.org/drawingml/2006/main">
+  <dsp:spTree>
+    <dsp:nvGrpSpPr>
+      <dsp:cNvPr id="0" name=""/>
+      <dsp:cNvGrpSpPr/>
+    </dsp:nvGrpSpPr>
+    <dsp:grpSpPr/>
     <dsp:sp modelId="{E7407B6D-0C27-4BFC-8C6F-8F149FB2F343}">
       <dsp:nvSpPr>
         <dsp:cNvPr id="0" name=""/>
@@ -2063,8 +3823,8 @@
       </dsp:nvSpPr>
       <dsp:spPr>
         <a:xfrm>
-          <a:off x="9242" y="1346949"/>
-          <a:ext cx="2762398" cy="1657439"/>
+          <a:off x="4621" y="1569532"/>
+          <a:ext cx="2020453" cy="1212272"/>
         </a:xfrm>
         <a:prstGeom prst="roundRect">
           <a:avLst>
@@ -2108,12 +3868,12 @@
         </a:fontRef>
       </dsp:style>
       <dsp:txBody>
-        <a:bodyPr spcFirstLastPara="0" vert="horz" wrap="square" lIns="125730" tIns="125730" rIns="125730" bIns="125730" numCol="1" spcCol="1270" anchor="ctr" anchorCtr="0">
+        <a:bodyPr spcFirstLastPara="0" vert="horz" wrap="square" lIns="87630" tIns="87630" rIns="87630" bIns="87630" numCol="1" spcCol="1270" anchor="ctr" anchorCtr="0">
           <a:noAutofit/>
         </a:bodyPr>
         <a:lstStyle/>
         <a:p>
-          <a:pPr marL="0" lvl="0" indent="0" algn="ctr" defTabSz="1466850">
+          <a:pPr marL="0" lvl="0" indent="0" algn="ctr" defTabSz="1022350">
             <a:lnSpc>
               <a:spcPct val="90000"/>
             </a:lnSpc>
@@ -2126,14 +3886,14 @@
             <a:buNone/>
           </a:pPr>
           <a:r>
-            <a:rPr lang="en-US" sz="3300" kern="1200" dirty="0"/>
+            <a:rPr lang="en-US" sz="2300" kern="1200" dirty="0"/>
             <a:t>Build images</a:t>
           </a:r>
         </a:p>
       </dsp:txBody>
       <dsp:txXfrm>
-        <a:off x="57787" y="1395494"/>
-        <a:ext cx="2665308" cy="1560349"/>
+        <a:off x="40127" y="1605038"/>
+        <a:ext cx="1949441" cy="1141260"/>
       </dsp:txXfrm>
     </dsp:sp>
     <dsp:sp modelId="{5B4F5853-CCD7-4D55-9E07-BBFD7236041C}">
@@ -2143,8 +3903,8 @@
       </dsp:nvSpPr>
       <dsp:spPr>
         <a:xfrm>
-          <a:off x="3047880" y="1833131"/>
-          <a:ext cx="585628" cy="685074"/>
+          <a:off x="2227119" y="1925132"/>
+          <a:ext cx="428336" cy="501072"/>
         </a:xfrm>
         <a:prstGeom prst="rightArrow">
           <a:avLst>
@@ -2186,7 +3946,7 @@
         </a:bodyPr>
         <a:lstStyle/>
         <a:p>
-          <a:pPr marL="0" lvl="0" indent="0" algn="ctr" defTabSz="1155700">
+          <a:pPr marL="0" lvl="0" indent="0" algn="ctr" defTabSz="844550">
             <a:lnSpc>
               <a:spcPct val="90000"/>
             </a:lnSpc>
@@ -2198,12 +3958,12 @@
             </a:spcAft>
             <a:buNone/>
           </a:pPr>
-          <a:endParaRPr lang="en-US" sz="2600" kern="1200"/>
+          <a:endParaRPr lang="en-US" sz="1900" kern="1200"/>
         </a:p>
       </dsp:txBody>
       <dsp:txXfrm>
-        <a:off x="3047880" y="1970146"/>
-        <a:ext cx="409940" cy="411044"/>
+        <a:off x="2227119" y="2025346"/>
+        <a:ext cx="299835" cy="300644"/>
       </dsp:txXfrm>
     </dsp:sp>
     <dsp:sp modelId="{C6872888-E6B8-4D6A-8070-ACE2392B7A29}">
@@ -2213,8 +3973,8 @@
       </dsp:nvSpPr>
       <dsp:spPr>
         <a:xfrm>
-          <a:off x="3876600" y="1346949"/>
-          <a:ext cx="2762398" cy="1657439"/>
+          <a:off x="2833255" y="1569532"/>
+          <a:ext cx="2020453" cy="1212272"/>
         </a:xfrm>
         <a:prstGeom prst="roundRect">
           <a:avLst>
@@ -2258,12 +4018,12 @@
         </a:fontRef>
       </dsp:style>
       <dsp:txBody>
-        <a:bodyPr spcFirstLastPara="0" vert="horz" wrap="square" lIns="125730" tIns="125730" rIns="125730" bIns="125730" numCol="1" spcCol="1270" anchor="ctr" anchorCtr="0">
+        <a:bodyPr spcFirstLastPara="0" vert="horz" wrap="square" lIns="87630" tIns="87630" rIns="87630" bIns="87630" numCol="1" spcCol="1270" anchor="ctr" anchorCtr="0">
           <a:noAutofit/>
         </a:bodyPr>
         <a:lstStyle/>
         <a:p>
-          <a:pPr marL="0" lvl="0" indent="0" algn="ctr" defTabSz="1466850">
+          <a:pPr marL="0" lvl="0" indent="0" algn="ctr" defTabSz="1022350">
             <a:lnSpc>
               <a:spcPct val="90000"/>
             </a:lnSpc>
@@ -2276,14 +4036,14 @@
             <a:buNone/>
           </a:pPr>
           <a:r>
-            <a:rPr lang="en-US" sz="3300" kern="1200" dirty="0"/>
+            <a:rPr lang="en-US" sz="2300" kern="1200" dirty="0"/>
             <a:t>Push into image registry</a:t>
           </a:r>
         </a:p>
       </dsp:txBody>
       <dsp:txXfrm>
-        <a:off x="3925145" y="1395494"/>
-        <a:ext cx="2665308" cy="1560349"/>
+        <a:off x="2868761" y="1605038"/>
+        <a:ext cx="1949441" cy="1141260"/>
       </dsp:txXfrm>
     </dsp:sp>
     <dsp:sp modelId="{BBAEDD4C-FD49-473D-B1D9-15F54151F655}">
@@ -2293,8 +4053,8 @@
       </dsp:nvSpPr>
       <dsp:spPr>
         <a:xfrm>
-          <a:off x="6915239" y="1833131"/>
-          <a:ext cx="585628" cy="685074"/>
+          <a:off x="5055754" y="1925132"/>
+          <a:ext cx="428336" cy="501072"/>
         </a:xfrm>
         <a:prstGeom prst="rightArrow">
           <a:avLst>
@@ -2336,7 +4096,7 @@
         </a:bodyPr>
         <a:lstStyle/>
         <a:p>
-          <a:pPr marL="0" lvl="0" indent="0" algn="ctr" defTabSz="1155700">
+          <a:pPr marL="0" lvl="0" indent="0" algn="ctr" defTabSz="844550">
             <a:lnSpc>
               <a:spcPct val="90000"/>
             </a:lnSpc>
@@ -2348,23 +4108,23 @@
             </a:spcAft>
             <a:buNone/>
           </a:pPr>
-          <a:endParaRPr lang="en-US" sz="2600" kern="1200"/>
+          <a:endParaRPr lang="en-US" sz="1900" kern="1200"/>
         </a:p>
       </dsp:txBody>
       <dsp:txXfrm>
-        <a:off x="6915239" y="1970146"/>
-        <a:ext cx="409940" cy="411044"/>
+        <a:off x="5055754" y="2025346"/>
+        <a:ext cx="299835" cy="300644"/>
       </dsp:txXfrm>
     </dsp:sp>
-    <dsp:sp modelId="{55A7AD11-494B-4C2A-BF26-C2747E28F90E}">
+    <dsp:sp modelId="{041ACFAA-665C-4140-A908-4E855F4605B9}">
       <dsp:nvSpPr>
         <dsp:cNvPr id="0" name=""/>
         <dsp:cNvSpPr/>
       </dsp:nvSpPr>
       <dsp:spPr>
         <a:xfrm>
-          <a:off x="7743958" y="1346949"/>
-          <a:ext cx="2762398" cy="1657439"/>
+          <a:off x="5661890" y="1569532"/>
+          <a:ext cx="2020453" cy="1212272"/>
         </a:xfrm>
         <a:prstGeom prst="roundRect">
           <a:avLst>
@@ -2408,12 +4168,12 @@
         </a:fontRef>
       </dsp:style>
       <dsp:txBody>
-        <a:bodyPr spcFirstLastPara="0" vert="horz" wrap="square" lIns="125730" tIns="125730" rIns="125730" bIns="125730" numCol="1" spcCol="1270" anchor="ctr" anchorCtr="0">
+        <a:bodyPr spcFirstLastPara="0" vert="horz" wrap="square" lIns="87630" tIns="87630" rIns="87630" bIns="87630" numCol="1" spcCol="1270" anchor="ctr" anchorCtr="0">
           <a:noAutofit/>
         </a:bodyPr>
         <a:lstStyle/>
         <a:p>
-          <a:pPr marL="0" lvl="0" indent="0" algn="ctr" defTabSz="1466850">
+          <a:pPr marL="0" lvl="0" indent="0" algn="ctr" defTabSz="1022350">
             <a:lnSpc>
               <a:spcPct val="90000"/>
             </a:lnSpc>
@@ -2426,21 +4186,171 @@
             <a:buNone/>
           </a:pPr>
           <a:r>
-            <a:rPr lang="en-US" sz="3300" kern="1200" dirty="0"/>
-            <a:t>Run container (from repo)</a:t>
+            <a:rPr lang="en-US" sz="2300" kern="1200" dirty="0"/>
+            <a:t>Security, vulnerability scanning</a:t>
           </a:r>
         </a:p>
       </dsp:txBody>
       <dsp:txXfrm>
-        <a:off x="7792503" y="1395494"/>
-        <a:ext cx="2665308" cy="1560349"/>
+        <a:off x="5697396" y="1605038"/>
+        <a:ext cx="1949441" cy="1141260"/>
+      </dsp:txXfrm>
+    </dsp:sp>
+    <dsp:sp modelId="{AC9F5475-608F-4102-8781-47371FAB49EE}">
+      <dsp:nvSpPr>
+        <dsp:cNvPr id="0" name=""/>
+        <dsp:cNvSpPr/>
+      </dsp:nvSpPr>
+      <dsp:spPr>
+        <a:xfrm>
+          <a:off x="7884389" y="1925132"/>
+          <a:ext cx="428336" cy="501072"/>
+        </a:xfrm>
+        <a:prstGeom prst="rightArrow">
+          <a:avLst>
+            <a:gd name="adj1" fmla="val 60000"/>
+            <a:gd name="adj2" fmla="val 50000"/>
+          </a:avLst>
+        </a:prstGeom>
+        <a:solidFill>
+          <a:schemeClr val="accent1">
+            <a:tint val="60000"/>
+            <a:hueOff val="0"/>
+            <a:satOff val="0"/>
+            <a:lumOff val="0"/>
+            <a:alphaOff val="0"/>
+          </a:schemeClr>
+        </a:solidFill>
+        <a:ln>
+          <a:noFill/>
+        </a:ln>
+        <a:effectLst/>
+      </dsp:spPr>
+      <dsp:style>
+        <a:lnRef idx="0">
+          <a:scrgbClr r="0" g="0" b="0"/>
+        </a:lnRef>
+        <a:fillRef idx="1">
+          <a:scrgbClr r="0" g="0" b="0"/>
+        </a:fillRef>
+        <a:effectRef idx="0">
+          <a:scrgbClr r="0" g="0" b="0"/>
+        </a:effectRef>
+        <a:fontRef idx="minor">
+          <a:schemeClr val="lt1"/>
+        </a:fontRef>
+      </dsp:style>
+      <dsp:txBody>
+        <a:bodyPr spcFirstLastPara="0" vert="horz" wrap="square" lIns="0" tIns="0" rIns="0" bIns="0" numCol="1" spcCol="1270" anchor="ctr" anchorCtr="0">
+          <a:noAutofit/>
+        </a:bodyPr>
+        <a:lstStyle/>
+        <a:p>
+          <a:pPr marL="0" lvl="0" indent="0" algn="ctr" defTabSz="844550">
+            <a:lnSpc>
+              <a:spcPct val="90000"/>
+            </a:lnSpc>
+            <a:spcBef>
+              <a:spcPct val="0"/>
+            </a:spcBef>
+            <a:spcAft>
+              <a:spcPct val="35000"/>
+            </a:spcAft>
+            <a:buNone/>
+          </a:pPr>
+          <a:endParaRPr lang="en-US" sz="1900" kern="1200"/>
+        </a:p>
+      </dsp:txBody>
+      <dsp:txXfrm>
+        <a:off x="7884389" y="2025346"/>
+        <a:ext cx="299835" cy="300644"/>
+      </dsp:txXfrm>
+    </dsp:sp>
+    <dsp:sp modelId="{55A7AD11-494B-4C2A-BF26-C2747E28F90E}">
+      <dsp:nvSpPr>
+        <dsp:cNvPr id="0" name=""/>
+        <dsp:cNvSpPr/>
+      </dsp:nvSpPr>
+      <dsp:spPr>
+        <a:xfrm>
+          <a:off x="8490525" y="1569532"/>
+          <a:ext cx="2020453" cy="1212272"/>
+        </a:xfrm>
+        <a:prstGeom prst="roundRect">
+          <a:avLst>
+            <a:gd name="adj" fmla="val 10000"/>
+          </a:avLst>
+        </a:prstGeom>
+        <a:solidFill>
+          <a:schemeClr val="accent1">
+            <a:hueOff val="0"/>
+            <a:satOff val="0"/>
+            <a:lumOff val="0"/>
+            <a:alphaOff val="0"/>
+          </a:schemeClr>
+        </a:solidFill>
+        <a:ln w="12700" cap="flat" cmpd="sng" algn="ctr">
+          <a:solidFill>
+            <a:schemeClr val="lt1">
+              <a:hueOff val="0"/>
+              <a:satOff val="0"/>
+              <a:lumOff val="0"/>
+              <a:alphaOff val="0"/>
+            </a:schemeClr>
+          </a:solidFill>
+          <a:prstDash val="solid"/>
+          <a:miter lim="800000"/>
+        </a:ln>
+        <a:effectLst/>
+      </dsp:spPr>
+      <dsp:style>
+        <a:lnRef idx="2">
+          <a:scrgbClr r="0" g="0" b="0"/>
+        </a:lnRef>
+        <a:fillRef idx="1">
+          <a:scrgbClr r="0" g="0" b="0"/>
+        </a:fillRef>
+        <a:effectRef idx="0">
+          <a:scrgbClr r="0" g="0" b="0"/>
+        </a:effectRef>
+        <a:fontRef idx="minor">
+          <a:schemeClr val="lt1"/>
+        </a:fontRef>
+      </dsp:style>
+      <dsp:txBody>
+        <a:bodyPr spcFirstLastPara="0" vert="horz" wrap="square" lIns="87630" tIns="87630" rIns="87630" bIns="87630" numCol="1" spcCol="1270" anchor="ctr" anchorCtr="0">
+          <a:noAutofit/>
+        </a:bodyPr>
+        <a:lstStyle/>
+        <a:p>
+          <a:pPr marL="0" lvl="0" indent="0" algn="ctr" defTabSz="1022350">
+            <a:lnSpc>
+              <a:spcPct val="90000"/>
+            </a:lnSpc>
+            <a:spcBef>
+              <a:spcPct val="0"/>
+            </a:spcBef>
+            <a:spcAft>
+              <a:spcPct val="35000"/>
+            </a:spcAft>
+            <a:buNone/>
+          </a:pPr>
+          <a:r>
+            <a:rPr lang="en-US" sz="2300" kern="1200" dirty="0"/>
+            <a:t>Run container</a:t>
+          </a:r>
+        </a:p>
+      </dsp:txBody>
+      <dsp:txXfrm>
+        <a:off x="8526031" y="1605038"/>
+        <a:ext cx="1949441" cy="1141260"/>
       </dsp:txXfrm>
     </dsp:sp>
   </dsp:spTree>
 </dsp:drawing>
 </file>
 
-<file path=ppt/diagrams/drawing2.xml><?xml version="1.0" encoding="utf-8"?>
+<file path=ppt/diagrams/drawing3.xml><?xml version="1.0" encoding="utf-8"?>
 <dsp:drawing xmlns:dgm="http://schemas.openxmlformats.org/drawingml/2006/diagram" xmlns:dsp="http://schemas.microsoft.com/office/drawing/2008/diagram" xmlns:a="http://schemas.openxmlformats.org/drawingml/2006/main">
   <dsp:spTree>
     <dsp:nvGrpSpPr>
@@ -2448,14 +4358,14 @@
       <dsp:cNvGrpSpPr/>
     </dsp:nvGrpSpPr>
     <dsp:grpSpPr/>
-    <dsp:sp modelId="{BF8245C2-5E2D-4DBB-849F-53E6FC7B8D1B}">
+    <dsp:sp modelId="{CBFD29D4-A2B4-4C25-B7E6-7B5D0F69D3EF}">
       <dsp:nvSpPr>
         <dsp:cNvPr id="0" name=""/>
         <dsp:cNvSpPr/>
       </dsp:nvSpPr>
       <dsp:spPr>
         <a:xfrm>
-          <a:off x="1953914" y="330547"/>
+          <a:off x="1829520" y="703272"/>
           <a:ext cx="1944000" cy="1944000"/>
         </a:xfrm>
         <a:prstGeom prst="rect">
@@ -2498,127 +4408,6 @@
         </a:fontRef>
       </dsp:style>
     </dsp:sp>
-    <dsp:sp modelId="{7A7E39BC-A6AB-4E76-AD61-A98D22695260}">
-      <dsp:nvSpPr>
-        <dsp:cNvPr id="0" name=""/>
-        <dsp:cNvSpPr/>
-      </dsp:nvSpPr>
-      <dsp:spPr>
-        <a:xfrm>
-          <a:off x="466387" y="2347269"/>
-          <a:ext cx="4919054" cy="1514988"/>
-        </a:xfrm>
-        <a:prstGeom prst="rect">
-          <a:avLst/>
-        </a:prstGeom>
-        <a:noFill/>
-        <a:ln>
-          <a:noFill/>
-        </a:ln>
-        <a:effectLst/>
-      </dsp:spPr>
-      <dsp:style>
-        <a:lnRef idx="0">
-          <a:scrgbClr r="0" g="0" b="0"/>
-        </a:lnRef>
-        <a:fillRef idx="0">
-          <a:scrgbClr r="0" g="0" b="0"/>
-        </a:fillRef>
-        <a:effectRef idx="0">
-          <a:scrgbClr r="0" g="0" b="0"/>
-        </a:effectRef>
-        <a:fontRef idx="minor"/>
-      </dsp:style>
-      <dsp:txBody>
-        <a:bodyPr spcFirstLastPara="0" vert="horz" wrap="square" lIns="0" tIns="0" rIns="0" bIns="0" numCol="1" spcCol="1270" anchor="t" anchorCtr="0">
-          <a:noAutofit/>
-        </a:bodyPr>
-        <a:lstStyle/>
-        <a:p>
-          <a:pPr marL="0" lvl="0" indent="0" algn="l" defTabSz="1200150">
-            <a:lnSpc>
-              <a:spcPct val="100000"/>
-            </a:lnSpc>
-            <a:spcBef>
-              <a:spcPct val="0"/>
-            </a:spcBef>
-            <a:spcAft>
-              <a:spcPct val="35000"/>
-            </a:spcAft>
-            <a:buNone/>
-          </a:pPr>
-          <a:r>
-            <a:rPr lang="en-US" sz="2700" kern="1200" dirty="0"/>
-            <a:t>- Docker supports OCI Standard</a:t>
-          </a:r>
-          <a:br>
-            <a:rPr lang="en-US" sz="2700" kern="1200" dirty="0"/>
-          </a:br>
-          <a:r>
-            <a:rPr lang="en-US" sz="2700" kern="1200" dirty="0"/>
-            <a:t>- Kubernetes uses different container runtime but </a:t>
-          </a:r>
-          <a:r>
-            <a:rPr lang="en-US" sz="2700" kern="1200"/>
-            <a:t>OCI images</a:t>
-          </a:r>
-        </a:p>
-      </dsp:txBody>
-      <dsp:txXfrm>
-        <a:off x="466387" y="2347269"/>
-        <a:ext cx="4919054" cy="1514988"/>
-      </dsp:txXfrm>
-    </dsp:sp>
-    <dsp:sp modelId="{CBFD29D4-A2B4-4C25-B7E6-7B5D0F69D3EF}">
-      <dsp:nvSpPr>
-        <dsp:cNvPr id="0" name=""/>
-        <dsp:cNvSpPr/>
-      </dsp:nvSpPr>
-      <dsp:spPr>
-        <a:xfrm>
-          <a:off x="7329441" y="529294"/>
-          <a:ext cx="1944000" cy="1944000"/>
-        </a:xfrm>
-        <a:prstGeom prst="rect">
-          <a:avLst/>
-        </a:prstGeom>
-        <a:blipFill>
-          <a:blip xmlns:r="http://schemas.openxmlformats.org/officeDocument/2006/relationships" r:embed="rId3">
-            <a:extLst>
-              <a:ext uri="{28A0092B-C50C-407E-A947-70E740481C1C}">
-                <a14:useLocalDpi xmlns:a14="http://schemas.microsoft.com/office/drawing/2010/main" val="0"/>
-              </a:ext>
-              <a:ext uri="{96DAC541-7B7A-43D3-8B79-37D633B846F1}">
-                <asvg:svgBlip xmlns:asvg="http://schemas.microsoft.com/office/drawing/2016/SVG/main" r:embed="rId4"/>
-              </a:ext>
-            </a:extLst>
-          </a:blip>
-          <a:stretch>
-            <a:fillRect/>
-          </a:stretch>
-        </a:blipFill>
-        <a:ln w="12700" cap="flat" cmpd="sng" algn="ctr">
-          <a:noFill/>
-          <a:prstDash val="solid"/>
-          <a:miter lim="800000"/>
-        </a:ln>
-        <a:effectLst/>
-      </dsp:spPr>
-      <dsp:style>
-        <a:lnRef idx="2">
-          <a:scrgbClr r="0" g="0" b="0"/>
-        </a:lnRef>
-        <a:fillRef idx="1">
-          <a:scrgbClr r="0" g="0" b="0"/>
-        </a:fillRef>
-        <a:effectRef idx="0">
-          <a:scrgbClr r="0" g="0" b="0"/>
-        </a:effectRef>
-        <a:fontRef idx="minor">
-          <a:schemeClr val="lt1"/>
-        </a:fontRef>
-      </dsp:style>
-    </dsp:sp>
     <dsp:sp modelId="{8D849BA0-BC4B-4D3B-A81E-49F030CA18B9}">
       <dsp:nvSpPr>
         <dsp:cNvPr id="0" name=""/>
@@ -2626,7 +4415,7 @@
       </dsp:nvSpPr>
       <dsp:spPr>
         <a:xfrm>
-          <a:off x="6141441" y="2943510"/>
+          <a:off x="641520" y="3117390"/>
           <a:ext cx="4320000" cy="720000"/>
         </a:xfrm>
         <a:prstGeom prst="rect">
@@ -2656,7 +4445,7 @@
         </a:bodyPr>
         <a:lstStyle/>
         <a:p>
-          <a:pPr marL="0" lvl="0" indent="0" algn="ctr" defTabSz="1200150">
+          <a:pPr marL="0" lvl="0" indent="0" algn="ctr" defTabSz="2044700">
             <a:lnSpc>
               <a:spcPct val="100000"/>
             </a:lnSpc>
@@ -2669,13 +4458,13 @@
             <a:buNone/>
           </a:pPr>
           <a:r>
-            <a:rPr lang="en-US" sz="2700" kern="1200" dirty="0"/>
+            <a:rPr lang="en-US" sz="4600" kern="1200" dirty="0"/>
             <a:t>Demo</a:t>
           </a:r>
         </a:p>
       </dsp:txBody>
       <dsp:txXfrm>
-        <a:off x="6141441" y="2943510"/>
+        <a:off x="641520" y="3117390"/>
         <a:ext cx="4320000" cy="720000"/>
       </dsp:txXfrm>
     </dsp:sp>
@@ -2684,6 +4473,472 @@
 </file>
 
 <file path=ppt/diagrams/layout1.xml><?xml version="1.0" encoding="utf-8"?>
+<dgm:layoutDef xmlns:dgm="http://schemas.openxmlformats.org/drawingml/2006/diagram" xmlns:a="http://schemas.openxmlformats.org/drawingml/2006/main" uniqueId="urn:microsoft.com/office/officeart/2008/layout/LinedList">
+  <dgm:title val=""/>
+  <dgm:desc val=""/>
+  <dgm:catLst>
+    <dgm:cat type="hierarchy" pri="8000"/>
+    <dgm:cat type="list" pri="2500"/>
+  </dgm:catLst>
+  <dgm:sampData>
+    <dgm:dataModel>
+      <dgm:ptLst>
+        <dgm:pt modelId="0" type="doc"/>
+        <dgm:pt modelId="1">
+          <dgm:prSet phldr="1"/>
+        </dgm:pt>
+        <dgm:pt modelId="11">
+          <dgm:prSet phldr="1"/>
+        </dgm:pt>
+        <dgm:pt modelId="12">
+          <dgm:prSet phldr="1"/>
+        </dgm:pt>
+        <dgm:pt modelId="13">
+          <dgm:prSet phldr="1"/>
+        </dgm:pt>
+      </dgm:ptLst>
+      <dgm:cxnLst>
+        <dgm:cxn modelId="2" srcId="0" destId="1" srcOrd="0" destOrd="0"/>
+        <dgm:cxn modelId="3" srcId="1" destId="11" srcOrd="0" destOrd="0"/>
+        <dgm:cxn modelId="4" srcId="1" destId="12" srcOrd="1" destOrd="0"/>
+        <dgm:cxn modelId="5" srcId="1" destId="13" srcOrd="2" destOrd="0"/>
+      </dgm:cxnLst>
+      <dgm:bg/>
+      <dgm:whole/>
+    </dgm:dataModel>
+  </dgm:sampData>
+  <dgm:styleData>
+    <dgm:dataModel>
+      <dgm:ptLst>
+        <dgm:pt modelId="0" type="doc"/>
+        <dgm:pt modelId="1">
+          <dgm:prSet phldr="1"/>
+        </dgm:pt>
+        <dgm:pt modelId="11">
+          <dgm:prSet phldr="1"/>
+        </dgm:pt>
+        <dgm:pt modelId="12">
+          <dgm:prSet phldr="1"/>
+        </dgm:pt>
+      </dgm:ptLst>
+      <dgm:cxnLst>
+        <dgm:cxn modelId="2" srcId="0" destId="1" srcOrd="0" destOrd="0"/>
+        <dgm:cxn modelId="3" srcId="1" destId="11" srcOrd="0" destOrd="0"/>
+        <dgm:cxn modelId="4" srcId="1" destId="12" srcOrd="1" destOrd="0"/>
+      </dgm:cxnLst>
+      <dgm:bg/>
+      <dgm:whole/>
+    </dgm:dataModel>
+  </dgm:styleData>
+  <dgm:clrData>
+    <dgm:dataModel>
+      <dgm:ptLst>
+        <dgm:pt modelId="0" type="doc"/>
+        <dgm:pt modelId="1">
+          <dgm:prSet phldr="1"/>
+        </dgm:pt>
+        <dgm:pt modelId="11">
+          <dgm:prSet phldr="1"/>
+        </dgm:pt>
+        <dgm:pt modelId="12">
+          <dgm:prSet phldr="1"/>
+        </dgm:pt>
+      </dgm:ptLst>
+      <dgm:cxnLst>
+        <dgm:cxn modelId="2" srcId="0" destId="1" srcOrd="0" destOrd="0"/>
+        <dgm:cxn modelId="3" srcId="1" destId="11" srcOrd="0" destOrd="0"/>
+        <dgm:cxn modelId="4" srcId="1" destId="12" srcOrd="1" destOrd="0"/>
+      </dgm:cxnLst>
+      <dgm:bg/>
+      <dgm:whole/>
+    </dgm:dataModel>
+  </dgm:clrData>
+  <dgm:layoutNode name="vert0">
+    <dgm:varLst>
+      <dgm:dir/>
+      <dgm:animOne val="branch"/>
+      <dgm:animLvl val="lvl"/>
+    </dgm:varLst>
+    <dgm:choose name="Name0">
+      <dgm:if name="Name1" func="var" arg="dir" op="equ" val="norm">
+        <dgm:alg type="lin">
+          <dgm:param type="linDir" val="fromT"/>
+          <dgm:param type="nodeHorzAlign" val="l"/>
+        </dgm:alg>
+      </dgm:if>
+      <dgm:else name="Name2">
+        <dgm:alg type="lin">
+          <dgm:param type="linDir" val="fromT"/>
+          <dgm:param type="nodeHorzAlign" val="r"/>
+        </dgm:alg>
+      </dgm:else>
+    </dgm:choose>
+    <dgm:shape xmlns:r="http://schemas.openxmlformats.org/officeDocument/2006/relationships" r:blip="">
+      <dgm:adjLst/>
+    </dgm:shape>
+    <dgm:presOf/>
+    <dgm:constrLst>
+      <dgm:constr type="w" for="ch" forName="horz1" refType="w"/>
+      <dgm:constr type="h" for="ch" forName="horz1" refType="h"/>
+      <dgm:constr type="h" for="des" forName="vert1" refType="h"/>
+      <dgm:constr type="h" for="des" forName="tx1" refType="h"/>
+      <dgm:constr type="h" for="des" forName="horz2" refType="h"/>
+      <dgm:constr type="h" for="des" forName="vert2" refType="h"/>
+      <dgm:constr type="h" for="des" forName="horz3" refType="h"/>
+      <dgm:constr type="h" for="des" forName="vert3" refType="h"/>
+      <dgm:constr type="h" for="des" forName="horz4" refType="h"/>
+      <dgm:constr type="h" for="des" ptType="node" refType="h"/>
+      <dgm:constr type="primFontSz" for="des" forName="tx1" op="equ" val="65"/>
+      <dgm:constr type="primFontSz" for="des" forName="tx2" op="equ" val="65"/>
+      <dgm:constr type="primFontSz" for="des" forName="tx3" op="equ" val="65"/>
+      <dgm:constr type="primFontSz" for="des" forName="tx4" op="equ" val="65"/>
+      <dgm:constr type="w" for="des" forName="thickLine" refType="w"/>
+      <dgm:constr type="h" for="des" forName="thickLine"/>
+      <dgm:constr type="h" for="des" forName="thinLine1"/>
+      <dgm:constr type="h" for="des" forName="thinLine2b"/>
+      <dgm:constr type="h" for="des" forName="thinLine3"/>
+      <dgm:constr type="h" for="des" forName="vertSpace2a" refType="h" fact="0.05"/>
+      <dgm:constr type="h" for="des" forName="vertSpace2b" refType="h" refFor="des" refForName="vertSpace2a"/>
+    </dgm:constrLst>
+    <dgm:forEach name="Name3" axis="ch" ptType="node">
+      <dgm:layoutNode name="thickLine" styleLbl="alignNode1">
+        <dgm:alg type="sp"/>
+        <dgm:shape xmlns:r="http://schemas.openxmlformats.org/officeDocument/2006/relationships" type="line" r:blip="">
+          <dgm:adjLst/>
+        </dgm:shape>
+        <dgm:presOf/>
+      </dgm:layoutNode>
+      <dgm:layoutNode name="horz1">
+        <dgm:choose name="Name4">
+          <dgm:if name="Name5" func="var" arg="dir" op="equ" val="norm">
+            <dgm:alg type="lin">
+              <dgm:param type="linDir" val="fromL"/>
+              <dgm:param type="nodeVertAlign" val="t"/>
+            </dgm:alg>
+          </dgm:if>
+          <dgm:else name="Name6">
+            <dgm:alg type="lin">
+              <dgm:param type="linDir" val="fromR"/>
+              <dgm:param type="nodeVertAlign" val="t"/>
+            </dgm:alg>
+          </dgm:else>
+        </dgm:choose>
+        <dgm:shape xmlns:r="http://schemas.openxmlformats.org/officeDocument/2006/relationships" r:blip="">
+          <dgm:adjLst/>
+        </dgm:shape>
+        <dgm:presOf/>
+        <dgm:choose name="Name7">
+          <dgm:if name="Name8" axis="root des" func="maxDepth" op="equ" val="1">
+            <dgm:constrLst>
+              <dgm:constr type="w" for="ch" forName="tx1" refType="w"/>
+            </dgm:constrLst>
+          </dgm:if>
+          <dgm:if name="Name9" axis="root des" func="maxDepth" op="equ" val="2">
+            <dgm:constrLst>
+              <dgm:constr type="w" for="ch" forName="tx1" refType="w" fact="0.2"/>
+              <dgm:constr type="w" for="des" forName="tx2" refType="w" fact="0.785"/>
+              <dgm:constr type="w" for="des" forName="horzSpace2" refType="w" fact="0.015"/>
+              <dgm:constr type="w" for="des" forName="thinLine2b" refType="w" fact="0.8"/>
+            </dgm:constrLst>
+          </dgm:if>
+          <dgm:if name="Name10" axis="root des" func="maxDepth" op="equ" val="3">
+            <dgm:constrLst>
+              <dgm:constr type="w" for="ch" forName="tx1" refType="w" fact="0.2"/>
+              <dgm:constr type="w" for="des" forName="tx2" refType="w" fact="0.385"/>
+              <dgm:constr type="w" for="des" forName="tx3" refType="w" fact="0.385"/>
+              <dgm:constr type="w" for="des" forName="horzSpace2" refType="w" fact="0.015"/>
+              <dgm:constr type="w" for="des" forName="horzSpace3" refType="w" fact="0.015"/>
+              <dgm:constr type="w" for="des" forName="thinLine2b" refType="w" fact="0.8"/>
+              <dgm:constr type="w" for="des" forName="thinLine3" refType="w" fact="0.385"/>
+            </dgm:constrLst>
+          </dgm:if>
+          <dgm:if name="Name11" axis="root des" func="maxDepth" op="gte" val="4">
+            <dgm:constrLst>
+              <dgm:constr type="w" for="ch" forName="tx1" refType="w" fact="0.2"/>
+              <dgm:constr type="w" for="des" forName="tx2" refType="w" fact="0.2516"/>
+              <dgm:constr type="w" for="des" forName="tx3" refType="w" fact="0.2516"/>
+              <dgm:constr type="w" for="des" forName="tx4" refType="w" fact="0.2516"/>
+              <dgm:constr type="w" for="des" forName="horzSpace2" refType="w" fact="0.015"/>
+              <dgm:constr type="w" for="des" forName="horzSpace3" refType="w" fact="0.015"/>
+              <dgm:constr type="w" for="des" forName="horzSpace4" refType="w" fact="0.015"/>
+              <dgm:constr type="w" for="des" forName="thinLine2b" refType="w" fact="0.8"/>
+              <dgm:constr type="w" for="des" forName="thinLine3" refType="w" fact="0.5332"/>
+            </dgm:constrLst>
+          </dgm:if>
+          <dgm:else name="Name12"/>
+        </dgm:choose>
+        <dgm:layoutNode name="tx1" styleLbl="revTx">
+          <dgm:alg type="tx">
+            <dgm:param type="parTxLTRAlign" val="l"/>
+            <dgm:param type="parTxRTLAlign" val="r"/>
+            <dgm:param type="txAnchorVert" val="t"/>
+          </dgm:alg>
+          <dgm:shape xmlns:r="http://schemas.openxmlformats.org/officeDocument/2006/relationships" type="rect" r:blip="">
+            <dgm:adjLst/>
+          </dgm:shape>
+          <dgm:presOf axis="self"/>
+          <dgm:constrLst>
+            <dgm:constr type="tMarg" refType="primFontSz" fact="0.3"/>
+            <dgm:constr type="bMarg" refType="primFontSz" fact="0.3"/>
+            <dgm:constr type="lMarg" refType="primFontSz" fact="0.3"/>
+            <dgm:constr type="rMarg" refType="primFontSz" fact="0.3"/>
+          </dgm:constrLst>
+          <dgm:ruleLst>
+            <dgm:rule type="primFontSz" val="5" fact="NaN" max="NaN"/>
+          </dgm:ruleLst>
+        </dgm:layoutNode>
+        <dgm:layoutNode name="vert1">
+          <dgm:choose name="Name13">
+            <dgm:if name="Name14" func="var" arg="dir" op="equ" val="norm">
+              <dgm:alg type="lin">
+                <dgm:param type="linDir" val="fromT"/>
+                <dgm:param type="nodeHorzAlign" val="l"/>
+              </dgm:alg>
+            </dgm:if>
+            <dgm:else name="Name15">
+              <dgm:alg type="lin">
+                <dgm:param type="linDir" val="fromT"/>
+                <dgm:param type="nodeHorzAlign" val="r"/>
+              </dgm:alg>
+            </dgm:else>
+          </dgm:choose>
+          <dgm:shape xmlns:r="http://schemas.openxmlformats.org/officeDocument/2006/relationships" r:blip="">
+            <dgm:adjLst/>
+          </dgm:shape>
+          <dgm:presOf/>
+          <dgm:forEach name="Name16" axis="ch" ptType="node">
+            <dgm:choose name="Name17">
+              <dgm:if name="Name18" axis="self" ptType="node" func="pos" op="equ" val="1">
+                <dgm:layoutNode name="vertSpace2a">
+                  <dgm:alg type="sp"/>
+                  <dgm:shape xmlns:r="http://schemas.openxmlformats.org/officeDocument/2006/relationships" r:blip="">
+                    <dgm:adjLst/>
+                  </dgm:shape>
+                  <dgm:presOf/>
+                </dgm:layoutNode>
+              </dgm:if>
+              <dgm:else name="Name19"/>
+            </dgm:choose>
+            <dgm:layoutNode name="horz2">
+              <dgm:choose name="Name20">
+                <dgm:if name="Name21" func="var" arg="dir" op="equ" val="norm">
+                  <dgm:alg type="lin">
+                    <dgm:param type="linDir" val="fromL"/>
+                    <dgm:param type="nodeVertAlign" val="t"/>
+                  </dgm:alg>
+                </dgm:if>
+                <dgm:else name="Name22">
+                  <dgm:alg type="lin">
+                    <dgm:param type="linDir" val="fromR"/>
+                    <dgm:param type="nodeVertAlign" val="t"/>
+                  </dgm:alg>
+                </dgm:else>
+              </dgm:choose>
+              <dgm:shape xmlns:r="http://schemas.openxmlformats.org/officeDocument/2006/relationships" r:blip="">
+                <dgm:adjLst/>
+              </dgm:shape>
+              <dgm:presOf/>
+              <dgm:layoutNode name="horzSpace2">
+                <dgm:alg type="sp"/>
+                <dgm:shape xmlns:r="http://schemas.openxmlformats.org/officeDocument/2006/relationships" r:blip="">
+                  <dgm:adjLst/>
+                </dgm:shape>
+                <dgm:presOf/>
+              </dgm:layoutNode>
+              <dgm:layoutNode name="tx2" styleLbl="revTx">
+                <dgm:alg type="tx">
+                  <dgm:param type="parTxLTRAlign" val="l"/>
+                  <dgm:param type="parTxRTLAlign" val="r"/>
+                  <dgm:param type="txAnchorVert" val="t"/>
+                </dgm:alg>
+                <dgm:shape xmlns:r="http://schemas.openxmlformats.org/officeDocument/2006/relationships" type="rect" r:blip="">
+                  <dgm:adjLst/>
+                </dgm:shape>
+                <dgm:presOf axis="self"/>
+                <dgm:constrLst>
+                  <dgm:constr type="tMarg" refType="primFontSz" fact="0.3"/>
+                  <dgm:constr type="bMarg" refType="primFontSz" fact="0.3"/>
+                  <dgm:constr type="lMarg" refType="primFontSz" fact="0.3"/>
+                  <dgm:constr type="rMarg" refType="primFontSz" fact="0.3"/>
+                </dgm:constrLst>
+                <dgm:ruleLst>
+                  <dgm:rule type="primFontSz" val="5" fact="NaN" max="NaN"/>
+                </dgm:ruleLst>
+              </dgm:layoutNode>
+              <dgm:layoutNode name="vert2">
+                <dgm:choose name="Name23">
+                  <dgm:if name="Name24" func="var" arg="dir" op="equ" val="norm">
+                    <dgm:alg type="lin">
+                      <dgm:param type="linDir" val="fromT"/>
+                      <dgm:param type="nodeHorzAlign" val="l"/>
+                    </dgm:alg>
+                  </dgm:if>
+                  <dgm:else name="Name25">
+                    <dgm:alg type="lin">
+                      <dgm:param type="linDir" val="fromT"/>
+                      <dgm:param type="nodeHorzAlign" val="r"/>
+                    </dgm:alg>
+                  </dgm:else>
+                </dgm:choose>
+                <dgm:shape xmlns:r="http://schemas.openxmlformats.org/officeDocument/2006/relationships" r:blip="">
+                  <dgm:adjLst/>
+                </dgm:shape>
+                <dgm:presOf/>
+                <dgm:forEach name="Name26" axis="ch" ptType="node">
+                  <dgm:layoutNode name="horz3">
+                    <dgm:choose name="Name27">
+                      <dgm:if name="Name28" func="var" arg="dir" op="equ" val="norm">
+                        <dgm:alg type="lin">
+                          <dgm:param type="linDir" val="fromL"/>
+                          <dgm:param type="nodeVertAlign" val="t"/>
+                        </dgm:alg>
+                      </dgm:if>
+                      <dgm:else name="Name29">
+                        <dgm:alg type="lin">
+                          <dgm:param type="linDir" val="fromR"/>
+                          <dgm:param type="nodeVertAlign" val="t"/>
+                        </dgm:alg>
+                      </dgm:else>
+                    </dgm:choose>
+                    <dgm:shape xmlns:r="http://schemas.openxmlformats.org/officeDocument/2006/relationships" r:blip="">
+                      <dgm:adjLst/>
+                    </dgm:shape>
+                    <dgm:presOf/>
+                    <dgm:layoutNode name="horzSpace3">
+                      <dgm:alg type="sp"/>
+                      <dgm:shape xmlns:r="http://schemas.openxmlformats.org/officeDocument/2006/relationships" r:blip="">
+                        <dgm:adjLst/>
+                      </dgm:shape>
+                      <dgm:presOf/>
+                    </dgm:layoutNode>
+                    <dgm:layoutNode name="tx3" styleLbl="revTx">
+                      <dgm:alg type="tx">
+                        <dgm:param type="parTxLTRAlign" val="l"/>
+                        <dgm:param type="parTxRTLAlign" val="r"/>
+                        <dgm:param type="txAnchorVert" val="t"/>
+                      </dgm:alg>
+                      <dgm:shape xmlns:r="http://schemas.openxmlformats.org/officeDocument/2006/relationships" type="rect" r:blip="">
+                        <dgm:adjLst/>
+                      </dgm:shape>
+                      <dgm:presOf axis="self"/>
+                      <dgm:constrLst>
+                        <dgm:constr type="tMarg" refType="primFontSz" fact="0.3"/>
+                        <dgm:constr type="bMarg" refType="primFontSz" fact="0.3"/>
+                        <dgm:constr type="lMarg" refType="primFontSz" fact="0.3"/>
+                        <dgm:constr type="rMarg" refType="primFontSz" fact="0.3"/>
+                      </dgm:constrLst>
+                      <dgm:ruleLst>
+                        <dgm:rule type="primFontSz" val="5" fact="NaN" max="NaN"/>
+                      </dgm:ruleLst>
+                    </dgm:layoutNode>
+                    <dgm:layoutNode name="vert3">
+                      <dgm:choose name="Name30">
+                        <dgm:if name="Name31" func="var" arg="dir" op="equ" val="norm">
+                          <dgm:alg type="lin">
+                            <dgm:param type="linDir" val="fromT"/>
+                            <dgm:param type="nodeHorzAlign" val="l"/>
+                          </dgm:alg>
+                        </dgm:if>
+                        <dgm:else name="Name32">
+                          <dgm:alg type="lin">
+                            <dgm:param type="linDir" val="fromT"/>
+                            <dgm:param type="nodeHorzAlign" val="r"/>
+                          </dgm:alg>
+                        </dgm:else>
+                      </dgm:choose>
+                      <dgm:shape xmlns:r="http://schemas.openxmlformats.org/officeDocument/2006/relationships" r:blip="">
+                        <dgm:adjLst/>
+                      </dgm:shape>
+                      <dgm:presOf/>
+                      <dgm:forEach name="Name33" axis="ch" ptType="node">
+                        <dgm:layoutNode name="horz4">
+                          <dgm:choose name="Name34">
+                            <dgm:if name="Name35" func="var" arg="dir" op="equ" val="norm">
+                              <dgm:alg type="lin">
+                                <dgm:param type="linDir" val="fromL"/>
+                                <dgm:param type="nodeVertAlign" val="t"/>
+                              </dgm:alg>
+                            </dgm:if>
+                            <dgm:else name="Name36">
+                              <dgm:alg type="lin">
+                                <dgm:param type="linDir" val="fromR"/>
+                                <dgm:param type="nodeVertAlign" val="t"/>
+                              </dgm:alg>
+                            </dgm:else>
+                          </dgm:choose>
+                          <dgm:shape xmlns:r="http://schemas.openxmlformats.org/officeDocument/2006/relationships" r:blip="">
+                            <dgm:adjLst/>
+                          </dgm:shape>
+                          <dgm:presOf/>
+                          <dgm:layoutNode name="horzSpace4">
+                            <dgm:alg type="sp"/>
+                            <dgm:shape xmlns:r="http://schemas.openxmlformats.org/officeDocument/2006/relationships" r:blip="">
+                              <dgm:adjLst/>
+                            </dgm:shape>
+                            <dgm:presOf/>
+                          </dgm:layoutNode>
+                          <dgm:layoutNode name="tx4" styleLbl="revTx">
+                            <dgm:varLst>
+                              <dgm:bulletEnabled val="1"/>
+                            </dgm:varLst>
+                            <dgm:alg type="tx">
+                              <dgm:param type="parTxLTRAlign" val="l"/>
+                              <dgm:param type="parTxRTLAlign" val="r"/>
+                              <dgm:param type="txAnchorVert" val="t"/>
+                            </dgm:alg>
+                            <dgm:shape xmlns:r="http://schemas.openxmlformats.org/officeDocument/2006/relationships" type="rect" r:blip="">
+                              <dgm:adjLst/>
+                            </dgm:shape>
+                            <dgm:presOf axis="desOrSelf" ptType="node"/>
+                            <dgm:constrLst>
+                              <dgm:constr type="tMarg" refType="primFontSz" fact="0.3"/>
+                              <dgm:constr type="bMarg" refType="primFontSz" fact="0.3"/>
+                              <dgm:constr type="lMarg" refType="primFontSz" fact="0.3"/>
+                              <dgm:constr type="rMarg" refType="primFontSz" fact="0.3"/>
+                            </dgm:constrLst>
+                            <dgm:ruleLst>
+                              <dgm:rule type="primFontSz" val="5" fact="NaN" max="NaN"/>
+                            </dgm:ruleLst>
+                          </dgm:layoutNode>
+                        </dgm:layoutNode>
+                      </dgm:forEach>
+                    </dgm:layoutNode>
+                  </dgm:layoutNode>
+                  <dgm:forEach name="Name37" axis="followSib" ptType="sibTrans" cnt="1">
+                    <dgm:layoutNode name="thinLine3" styleLbl="callout">
+                      <dgm:alg type="sp"/>
+                      <dgm:shape xmlns:r="http://schemas.openxmlformats.org/officeDocument/2006/relationships" type="line" r:blip="">
+                        <dgm:adjLst/>
+                      </dgm:shape>
+                      <dgm:presOf/>
+                    </dgm:layoutNode>
+                  </dgm:forEach>
+                </dgm:forEach>
+              </dgm:layoutNode>
+            </dgm:layoutNode>
+            <dgm:layoutNode name="thinLine2b" styleLbl="callout">
+              <dgm:alg type="sp"/>
+              <dgm:shape xmlns:r="http://schemas.openxmlformats.org/officeDocument/2006/relationships" type="line" r:blip="">
+                <dgm:adjLst/>
+              </dgm:shape>
+              <dgm:presOf/>
+            </dgm:layoutNode>
+            <dgm:layoutNode name="vertSpace2b">
+              <dgm:alg type="sp"/>
+              <dgm:shape xmlns:r="http://schemas.openxmlformats.org/officeDocument/2006/relationships" r:blip="">
+                <dgm:adjLst/>
+              </dgm:shape>
+              <dgm:presOf/>
+            </dgm:layoutNode>
+          </dgm:forEach>
+        </dgm:layoutNode>
+      </dgm:layoutNode>
+    </dgm:forEach>
+  </dgm:layoutNode>
+</dgm:layoutDef>
+</file>
+
+<file path=ppt/diagrams/layout2.xml><?xml version="1.0" encoding="utf-8"?>
 <dgm:layoutDef xmlns:dgm="http://schemas.openxmlformats.org/drawingml/2006/diagram" xmlns:a="http://schemas.openxmlformats.org/drawingml/2006/main" uniqueId="urn:microsoft.com/office/officeart/2005/8/layout/process1">
   <dgm:title val=""/>
   <dgm:desc val=""/>
@@ -2829,7 +5084,7 @@
 </dgm:layoutDef>
 </file>
 
-<file path=ppt/diagrams/layout2.xml><?xml version="1.0" encoding="utf-8"?>
+<file path=ppt/diagrams/layout3.xml><?xml version="1.0" encoding="utf-8"?>
 <dgm:layoutDef xmlns:dgm="http://schemas.openxmlformats.org/drawingml/2006/diagram" xmlns:a="http://schemas.openxmlformats.org/drawingml/2006/main" uniqueId="urn:microsoft.com/office/officeart/2018/2/layout/IconLabelList">
   <dgm:title val="Icon Label List"/>
   <dgm:desc val="Use to show non-sequential or grouped chunks of information accompanied by a related visuals. Works best with icons or small pictures with short text captions."/>
@@ -4054,6 +6309,1040 @@
 </file>
 
 <file path=ppt/diagrams/quickStyle2.xml><?xml version="1.0" encoding="utf-8"?>
+<dgm:styleDef xmlns:dgm="http://schemas.openxmlformats.org/drawingml/2006/diagram" xmlns:a="http://schemas.openxmlformats.org/drawingml/2006/main" uniqueId="urn:microsoft.com/office/officeart/2005/8/quickstyle/simple1">
+  <dgm:title val=""/>
+  <dgm:desc val=""/>
+  <dgm:catLst>
+    <dgm:cat type="simple" pri="10100"/>
+  </dgm:catLst>
+  <dgm:scene3d>
+    <a:camera prst="orthographicFront"/>
+    <a:lightRig rig="threePt" dir="t"/>
+  </dgm:scene3d>
+  <dgm:styleLbl name="node0">
+    <dgm:scene3d>
+      <a:camera prst="orthographicFront"/>
+      <a:lightRig rig="threePt" dir="t"/>
+    </dgm:scene3d>
+    <dgm:sp3d/>
+    <dgm:txPr/>
+    <dgm:style>
+      <a:lnRef idx="2">
+        <a:scrgbClr r="0" g="0" b="0"/>
+      </a:lnRef>
+      <a:fillRef idx="1">
+        <a:scrgbClr r="0" g="0" b="0"/>
+      </a:fillRef>
+      <a:effectRef idx="0">
+        <a:scrgbClr r="0" g="0" b="0"/>
+      </a:effectRef>
+      <a:fontRef idx="minor">
+        <a:schemeClr val="lt1"/>
+      </a:fontRef>
+    </dgm:style>
+  </dgm:styleLbl>
+  <dgm:styleLbl name="lnNode1">
+    <dgm:scene3d>
+      <a:camera prst="orthographicFront"/>
+      <a:lightRig rig="threePt" dir="t"/>
+    </dgm:scene3d>
+    <dgm:sp3d/>
+    <dgm:txPr/>
+    <dgm:style>
+      <a:lnRef idx="2">
+        <a:scrgbClr r="0" g="0" b="0"/>
+      </a:lnRef>
+      <a:fillRef idx="1">
+        <a:scrgbClr r="0" g="0" b="0"/>
+      </a:fillRef>
+      <a:effectRef idx="0">
+        <a:scrgbClr r="0" g="0" b="0"/>
+      </a:effectRef>
+      <a:fontRef idx="minor">
+        <a:schemeClr val="lt1"/>
+      </a:fontRef>
+    </dgm:style>
+  </dgm:styleLbl>
+  <dgm:styleLbl name="vennNode1">
+    <dgm:scene3d>
+      <a:camera prst="orthographicFront"/>
+      <a:lightRig rig="threePt" dir="t"/>
+    </dgm:scene3d>
+    <dgm:sp3d/>
+    <dgm:txPr/>
+    <dgm:style>
+      <a:lnRef idx="2">
+        <a:scrgbClr r="0" g="0" b="0"/>
+      </a:lnRef>
+      <a:fillRef idx="1">
+        <a:scrgbClr r="0" g="0" b="0"/>
+      </a:fillRef>
+      <a:effectRef idx="0">
+        <a:scrgbClr r="0" g="0" b="0"/>
+      </a:effectRef>
+      <a:fontRef idx="minor">
+        <a:schemeClr val="tx1"/>
+      </a:fontRef>
+    </dgm:style>
+  </dgm:styleLbl>
+  <dgm:styleLbl name="alignNode1">
+    <dgm:scene3d>
+      <a:camera prst="orthographicFront"/>
+      <a:lightRig rig="threePt" dir="t"/>
+    </dgm:scene3d>
+    <dgm:sp3d/>
+    <dgm:txPr/>
+    <dgm:style>
+      <a:lnRef idx="2">
+        <a:scrgbClr r="0" g="0" b="0"/>
+      </a:lnRef>
+      <a:fillRef idx="1">
+        <a:scrgbClr r="0" g="0" b="0"/>
+      </a:fillRef>
+      <a:effectRef idx="0">
+        <a:scrgbClr r="0" g="0" b="0"/>
+      </a:effectRef>
+      <a:fontRef idx="minor">
+        <a:schemeClr val="lt1"/>
+      </a:fontRef>
+    </dgm:style>
+  </dgm:styleLbl>
+  <dgm:styleLbl name="node1">
+    <dgm:scene3d>
+      <a:camera prst="orthographicFront"/>
+      <a:lightRig rig="threePt" dir="t"/>
+    </dgm:scene3d>
+    <dgm:sp3d/>
+    <dgm:txPr/>
+    <dgm:style>
+      <a:lnRef idx="2">
+        <a:scrgbClr r="0" g="0" b="0"/>
+      </a:lnRef>
+      <a:fillRef idx="1">
+        <a:scrgbClr r="0" g="0" b="0"/>
+      </a:fillRef>
+      <a:effectRef idx="0">
+        <a:scrgbClr r="0" g="0" b="0"/>
+      </a:effectRef>
+      <a:fontRef idx="minor">
+        <a:schemeClr val="lt1"/>
+      </a:fontRef>
+    </dgm:style>
+  </dgm:styleLbl>
+  <dgm:styleLbl name="node2">
+    <dgm:scene3d>
+      <a:camera prst="orthographicFront"/>
+      <a:lightRig rig="threePt" dir="t"/>
+    </dgm:scene3d>
+    <dgm:sp3d/>
+    <dgm:txPr/>
+    <dgm:style>
+      <a:lnRef idx="2">
+        <a:scrgbClr r="0" g="0" b="0"/>
+      </a:lnRef>
+      <a:fillRef idx="1">
+        <a:scrgbClr r="0" g="0" b="0"/>
+      </a:fillRef>
+      <a:effectRef idx="0">
+        <a:scrgbClr r="0" g="0" b="0"/>
+      </a:effectRef>
+      <a:fontRef idx="minor">
+        <a:schemeClr val="lt1"/>
+      </a:fontRef>
+    </dgm:style>
+  </dgm:styleLbl>
+  <dgm:styleLbl name="node3">
+    <dgm:scene3d>
+      <a:camera prst="orthographicFront"/>
+      <a:lightRig rig="threePt" dir="t"/>
+    </dgm:scene3d>
+    <dgm:sp3d/>
+    <dgm:txPr/>
+    <dgm:style>
+      <a:lnRef idx="2">
+        <a:scrgbClr r="0" g="0" b="0"/>
+      </a:lnRef>
+      <a:fillRef idx="1">
+        <a:scrgbClr r="0" g="0" b="0"/>
+      </a:fillRef>
+      <a:effectRef idx="0">
+        <a:scrgbClr r="0" g="0" b="0"/>
+      </a:effectRef>
+      <a:fontRef idx="minor">
+        <a:schemeClr val="lt1"/>
+      </a:fontRef>
+    </dgm:style>
+  </dgm:styleLbl>
+  <dgm:styleLbl name="node4">
+    <dgm:scene3d>
+      <a:camera prst="orthographicFront"/>
+      <a:lightRig rig="threePt" dir="t"/>
+    </dgm:scene3d>
+    <dgm:sp3d/>
+    <dgm:txPr/>
+    <dgm:style>
+      <a:lnRef idx="2">
+        <a:scrgbClr r="0" g="0" b="0"/>
+      </a:lnRef>
+      <a:fillRef idx="1">
+        <a:scrgbClr r="0" g="0" b="0"/>
+      </a:fillRef>
+      <a:effectRef idx="0">
+        <a:scrgbClr r="0" g="0" b="0"/>
+      </a:effectRef>
+      <a:fontRef idx="minor">
+        <a:schemeClr val="lt1"/>
+      </a:fontRef>
+    </dgm:style>
+  </dgm:styleLbl>
+  <dgm:styleLbl name="fgImgPlace1">
+    <dgm:scene3d>
+      <a:camera prst="orthographicFront"/>
+      <a:lightRig rig="threePt" dir="t"/>
+    </dgm:scene3d>
+    <dgm:sp3d/>
+    <dgm:txPr/>
+    <dgm:style>
+      <a:lnRef idx="2">
+        <a:scrgbClr r="0" g="0" b="0"/>
+      </a:lnRef>
+      <a:fillRef idx="1">
+        <a:scrgbClr r="0" g="0" b="0"/>
+      </a:fillRef>
+      <a:effectRef idx="0">
+        <a:scrgbClr r="0" g="0" b="0"/>
+      </a:effectRef>
+      <a:fontRef idx="minor"/>
+    </dgm:style>
+  </dgm:styleLbl>
+  <dgm:styleLbl name="alignImgPlace1">
+    <dgm:scene3d>
+      <a:camera prst="orthographicFront"/>
+      <a:lightRig rig="threePt" dir="t"/>
+    </dgm:scene3d>
+    <dgm:sp3d/>
+    <dgm:txPr/>
+    <dgm:style>
+      <a:lnRef idx="2">
+        <a:scrgbClr r="0" g="0" b="0"/>
+      </a:lnRef>
+      <a:fillRef idx="1">
+        <a:scrgbClr r="0" g="0" b="0"/>
+      </a:fillRef>
+      <a:effectRef idx="0">
+        <a:scrgbClr r="0" g="0" b="0"/>
+      </a:effectRef>
+      <a:fontRef idx="minor"/>
+    </dgm:style>
+  </dgm:styleLbl>
+  <dgm:styleLbl name="bgImgPlace1">
+    <dgm:scene3d>
+      <a:camera prst="orthographicFront"/>
+      <a:lightRig rig="threePt" dir="t"/>
+    </dgm:scene3d>
+    <dgm:sp3d/>
+    <dgm:txPr/>
+    <dgm:style>
+      <a:lnRef idx="2">
+        <a:scrgbClr r="0" g="0" b="0"/>
+      </a:lnRef>
+      <a:fillRef idx="1">
+        <a:scrgbClr r="0" g="0" b="0"/>
+      </a:fillRef>
+      <a:effectRef idx="0">
+        <a:scrgbClr r="0" g="0" b="0"/>
+      </a:effectRef>
+      <a:fontRef idx="minor"/>
+    </dgm:style>
+  </dgm:styleLbl>
+  <dgm:styleLbl name="sibTrans2D1">
+    <dgm:scene3d>
+      <a:camera prst="orthographicFront"/>
+      <a:lightRig rig="threePt" dir="t"/>
+    </dgm:scene3d>
+    <dgm:sp3d/>
+    <dgm:txPr/>
+    <dgm:style>
+      <a:lnRef idx="0">
+        <a:scrgbClr r="0" g="0" b="0"/>
+      </a:lnRef>
+      <a:fillRef idx="1">
+        <a:scrgbClr r="0" g="0" b="0"/>
+      </a:fillRef>
+      <a:effectRef idx="0">
+        <a:scrgbClr r="0" g="0" b="0"/>
+      </a:effectRef>
+      <a:fontRef idx="minor">
+        <a:schemeClr val="lt1"/>
+      </a:fontRef>
+    </dgm:style>
+  </dgm:styleLbl>
+  <dgm:styleLbl name="fgSibTrans2D1">
+    <dgm:scene3d>
+      <a:camera prst="orthographicFront"/>
+      <a:lightRig rig="threePt" dir="t"/>
+    </dgm:scene3d>
+    <dgm:sp3d/>
+    <dgm:txPr/>
+    <dgm:style>
+      <a:lnRef idx="0">
+        <a:scrgbClr r="0" g="0" b="0"/>
+      </a:lnRef>
+      <a:fillRef idx="1">
+        <a:scrgbClr r="0" g="0" b="0"/>
+      </a:fillRef>
+      <a:effectRef idx="0">
+        <a:scrgbClr r="0" g="0" b="0"/>
+      </a:effectRef>
+      <a:fontRef idx="minor">
+        <a:schemeClr val="lt1"/>
+      </a:fontRef>
+    </dgm:style>
+  </dgm:styleLbl>
+  <dgm:styleLbl name="bgSibTrans2D1">
+    <dgm:scene3d>
+      <a:camera prst="orthographicFront"/>
+      <a:lightRig rig="threePt" dir="t"/>
+    </dgm:scene3d>
+    <dgm:sp3d/>
+    <dgm:txPr/>
+    <dgm:style>
+      <a:lnRef idx="0">
+        <a:scrgbClr r="0" g="0" b="0"/>
+      </a:lnRef>
+      <a:fillRef idx="1">
+        <a:scrgbClr r="0" g="0" b="0"/>
+      </a:fillRef>
+      <a:effectRef idx="0">
+        <a:scrgbClr r="0" g="0" b="0"/>
+      </a:effectRef>
+      <a:fontRef idx="minor">
+        <a:schemeClr val="lt1"/>
+      </a:fontRef>
+    </dgm:style>
+  </dgm:styleLbl>
+  <dgm:styleLbl name="sibTrans1D1">
+    <dgm:scene3d>
+      <a:camera prst="orthographicFront"/>
+      <a:lightRig rig="threePt" dir="t"/>
+    </dgm:scene3d>
+    <dgm:sp3d/>
+    <dgm:txPr/>
+    <dgm:style>
+      <a:lnRef idx="1">
+        <a:scrgbClr r="0" g="0" b="0"/>
+      </a:lnRef>
+      <a:fillRef idx="0">
+        <a:scrgbClr r="0" g="0" b="0"/>
+      </a:fillRef>
+      <a:effectRef idx="0">
+        <a:scrgbClr r="0" g="0" b="0"/>
+      </a:effectRef>
+      <a:fontRef idx="minor"/>
+    </dgm:style>
+  </dgm:styleLbl>
+  <dgm:styleLbl name="callout">
+    <dgm:scene3d>
+      <a:camera prst="orthographicFront"/>
+      <a:lightRig rig="threePt" dir="t"/>
+    </dgm:scene3d>
+    <dgm:sp3d/>
+    <dgm:txPr/>
+    <dgm:style>
+      <a:lnRef idx="2">
+        <a:scrgbClr r="0" g="0" b="0"/>
+      </a:lnRef>
+      <a:fillRef idx="1">
+        <a:scrgbClr r="0" g="0" b="0"/>
+      </a:fillRef>
+      <a:effectRef idx="0">
+        <a:scrgbClr r="0" g="0" b="0"/>
+      </a:effectRef>
+      <a:fontRef idx="minor"/>
+    </dgm:style>
+  </dgm:styleLbl>
+  <dgm:styleLbl name="asst0">
+    <dgm:scene3d>
+      <a:camera prst="orthographicFront"/>
+      <a:lightRig rig="threePt" dir="t"/>
+    </dgm:scene3d>
+    <dgm:sp3d/>
+    <dgm:txPr/>
+    <dgm:style>
+      <a:lnRef idx="2">
+        <a:scrgbClr r="0" g="0" b="0"/>
+      </a:lnRef>
+      <a:fillRef idx="1">
+        <a:scrgbClr r="0" g="0" b="0"/>
+      </a:fillRef>
+      <a:effectRef idx="0">
+        <a:scrgbClr r="0" g="0" b="0"/>
+      </a:effectRef>
+      <a:fontRef idx="minor">
+        <a:schemeClr val="lt1"/>
+      </a:fontRef>
+    </dgm:style>
+  </dgm:styleLbl>
+  <dgm:styleLbl name="asst1">
+    <dgm:scene3d>
+      <a:camera prst="orthographicFront"/>
+      <a:lightRig rig="threePt" dir="t"/>
+    </dgm:scene3d>
+    <dgm:sp3d/>
+    <dgm:txPr/>
+    <dgm:style>
+      <a:lnRef idx="2">
+        <a:scrgbClr r="0" g="0" b="0"/>
+      </a:lnRef>
+      <a:fillRef idx="1">
+        <a:scrgbClr r="0" g="0" b="0"/>
+      </a:fillRef>
+      <a:effectRef idx="0">
+        <a:scrgbClr r="0" g="0" b="0"/>
+      </a:effectRef>
+      <a:fontRef idx="minor">
+        <a:schemeClr val="lt1"/>
+      </a:fontRef>
+    </dgm:style>
+  </dgm:styleLbl>
+  <dgm:styleLbl name="asst2">
+    <dgm:scene3d>
+      <a:camera prst="orthographicFront"/>
+      <a:lightRig rig="threePt" dir="t"/>
+    </dgm:scene3d>
+    <dgm:sp3d/>
+    <dgm:txPr/>
+    <dgm:style>
+      <a:lnRef idx="2">
+        <a:scrgbClr r="0" g="0" b="0"/>
+      </a:lnRef>
+      <a:fillRef idx="1">
+        <a:scrgbClr r="0" g="0" b="0"/>
+      </a:fillRef>
+      <a:effectRef idx="0">
+        <a:scrgbClr r="0" g="0" b="0"/>
+      </a:effectRef>
+      <a:fontRef idx="minor">
+        <a:schemeClr val="lt1"/>
+      </a:fontRef>
+    </dgm:style>
+  </dgm:styleLbl>
+  <dgm:styleLbl name="asst3">
+    <dgm:scene3d>
+      <a:camera prst="orthographicFront"/>
+      <a:lightRig rig="threePt" dir="t"/>
+    </dgm:scene3d>
+    <dgm:sp3d/>
+    <dgm:txPr/>
+    <dgm:style>
+      <a:lnRef idx="2">
+        <a:scrgbClr r="0" g="0" b="0"/>
+      </a:lnRef>
+      <a:fillRef idx="1">
+        <a:scrgbClr r="0" g="0" b="0"/>
+      </a:fillRef>
+      <a:effectRef idx="0">
+        <a:scrgbClr r="0" g="0" b="0"/>
+      </a:effectRef>
+      <a:fontRef idx="minor">
+        <a:schemeClr val="lt1"/>
+      </a:fontRef>
+    </dgm:style>
+  </dgm:styleLbl>
+  <dgm:styleLbl name="asst4">
+    <dgm:scene3d>
+      <a:camera prst="orthographicFront"/>
+      <a:lightRig rig="threePt" dir="t"/>
+    </dgm:scene3d>
+    <dgm:sp3d/>
+    <dgm:txPr/>
+    <dgm:style>
+      <a:lnRef idx="2">
+        <a:scrgbClr r="0" g="0" b="0"/>
+      </a:lnRef>
+      <a:fillRef idx="1">
+        <a:scrgbClr r="0" g="0" b="0"/>
+      </a:fillRef>
+      <a:effectRef idx="0">
+        <a:scrgbClr r="0" g="0" b="0"/>
+      </a:effectRef>
+      <a:fontRef idx="minor">
+        <a:schemeClr val="lt1"/>
+      </a:fontRef>
+    </dgm:style>
+  </dgm:styleLbl>
+  <dgm:styleLbl name="parChTrans2D1">
+    <dgm:scene3d>
+      <a:camera prst="orthographicFront"/>
+      <a:lightRig rig="threePt" dir="t"/>
+    </dgm:scene3d>
+    <dgm:sp3d/>
+    <dgm:txPr/>
+    <dgm:style>
+      <a:lnRef idx="2">
+        <a:scrgbClr r="0" g="0" b="0"/>
+      </a:lnRef>
+      <a:fillRef idx="1">
+        <a:scrgbClr r="0" g="0" b="0"/>
+      </a:fillRef>
+      <a:effectRef idx="0">
+        <a:scrgbClr r="0" g="0" b="0"/>
+      </a:effectRef>
+      <a:fontRef idx="minor">
+        <a:schemeClr val="lt1"/>
+      </a:fontRef>
+    </dgm:style>
+  </dgm:styleLbl>
+  <dgm:styleLbl name="parChTrans2D2">
+    <dgm:scene3d>
+      <a:camera prst="orthographicFront"/>
+      <a:lightRig rig="threePt" dir="t"/>
+    </dgm:scene3d>
+    <dgm:sp3d/>
+    <dgm:txPr/>
+    <dgm:style>
+      <a:lnRef idx="2">
+        <a:scrgbClr r="0" g="0" b="0"/>
+      </a:lnRef>
+      <a:fillRef idx="1">
+        <a:scrgbClr r="0" g="0" b="0"/>
+      </a:fillRef>
+      <a:effectRef idx="0">
+        <a:scrgbClr r="0" g="0" b="0"/>
+      </a:effectRef>
+      <a:fontRef idx="minor">
+        <a:schemeClr val="lt1"/>
+      </a:fontRef>
+    </dgm:style>
+  </dgm:styleLbl>
+  <dgm:styleLbl name="parChTrans2D3">
+    <dgm:scene3d>
+      <a:camera prst="orthographicFront"/>
+      <a:lightRig rig="threePt" dir="t"/>
+    </dgm:scene3d>
+    <dgm:sp3d/>
+    <dgm:txPr/>
+    <dgm:style>
+      <a:lnRef idx="2">
+        <a:scrgbClr r="0" g="0" b="0"/>
+      </a:lnRef>
+      <a:fillRef idx="1">
+        <a:scrgbClr r="0" g="0" b="0"/>
+      </a:fillRef>
+      <a:effectRef idx="0">
+        <a:scrgbClr r="0" g="0" b="0"/>
+      </a:effectRef>
+      <a:fontRef idx="minor">
+        <a:schemeClr val="lt1"/>
+      </a:fontRef>
+    </dgm:style>
+  </dgm:styleLbl>
+  <dgm:styleLbl name="parChTrans2D4">
+    <dgm:scene3d>
+      <a:camera prst="orthographicFront"/>
+      <a:lightRig rig="threePt" dir="t"/>
+    </dgm:scene3d>
+    <dgm:sp3d/>
+    <dgm:txPr/>
+    <dgm:style>
+      <a:lnRef idx="2">
+        <a:scrgbClr r="0" g="0" b="0"/>
+      </a:lnRef>
+      <a:fillRef idx="1">
+        <a:scrgbClr r="0" g="0" b="0"/>
+      </a:fillRef>
+      <a:effectRef idx="0">
+        <a:scrgbClr r="0" g="0" b="0"/>
+      </a:effectRef>
+      <a:fontRef idx="minor">
+        <a:schemeClr val="lt1"/>
+      </a:fontRef>
+    </dgm:style>
+  </dgm:styleLbl>
+  <dgm:styleLbl name="parChTrans1D1">
+    <dgm:scene3d>
+      <a:camera prst="orthographicFront"/>
+      <a:lightRig rig="threePt" dir="t"/>
+    </dgm:scene3d>
+    <dgm:sp3d/>
+    <dgm:txPr/>
+    <dgm:style>
+      <a:lnRef idx="2">
+        <a:scrgbClr r="0" g="0" b="0"/>
+      </a:lnRef>
+      <a:fillRef idx="0">
+        <a:scrgbClr r="0" g="0" b="0"/>
+      </a:fillRef>
+      <a:effectRef idx="0">
+        <a:scrgbClr r="0" g="0" b="0"/>
+      </a:effectRef>
+      <a:fontRef idx="minor"/>
+    </dgm:style>
+  </dgm:styleLbl>
+  <dgm:styleLbl name="parChTrans1D2">
+    <dgm:scene3d>
+      <a:camera prst="orthographicFront"/>
+      <a:lightRig rig="threePt" dir="t"/>
+    </dgm:scene3d>
+    <dgm:sp3d/>
+    <dgm:txPr/>
+    <dgm:style>
+      <a:lnRef idx="2">
+        <a:scrgbClr r="0" g="0" b="0"/>
+      </a:lnRef>
+      <a:fillRef idx="0">
+        <a:scrgbClr r="0" g="0" b="0"/>
+      </a:fillRef>
+      <a:effectRef idx="0">
+        <a:scrgbClr r="0" g="0" b="0"/>
+      </a:effectRef>
+      <a:fontRef idx="minor"/>
+    </dgm:style>
+  </dgm:styleLbl>
+  <dgm:styleLbl name="parChTrans1D3">
+    <dgm:scene3d>
+      <a:camera prst="orthographicFront"/>
+      <a:lightRig rig="threePt" dir="t"/>
+    </dgm:scene3d>
+    <dgm:sp3d/>
+    <dgm:txPr/>
+    <dgm:style>
+      <a:lnRef idx="2">
+        <a:scrgbClr r="0" g="0" b="0"/>
+      </a:lnRef>
+      <a:fillRef idx="0">
+        <a:scrgbClr r="0" g="0" b="0"/>
+      </a:fillRef>
+      <a:effectRef idx="0">
+        <a:scrgbClr r="0" g="0" b="0"/>
+      </a:effectRef>
+      <a:fontRef idx="minor"/>
+    </dgm:style>
+  </dgm:styleLbl>
+  <dgm:styleLbl name="parChTrans1D4">
+    <dgm:scene3d>
+      <a:camera prst="orthographicFront"/>
+      <a:lightRig rig="threePt" dir="t"/>
+    </dgm:scene3d>
+    <dgm:sp3d/>
+    <dgm:txPr/>
+    <dgm:style>
+      <a:lnRef idx="2">
+        <a:scrgbClr r="0" g="0" b="0"/>
+      </a:lnRef>
+      <a:fillRef idx="0">
+        <a:scrgbClr r="0" g="0" b="0"/>
+      </a:fillRef>
+      <a:effectRef idx="0">
+        <a:scrgbClr r="0" g="0" b="0"/>
+      </a:effectRef>
+      <a:fontRef idx="minor"/>
+    </dgm:style>
+  </dgm:styleLbl>
+  <dgm:styleLbl name="fgAcc1">
+    <dgm:scene3d>
+      <a:camera prst="orthographicFront"/>
+      <a:lightRig rig="threePt" dir="t"/>
+    </dgm:scene3d>
+    <dgm:sp3d/>
+    <dgm:txPr/>
+    <dgm:style>
+      <a:lnRef idx="2">
+        <a:scrgbClr r="0" g="0" b="0"/>
+      </a:lnRef>
+      <a:fillRef idx="1">
+        <a:scrgbClr r="0" g="0" b="0"/>
+      </a:fillRef>
+      <a:effectRef idx="0">
+        <a:scrgbClr r="0" g="0" b="0"/>
+      </a:effectRef>
+      <a:fontRef idx="minor"/>
+    </dgm:style>
+  </dgm:styleLbl>
+  <dgm:styleLbl name="conFgAcc1">
+    <dgm:scene3d>
+      <a:camera prst="orthographicFront"/>
+      <a:lightRig rig="threePt" dir="t"/>
+    </dgm:scene3d>
+    <dgm:sp3d/>
+    <dgm:txPr/>
+    <dgm:style>
+      <a:lnRef idx="2">
+        <a:scrgbClr r="0" g="0" b="0"/>
+      </a:lnRef>
+      <a:fillRef idx="1">
+        <a:scrgbClr r="0" g="0" b="0"/>
+      </a:fillRef>
+      <a:effectRef idx="0">
+        <a:scrgbClr r="0" g="0" b="0"/>
+      </a:effectRef>
+      <a:fontRef idx="minor"/>
+    </dgm:style>
+  </dgm:styleLbl>
+  <dgm:styleLbl name="alignAcc1">
+    <dgm:scene3d>
+      <a:camera prst="orthographicFront"/>
+      <a:lightRig rig="threePt" dir="t"/>
+    </dgm:scene3d>
+    <dgm:sp3d/>
+    <dgm:txPr/>
+    <dgm:style>
+      <a:lnRef idx="2">
+        <a:scrgbClr r="0" g="0" b="0"/>
+      </a:lnRef>
+      <a:fillRef idx="1">
+        <a:scrgbClr r="0" g="0" b="0"/>
+      </a:fillRef>
+      <a:effectRef idx="0">
+        <a:scrgbClr r="0" g="0" b="0"/>
+      </a:effectRef>
+      <a:fontRef idx="minor"/>
+    </dgm:style>
+  </dgm:styleLbl>
+  <dgm:styleLbl name="trAlignAcc1">
+    <dgm:scene3d>
+      <a:camera prst="orthographicFront"/>
+      <a:lightRig rig="threePt" dir="t"/>
+    </dgm:scene3d>
+    <dgm:sp3d/>
+    <dgm:txPr/>
+    <dgm:style>
+      <a:lnRef idx="1">
+        <a:scrgbClr r="0" g="0" b="0"/>
+      </a:lnRef>
+      <a:fillRef idx="1">
+        <a:scrgbClr r="0" g="0" b="0"/>
+      </a:fillRef>
+      <a:effectRef idx="0">
+        <a:scrgbClr r="0" g="0" b="0"/>
+      </a:effectRef>
+      <a:fontRef idx="minor"/>
+    </dgm:style>
+  </dgm:styleLbl>
+  <dgm:styleLbl name="bgAcc1">
+    <dgm:scene3d>
+      <a:camera prst="orthographicFront"/>
+      <a:lightRig rig="threePt" dir="t"/>
+    </dgm:scene3d>
+    <dgm:sp3d/>
+    <dgm:txPr/>
+    <dgm:style>
+      <a:lnRef idx="2">
+        <a:scrgbClr r="0" g="0" b="0"/>
+      </a:lnRef>
+      <a:fillRef idx="1">
+        <a:scrgbClr r="0" g="0" b="0"/>
+      </a:fillRef>
+      <a:effectRef idx="0">
+        <a:scrgbClr r="0" g="0" b="0"/>
+      </a:effectRef>
+      <a:fontRef idx="minor"/>
+    </dgm:style>
+  </dgm:styleLbl>
+  <dgm:styleLbl name="solidFgAcc1">
+    <dgm:scene3d>
+      <a:camera prst="orthographicFront"/>
+      <a:lightRig rig="threePt" dir="t"/>
+    </dgm:scene3d>
+    <dgm:sp3d/>
+    <dgm:txPr/>
+    <dgm:style>
+      <a:lnRef idx="2">
+        <a:scrgbClr r="0" g="0" b="0"/>
+      </a:lnRef>
+      <a:fillRef idx="1">
+        <a:scrgbClr r="0" g="0" b="0"/>
+      </a:fillRef>
+      <a:effectRef idx="0">
+        <a:scrgbClr r="0" g="0" b="0"/>
+      </a:effectRef>
+      <a:fontRef idx="minor"/>
+    </dgm:style>
+  </dgm:styleLbl>
+  <dgm:styleLbl name="solidAlignAcc1">
+    <dgm:scene3d>
+      <a:camera prst="orthographicFront"/>
+      <a:lightRig rig="threePt" dir="t"/>
+    </dgm:scene3d>
+    <dgm:sp3d/>
+    <dgm:txPr/>
+    <dgm:style>
+      <a:lnRef idx="2">
+        <a:scrgbClr r="0" g="0" b="0"/>
+      </a:lnRef>
+      <a:fillRef idx="1">
+        <a:scrgbClr r="0" g="0" b="0"/>
+      </a:fillRef>
+      <a:effectRef idx="0">
+        <a:scrgbClr r="0" g="0" b="0"/>
+      </a:effectRef>
+      <a:fontRef idx="minor"/>
+    </dgm:style>
+  </dgm:styleLbl>
+  <dgm:styleLbl name="solidBgAcc1">
+    <dgm:scene3d>
+      <a:camera prst="orthographicFront"/>
+      <a:lightRig rig="threePt" dir="t"/>
+    </dgm:scene3d>
+    <dgm:sp3d/>
+    <dgm:txPr/>
+    <dgm:style>
+      <a:lnRef idx="2">
+        <a:scrgbClr r="0" g="0" b="0"/>
+      </a:lnRef>
+      <a:fillRef idx="1">
+        <a:scrgbClr r="0" g="0" b="0"/>
+      </a:fillRef>
+      <a:effectRef idx="0">
+        <a:scrgbClr r="0" g="0" b="0"/>
+      </a:effectRef>
+      <a:fontRef idx="minor"/>
+    </dgm:style>
+  </dgm:styleLbl>
+  <dgm:styleLbl name="fgAccFollowNode1">
+    <dgm:scene3d>
+      <a:camera prst="orthographicFront"/>
+      <a:lightRig rig="threePt" dir="t"/>
+    </dgm:scene3d>
+    <dgm:sp3d/>
+    <dgm:txPr/>
+    <dgm:style>
+      <a:lnRef idx="2">
+        <a:scrgbClr r="0" g="0" b="0"/>
+      </a:lnRef>
+      <a:fillRef idx="1">
+        <a:scrgbClr r="0" g="0" b="0"/>
+      </a:fillRef>
+      <a:effectRef idx="0">
+        <a:scrgbClr r="0" g="0" b="0"/>
+      </a:effectRef>
+      <a:fontRef idx="minor"/>
+    </dgm:style>
+  </dgm:styleLbl>
+  <dgm:styleLbl name="alignAccFollowNode1">
+    <dgm:scene3d>
+      <a:camera prst="orthographicFront"/>
+      <a:lightRig rig="threePt" dir="t"/>
+    </dgm:scene3d>
+    <dgm:sp3d/>
+    <dgm:txPr/>
+    <dgm:style>
+      <a:lnRef idx="2">
+        <a:scrgbClr r="0" g="0" b="0"/>
+      </a:lnRef>
+      <a:fillRef idx="1">
+        <a:scrgbClr r="0" g="0" b="0"/>
+      </a:fillRef>
+      <a:effectRef idx="0">
+        <a:scrgbClr r="0" g="0" b="0"/>
+      </a:effectRef>
+      <a:fontRef idx="minor"/>
+    </dgm:style>
+  </dgm:styleLbl>
+  <dgm:styleLbl name="bgAccFollowNode1">
+    <dgm:scene3d>
+      <a:camera prst="orthographicFront"/>
+      <a:lightRig rig="threePt" dir="t"/>
+    </dgm:scene3d>
+    <dgm:sp3d/>
+    <dgm:txPr/>
+    <dgm:style>
+      <a:lnRef idx="2">
+        <a:scrgbClr r="0" g="0" b="0"/>
+      </a:lnRef>
+      <a:fillRef idx="1">
+        <a:scrgbClr r="0" g="0" b="0"/>
+      </a:fillRef>
+      <a:effectRef idx="0">
+        <a:scrgbClr r="0" g="0" b="0"/>
+      </a:effectRef>
+      <a:fontRef idx="minor"/>
+    </dgm:style>
+  </dgm:styleLbl>
+  <dgm:styleLbl name="fgAcc0">
+    <dgm:scene3d>
+      <a:camera prst="orthographicFront"/>
+      <a:lightRig rig="threePt" dir="t"/>
+    </dgm:scene3d>
+    <dgm:sp3d/>
+    <dgm:txPr/>
+    <dgm:style>
+      <a:lnRef idx="2">
+        <a:scrgbClr r="0" g="0" b="0"/>
+      </a:lnRef>
+      <a:fillRef idx="1">
+        <a:scrgbClr r="0" g="0" b="0"/>
+      </a:fillRef>
+      <a:effectRef idx="0">
+        <a:scrgbClr r="0" g="0" b="0"/>
+      </a:effectRef>
+      <a:fontRef idx="minor"/>
+    </dgm:style>
+  </dgm:styleLbl>
+  <dgm:styleLbl name="fgAcc2">
+    <dgm:scene3d>
+      <a:camera prst="orthographicFront"/>
+      <a:lightRig rig="threePt" dir="t"/>
+    </dgm:scene3d>
+    <dgm:sp3d/>
+    <dgm:txPr/>
+    <dgm:style>
+      <a:lnRef idx="2">
+        <a:scrgbClr r="0" g="0" b="0"/>
+      </a:lnRef>
+      <a:fillRef idx="1">
+        <a:scrgbClr r="0" g="0" b="0"/>
+      </a:fillRef>
+      <a:effectRef idx="0">
+        <a:scrgbClr r="0" g="0" b="0"/>
+      </a:effectRef>
+      <a:fontRef idx="minor"/>
+    </dgm:style>
+  </dgm:styleLbl>
+  <dgm:styleLbl name="fgAcc3">
+    <dgm:scene3d>
+      <a:camera prst="orthographicFront"/>
+      <a:lightRig rig="threePt" dir="t"/>
+    </dgm:scene3d>
+    <dgm:sp3d/>
+    <dgm:txPr/>
+    <dgm:style>
+      <a:lnRef idx="2">
+        <a:scrgbClr r="0" g="0" b="0"/>
+      </a:lnRef>
+      <a:fillRef idx="1">
+        <a:scrgbClr r="0" g="0" b="0"/>
+      </a:fillRef>
+      <a:effectRef idx="0">
+        <a:scrgbClr r="0" g="0" b="0"/>
+      </a:effectRef>
+      <a:fontRef idx="minor"/>
+    </dgm:style>
+  </dgm:styleLbl>
+  <dgm:styleLbl name="fgAcc4">
+    <dgm:scene3d>
+      <a:camera prst="orthographicFront"/>
+      <a:lightRig rig="threePt" dir="t"/>
+    </dgm:scene3d>
+    <dgm:sp3d/>
+    <dgm:txPr/>
+    <dgm:style>
+      <a:lnRef idx="2">
+        <a:scrgbClr r="0" g="0" b="0"/>
+      </a:lnRef>
+      <a:fillRef idx="1">
+        <a:scrgbClr r="0" g="0" b="0"/>
+      </a:fillRef>
+      <a:effectRef idx="0">
+        <a:scrgbClr r="0" g="0" b="0"/>
+      </a:effectRef>
+      <a:fontRef idx="minor"/>
+    </dgm:style>
+  </dgm:styleLbl>
+  <dgm:styleLbl name="bgShp">
+    <dgm:scene3d>
+      <a:camera prst="orthographicFront"/>
+      <a:lightRig rig="threePt" dir="t"/>
+    </dgm:scene3d>
+    <dgm:sp3d/>
+    <dgm:txPr/>
+    <dgm:style>
+      <a:lnRef idx="0">
+        <a:scrgbClr r="0" g="0" b="0"/>
+      </a:lnRef>
+      <a:fillRef idx="1">
+        <a:scrgbClr r="0" g="0" b="0"/>
+      </a:fillRef>
+      <a:effectRef idx="0">
+        <a:scrgbClr r="0" g="0" b="0"/>
+      </a:effectRef>
+      <a:fontRef idx="minor"/>
+    </dgm:style>
+  </dgm:styleLbl>
+  <dgm:styleLbl name="dkBgShp">
+    <dgm:scene3d>
+      <a:camera prst="orthographicFront"/>
+      <a:lightRig rig="threePt" dir="t"/>
+    </dgm:scene3d>
+    <dgm:sp3d/>
+    <dgm:txPr/>
+    <dgm:style>
+      <a:lnRef idx="0">
+        <a:scrgbClr r="0" g="0" b="0"/>
+      </a:lnRef>
+      <a:fillRef idx="1">
+        <a:scrgbClr r="0" g="0" b="0"/>
+      </a:fillRef>
+      <a:effectRef idx="0">
+        <a:scrgbClr r="0" g="0" b="0"/>
+      </a:effectRef>
+      <a:fontRef idx="minor"/>
+    </dgm:style>
+  </dgm:styleLbl>
+  <dgm:styleLbl name="trBgShp">
+    <dgm:scene3d>
+      <a:camera prst="orthographicFront"/>
+      <a:lightRig rig="threePt" dir="t"/>
+    </dgm:scene3d>
+    <dgm:sp3d/>
+    <dgm:txPr/>
+    <dgm:style>
+      <a:lnRef idx="0">
+        <a:scrgbClr r="0" g="0" b="0"/>
+      </a:lnRef>
+      <a:fillRef idx="1">
+        <a:scrgbClr r="0" g="0" b="0"/>
+      </a:fillRef>
+      <a:effectRef idx="0">
+        <a:scrgbClr r="0" g="0" b="0"/>
+      </a:effectRef>
+      <a:fontRef idx="minor"/>
+    </dgm:style>
+  </dgm:styleLbl>
+  <dgm:styleLbl name="fgShp">
+    <dgm:scene3d>
+      <a:camera prst="orthographicFront"/>
+      <a:lightRig rig="threePt" dir="t"/>
+    </dgm:scene3d>
+    <dgm:sp3d/>
+    <dgm:txPr/>
+    <dgm:style>
+      <a:lnRef idx="2">
+        <a:scrgbClr r="0" g="0" b="0"/>
+      </a:lnRef>
+      <a:fillRef idx="1">
+        <a:scrgbClr r="0" g="0" b="0"/>
+      </a:fillRef>
+      <a:effectRef idx="0">
+        <a:scrgbClr r="0" g="0" b="0"/>
+      </a:effectRef>
+      <a:fontRef idx="minor"/>
+    </dgm:style>
+  </dgm:styleLbl>
+  <dgm:styleLbl name="revTx">
+    <dgm:scene3d>
+      <a:camera prst="orthographicFront"/>
+      <a:lightRig rig="threePt" dir="t"/>
+    </dgm:scene3d>
+    <dgm:sp3d/>
+    <dgm:txPr/>
+    <dgm:style>
+      <a:lnRef idx="0">
+        <a:scrgbClr r="0" g="0" b="0"/>
+      </a:lnRef>
+      <a:fillRef idx="0">
+        <a:scrgbClr r="0" g="0" b="0"/>
+      </a:fillRef>
+      <a:effectRef idx="0">
+        <a:scrgbClr r="0" g="0" b="0"/>
+      </a:effectRef>
+      <a:fontRef idx="minor"/>
+    </dgm:style>
+  </dgm:styleLbl>
+</dgm:styleDef>
+</file>
+
+<file path=ppt/diagrams/quickStyle3.xml><?xml version="1.0" encoding="utf-8"?>
 <dgm:styleDef xmlns:dgm="http://schemas.openxmlformats.org/drawingml/2006/diagram" xmlns:a="http://schemas.openxmlformats.org/drawingml/2006/main" uniqueId="urn:microsoft.com/office/officeart/2005/8/quickstyle/simple1">
   <dgm:title val=""/>
   <dgm:desc val=""/>
@@ -10236,38 +13525,37 @@
           </a:p>
         </p:txBody>
       </p:sp>
-      <p:sp>
-        <p:nvSpPr>
-          <p:cNvPr id="5" name="Content Placeholder 4">
+      <p:graphicFrame>
+        <p:nvGraphicFramePr>
+          <p:cNvPr id="31" name="Content Placeholder 4">
             <a:extLst>
               <a:ext uri="{FF2B5EF4-FFF2-40B4-BE49-F238E27FC236}">
-                <a16:creationId xmlns:a16="http://schemas.microsoft.com/office/drawing/2014/main" id="{10A9D081-F84F-4CD9-906C-155C8A46BD27}"/>
+                <a16:creationId xmlns:a16="http://schemas.microsoft.com/office/drawing/2014/main" id="{960C352E-846B-476C-856B-962BEEE5B100}"/>
               </a:ext>
             </a:extLst>
           </p:cNvPr>
-          <p:cNvSpPr>
-            <a:spLocks noGrp="1"/>
-          </p:cNvSpPr>
+          <p:cNvGraphicFramePr>
+            <a:graphicFrameLocks noGrp="1"/>
+          </p:cNvGraphicFramePr>
           <p:nvPr>
             <p:ph idx="1"/>
+            <p:extLst>
+              <p:ext uri="{D42A27DB-BD31-4B8C-83A1-F6EECF244321}">
+                <p14:modId xmlns:p14="http://schemas.microsoft.com/office/powerpoint/2010/main" val="2489606943"/>
+              </p:ext>
+            </p:extLst>
           </p:nvPr>
-        </p:nvSpPr>
-        <p:spPr>
-          <a:xfrm>
-            <a:off x="6503158" y="649480"/>
-            <a:ext cx="4862447" cy="5546047"/>
-          </a:xfrm>
-        </p:spPr>
-        <p:txBody>
-          <a:bodyPr anchor="ctr">
-            <a:normAutofit/>
-          </a:bodyPr>
-          <a:lstStyle/>
-          <a:p>
-            <a:endParaRPr lang="en-US" sz="2000"/>
-          </a:p>
-        </p:txBody>
-      </p:sp>
+        </p:nvGraphicFramePr>
+        <p:xfrm>
+          <a:off x="6503158" y="649480"/>
+          <a:ext cx="4862447" cy="5546047"/>
+        </p:xfrm>
+        <a:graphic>
+          <a:graphicData uri="http://schemas.openxmlformats.org/drawingml/2006/diagram">
+            <dgm:relIds xmlns:dgm="http://schemas.openxmlformats.org/drawingml/2006/diagram" xmlns:r="http://schemas.openxmlformats.org/officeDocument/2006/relationships" r:dm="rId2" r:lo="rId3" r:qs="rId4" r:cs="rId5"/>
+          </a:graphicData>
+        </a:graphic>
+      </p:graphicFrame>
     </p:spTree>
     <p:extLst>
       <p:ext uri="{BB962C8B-B14F-4D97-AF65-F5344CB8AC3E}">
@@ -10986,7 +14274,7 @@
           <a:lstStyle/>
           <a:p>
             <a:r>
-              <a:rPr lang="en-US" sz="4000">
+              <a:rPr lang="en-US" sz="4000" dirty="0">
                 <a:solidFill>
                   <a:srgbClr val="FFFFFF"/>
                 </a:solidFill>
@@ -11020,13 +14308,13 @@
         </p:spPr>
         <p:txBody>
           <a:bodyPr>
-            <a:normAutofit lnSpcReduction="10000"/>
+            <a:normAutofit/>
           </a:bodyPr>
           <a:lstStyle/>
           <a:p>
             <a:r>
               <a:rPr lang="en-US" dirty="0"/>
-              <a:t>Application decoupled from OS</a:t>
+              <a:t>App decoupled from OS</a:t>
             </a:r>
             <a:br>
               <a:rPr lang="en-US" dirty="0"/>
@@ -11046,17 +14334,7 @@
           <a:p>
             <a:r>
               <a:rPr lang="en-US" dirty="0"/>
-              <a:t>Requires Container Engine</a:t>
-            </a:r>
-            <a:br>
-              <a:rPr lang="en-US" dirty="0"/>
-            </a:br>
-            <a:endParaRPr lang="en-US" dirty="0"/>
-          </a:p>
-          <a:p>
-            <a:r>
-              <a:rPr lang="en-US" dirty="0"/>
-              <a:t>Immutable: VM (care for it), immutable (don’t change in Prod)</a:t>
+              <a:t>Immutable: nothing changes in Production</a:t>
             </a:r>
           </a:p>
         </p:txBody>
@@ -12094,7 +15372,7 @@
             <p:ph idx="1"/>
             <p:extLst>
               <p:ext uri="{D42A27DB-BD31-4B8C-83A1-F6EECF244321}">
-                <p14:modId xmlns:p14="http://schemas.microsoft.com/office/powerpoint/2010/main" val="3998422145"/>
+                <p14:modId xmlns:p14="http://schemas.microsoft.com/office/powerpoint/2010/main" val="1514301235"/>
               </p:ext>
             </p:extLst>
           </p:nvPr>
@@ -12504,14 +15782,14 @@
             <p:ph idx="1"/>
             <p:extLst>
               <p:ext uri="{D42A27DB-BD31-4B8C-83A1-F6EECF244321}">
-                <p14:modId xmlns:p14="http://schemas.microsoft.com/office/powerpoint/2010/main" val="894228664"/>
+                <p14:modId xmlns:p14="http://schemas.microsoft.com/office/powerpoint/2010/main" val="3873474887"/>
               </p:ext>
             </p:extLst>
           </p:nvPr>
         </p:nvGraphicFramePr>
         <p:xfrm>
-          <a:off x="644056" y="2112579"/>
-          <a:ext cx="10927829" cy="4192805"/>
+          <a:off x="5968844" y="2112579"/>
+          <a:ext cx="5603041" cy="4540663"/>
         </p:xfrm>
         <a:graphic>
           <a:graphicData uri="http://schemas.openxmlformats.org/drawingml/2006/diagram">
@@ -12519,10 +15797,543 @@
           </a:graphicData>
         </a:graphic>
       </p:graphicFrame>
+      <p:sp>
+        <p:nvSpPr>
+          <p:cNvPr id="3" name="TextBox 2">
+            <a:extLst>
+              <a:ext uri="{FF2B5EF4-FFF2-40B4-BE49-F238E27FC236}">
+                <a16:creationId xmlns:a16="http://schemas.microsoft.com/office/drawing/2014/main" id="{B0E5929E-2FB0-4D70-86AE-13DEA4EECF05}"/>
+              </a:ext>
+            </a:extLst>
+          </p:cNvPr>
+          <p:cNvSpPr txBox="1"/>
+          <p:nvPr/>
+        </p:nvSpPr>
+        <p:spPr>
+          <a:xfrm>
+            <a:off x="538542" y="1985875"/>
+            <a:ext cx="5032005" cy="3539430"/>
+          </a:xfrm>
+          <a:prstGeom prst="rect">
+            <a:avLst/>
+          </a:prstGeom>
+          <a:noFill/>
+        </p:spPr>
+        <p:txBody>
+          <a:bodyPr wrap="square" rtlCol="0">
+            <a:spAutoFit/>
+          </a:bodyPr>
+          <a:lstStyle/>
+          <a:p>
+            <a:pPr marL="285750" indent="-285750">
+              <a:buFont typeface="Arial" panose="020B0604020202020204" pitchFamily="34" charset="0"/>
+              <a:buChar char="•"/>
+            </a:pPr>
+            <a:r>
+              <a:rPr lang="en-US" sz="2800" dirty="0"/>
+              <a:t>Docker supports Open Container Interface (OCI) Standard</a:t>
+            </a:r>
+            <a:br>
+              <a:rPr lang="en-US" sz="2800" dirty="0"/>
+            </a:br>
+            <a:br>
+              <a:rPr lang="en-US" sz="2800" dirty="0"/>
+            </a:br>
+            <a:endParaRPr lang="en-US" sz="2800" dirty="0"/>
+          </a:p>
+          <a:p>
+            <a:pPr marL="285750" indent="-285750">
+              <a:buFont typeface="Arial" panose="020B0604020202020204" pitchFamily="34" charset="0"/>
+              <a:buChar char="•"/>
+            </a:pPr>
+            <a:r>
+              <a:rPr lang="en-US" sz="2800" dirty="0"/>
+              <a:t>Kubernetes runs a different container engine but supports OCI</a:t>
+            </a:r>
+          </a:p>
+        </p:txBody>
+      </p:sp>
     </p:spTree>
     <p:extLst>
       <p:ext uri="{BB962C8B-B14F-4D97-AF65-F5344CB8AC3E}">
         <p14:creationId xmlns:p14="http://schemas.microsoft.com/office/powerpoint/2010/main" val="1134802191"/>
+      </p:ext>
+    </p:extLst>
+  </p:cSld>
+  <p:clrMapOvr>
+    <a:masterClrMapping/>
+  </p:clrMapOvr>
+</p:sld>
+</file>
+
+<file path=ppt/slides/slide7.xml><?xml version="1.0" encoding="utf-8"?>
+<p:sld xmlns:a="http://schemas.openxmlformats.org/drawingml/2006/main" xmlns:r="http://schemas.openxmlformats.org/officeDocument/2006/relationships" xmlns:p="http://schemas.openxmlformats.org/presentationml/2006/main">
+  <p:cSld>
+    <p:bg>
+      <p:bgPr>
+        <a:solidFill>
+          <a:schemeClr val="bg1"/>
+        </a:solidFill>
+        <a:effectLst/>
+      </p:bgPr>
+    </p:bg>
+    <p:spTree>
+      <p:nvGrpSpPr>
+        <p:cNvPr id="1" name=""/>
+        <p:cNvGrpSpPr/>
+        <p:nvPr/>
+      </p:nvGrpSpPr>
+      <p:grpSpPr>
+        <a:xfrm>
+          <a:off x="0" y="0"/>
+          <a:ext cx="0" cy="0"/>
+          <a:chOff x="0" y="0"/>
+          <a:chExt cx="0" cy="0"/>
+        </a:xfrm>
+      </p:grpSpPr>
+      <p:sp>
+        <p:nvSpPr>
+          <p:cNvPr id="28" name="Down Arrow 7">
+            <a:extLst>
+              <a:ext uri="{FF2B5EF4-FFF2-40B4-BE49-F238E27FC236}">
+                <a16:creationId xmlns:a16="http://schemas.microsoft.com/office/drawing/2014/main" id="{D4771268-CB57-404A-9271-370EB28F6090}"/>
+              </a:ext>
+              <a:ext uri="{C183D7F6-B498-43B3-948B-1728B52AA6E4}">
+                <adec:decorative xmlns:adec="http://schemas.microsoft.com/office/drawing/2017/decorative" val="1"/>
+              </a:ext>
+            </a:extLst>
+          </p:cNvPr>
+          <p:cNvSpPr>
+            <a:spLocks noGrp="1" noRot="1" noChangeAspect="1" noMove="1" noResize="1" noEditPoints="1" noAdjustHandles="1" noChangeArrowheads="1" noChangeShapeType="1" noTextEdit="1"/>
+          </p:cNvSpPr>
+          <p:nvPr>
+            <p:extLst>
+              <p:ext uri="{386F3935-93C4-4BCD-93E2-E3B085C9AB24}">
+                <p16:designElem xmlns:p16="http://schemas.microsoft.com/office/powerpoint/2015/main" val="1"/>
+              </p:ext>
+            </p:extLst>
+          </p:nvPr>
+        </p:nvSpPr>
+        <p:spPr>
+          <a:xfrm rot="16200000">
+            <a:off x="800100" y="1491343"/>
+            <a:ext cx="3333749" cy="3499103"/>
+          </a:xfrm>
+          <a:prstGeom prst="downArrow">
+            <a:avLst>
+              <a:gd name="adj1" fmla="val 100000"/>
+              <a:gd name="adj2" fmla="val 15788"/>
+            </a:avLst>
+          </a:prstGeom>
+          <a:solidFill>
+            <a:srgbClr val="404040"/>
+          </a:solidFill>
+          <a:ln w="53975">
+            <a:noFill/>
+          </a:ln>
+        </p:spPr>
+        <p:style>
+          <a:lnRef idx="2">
+            <a:schemeClr val="accent1">
+              <a:shade val="50000"/>
+            </a:schemeClr>
+          </a:lnRef>
+          <a:fillRef idx="1">
+            <a:schemeClr val="accent1"/>
+          </a:fillRef>
+          <a:effectRef idx="0">
+            <a:schemeClr val="accent1"/>
+          </a:effectRef>
+          <a:fontRef idx="minor">
+            <a:schemeClr val="lt1"/>
+          </a:fontRef>
+        </p:style>
+        <p:txBody>
+          <a:bodyPr rtlCol="0" anchor="ctr"/>
+          <a:lstStyle/>
+          <a:p>
+            <a:pPr algn="ctr"/>
+            <a:endParaRPr lang="en-US"/>
+          </a:p>
+        </p:txBody>
+      </p:sp>
+      <p:sp>
+        <p:nvSpPr>
+          <p:cNvPr id="2" name="Title 1">
+            <a:extLst>
+              <a:ext uri="{FF2B5EF4-FFF2-40B4-BE49-F238E27FC236}">
+                <a16:creationId xmlns:a16="http://schemas.microsoft.com/office/drawing/2014/main" id="{17FDB0B4-404A-4054-9FFF-18309E654372}"/>
+              </a:ext>
+            </a:extLst>
+          </p:cNvPr>
+          <p:cNvSpPr>
+            <a:spLocks noGrp="1"/>
+          </p:cNvSpPr>
+          <p:nvPr>
+            <p:ph type="title"/>
+          </p:nvPr>
+        </p:nvSpPr>
+        <p:spPr>
+          <a:xfrm>
+            <a:off x="1028700" y="1967266"/>
+            <a:ext cx="2628900" cy="2547257"/>
+          </a:xfrm>
+          <a:noFill/>
+        </p:spPr>
+        <p:txBody>
+          <a:bodyPr vert="horz" lIns="91440" tIns="45720" rIns="91440" bIns="45720" rtlCol="0" anchor="ctr">
+            <a:normAutofit/>
+          </a:bodyPr>
+          <a:lstStyle/>
+          <a:p>
+            <a:pPr algn="ctr"/>
+            <a:r>
+              <a:rPr lang="en-US" sz="3600" kern="1200">
+                <a:solidFill>
+                  <a:srgbClr val="FFFFFF"/>
+                </a:solidFill>
+                <a:latin typeface="+mj-lt"/>
+                <a:ea typeface="+mj-ea"/>
+                <a:cs typeface="+mj-cs"/>
+              </a:rPr>
+              <a:t>Kubernetes</a:t>
+            </a:r>
+          </a:p>
+        </p:txBody>
+      </p:sp>
+      <p:pic>
+        <p:nvPicPr>
+          <p:cNvPr id="7" name="Content Placeholder 6" descr="A screenshot of a computer&#10;&#10;Description automatically generated with medium confidence">
+            <a:extLst>
+              <a:ext uri="{FF2B5EF4-FFF2-40B4-BE49-F238E27FC236}">
+                <a16:creationId xmlns:a16="http://schemas.microsoft.com/office/drawing/2014/main" id="{3A0FD26B-0809-47B3-B7B9-62FAF82A3743}"/>
+              </a:ext>
+            </a:extLst>
+          </p:cNvPr>
+          <p:cNvPicPr>
+            <a:picLocks noGrp="1" noChangeAspect="1"/>
+          </p:cNvPicPr>
+          <p:nvPr>
+            <p:ph idx="1"/>
+          </p:nvPr>
+        </p:nvPicPr>
+        <p:blipFill>
+          <a:blip r:embed="rId2">
+            <a:extLst>
+              <a:ext uri="{28A0092B-C50C-407E-A947-70E740481C1C}">
+                <a14:useLocalDpi xmlns:a14="http://schemas.microsoft.com/office/drawing/2010/main" val="0"/>
+              </a:ext>
+            </a:extLst>
+          </a:blip>
+          <a:stretch>
+            <a:fillRect/>
+          </a:stretch>
+        </p:blipFill>
+        <p:spPr>
+          <a:xfrm>
+            <a:off x="4777316" y="808790"/>
+            <a:ext cx="6780700" cy="5238090"/>
+          </a:xfrm>
+          <a:prstGeom prst="rect">
+            <a:avLst/>
+          </a:prstGeom>
+        </p:spPr>
+      </p:pic>
+    </p:spTree>
+    <p:extLst>
+      <p:ext uri="{BB962C8B-B14F-4D97-AF65-F5344CB8AC3E}">
+        <p14:creationId xmlns:p14="http://schemas.microsoft.com/office/powerpoint/2010/main" val="2526694344"/>
+      </p:ext>
+    </p:extLst>
+  </p:cSld>
+  <p:clrMapOvr>
+    <a:masterClrMapping/>
+  </p:clrMapOvr>
+</p:sld>
+</file>
+
+<file path=ppt/slides/slide8.xml><?xml version="1.0" encoding="utf-8"?>
+<p:sld xmlns:a="http://schemas.openxmlformats.org/drawingml/2006/main" xmlns:r="http://schemas.openxmlformats.org/officeDocument/2006/relationships" xmlns:p="http://schemas.openxmlformats.org/presentationml/2006/main">
+  <p:cSld>
+    <p:bg>
+      <p:bgPr>
+        <a:solidFill>
+          <a:schemeClr val="bg1"/>
+        </a:solidFill>
+        <a:effectLst/>
+      </p:bgPr>
+    </p:bg>
+    <p:spTree>
+      <p:nvGrpSpPr>
+        <p:cNvPr id="1" name=""/>
+        <p:cNvGrpSpPr/>
+        <p:nvPr/>
+      </p:nvGrpSpPr>
+      <p:grpSpPr>
+        <a:xfrm>
+          <a:off x="0" y="0"/>
+          <a:ext cx="0" cy="0"/>
+          <a:chOff x="0" y="0"/>
+          <a:chExt cx="0" cy="0"/>
+        </a:xfrm>
+      </p:grpSpPr>
+      <p:sp useBgFill="1">
+        <p:nvSpPr>
+          <p:cNvPr id="17" name="Rectangle 16">
+            <a:extLst>
+              <a:ext uri="{FF2B5EF4-FFF2-40B4-BE49-F238E27FC236}">
+                <a16:creationId xmlns:a16="http://schemas.microsoft.com/office/drawing/2014/main" id="{85016AEC-0320-4ED0-8ECB-FE11DDDFE17A}"/>
+              </a:ext>
+              <a:ext uri="{C183D7F6-B498-43B3-948B-1728B52AA6E4}">
+                <adec:decorative xmlns:adec="http://schemas.microsoft.com/office/drawing/2017/decorative" val="1"/>
+              </a:ext>
+            </a:extLst>
+          </p:cNvPr>
+          <p:cNvSpPr>
+            <a:spLocks noGrp="1" noRot="1" noChangeAspect="1" noMove="1" noResize="1" noEditPoints="1" noAdjustHandles="1" noChangeArrowheads="1" noChangeShapeType="1" noTextEdit="1"/>
+          </p:cNvSpPr>
+          <p:nvPr>
+            <p:extLst>
+              <p:ext uri="{386F3935-93C4-4BCD-93E2-E3B085C9AB24}">
+                <p16:designElem xmlns:p16="http://schemas.microsoft.com/office/powerpoint/2015/main" val="1"/>
+              </p:ext>
+            </p:extLst>
+          </p:nvPr>
+        </p:nvSpPr>
+        <p:spPr>
+          <a:xfrm>
+            <a:off x="-1" y="0"/>
+            <a:ext cx="12191695" cy="6858000"/>
+          </a:xfrm>
+          <a:prstGeom prst="rect">
+            <a:avLst/>
+          </a:prstGeom>
+          <a:ln>
+            <a:noFill/>
+          </a:ln>
+        </p:spPr>
+        <p:style>
+          <a:lnRef idx="2">
+            <a:schemeClr val="accent1">
+              <a:shade val="50000"/>
+            </a:schemeClr>
+          </a:lnRef>
+          <a:fillRef idx="1">
+            <a:schemeClr val="accent1"/>
+          </a:fillRef>
+          <a:effectRef idx="0">
+            <a:schemeClr val="accent1"/>
+          </a:effectRef>
+          <a:fontRef idx="minor">
+            <a:schemeClr val="lt1"/>
+          </a:fontRef>
+        </p:style>
+        <p:txBody>
+          <a:bodyPr rtlCol="0" anchor="ctr"/>
+          <a:lstStyle/>
+          <a:p>
+            <a:pPr algn="ctr"/>
+            <a:endParaRPr lang="en-US"/>
+          </a:p>
+        </p:txBody>
+      </p:sp>
+      <p:sp>
+        <p:nvSpPr>
+          <p:cNvPr id="2" name="Title 1">
+            <a:extLst>
+              <a:ext uri="{FF2B5EF4-FFF2-40B4-BE49-F238E27FC236}">
+                <a16:creationId xmlns:a16="http://schemas.microsoft.com/office/drawing/2014/main" id="{73594F39-8D08-4CD3-A6F2-51DBB9970DC3}"/>
+              </a:ext>
+            </a:extLst>
+          </p:cNvPr>
+          <p:cNvSpPr>
+            <a:spLocks noGrp="1"/>
+          </p:cNvSpPr>
+          <p:nvPr>
+            <p:ph type="title"/>
+          </p:nvPr>
+        </p:nvSpPr>
+        <p:spPr>
+          <a:xfrm>
+            <a:off x="1349531" y="4233675"/>
+            <a:ext cx="4424430" cy="2015774"/>
+          </a:xfrm>
+        </p:spPr>
+        <p:txBody>
+          <a:bodyPr>
+            <a:normAutofit/>
+          </a:bodyPr>
+          <a:lstStyle/>
+          <a:p>
+            <a:r>
+              <a:rPr lang="en-US" sz="4000"/>
+              <a:t>GitOps</a:t>
+            </a:r>
+          </a:p>
+        </p:txBody>
+      </p:sp>
+      <p:sp>
+        <p:nvSpPr>
+          <p:cNvPr id="19" name="Rectangle 18">
+            <a:extLst>
+              <a:ext uri="{FF2B5EF4-FFF2-40B4-BE49-F238E27FC236}">
+                <a16:creationId xmlns:a16="http://schemas.microsoft.com/office/drawing/2014/main" id="{C70C3B59-DE2C-4611-8148-812575C5CA48}"/>
+              </a:ext>
+              <a:ext uri="{C183D7F6-B498-43B3-948B-1728B52AA6E4}">
+                <adec:decorative xmlns:adec="http://schemas.microsoft.com/office/drawing/2017/decorative" val="1"/>
+              </a:ext>
+            </a:extLst>
+          </p:cNvPr>
+          <p:cNvSpPr>
+            <a:spLocks noGrp="1" noRot="1" noChangeAspect="1" noMove="1" noResize="1" noEditPoints="1" noAdjustHandles="1" noChangeArrowheads="1" noChangeShapeType="1" noTextEdit="1"/>
+          </p:cNvSpPr>
+          <p:nvPr>
+            <p:extLst>
+              <p:ext uri="{386F3935-93C4-4BCD-93E2-E3B085C9AB24}">
+                <p16:designElem xmlns:p16="http://schemas.microsoft.com/office/powerpoint/2015/main" val="1"/>
+              </p:ext>
+            </p:extLst>
+          </p:nvPr>
+        </p:nvSpPr>
+        <p:spPr>
+          <a:xfrm>
+            <a:off x="0" y="891540"/>
+            <a:ext cx="722376" cy="5071110"/>
+          </a:xfrm>
+          <a:prstGeom prst="rect">
+            <a:avLst/>
+          </a:prstGeom>
+          <a:solidFill>
+            <a:srgbClr val="4C5254"/>
+          </a:solidFill>
+          <a:ln>
+            <a:noFill/>
+          </a:ln>
+        </p:spPr>
+        <p:style>
+          <a:lnRef idx="2">
+            <a:schemeClr val="accent1">
+              <a:shade val="50000"/>
+            </a:schemeClr>
+          </a:lnRef>
+          <a:fillRef idx="1">
+            <a:schemeClr val="accent1"/>
+          </a:fillRef>
+          <a:effectRef idx="0">
+            <a:schemeClr val="accent1"/>
+          </a:effectRef>
+          <a:fontRef idx="minor">
+            <a:schemeClr val="lt1"/>
+          </a:fontRef>
+        </p:style>
+        <p:txBody>
+          <a:bodyPr rtlCol="0" anchor="ctr"/>
+          <a:lstStyle/>
+          <a:p>
+            <a:pPr algn="ctr"/>
+            <a:endParaRPr lang="en-US"/>
+          </a:p>
+        </p:txBody>
+      </p:sp>
+      <p:pic>
+        <p:nvPicPr>
+          <p:cNvPr id="5" name="Picture 4" descr="Diagram&#10;&#10;Description automatically generated">
+            <a:extLst>
+              <a:ext uri="{FF2B5EF4-FFF2-40B4-BE49-F238E27FC236}">
+                <a16:creationId xmlns:a16="http://schemas.microsoft.com/office/drawing/2014/main" id="{3C90871A-5938-4F8F-9B90-81B4EDE200B4}"/>
+              </a:ext>
+            </a:extLst>
+          </p:cNvPr>
+          <p:cNvPicPr>
+            <a:picLocks noChangeAspect="1"/>
+          </p:cNvPicPr>
+          <p:nvPr/>
+        </p:nvPicPr>
+        <p:blipFill>
+          <a:blip r:embed="rId2"/>
+          <a:stretch>
+            <a:fillRect/>
+          </a:stretch>
+        </p:blipFill>
+        <p:spPr>
+          <a:xfrm>
+            <a:off x="1349531" y="917931"/>
+            <a:ext cx="10228659" cy="3017453"/>
+          </a:xfrm>
+          <a:prstGeom prst="rect">
+            <a:avLst/>
+          </a:prstGeom>
+          <a:effectLst>
+            <a:outerShdw blurRad="406400" dist="317500" dir="5400000" sx="89000" sy="89000" rotWithShape="0">
+              <a:prstClr val="black">
+                <a:alpha val="15000"/>
+              </a:prstClr>
+            </a:outerShdw>
+          </a:effectLst>
+        </p:spPr>
+      </p:pic>
+      <p:sp>
+        <p:nvSpPr>
+          <p:cNvPr id="3" name="Content Placeholder 2">
+            <a:extLst>
+              <a:ext uri="{FF2B5EF4-FFF2-40B4-BE49-F238E27FC236}">
+                <a16:creationId xmlns:a16="http://schemas.microsoft.com/office/drawing/2014/main" id="{82B3C30A-EE9C-4DB0-B3C6-F9771A3D4DB5}"/>
+              </a:ext>
+            </a:extLst>
+          </p:cNvPr>
+          <p:cNvSpPr>
+            <a:spLocks noGrp="1"/>
+          </p:cNvSpPr>
+          <p:nvPr>
+            <p:ph idx="1"/>
+          </p:nvPr>
+        </p:nvSpPr>
+        <p:spPr>
+          <a:xfrm>
+            <a:off x="6417733" y="4212709"/>
+            <a:ext cx="5160457" cy="2036742"/>
+          </a:xfrm>
+        </p:spPr>
+        <p:txBody>
+          <a:bodyPr anchor="ctr">
+            <a:normAutofit/>
+          </a:bodyPr>
+          <a:lstStyle/>
+          <a:p>
+            <a:r>
+              <a:rPr lang="en-US" sz="2000"/>
+              <a:t>Describe Infrastructure </a:t>
+            </a:r>
+            <a:r>
+              <a:rPr lang="de-AT" sz="2000"/>
+              <a:t>as Code</a:t>
+            </a:r>
+          </a:p>
+          <a:p>
+            <a:r>
+              <a:rPr lang="de-AT" sz="2000"/>
+              <a:t>Store in Git repository</a:t>
+            </a:r>
+          </a:p>
+          <a:p>
+            <a:r>
+              <a:rPr lang="de-AT" sz="2000"/>
+              <a:t>Trigger CI/CD for Desired State</a:t>
+            </a:r>
+          </a:p>
+          <a:p>
+            <a:r>
+              <a:rPr lang="de-AT" sz="2000"/>
+              <a:t>Version control for infrastucture changes</a:t>
+            </a:r>
+            <a:endParaRPr lang="en-US" sz="2000"/>
+          </a:p>
+        </p:txBody>
+      </p:sp>
+    </p:spTree>
+    <p:extLst>
+      <p:ext uri="{BB962C8B-B14F-4D97-AF65-F5344CB8AC3E}">
+        <p14:creationId xmlns:p14="http://schemas.microsoft.com/office/powerpoint/2010/main" val="609298913"/>
       </p:ext>
     </p:extLst>
   </p:cSld>

--- a/slides/Introduction to Kubernetes.pptx
+++ b/slides/Introduction to Kubernetes.pptx
@@ -12669,12 +12669,12 @@
           <a:p>
             <a:pPr algn="l"/>
             <a:r>
-              <a:rPr lang="en-US" sz="4800">
+              <a:rPr lang="en-US" sz="4800" dirty="0">
                 <a:solidFill>
                   <a:srgbClr val="FFFFFF"/>
                 </a:solidFill>
               </a:rPr>
-              <a:t>Introduction to Kubernetes</a:t>
+              <a:t>Introduction to Container Orchestration</a:t>
             </a:r>
           </a:p>
         </p:txBody>
@@ -12709,23 +12709,79 @@
           <a:p>
             <a:pPr algn="l"/>
             <a:r>
-              <a:rPr lang="en-US"/>
+              <a:rPr lang="en-US" dirty="0"/>
               <a:t>Casimir Compaore</a:t>
             </a:r>
           </a:p>
           <a:p>
             <a:pPr algn="l"/>
             <a:r>
-              <a:rPr lang="en-US"/>
+              <a:rPr lang="en-US" dirty="0"/>
               <a:t>Rina Ahmed</a:t>
             </a:r>
           </a:p>
           <a:p>
             <a:pPr algn="l"/>
             <a:r>
-              <a:rPr lang="en-US"/>
-              <a:t>SGIS - SG</a:t>
+              <a:rPr lang="en-US" dirty="0"/>
+              <a:t>SGIS – Safeguards – IAEA </a:t>
             </a:r>
+          </a:p>
+        </p:txBody>
+      </p:sp>
+      <p:sp>
+        <p:nvSpPr>
+          <p:cNvPr id="4" name="TextBox 3">
+            <a:extLst>
+              <a:ext uri="{FF2B5EF4-FFF2-40B4-BE49-F238E27FC236}">
+                <a16:creationId xmlns:a16="http://schemas.microsoft.com/office/drawing/2014/main" id="{DED856A4-8FFD-4EF7-988D-FC3829EFB0D7}"/>
+              </a:ext>
+            </a:extLst>
+          </p:cNvPr>
+          <p:cNvSpPr txBox="1"/>
+          <p:nvPr/>
+        </p:nvSpPr>
+        <p:spPr>
+          <a:xfrm>
+            <a:off x="5314123" y="324679"/>
+            <a:ext cx="6377954" cy="1015663"/>
+          </a:xfrm>
+          <a:prstGeom prst="rect">
+            <a:avLst/>
+          </a:prstGeom>
+          <a:noFill/>
+        </p:spPr>
+        <p:txBody>
+          <a:bodyPr wrap="square" rtlCol="0">
+            <a:spAutoFit/>
+          </a:bodyPr>
+          <a:lstStyle/>
+          <a:p>
+            <a:pPr algn="r"/>
+            <a:r>
+              <a:rPr lang="de-AT" sz="3600" dirty="0">
+                <a:solidFill>
+                  <a:schemeClr val="bg1"/>
+                </a:solidFill>
+              </a:rPr>
+              <a:t>TechSpark</a:t>
+            </a:r>
+          </a:p>
+          <a:p>
+            <a:pPr algn="r"/>
+            <a:r>
+              <a:rPr lang="de-AT" sz="2400" i="1" dirty="0">
+                <a:solidFill>
+                  <a:schemeClr val="bg1"/>
+                </a:solidFill>
+              </a:rPr>
+              <a:t>The IAEA Tech Talks</a:t>
+            </a:r>
+            <a:endParaRPr lang="en-US" sz="2400" i="1" dirty="0">
+              <a:solidFill>
+                <a:schemeClr val="bg1"/>
+              </a:solidFill>
+            </a:endParaRPr>
           </a:p>
         </p:txBody>
       </p:sp>
@@ -12739,273 +12795,6 @@
   <p:clrMapOvr>
     <a:masterClrMapping/>
   </p:clrMapOvr>
-  <p:timing>
-    <p:tnLst>
-      <p:par>
-        <p:cTn id="1" dur="indefinite" restart="never" nodeType="tmRoot">
-          <p:childTnLst>
-            <p:seq concurrent="1" nextAc="seek">
-              <p:cTn id="2" dur="indefinite" nodeType="mainSeq">
-                <p:childTnLst>
-                  <p:par>
-                    <p:cTn id="3" fill="hold">
-                      <p:stCondLst>
-                        <p:cond delay="indefinite"/>
-                        <p:cond evt="onBegin" delay="0">
-                          <p:tn val="2"/>
-                        </p:cond>
-                      </p:stCondLst>
-                      <p:childTnLst>
-                        <p:par>
-                          <p:cTn id="4" fill="hold">
-                            <p:stCondLst>
-                              <p:cond delay="0"/>
-                            </p:stCondLst>
-                            <p:childTnLst>
-                              <p:par>
-                                <p:cTn id="5" presetID="10" presetClass="entr" presetSubtype="0" fill="hold" grpId="0" nodeType="withEffect">
-                                  <p:stCondLst>
-                                    <p:cond delay="1000"/>
-                                  </p:stCondLst>
-                                  <p:iterate type="wd">
-                                    <p:tmPct val="15000"/>
-                                  </p:iterate>
-                                  <p:childTnLst>
-                                    <p:set>
-                                      <p:cBhvr>
-                                        <p:cTn id="6" dur="1" fill="hold">
-                                          <p:stCondLst>
-                                            <p:cond delay="0"/>
-                                          </p:stCondLst>
-                                        </p:cTn>
-                                        <p:tgtEl>
-                                          <p:spTgt spid="3">
-                                            <p:txEl>
-                                              <p:pRg st="0" end="0"/>
-                                            </p:txEl>
-                                          </p:spTgt>
-                                        </p:tgtEl>
-                                        <p:attrNameLst>
-                                          <p:attrName>style.visibility</p:attrName>
-                                        </p:attrNameLst>
-                                      </p:cBhvr>
-                                      <p:to>
-                                        <p:strVal val="visible"/>
-                                      </p:to>
-                                    </p:set>
-                                    <p:animEffect transition="in" filter="fade">
-                                      <p:cBhvr>
-                                        <p:cTn id="7" dur="1000"/>
-                                        <p:tgtEl>
-                                          <p:spTgt spid="3">
-                                            <p:txEl>
-                                              <p:pRg st="0" end="0"/>
-                                            </p:txEl>
-                                          </p:spTgt>
-                                        </p:tgtEl>
-                                      </p:cBhvr>
-                                    </p:animEffect>
-                                  </p:childTnLst>
-                                </p:cTn>
-                              </p:par>
-                              <p:par>
-                                <p:cTn id="8" presetID="10" presetClass="entr" presetSubtype="0" fill="hold" grpId="0" nodeType="withEffect">
-                                  <p:stCondLst>
-                                    <p:cond delay="500"/>
-                                  </p:stCondLst>
-                                  <p:iterate type="wd">
-                                    <p:tmPct val="15000"/>
-                                  </p:iterate>
-                                  <p:childTnLst>
-                                    <p:set>
-                                      <p:cBhvr>
-                                        <p:cTn id="9" dur="1" fill="hold">
-                                          <p:stCondLst>
-                                            <p:cond delay="0"/>
-                                          </p:stCondLst>
-                                        </p:cTn>
-                                        <p:tgtEl>
-                                          <p:spTgt spid="2"/>
-                                        </p:tgtEl>
-                                        <p:attrNameLst>
-                                          <p:attrName>style.visibility</p:attrName>
-                                        </p:attrNameLst>
-                                      </p:cBhvr>
-                                      <p:to>
-                                        <p:strVal val="visible"/>
-                                      </p:to>
-                                    </p:set>
-                                    <p:animEffect transition="in" filter="fade">
-                                      <p:cBhvr>
-                                        <p:cTn id="10" dur="1000"/>
-                                        <p:tgtEl>
-                                          <p:spTgt spid="2"/>
-                                        </p:tgtEl>
-                                      </p:cBhvr>
-                                    </p:animEffect>
-                                  </p:childTnLst>
-                                </p:cTn>
-                              </p:par>
-                            </p:childTnLst>
-                          </p:cTn>
-                        </p:par>
-                      </p:childTnLst>
-                    </p:cTn>
-                  </p:par>
-                  <p:par>
-                    <p:cTn id="11" fill="hold">
-                      <p:stCondLst>
-                        <p:cond delay="indefinite"/>
-                      </p:stCondLst>
-                      <p:childTnLst>
-                        <p:par>
-                          <p:cTn id="12" fill="hold">
-                            <p:stCondLst>
-                              <p:cond delay="0"/>
-                            </p:stCondLst>
-                            <p:childTnLst>
-                              <p:par>
-                                <p:cTn id="13" presetID="10" presetClass="entr" presetSubtype="0" fill="hold" grpId="0" nodeType="clickEffect">
-                                  <p:stCondLst>
-                                    <p:cond delay="1000"/>
-                                  </p:stCondLst>
-                                  <p:iterate type="wd">
-                                    <p:tmPct val="15000"/>
-                                  </p:iterate>
-                                  <p:childTnLst>
-                                    <p:set>
-                                      <p:cBhvr>
-                                        <p:cTn id="14" dur="1" fill="hold">
-                                          <p:stCondLst>
-                                            <p:cond delay="0"/>
-                                          </p:stCondLst>
-                                        </p:cTn>
-                                        <p:tgtEl>
-                                          <p:spTgt spid="3">
-                                            <p:txEl>
-                                              <p:pRg st="1" end="1"/>
-                                            </p:txEl>
-                                          </p:spTgt>
-                                        </p:tgtEl>
-                                        <p:attrNameLst>
-                                          <p:attrName>style.visibility</p:attrName>
-                                        </p:attrNameLst>
-                                      </p:cBhvr>
-                                      <p:to>
-                                        <p:strVal val="visible"/>
-                                      </p:to>
-                                    </p:set>
-                                    <p:animEffect transition="in" filter="fade">
-                                      <p:cBhvr>
-                                        <p:cTn id="15" dur="1000"/>
-                                        <p:tgtEl>
-                                          <p:spTgt spid="3">
-                                            <p:txEl>
-                                              <p:pRg st="1" end="1"/>
-                                            </p:txEl>
-                                          </p:spTgt>
-                                        </p:tgtEl>
-                                      </p:cBhvr>
-                                    </p:animEffect>
-                                  </p:childTnLst>
-                                </p:cTn>
-                              </p:par>
-                            </p:childTnLst>
-                          </p:cTn>
-                        </p:par>
-                      </p:childTnLst>
-                    </p:cTn>
-                  </p:par>
-                  <p:par>
-                    <p:cTn id="16" fill="hold">
-                      <p:stCondLst>
-                        <p:cond delay="indefinite"/>
-                      </p:stCondLst>
-                      <p:childTnLst>
-                        <p:par>
-                          <p:cTn id="17" fill="hold">
-                            <p:stCondLst>
-                              <p:cond delay="0"/>
-                            </p:stCondLst>
-                            <p:childTnLst>
-                              <p:par>
-                                <p:cTn id="18" presetID="10" presetClass="entr" presetSubtype="0" fill="hold" grpId="0" nodeType="clickEffect">
-                                  <p:stCondLst>
-                                    <p:cond delay="1000"/>
-                                  </p:stCondLst>
-                                  <p:iterate type="wd">
-                                    <p:tmPct val="15000"/>
-                                  </p:iterate>
-                                  <p:childTnLst>
-                                    <p:set>
-                                      <p:cBhvr>
-                                        <p:cTn id="19" dur="1" fill="hold">
-                                          <p:stCondLst>
-                                            <p:cond delay="0"/>
-                                          </p:stCondLst>
-                                        </p:cTn>
-                                        <p:tgtEl>
-                                          <p:spTgt spid="3">
-                                            <p:txEl>
-                                              <p:pRg st="2" end="2"/>
-                                            </p:txEl>
-                                          </p:spTgt>
-                                        </p:tgtEl>
-                                        <p:attrNameLst>
-                                          <p:attrName>style.visibility</p:attrName>
-                                        </p:attrNameLst>
-                                      </p:cBhvr>
-                                      <p:to>
-                                        <p:strVal val="visible"/>
-                                      </p:to>
-                                    </p:set>
-                                    <p:animEffect transition="in" filter="fade">
-                                      <p:cBhvr>
-                                        <p:cTn id="20" dur="1000"/>
-                                        <p:tgtEl>
-                                          <p:spTgt spid="3">
-                                            <p:txEl>
-                                              <p:pRg st="2" end="2"/>
-                                            </p:txEl>
-                                          </p:spTgt>
-                                        </p:tgtEl>
-                                      </p:cBhvr>
-                                    </p:animEffect>
-                                  </p:childTnLst>
-                                </p:cTn>
-                              </p:par>
-                            </p:childTnLst>
-                          </p:cTn>
-                        </p:par>
-                      </p:childTnLst>
-                    </p:cTn>
-                  </p:par>
-                </p:childTnLst>
-              </p:cTn>
-              <p:prevCondLst>
-                <p:cond evt="onPrev" delay="0">
-                  <p:tgtEl>
-                    <p:sldTgt/>
-                  </p:tgtEl>
-                </p:cond>
-              </p:prevCondLst>
-              <p:nextCondLst>
-                <p:cond evt="onNext" delay="0">
-                  <p:tgtEl>
-                    <p:sldTgt/>
-                  </p:tgtEl>
-                </p:cond>
-              </p:nextCondLst>
-            </p:seq>
-          </p:childTnLst>
-        </p:cTn>
-      </p:par>
-    </p:tnLst>
-    <p:bldLst>
-      <p:bldP spid="2" grpId="0"/>
-      <p:bldP spid="3" grpId="0" build="p"/>
-    </p:bldLst>
-  </p:timing>
 </p:sld>
 </file>
 
@@ -13823,9 +13612,16 @@
           <a:lstStyle/>
           <a:p>
             <a:r>
-              <a:rPr lang="en-US" sz="4000"/>
-              <a:t>Who are we?</a:t>
+              <a:rPr lang="en-US" sz="4000" dirty="0"/>
+              <a:t>Keywords on us </a:t>
             </a:r>
+            <a:r>
+              <a:rPr lang="en-US" sz="4000" dirty="0">
+                <a:sym typeface="Wingdings" panose="05000000000000000000" pitchFamily="2" charset="2"/>
+              </a:rPr>
+              <a:t></a:t>
+            </a:r>
+            <a:endParaRPr lang="en-US" sz="4000" dirty="0"/>
           </a:p>
         </p:txBody>
       </p:sp>
@@ -13847,20 +13643,35 @@
         </p:nvSpPr>
         <p:spPr>
           <a:xfrm>
-            <a:off x="1452656" y="2701427"/>
-            <a:ext cx="4483324" cy="2699968"/>
+            <a:off x="1452656" y="3443069"/>
+            <a:ext cx="4483324" cy="1958325"/>
           </a:xfrm>
         </p:spPr>
         <p:txBody>
           <a:bodyPr>
-            <a:normAutofit/>
+            <a:normAutofit fontScale="92500" lnSpcReduction="10000"/>
           </a:bodyPr>
           <a:lstStyle/>
           <a:p>
             <a:r>
-              <a:rPr lang="en-US" sz="2000"/>
-              <a:t>Casimir</a:t>
+              <a:rPr lang="en-US" dirty="0"/>
+              <a:t>SGIS TechLead</a:t>
             </a:r>
+          </a:p>
+          <a:p>
+            <a:r>
+              <a:rPr lang="en-US" dirty="0"/>
+              <a:t>Introduced and managed Kubernetes from scratch</a:t>
+            </a:r>
+          </a:p>
+          <a:p>
+            <a:r>
+              <a:rPr lang="en-US" dirty="0"/>
+              <a:t>Soccer</a:t>
+            </a:r>
+          </a:p>
+          <a:p>
+            <a:endParaRPr lang="en-US" dirty="0"/>
           </a:p>
         </p:txBody>
       </p:sp>
@@ -13882,26 +13693,124 @@
         </p:nvSpPr>
         <p:spPr>
           <a:xfrm>
-            <a:off x="6256020" y="2701427"/>
-            <a:ext cx="4554501" cy="2699968"/>
+            <a:off x="6012372" y="3427338"/>
+            <a:ext cx="4554501" cy="1684160"/>
           </a:xfrm>
         </p:spPr>
         <p:txBody>
           <a:bodyPr>
-            <a:normAutofit/>
+            <a:normAutofit fontScale="92500" lnSpcReduction="10000"/>
           </a:bodyPr>
           <a:lstStyle/>
           <a:p>
             <a:r>
-              <a:rPr lang="en-US" sz="2000" dirty="0"/>
+              <a:rPr lang="en-US" dirty="0"/>
+              <a:t>SGIS TechLead</a:t>
+            </a:r>
+          </a:p>
+          <a:p>
+            <a:r>
+              <a:rPr lang="en-US" dirty="0"/>
+              <a:t>Tech Evangelist and Microsoft-crazy</a:t>
+            </a:r>
+          </a:p>
+          <a:p>
+            <a:r>
+              <a:rPr lang="en-US" dirty="0"/>
+              <a:t>Literature</a:t>
+            </a:r>
+          </a:p>
+        </p:txBody>
+      </p:sp>
+      <p:sp>
+        <p:nvSpPr>
+          <p:cNvPr id="3" name="TextBox 2">
+            <a:extLst>
+              <a:ext uri="{FF2B5EF4-FFF2-40B4-BE49-F238E27FC236}">
+                <a16:creationId xmlns:a16="http://schemas.microsoft.com/office/drawing/2014/main" id="{7DA1C05A-0627-4D7D-B092-DFE856860EA7}"/>
+              </a:ext>
+            </a:extLst>
+          </p:cNvPr>
+          <p:cNvSpPr txBox="1"/>
+          <p:nvPr/>
+        </p:nvSpPr>
+        <p:spPr>
+          <a:xfrm rot="21051534">
+            <a:off x="1491105" y="2583487"/>
+            <a:ext cx="2030196" cy="646331"/>
+          </a:xfrm>
+          <a:prstGeom prst="rect">
+            <a:avLst/>
+          </a:prstGeom>
+          <a:noFill/>
+        </p:spPr>
+        <p:txBody>
+          <a:bodyPr wrap="square" rtlCol="0">
+            <a:spAutoFit/>
+          </a:bodyPr>
+          <a:lstStyle/>
+          <a:p>
+            <a:r>
+              <a:rPr lang="de-AT" sz="3600" b="1" dirty="0">
+                <a:solidFill>
+                  <a:srgbClr val="2E5C90"/>
+                </a:solidFill>
+                <a:latin typeface="Bradley Hand ITC" panose="03070402050302030203" pitchFamily="66" charset="0"/>
+              </a:rPr>
+              <a:t>Casimir</a:t>
+            </a:r>
+            <a:endParaRPr lang="en-US" sz="3600" b="1" dirty="0">
+              <a:solidFill>
+                <a:srgbClr val="2E5C90"/>
+              </a:solidFill>
+              <a:latin typeface="Bradley Hand ITC" panose="03070402050302030203" pitchFamily="66" charset="0"/>
+            </a:endParaRPr>
+          </a:p>
+        </p:txBody>
+      </p:sp>
+      <p:sp>
+        <p:nvSpPr>
+          <p:cNvPr id="11" name="TextBox 10">
+            <a:extLst>
+              <a:ext uri="{FF2B5EF4-FFF2-40B4-BE49-F238E27FC236}">
+                <a16:creationId xmlns:a16="http://schemas.microsoft.com/office/drawing/2014/main" id="{B16F4298-96D6-4027-9261-3C9F28C6364D}"/>
+              </a:ext>
+            </a:extLst>
+          </p:cNvPr>
+          <p:cNvSpPr txBox="1"/>
+          <p:nvPr/>
+        </p:nvSpPr>
+        <p:spPr>
+          <a:xfrm rot="21035042">
+            <a:off x="6051566" y="2556663"/>
+            <a:ext cx="2030196" cy="646331"/>
+          </a:xfrm>
+          <a:prstGeom prst="rect">
+            <a:avLst/>
+          </a:prstGeom>
+          <a:noFill/>
+        </p:spPr>
+        <p:txBody>
+          <a:bodyPr wrap="square" rtlCol="0">
+            <a:spAutoFit/>
+          </a:bodyPr>
+          <a:lstStyle/>
+          <a:p>
+            <a:r>
+              <a:rPr lang="de-AT" sz="3600" b="1" dirty="0">
+                <a:solidFill>
+                  <a:srgbClr val="2E5C90"/>
+                </a:solidFill>
+                <a:latin typeface="Bradley Hand ITC" panose="03070402050302030203" pitchFamily="66" charset="0"/>
+              </a:rPr>
               <a:t>Rina</a:t>
             </a:r>
-          </a:p>
-          <a:p>
-            <a:pPr marL="0" indent="0">
-              <a:buNone/>
-            </a:pPr>
-            <a:endParaRPr lang="en-US" sz="2000" dirty="0"/>
+            <a:endParaRPr lang="en-US" sz="3600" b="1" dirty="0">
+              <a:solidFill>
+                <a:srgbClr val="2E5C90"/>
+              </a:solidFill>
+              <a:latin typeface="Bradley Hand ITC" panose="03070402050302030203" pitchFamily="66" charset="0"/>
+            </a:endParaRPr>
           </a:p>
         </p:txBody>
       </p:sp>
@@ -15891,12 +15800,12 @@
           <a:chExt cx="0" cy="0"/>
         </a:xfrm>
       </p:grpSpPr>
-      <p:sp>
+      <p:sp useBgFill="1">
         <p:nvSpPr>
-          <p:cNvPr id="28" name="Down Arrow 7">
+          <p:cNvPr id="48" name="Rectangle 47">
             <a:extLst>
               <a:ext uri="{FF2B5EF4-FFF2-40B4-BE49-F238E27FC236}">
-                <a16:creationId xmlns:a16="http://schemas.microsoft.com/office/drawing/2014/main" id="{D4771268-CB57-404A-9271-370EB28F6090}"/>
+                <a16:creationId xmlns:a16="http://schemas.microsoft.com/office/drawing/2014/main" id="{A8384FB5-9ADC-4DDC-881B-597D56F5B15D}"/>
               </a:ext>
               <a:ext uri="{C183D7F6-B498-43B3-948B-1728B52AA6E4}">
                 <adec:decorative xmlns:adec="http://schemas.microsoft.com/office/drawing/2017/decorative" val="1"/>
@@ -15915,20 +15824,103 @@
           </p:nvPr>
         </p:nvSpPr>
         <p:spPr>
-          <a:xfrm rot="16200000">
-            <a:off x="800100" y="1491343"/>
-            <a:ext cx="3333749" cy="3499103"/>
+          <a:xfrm>
+            <a:off x="0" y="0"/>
+            <a:ext cx="12192000" cy="6858000"/>
           </a:xfrm>
-          <a:prstGeom prst="downArrow">
-            <a:avLst>
-              <a:gd name="adj1" fmla="val 100000"/>
-              <a:gd name="adj2" fmla="val 15788"/>
-            </a:avLst>
+          <a:prstGeom prst="rect">
+            <a:avLst/>
           </a:prstGeom>
-          <a:solidFill>
-            <a:srgbClr val="404040"/>
-          </a:solidFill>
-          <a:ln w="53975">
+          <a:ln w="12700" cap="flat" cmpd="sng" algn="ctr">
+            <a:noFill/>
+            <a:prstDash val="solid"/>
+            <a:miter lim="800000"/>
+          </a:ln>
+          <a:effectLst/>
+          <a:extLst>
+            <a:ext uri="{91240B29-F687-4F45-9708-019B960494DF}">
+              <a14:hiddenLine xmlns:a14="http://schemas.microsoft.com/office/drawing/2010/main" w="12700" cap="flat" cmpd="sng" algn="ctr">
+                <a:solidFill>
+                  <a:schemeClr val="accent1">
+                    <a:shade val="50000"/>
+                  </a:schemeClr>
+                </a:solidFill>
+                <a:prstDash val="solid"/>
+                <a:miter lim="800000"/>
+              </a14:hiddenLine>
+            </a:ext>
+          </a:extLst>
+        </p:spPr>
+        <p:style>
+          <a:lnRef idx="2">
+            <a:schemeClr val="accent1">
+              <a:shade val="50000"/>
+            </a:schemeClr>
+          </a:lnRef>
+          <a:fillRef idx="1">
+            <a:schemeClr val="accent1"/>
+          </a:fillRef>
+          <a:effectRef idx="0">
+            <a:schemeClr val="accent1"/>
+          </a:effectRef>
+          <a:fontRef idx="minor">
+            <a:schemeClr val="lt1"/>
+          </a:fontRef>
+        </p:style>
+        <p:txBody>
+          <a:bodyPr rtlCol="0" anchor="ctr"/>
+          <a:lstStyle/>
+          <a:p>
+            <a:pPr algn="ctr"/>
+            <a:endParaRPr lang="en-US"/>
+          </a:p>
+        </p:txBody>
+      </p:sp>
+      <p:sp>
+        <p:nvSpPr>
+          <p:cNvPr id="50" name="Rectangle 49">
+            <a:extLst>
+              <a:ext uri="{FF2B5EF4-FFF2-40B4-BE49-F238E27FC236}">
+                <a16:creationId xmlns:a16="http://schemas.microsoft.com/office/drawing/2014/main" id="{91E5A9A7-95C6-4F4F-B00E-C82E07FE62EF}"/>
+              </a:ext>
+              <a:ext uri="{C183D7F6-B498-43B3-948B-1728B52AA6E4}">
+                <adec:decorative xmlns:adec="http://schemas.microsoft.com/office/drawing/2017/decorative" val="1"/>
+              </a:ext>
+            </a:extLst>
+          </p:cNvPr>
+          <p:cNvSpPr>
+            <a:spLocks noGrp="1" noRot="1" noChangeAspect="1" noMove="1" noResize="1" noEditPoints="1" noAdjustHandles="1" noChangeArrowheads="1" noChangeShapeType="1" noTextEdit="1"/>
+          </p:cNvSpPr>
+          <p:nvPr>
+            <p:extLst>
+              <p:ext uri="{386F3935-93C4-4BCD-93E2-E3B085C9AB24}">
+                <p16:designElem xmlns:p16="http://schemas.microsoft.com/office/powerpoint/2015/main" val="1"/>
+              </p:ext>
+            </p:extLst>
+          </p:nvPr>
+        </p:nvSpPr>
+        <p:spPr>
+          <a:xfrm rot="5400000" flipH="1">
+            <a:off x="-1417539" y="1417538"/>
+            <a:ext cx="6875818" cy="4040744"/>
+          </a:xfrm>
+          <a:prstGeom prst="rect">
+            <a:avLst/>
+          </a:prstGeom>
+          <a:gradFill>
+            <a:gsLst>
+              <a:gs pos="0">
+                <a:srgbClr val="000000"/>
+              </a:gs>
+              <a:gs pos="100000">
+                <a:schemeClr val="accent1">
+                  <a:lumMod val="75000"/>
+                </a:schemeClr>
+              </a:gs>
+            </a:gsLst>
+            <a:lin ang="18600000" scaled="0"/>
+          </a:gradFill>
+          <a:ln>
             <a:noFill/>
           </a:ln>
         </p:spPr>
@@ -15953,7 +15945,331 @@
           <a:lstStyle/>
           <a:p>
             <a:pPr algn="ctr"/>
+            <a:endParaRPr lang="en-US" dirty="0"/>
+          </a:p>
+        </p:txBody>
+      </p:sp>
+      <p:sp>
+        <p:nvSpPr>
+          <p:cNvPr id="52" name="Rectangle 51">
+            <a:extLst>
+              <a:ext uri="{FF2B5EF4-FFF2-40B4-BE49-F238E27FC236}">
+                <a16:creationId xmlns:a16="http://schemas.microsoft.com/office/drawing/2014/main" id="{D07DD2DE-F619-49DD-B5E7-03A290FF4ED1}"/>
+              </a:ext>
+              <a:ext uri="{C183D7F6-B498-43B3-948B-1728B52AA6E4}">
+                <adec:decorative xmlns:adec="http://schemas.microsoft.com/office/drawing/2017/decorative" val="1"/>
+              </a:ext>
+            </a:extLst>
+          </p:cNvPr>
+          <p:cNvSpPr>
+            <a:spLocks noGrp="1" noRot="1" noChangeAspect="1" noMove="1" noResize="1" noEditPoints="1" noAdjustHandles="1" noChangeArrowheads="1" noChangeShapeType="1" noTextEdit="1"/>
+          </p:cNvSpPr>
+          <p:nvPr>
+            <p:extLst>
+              <p:ext uri="{386F3935-93C4-4BCD-93E2-E3B085C9AB24}">
+                <p16:designElem xmlns:p16="http://schemas.microsoft.com/office/powerpoint/2015/main" val="1"/>
+              </p:ext>
+            </p:extLst>
+          </p:nvPr>
+        </p:nvSpPr>
+        <p:spPr>
+          <a:xfrm rot="16200000">
+            <a:off x="-158495" y="2660473"/>
+            <a:ext cx="4355594" cy="4038603"/>
+          </a:xfrm>
+          <a:prstGeom prst="rect">
+            <a:avLst/>
+          </a:prstGeom>
+          <a:gradFill>
+            <a:gsLst>
+              <a:gs pos="0">
+                <a:schemeClr val="accent1">
+                  <a:alpha val="50000"/>
+                </a:schemeClr>
+              </a:gs>
+              <a:gs pos="100000">
+                <a:schemeClr val="accent1">
+                  <a:lumMod val="50000"/>
+                  <a:alpha val="0"/>
+                </a:schemeClr>
+              </a:gs>
+            </a:gsLst>
+            <a:lin ang="11400000" scaled="0"/>
+          </a:gradFill>
+          <a:ln>
+            <a:noFill/>
+          </a:ln>
+        </p:spPr>
+        <p:style>
+          <a:lnRef idx="2">
+            <a:schemeClr val="accent1">
+              <a:shade val="50000"/>
+            </a:schemeClr>
+          </a:lnRef>
+          <a:fillRef idx="1">
+            <a:schemeClr val="accent1"/>
+          </a:fillRef>
+          <a:effectRef idx="0">
+            <a:schemeClr val="accent1"/>
+          </a:effectRef>
+          <a:fontRef idx="minor">
+            <a:schemeClr val="lt1"/>
+          </a:fontRef>
+        </p:style>
+        <p:txBody>
+          <a:bodyPr rtlCol="0" anchor="ctr"/>
+          <a:lstStyle/>
+          <a:p>
+            <a:pPr algn="ctr"/>
             <a:endParaRPr lang="en-US"/>
+          </a:p>
+        </p:txBody>
+      </p:sp>
+      <p:sp>
+        <p:nvSpPr>
+          <p:cNvPr id="54" name="Rectangle 53">
+            <a:extLst>
+              <a:ext uri="{FF2B5EF4-FFF2-40B4-BE49-F238E27FC236}">
+                <a16:creationId xmlns:a16="http://schemas.microsoft.com/office/drawing/2014/main" id="{85149191-5F60-4A28-AAFF-039F96B0F3EC}"/>
+              </a:ext>
+              <a:ext uri="{C183D7F6-B498-43B3-948B-1728B52AA6E4}">
+                <adec:decorative xmlns:adec="http://schemas.microsoft.com/office/drawing/2017/decorative" val="1"/>
+              </a:ext>
+            </a:extLst>
+          </p:cNvPr>
+          <p:cNvSpPr>
+            <a:spLocks noGrp="1" noRot="1" noChangeAspect="1" noMove="1" noResize="1" noEditPoints="1" noAdjustHandles="1" noChangeArrowheads="1" noChangeShapeType="1" noTextEdit="1"/>
+          </p:cNvSpPr>
+          <p:nvPr>
+            <p:extLst>
+              <p:ext uri="{386F3935-93C4-4BCD-93E2-E3B085C9AB24}">
+                <p16:designElem xmlns:p16="http://schemas.microsoft.com/office/powerpoint/2015/main" val="1"/>
+              </p:ext>
+            </p:extLst>
+          </p:nvPr>
+        </p:nvSpPr>
+        <p:spPr>
+          <a:xfrm rot="16200000" flipH="1">
+            <a:off x="-1180882" y="1638085"/>
+            <a:ext cx="6857572" cy="3581401"/>
+          </a:xfrm>
+          <a:prstGeom prst="rect">
+            <a:avLst/>
+          </a:prstGeom>
+          <a:gradFill>
+            <a:gsLst>
+              <a:gs pos="0">
+                <a:srgbClr val="000000">
+                  <a:alpha val="59000"/>
+                </a:srgbClr>
+              </a:gs>
+              <a:gs pos="69000">
+                <a:schemeClr val="accent1">
+                  <a:alpha val="0"/>
+                </a:schemeClr>
+              </a:gs>
+            </a:gsLst>
+            <a:lin ang="13200000" scaled="0"/>
+          </a:gradFill>
+          <a:ln>
+            <a:noFill/>
+          </a:ln>
+        </p:spPr>
+        <p:style>
+          <a:lnRef idx="2">
+            <a:schemeClr val="accent1">
+              <a:shade val="50000"/>
+            </a:schemeClr>
+          </a:lnRef>
+          <a:fillRef idx="1">
+            <a:schemeClr val="accent1"/>
+          </a:fillRef>
+          <a:effectRef idx="0">
+            <a:schemeClr val="accent1"/>
+          </a:effectRef>
+          <a:fontRef idx="minor">
+            <a:schemeClr val="lt1"/>
+          </a:fontRef>
+        </p:style>
+        <p:txBody>
+          <a:bodyPr rtlCol="0" anchor="ctr"/>
+          <a:lstStyle/>
+          <a:p>
+            <a:pPr algn="ctr"/>
+            <a:endParaRPr lang="en-US" dirty="0"/>
+          </a:p>
+        </p:txBody>
+      </p:sp>
+      <p:sp>
+        <p:nvSpPr>
+          <p:cNvPr id="56" name="Freeform: Shape 55">
+            <a:extLst>
+              <a:ext uri="{FF2B5EF4-FFF2-40B4-BE49-F238E27FC236}">
+                <a16:creationId xmlns:a16="http://schemas.microsoft.com/office/drawing/2014/main" id="{F8260ED5-17F7-4158-B241-D51DD4CF1B7E}"/>
+              </a:ext>
+              <a:ext uri="{C183D7F6-B498-43B3-948B-1728B52AA6E4}">
+                <adec:decorative xmlns:adec="http://schemas.microsoft.com/office/drawing/2017/decorative" val="1"/>
+              </a:ext>
+            </a:extLst>
+          </p:cNvPr>
+          <p:cNvSpPr>
+            <a:spLocks noGrp="1" noRot="1" noChangeAspect="1" noMove="1" noResize="1" noEditPoints="1" noAdjustHandles="1" noChangeArrowheads="1" noChangeShapeType="1" noTextEdit="1"/>
+          </p:cNvSpPr>
+          <p:nvPr>
+            <p:extLst>
+              <p:ext uri="{386F3935-93C4-4BCD-93E2-E3B085C9AB24}">
+                <p16:designElem xmlns:p16="http://schemas.microsoft.com/office/powerpoint/2015/main" val="1"/>
+              </p:ext>
+            </p:extLst>
+          </p:nvPr>
+        </p:nvSpPr>
+        <p:spPr>
+          <a:xfrm rot="6097846">
+            <a:off x="-747355" y="1201312"/>
+            <a:ext cx="4808302" cy="4088666"/>
+          </a:xfrm>
+          <a:custGeom>
+            <a:avLst/>
+            <a:gdLst>
+              <a:gd name="connsiteX0" fmla="*/ 48844 w 4808302"/>
+              <a:gd name="connsiteY0" fmla="*/ 2888671 h 4088666"/>
+              <a:gd name="connsiteX1" fmla="*/ 0 w 4808302"/>
+              <a:gd name="connsiteY1" fmla="*/ 2404151 h 4088666"/>
+              <a:gd name="connsiteX2" fmla="*/ 2404151 w 4808302"/>
+              <a:gd name="connsiteY2" fmla="*/ 0 h 4088666"/>
+              <a:gd name="connsiteX3" fmla="*/ 4808302 w 4808302"/>
+              <a:gd name="connsiteY3" fmla="*/ 2404151 h 4088666"/>
+              <a:gd name="connsiteX4" fmla="*/ 4700216 w 4808302"/>
+              <a:gd name="connsiteY4" fmla="*/ 3119072 h 4088666"/>
+              <a:gd name="connsiteX5" fmla="*/ 4643143 w 4808302"/>
+              <a:gd name="connsiteY5" fmla="*/ 3275009 h 4088666"/>
+              <a:gd name="connsiteX6" fmla="*/ 690093 w 4808302"/>
+              <a:gd name="connsiteY6" fmla="*/ 4088666 h 4088666"/>
+              <a:gd name="connsiteX7" fmla="*/ 548991 w 4808302"/>
+              <a:gd name="connsiteY7" fmla="*/ 3933414 h 4088666"/>
+              <a:gd name="connsiteX8" fmla="*/ 48844 w 4808302"/>
+              <a:gd name="connsiteY8" fmla="*/ 2888671 h 4088666"/>
+            </a:gdLst>
+            <a:ahLst/>
+            <a:cxnLst>
+              <a:cxn ang="0">
+                <a:pos x="connsiteX0" y="connsiteY0"/>
+              </a:cxn>
+              <a:cxn ang="0">
+                <a:pos x="connsiteX1" y="connsiteY1"/>
+              </a:cxn>
+              <a:cxn ang="0">
+                <a:pos x="connsiteX2" y="connsiteY2"/>
+              </a:cxn>
+              <a:cxn ang="0">
+                <a:pos x="connsiteX3" y="connsiteY3"/>
+              </a:cxn>
+              <a:cxn ang="0">
+                <a:pos x="connsiteX4" y="connsiteY4"/>
+              </a:cxn>
+              <a:cxn ang="0">
+                <a:pos x="connsiteX5" y="connsiteY5"/>
+              </a:cxn>
+              <a:cxn ang="0">
+                <a:pos x="connsiteX6" y="connsiteY6"/>
+              </a:cxn>
+              <a:cxn ang="0">
+                <a:pos x="connsiteX7" y="connsiteY7"/>
+              </a:cxn>
+              <a:cxn ang="0">
+                <a:pos x="connsiteX8" y="connsiteY8"/>
+              </a:cxn>
+            </a:cxnLst>
+            <a:rect l="l" t="t" r="r" b="b"/>
+            <a:pathLst>
+              <a:path w="4808302" h="4088666">
+                <a:moveTo>
+                  <a:pt x="48844" y="2888671"/>
+                </a:moveTo>
+                <a:cubicBezTo>
+                  <a:pt x="16818" y="2732167"/>
+                  <a:pt x="0" y="2570123"/>
+                  <a:pt x="0" y="2404151"/>
+                </a:cubicBezTo>
+                <a:cubicBezTo>
+                  <a:pt x="0" y="1076375"/>
+                  <a:pt x="1076375" y="0"/>
+                  <a:pt x="2404151" y="0"/>
+                </a:cubicBezTo>
+                <a:cubicBezTo>
+                  <a:pt x="3731927" y="0"/>
+                  <a:pt x="4808302" y="1076375"/>
+                  <a:pt x="4808302" y="2404151"/>
+                </a:cubicBezTo>
+                <a:cubicBezTo>
+                  <a:pt x="4808302" y="2653109"/>
+                  <a:pt x="4770461" y="2893229"/>
+                  <a:pt x="4700216" y="3119072"/>
+                </a:cubicBezTo>
+                <a:lnTo>
+                  <a:pt x="4643143" y="3275009"/>
+                </a:lnTo>
+                <a:lnTo>
+                  <a:pt x="690093" y="4088666"/>
+                </a:lnTo>
+                <a:lnTo>
+                  <a:pt x="548991" y="3933414"/>
+                </a:lnTo>
+                <a:cubicBezTo>
+                  <a:pt x="304015" y="3636572"/>
+                  <a:pt x="128908" y="3279932"/>
+                  <a:pt x="48844" y="2888671"/>
+                </a:cubicBezTo>
+                <a:close/>
+              </a:path>
+            </a:pathLst>
+          </a:custGeom>
+          <a:gradFill>
+            <a:gsLst>
+              <a:gs pos="39000">
+                <a:schemeClr val="accent1">
+                  <a:lumMod val="60000"/>
+                  <a:lumOff val="40000"/>
+                  <a:alpha val="0"/>
+                </a:schemeClr>
+              </a:gs>
+              <a:gs pos="100000">
+                <a:schemeClr val="accent1">
+                  <a:lumMod val="75000"/>
+                  <a:alpha val="26000"/>
+                </a:schemeClr>
+              </a:gs>
+            </a:gsLst>
+            <a:lin ang="18600000" scaled="0"/>
+          </a:gradFill>
+          <a:ln>
+            <a:noFill/>
+          </a:ln>
+        </p:spPr>
+        <p:style>
+          <a:lnRef idx="2">
+            <a:schemeClr val="accent1">
+              <a:shade val="50000"/>
+            </a:schemeClr>
+          </a:lnRef>
+          <a:fillRef idx="1">
+            <a:schemeClr val="accent1"/>
+          </a:fillRef>
+          <a:effectRef idx="0">
+            <a:schemeClr val="accent1"/>
+          </a:effectRef>
+          <a:fontRef idx="minor">
+            <a:schemeClr val="lt1"/>
+          </a:fontRef>
+        </p:style>
+        <p:txBody>
+          <a:bodyPr wrap="square" rtlCol="0" anchor="ctr">
+            <a:noAutofit/>
+          </a:bodyPr>
+          <a:lstStyle/>
+          <a:p>
+            <a:pPr algn="ctr"/>
+            <a:endParaRPr lang="en-US" dirty="0"/>
           </a:p>
         </p:txBody>
       </p:sp>
@@ -15975,20 +16291,18 @@
         </p:nvSpPr>
         <p:spPr>
           <a:xfrm>
-            <a:off x="1028700" y="1967266"/>
-            <a:ext cx="2628900" cy="2547257"/>
+            <a:off x="660041" y="2767106"/>
+            <a:ext cx="2880828" cy="3071906"/>
           </a:xfrm>
-          <a:noFill/>
         </p:spPr>
         <p:txBody>
-          <a:bodyPr vert="horz" lIns="91440" tIns="45720" rIns="91440" bIns="45720" rtlCol="0" anchor="ctr">
+          <a:bodyPr vert="horz" lIns="91440" tIns="45720" rIns="91440" bIns="45720" rtlCol="0" anchor="t">
             <a:normAutofit/>
           </a:bodyPr>
           <a:lstStyle/>
           <a:p>
-            <a:pPr algn="ctr"/>
             <a:r>
-              <a:rPr lang="en-US" sz="3600" kern="1200">
+              <a:rPr lang="en-US" sz="4000" kern="1200">
                 <a:solidFill>
                   <a:srgbClr val="FFFFFF"/>
                 </a:solidFill>
@@ -16011,11 +16325,9 @@
             </a:extLst>
           </p:cNvPr>
           <p:cNvPicPr>
-            <a:picLocks noGrp="1" noChangeAspect="1"/>
+            <a:picLocks noChangeAspect="1"/>
           </p:cNvPicPr>
-          <p:nvPr>
-            <p:ph idx="1"/>
-          </p:nvPr>
+          <p:nvPr/>
         </p:nvPicPr>
         <p:blipFill>
           <a:blip r:embed="rId2">
@@ -16031,8 +16343,8 @@
         </p:blipFill>
         <p:spPr>
           <a:xfrm>
-            <a:off x="4777316" y="808790"/>
-            <a:ext cx="6780700" cy="5238090"/>
+            <a:off x="4502428" y="638055"/>
+            <a:ext cx="7225748" cy="5581890"/>
           </a:xfrm>
           <a:prstGeom prst="rect">
             <a:avLst/>
@@ -16079,10 +16391,10 @@
       </p:grpSpPr>
       <p:sp useBgFill="1">
         <p:nvSpPr>
-          <p:cNvPr id="17" name="Rectangle 16">
+          <p:cNvPr id="24" name="Rectangle 23">
             <a:extLst>
               <a:ext uri="{FF2B5EF4-FFF2-40B4-BE49-F238E27FC236}">
-                <a16:creationId xmlns:a16="http://schemas.microsoft.com/office/drawing/2014/main" id="{85016AEC-0320-4ED0-8ECB-FE11DDDFE17A}"/>
+                <a16:creationId xmlns:a16="http://schemas.microsoft.com/office/drawing/2014/main" id="{2596F992-698C-48C0-9D89-70DA4CE927EF}"/>
               </a:ext>
               <a:ext uri="{C183D7F6-B498-43B3-948B-1728B52AA6E4}">
                 <adec:decorative xmlns:adec="http://schemas.microsoft.com/office/drawing/2017/decorative" val="1"/>
@@ -16102,15 +16414,31 @@
         </p:nvSpPr>
         <p:spPr>
           <a:xfrm>
-            <a:off x="-1" y="0"/>
-            <a:ext cx="12191695" cy="6858000"/>
+            <a:off x="0" y="0"/>
+            <a:ext cx="12192000" cy="6858000"/>
           </a:xfrm>
           <a:prstGeom prst="rect">
             <a:avLst/>
           </a:prstGeom>
-          <a:ln>
+          <a:ln w="12700" cap="flat" cmpd="sng" algn="ctr">
             <a:noFill/>
+            <a:prstDash val="solid"/>
+            <a:miter lim="800000"/>
           </a:ln>
+          <a:effectLst/>
+          <a:extLst>
+            <a:ext uri="{91240B29-F687-4F45-9708-019B960494DF}">
+              <a14:hiddenLine xmlns:a14="http://schemas.microsoft.com/office/drawing/2010/main" w="12700" cap="flat" cmpd="sng" algn="ctr">
+                <a:solidFill>
+                  <a:schemeClr val="accent1">
+                    <a:shade val="50000"/>
+                  </a:schemeClr>
+                </a:solidFill>
+                <a:prstDash val="solid"/>
+                <a:miter lim="800000"/>
+              </a14:hiddenLine>
+            </a:ext>
+          </a:extLst>
         </p:spPr>
         <p:style>
           <a:lnRef idx="2">
@@ -16155,83 +16483,22 @@
         </p:nvSpPr>
         <p:spPr>
           <a:xfrm>
-            <a:off x="1349531" y="4233675"/>
-            <a:ext cx="4424430" cy="2015774"/>
+            <a:off x="818985" y="4230093"/>
+            <a:ext cx="1663963" cy="1800165"/>
           </a:xfrm>
         </p:spPr>
         <p:txBody>
-          <a:bodyPr>
+          <a:bodyPr anchor="t">
             <a:normAutofit/>
           </a:bodyPr>
           <a:lstStyle/>
           <a:p>
+            <a:pPr algn="r"/>
             <a:r>
-              <a:rPr lang="en-US" sz="4000"/>
+              <a:rPr lang="en-US" sz="4000" dirty="0" err="1"/>
               <a:t>GitOps</a:t>
             </a:r>
-          </a:p>
-        </p:txBody>
-      </p:sp>
-      <p:sp>
-        <p:nvSpPr>
-          <p:cNvPr id="19" name="Rectangle 18">
-            <a:extLst>
-              <a:ext uri="{FF2B5EF4-FFF2-40B4-BE49-F238E27FC236}">
-                <a16:creationId xmlns:a16="http://schemas.microsoft.com/office/drawing/2014/main" id="{C70C3B59-DE2C-4611-8148-812575C5CA48}"/>
-              </a:ext>
-              <a:ext uri="{C183D7F6-B498-43B3-948B-1728B52AA6E4}">
-                <adec:decorative xmlns:adec="http://schemas.microsoft.com/office/drawing/2017/decorative" val="1"/>
-              </a:ext>
-            </a:extLst>
-          </p:cNvPr>
-          <p:cNvSpPr>
-            <a:spLocks noGrp="1" noRot="1" noChangeAspect="1" noMove="1" noResize="1" noEditPoints="1" noAdjustHandles="1" noChangeArrowheads="1" noChangeShapeType="1" noTextEdit="1"/>
-          </p:cNvSpPr>
-          <p:nvPr>
-            <p:extLst>
-              <p:ext uri="{386F3935-93C4-4BCD-93E2-E3B085C9AB24}">
-                <p16:designElem xmlns:p16="http://schemas.microsoft.com/office/powerpoint/2015/main" val="1"/>
-              </p:ext>
-            </p:extLst>
-          </p:nvPr>
-        </p:nvSpPr>
-        <p:spPr>
-          <a:xfrm>
-            <a:off x="0" y="891540"/>
-            <a:ext cx="722376" cy="5071110"/>
-          </a:xfrm>
-          <a:prstGeom prst="rect">
-            <a:avLst/>
-          </a:prstGeom>
-          <a:solidFill>
-            <a:srgbClr val="4C5254"/>
-          </a:solidFill>
-          <a:ln>
-            <a:noFill/>
-          </a:ln>
-        </p:spPr>
-        <p:style>
-          <a:lnRef idx="2">
-            <a:schemeClr val="accent1">
-              <a:shade val="50000"/>
-            </a:schemeClr>
-          </a:lnRef>
-          <a:fillRef idx="1">
-            <a:schemeClr val="accent1"/>
-          </a:fillRef>
-          <a:effectRef idx="0">
-            <a:schemeClr val="accent1"/>
-          </a:effectRef>
-          <a:fontRef idx="minor">
-            <a:schemeClr val="lt1"/>
-          </a:fontRef>
-        </p:style>
-        <p:txBody>
-          <a:bodyPr rtlCol="0" anchor="ctr"/>
-          <a:lstStyle/>
-          <a:p>
-            <a:pPr algn="ctr"/>
-            <a:endParaRPr lang="en-US"/>
+            <a:endParaRPr lang="en-US" sz="4000" dirty="0"/>
           </a:p>
         </p:txBody>
       </p:sp>
@@ -16257,19 +16524,12 @@
         </p:blipFill>
         <p:spPr>
           <a:xfrm>
-            <a:off x="1349531" y="917931"/>
-            <a:ext cx="10228659" cy="3017453"/>
+            <a:off x="556592" y="541746"/>
+            <a:ext cx="11139778" cy="3286233"/>
           </a:xfrm>
           <a:prstGeom prst="rect">
             <a:avLst/>
           </a:prstGeom>
-          <a:effectLst>
-            <a:outerShdw blurRad="406400" dist="317500" dir="5400000" sx="89000" sy="89000" rotWithShape="0">
-              <a:prstClr val="black">
-                <a:alpha val="15000"/>
-              </a:prstClr>
-            </a:outerShdw>
-          </a:effectLst>
         </p:spPr>
       </p:pic>
       <p:sp>
@@ -16290,43 +16550,196 @@
         </p:nvSpPr>
         <p:spPr>
           <a:xfrm>
-            <a:off x="6417733" y="4212709"/>
-            <a:ext cx="5160457" cy="2036742"/>
+            <a:off x="3200400" y="3827979"/>
+            <a:ext cx="8743071" cy="2755701"/>
           </a:xfrm>
         </p:spPr>
         <p:txBody>
-          <a:bodyPr anchor="ctr">
-            <a:normAutofit/>
+          <a:bodyPr anchor="t">
+            <a:noAutofit/>
           </a:bodyPr>
           <a:lstStyle/>
           <a:p>
             <a:r>
-              <a:rPr lang="en-US" sz="2000"/>
+              <a:rPr lang="en-US" dirty="0"/>
               <a:t>Describe Infrastructure </a:t>
             </a:r>
             <a:r>
-              <a:rPr lang="de-AT" sz="2000"/>
-              <a:t>as Code</a:t>
+              <a:rPr lang="de-AT" dirty="0"/>
+              <a:t>as Code in a Git repository</a:t>
             </a:r>
           </a:p>
           <a:p>
             <a:r>
-              <a:rPr lang="de-AT" sz="2000"/>
-              <a:t>Store in Git repository</a:t>
-            </a:r>
-          </a:p>
-          <a:p>
-            <a:r>
-              <a:rPr lang="de-AT" sz="2000"/>
+              <a:rPr lang="de-AT" dirty="0"/>
               <a:t>Trigger CI/CD for Desired State</a:t>
             </a:r>
           </a:p>
           <a:p>
             <a:r>
-              <a:rPr lang="de-AT" sz="2000"/>
+              <a:rPr lang="de-AT" dirty="0"/>
               <a:t>Version control for infrastucture changes</a:t>
             </a:r>
-            <a:endParaRPr lang="en-US" sz="2000"/>
+          </a:p>
+          <a:p>
+            <a:pPr lvl="1"/>
+            <a:r>
+              <a:rPr lang="de-AT" sz="2800" dirty="0"/>
+              <a:t>Code Reviews, Pull Request, Comments</a:t>
+            </a:r>
+          </a:p>
+          <a:p>
+            <a:r>
+              <a:rPr lang="de-AT" dirty="0"/>
+              <a:t>Revert to previous Infrastructure version</a:t>
+            </a:r>
+            <a:endParaRPr lang="en-US" dirty="0"/>
+          </a:p>
+        </p:txBody>
+      </p:sp>
+      <p:sp>
+        <p:nvSpPr>
+          <p:cNvPr id="26" name="Rectangle 25">
+            <a:extLst>
+              <a:ext uri="{FF2B5EF4-FFF2-40B4-BE49-F238E27FC236}">
+                <a16:creationId xmlns:a16="http://schemas.microsoft.com/office/drawing/2014/main" id="{E7BFF8DC-0AE7-4AD2-9B28-2E5F26D62C30}"/>
+              </a:ext>
+              <a:ext uri="{C183D7F6-B498-43B3-948B-1728B52AA6E4}">
+                <adec:decorative xmlns:adec="http://schemas.microsoft.com/office/drawing/2017/decorative" val="1"/>
+              </a:ext>
+            </a:extLst>
+          </p:cNvPr>
+          <p:cNvSpPr>
+            <a:spLocks noGrp="1" noRot="1" noChangeAspect="1" noMove="1" noResize="1" noEditPoints="1" noAdjustHandles="1" noChangeArrowheads="1" noChangeShapeType="1" noTextEdit="1"/>
+          </p:cNvSpPr>
+          <p:nvPr>
+            <p:extLst>
+              <p:ext uri="{386F3935-93C4-4BCD-93E2-E3B085C9AB24}">
+                <p16:designElem xmlns:p16="http://schemas.microsoft.com/office/powerpoint/2015/main" val="1"/>
+              </p:ext>
+            </p:extLst>
+          </p:nvPr>
+        </p:nvSpPr>
+        <p:spPr>
+          <a:xfrm flipH="1">
+            <a:off x="0" y="6406116"/>
+            <a:ext cx="12191998" cy="461774"/>
+          </a:xfrm>
+          <a:prstGeom prst="rect">
+            <a:avLst/>
+          </a:prstGeom>
+          <a:gradFill>
+            <a:gsLst>
+              <a:gs pos="0">
+                <a:srgbClr val="000000"/>
+              </a:gs>
+              <a:gs pos="100000">
+                <a:schemeClr val="accent1">
+                  <a:lumMod val="75000"/>
+                </a:schemeClr>
+              </a:gs>
+            </a:gsLst>
+            <a:lin ang="15000000" scaled="0"/>
+          </a:gradFill>
+          <a:ln>
+            <a:noFill/>
+          </a:ln>
+        </p:spPr>
+        <p:style>
+          <a:lnRef idx="2">
+            <a:schemeClr val="accent1">
+              <a:shade val="50000"/>
+            </a:schemeClr>
+          </a:lnRef>
+          <a:fillRef idx="1">
+            <a:schemeClr val="accent1"/>
+          </a:fillRef>
+          <a:effectRef idx="0">
+            <a:schemeClr val="accent1"/>
+          </a:effectRef>
+          <a:fontRef idx="minor">
+            <a:schemeClr val="lt1"/>
+          </a:fontRef>
+        </p:style>
+        <p:txBody>
+          <a:bodyPr rtlCol="0" anchor="ctr"/>
+          <a:lstStyle/>
+          <a:p>
+            <a:pPr algn="ctr"/>
+            <a:endParaRPr lang="en-US"/>
+          </a:p>
+        </p:txBody>
+      </p:sp>
+      <p:sp>
+        <p:nvSpPr>
+          <p:cNvPr id="28" name="Rectangle 27">
+            <a:extLst>
+              <a:ext uri="{FF2B5EF4-FFF2-40B4-BE49-F238E27FC236}">
+                <a16:creationId xmlns:a16="http://schemas.microsoft.com/office/drawing/2014/main" id="{7E0162AD-C6E5-4BF8-A453-76ADB36877D3}"/>
+              </a:ext>
+              <a:ext uri="{C183D7F6-B498-43B3-948B-1728B52AA6E4}">
+                <adec:decorative xmlns:adec="http://schemas.microsoft.com/office/drawing/2017/decorative" val="1"/>
+              </a:ext>
+            </a:extLst>
+          </p:cNvPr>
+          <p:cNvSpPr>
+            <a:spLocks noGrp="1" noRot="1" noChangeAspect="1" noMove="1" noResize="1" noEditPoints="1" noAdjustHandles="1" noChangeArrowheads="1" noChangeShapeType="1" noTextEdit="1"/>
+          </p:cNvSpPr>
+          <p:nvPr>
+            <p:extLst>
+              <p:ext uri="{386F3935-93C4-4BCD-93E2-E3B085C9AB24}">
+                <p16:designElem xmlns:p16="http://schemas.microsoft.com/office/powerpoint/2015/main" val="1"/>
+              </p:ext>
+            </p:extLst>
+          </p:nvPr>
+        </p:nvSpPr>
+        <p:spPr>
+          <a:xfrm flipH="1">
+            <a:off x="8115300" y="6406115"/>
+            <a:ext cx="4076698" cy="464399"/>
+          </a:xfrm>
+          <a:prstGeom prst="rect">
+            <a:avLst/>
+          </a:prstGeom>
+          <a:gradFill>
+            <a:gsLst>
+              <a:gs pos="19000">
+                <a:srgbClr val="000000">
+                  <a:alpha val="31000"/>
+                </a:srgbClr>
+              </a:gs>
+              <a:gs pos="99000">
+                <a:schemeClr val="accent1"/>
+              </a:gs>
+            </a:gsLst>
+            <a:lin ang="13200000" scaled="0"/>
+          </a:gradFill>
+          <a:ln>
+            <a:noFill/>
+          </a:ln>
+        </p:spPr>
+        <p:style>
+          <a:lnRef idx="2">
+            <a:schemeClr val="accent1">
+              <a:shade val="50000"/>
+            </a:schemeClr>
+          </a:lnRef>
+          <a:fillRef idx="1">
+            <a:schemeClr val="accent1"/>
+          </a:fillRef>
+          <a:effectRef idx="0">
+            <a:schemeClr val="accent1"/>
+          </a:effectRef>
+          <a:fontRef idx="minor">
+            <a:schemeClr val="lt1"/>
+          </a:fontRef>
+        </p:style>
+        <p:txBody>
+          <a:bodyPr rtlCol="0" anchor="ctr"/>
+          <a:lstStyle/>
+          <a:p>
+            <a:pPr algn="ctr"/>
+            <a:endParaRPr lang="en-US"/>
           </a:p>
         </p:txBody>
       </p:sp>
